--- a/correlation/Fourier_Quad/data_structure.pptx
+++ b/correlation/Fourier_Quad/data_structure.pptx
@@ -105,6 +105,11 @@
       </a:defRPr>
     </a:lvl9pPr>
   </p:defaultTextStyle>
+  <p:extLst>
+    <p:ext uri="{EFAFB233-063F-42B5-8137-9DF3F51BA10A}">
+      <p15:sldGuideLst xmlns:p15="http://schemas.microsoft.com/office/powerpoint/2012/main"/>
+    </p:ext>
+  </p:extLst>
 </p:presentation>
 </file>
 
@@ -255,7 +260,7 @@
           <a:p>
             <a:fld id="{F2DEEC08-CA69-41BE-843A-05E093E0FFC8}" type="datetimeFigureOut">
               <a:rPr lang="zh-CN" altLang="en-US" smtClean="0"/>
-              <a:t>2020/9/11</a:t>
+              <a:t>2020/9/16</a:t>
             </a:fld>
             <a:endParaRPr lang="zh-CN" altLang="en-US"/>
           </a:p>
@@ -453,7 +458,7 @@
           <a:p>
             <a:fld id="{F2DEEC08-CA69-41BE-843A-05E093E0FFC8}" type="datetimeFigureOut">
               <a:rPr lang="zh-CN" altLang="en-US" smtClean="0"/>
-              <a:t>2020/9/11</a:t>
+              <a:t>2020/9/16</a:t>
             </a:fld>
             <a:endParaRPr lang="zh-CN" altLang="en-US"/>
           </a:p>
@@ -661,7 +666,7 @@
           <a:p>
             <a:fld id="{F2DEEC08-CA69-41BE-843A-05E093E0FFC8}" type="datetimeFigureOut">
               <a:rPr lang="zh-CN" altLang="en-US" smtClean="0"/>
-              <a:t>2020/9/11</a:t>
+              <a:t>2020/9/16</a:t>
             </a:fld>
             <a:endParaRPr lang="zh-CN" altLang="en-US"/>
           </a:p>
@@ -859,7 +864,7 @@
           <a:p>
             <a:fld id="{F2DEEC08-CA69-41BE-843A-05E093E0FFC8}" type="datetimeFigureOut">
               <a:rPr lang="zh-CN" altLang="en-US" smtClean="0"/>
-              <a:t>2020/9/11</a:t>
+              <a:t>2020/9/16</a:t>
             </a:fld>
             <a:endParaRPr lang="zh-CN" altLang="en-US"/>
           </a:p>
@@ -1134,7 +1139,7 @@
           <a:p>
             <a:fld id="{F2DEEC08-CA69-41BE-843A-05E093E0FFC8}" type="datetimeFigureOut">
               <a:rPr lang="zh-CN" altLang="en-US" smtClean="0"/>
-              <a:t>2020/9/11</a:t>
+              <a:t>2020/9/16</a:t>
             </a:fld>
             <a:endParaRPr lang="zh-CN" altLang="en-US"/>
           </a:p>
@@ -1399,7 +1404,7 @@
           <a:p>
             <a:fld id="{F2DEEC08-CA69-41BE-843A-05E093E0FFC8}" type="datetimeFigureOut">
               <a:rPr lang="zh-CN" altLang="en-US" smtClean="0"/>
-              <a:t>2020/9/11</a:t>
+              <a:t>2020/9/16</a:t>
             </a:fld>
             <a:endParaRPr lang="zh-CN" altLang="en-US"/>
           </a:p>
@@ -1811,7 +1816,7 @@
           <a:p>
             <a:fld id="{F2DEEC08-CA69-41BE-843A-05E093E0FFC8}" type="datetimeFigureOut">
               <a:rPr lang="zh-CN" altLang="en-US" smtClean="0"/>
-              <a:t>2020/9/11</a:t>
+              <a:t>2020/9/16</a:t>
             </a:fld>
             <a:endParaRPr lang="zh-CN" altLang="en-US"/>
           </a:p>
@@ -1952,7 +1957,7 @@
           <a:p>
             <a:fld id="{F2DEEC08-CA69-41BE-843A-05E093E0FFC8}" type="datetimeFigureOut">
               <a:rPr lang="zh-CN" altLang="en-US" smtClean="0"/>
-              <a:t>2020/9/11</a:t>
+              <a:t>2020/9/16</a:t>
             </a:fld>
             <a:endParaRPr lang="zh-CN" altLang="en-US"/>
           </a:p>
@@ -2065,7 +2070,7 @@
           <a:p>
             <a:fld id="{F2DEEC08-CA69-41BE-843A-05E093E0FFC8}" type="datetimeFigureOut">
               <a:rPr lang="zh-CN" altLang="en-US" smtClean="0"/>
-              <a:t>2020/9/11</a:t>
+              <a:t>2020/9/16</a:t>
             </a:fld>
             <a:endParaRPr lang="zh-CN" altLang="en-US"/>
           </a:p>
@@ -2376,7 +2381,7 @@
           <a:p>
             <a:fld id="{F2DEEC08-CA69-41BE-843A-05E093E0FFC8}" type="datetimeFigureOut">
               <a:rPr lang="zh-CN" altLang="en-US" smtClean="0"/>
-              <a:t>2020/9/11</a:t>
+              <a:t>2020/9/16</a:t>
             </a:fld>
             <a:endParaRPr lang="zh-CN" altLang="en-US"/>
           </a:p>
@@ -2664,7 +2669,7 @@
           <a:p>
             <a:fld id="{F2DEEC08-CA69-41BE-843A-05E093E0FFC8}" type="datetimeFigureOut">
               <a:rPr lang="zh-CN" altLang="en-US" smtClean="0"/>
-              <a:t>2020/9/11</a:t>
+              <a:t>2020/9/16</a:t>
             </a:fld>
             <a:endParaRPr lang="zh-CN" altLang="en-US"/>
           </a:p>
@@ -2905,7 +2910,7 @@
           <a:p>
             <a:fld id="{F2DEEC08-CA69-41BE-843A-05E093E0FFC8}" type="datetimeFigureOut">
               <a:rPr lang="zh-CN" altLang="en-US" smtClean="0"/>
-              <a:t>2020/9/11</a:t>
+              <a:t>2020/9/16</a:t>
             </a:fld>
             <a:endParaRPr lang="zh-CN" altLang="en-US"/>
           </a:p>
@@ -3486,8 +3491,8 @@
               </a:p>
             </p:txBody>
           </p:sp>
-          <mc:AlternateContent xmlns:mc="http://schemas.openxmlformats.org/markup-compatibility/2006">
-            <mc:Choice xmlns:a14="http://schemas.microsoft.com/office/drawing/2010/main" Requires="a14">
+          <mc:AlternateContent xmlns:mc="http://schemas.openxmlformats.org/markup-compatibility/2006" xmlns:a14="http://schemas.microsoft.com/office/drawing/2010/main">
+            <mc:Choice Requires="a14">
               <p:sp>
                 <p:nvSpPr>
                   <p:cNvPr id="8" name="文本框 7">
@@ -3516,6 +3521,7 @@
                   </a:bodyPr>
                   <a:lstStyle/>
                   <a:p>
+                    <a:pPr/>
                     <a14:m>
                       <m:oMathPara xmlns:m="http://schemas.openxmlformats.org/officeDocument/2006/math">
                         <m:oMathParaPr>
@@ -3555,7 +3561,7 @@
                 </p:txBody>
               </p:sp>
             </mc:Choice>
-            <mc:Fallback>
+            <mc:Fallback xmlns="">
               <p:sp>
                 <p:nvSpPr>
                   <p:cNvPr id="8" name="文本框 7">
@@ -3600,8 +3606,8 @@
               </p:sp>
             </mc:Fallback>
           </mc:AlternateContent>
-          <mc:AlternateContent xmlns:mc="http://schemas.openxmlformats.org/markup-compatibility/2006">
-            <mc:Choice xmlns:a14="http://schemas.microsoft.com/office/drawing/2010/main" Requires="a14">
+          <mc:AlternateContent xmlns:mc="http://schemas.openxmlformats.org/markup-compatibility/2006" xmlns:a14="http://schemas.microsoft.com/office/drawing/2010/main">
+            <mc:Choice Requires="a14">
               <p:sp>
                 <p:nvSpPr>
                   <p:cNvPr id="10" name="文本框 9">
@@ -3670,7 +3676,7 @@
                 </p:txBody>
               </p:sp>
             </mc:Choice>
-            <mc:Fallback>
+            <mc:Fallback xmlns="">
               <p:sp>
                 <p:nvSpPr>
                   <p:cNvPr id="10" name="文本框 9">
@@ -3765,8 +3771,8 @@
             </a:p>
           </p:txBody>
         </p:sp>
-        <mc:AlternateContent xmlns:mc="http://schemas.openxmlformats.org/markup-compatibility/2006">
-          <mc:Choice xmlns:a14="http://schemas.microsoft.com/office/drawing/2010/main" Requires="a14">
+        <mc:AlternateContent xmlns:mc="http://schemas.openxmlformats.org/markup-compatibility/2006" xmlns:a14="http://schemas.microsoft.com/office/drawing/2010/main">
+          <mc:Choice Requires="a14">
             <p:sp>
               <p:nvSpPr>
                 <p:cNvPr id="13" name="文本框 12">
@@ -3795,6 +3801,7 @@
                 </a:bodyPr>
                 <a:lstStyle/>
                 <a:p>
+                  <a:pPr/>
                   <a14:m>
                     <m:oMathPara xmlns:m="http://schemas.openxmlformats.org/officeDocument/2006/math">
                       <m:oMathParaPr>
@@ -3843,7 +3850,7 @@
               </p:txBody>
             </p:sp>
           </mc:Choice>
-          <mc:Fallback>
+          <mc:Fallback xmlns="">
             <p:sp>
               <p:nvSpPr>
                 <p:cNvPr id="13" name="文本框 12">
@@ -3888,8 +3895,8 @@
             </p:sp>
           </mc:Fallback>
         </mc:AlternateContent>
-        <mc:AlternateContent xmlns:mc="http://schemas.openxmlformats.org/markup-compatibility/2006">
-          <mc:Choice xmlns:a14="http://schemas.microsoft.com/office/drawing/2010/main" Requires="a14">
+        <mc:AlternateContent xmlns:mc="http://schemas.openxmlformats.org/markup-compatibility/2006" xmlns:a14="http://schemas.microsoft.com/office/drawing/2010/main">
+          <mc:Choice Requires="a14">
             <p:sp>
               <p:nvSpPr>
                 <p:cNvPr id="15" name="文本框 14">
@@ -3986,7 +3993,7 @@
               </p:txBody>
             </p:sp>
           </mc:Choice>
-          <mc:Fallback>
+          <mc:Fallback xmlns="">
             <p:sp>
               <p:nvSpPr>
                 <p:cNvPr id="15" name="文本框 14">
@@ -4129,8 +4136,8 @@
             </a:p>
           </p:txBody>
         </p:sp>
-        <mc:AlternateContent xmlns:mc="http://schemas.openxmlformats.org/markup-compatibility/2006">
-          <mc:Choice xmlns:a14="http://schemas.microsoft.com/office/drawing/2010/main" Requires="a14">
+        <mc:AlternateContent xmlns:mc="http://schemas.openxmlformats.org/markup-compatibility/2006" xmlns:a14="http://schemas.microsoft.com/office/drawing/2010/main">
+          <mc:Choice Requires="a14">
             <p:sp>
               <p:nvSpPr>
                 <p:cNvPr id="20" name="文本框 19">
@@ -4239,7 +4246,7 @@
               </p:txBody>
             </p:sp>
           </mc:Choice>
-          <mc:Fallback>
+          <mc:Fallback xmlns="">
             <p:sp>
               <p:nvSpPr>
                 <p:cNvPr id="20" name="文本框 19">
@@ -4465,8 +4472,8 @@
               </a:p>
             </p:txBody>
           </p:sp>
-          <mc:AlternateContent xmlns:mc="http://schemas.openxmlformats.org/markup-compatibility/2006">
-            <mc:Choice xmlns:a14="http://schemas.microsoft.com/office/drawing/2010/main" Requires="a14">
+          <mc:AlternateContent xmlns:mc="http://schemas.openxmlformats.org/markup-compatibility/2006" xmlns:a14="http://schemas.microsoft.com/office/drawing/2010/main">
+            <mc:Choice Requires="a14">
               <p:sp>
                 <p:nvSpPr>
                   <p:cNvPr id="35" name="文本框 34">
@@ -4495,6 +4502,7 @@
                   </a:bodyPr>
                   <a:lstStyle/>
                   <a:p>
+                    <a:pPr/>
                     <a14:m>
                       <m:oMathPara xmlns:m="http://schemas.openxmlformats.org/officeDocument/2006/math">
                         <m:oMathParaPr>
@@ -4534,7 +4542,7 @@
                 </p:txBody>
               </p:sp>
             </mc:Choice>
-            <mc:Fallback>
+            <mc:Fallback xmlns="">
               <p:sp>
                 <p:nvSpPr>
                   <p:cNvPr id="35" name="文本框 34">
@@ -4579,8 +4587,8 @@
               </p:sp>
             </mc:Fallback>
           </mc:AlternateContent>
-          <mc:AlternateContent xmlns:mc="http://schemas.openxmlformats.org/markup-compatibility/2006">
-            <mc:Choice xmlns:a14="http://schemas.microsoft.com/office/drawing/2010/main" Requires="a14">
+          <mc:AlternateContent xmlns:mc="http://schemas.openxmlformats.org/markup-compatibility/2006" xmlns:a14="http://schemas.microsoft.com/office/drawing/2010/main">
+            <mc:Choice Requires="a14">
               <p:sp>
                 <p:nvSpPr>
                   <p:cNvPr id="36" name="文本框 35">
@@ -4649,7 +4657,7 @@
                 </p:txBody>
               </p:sp>
             </mc:Choice>
-            <mc:Fallback>
+            <mc:Fallback xmlns="">
               <p:sp>
                 <p:nvSpPr>
                   <p:cNvPr id="36" name="文本框 35">
@@ -4744,8 +4752,8 @@
             </a:p>
           </p:txBody>
         </p:sp>
-        <mc:AlternateContent xmlns:mc="http://schemas.openxmlformats.org/markup-compatibility/2006">
-          <mc:Choice xmlns:a14="http://schemas.microsoft.com/office/drawing/2010/main" Requires="a14">
+        <mc:AlternateContent xmlns:mc="http://schemas.openxmlformats.org/markup-compatibility/2006" xmlns:a14="http://schemas.microsoft.com/office/drawing/2010/main">
+          <mc:Choice Requires="a14">
             <p:sp>
               <p:nvSpPr>
                 <p:cNvPr id="29" name="文本框 28">
@@ -4774,6 +4782,7 @@
                 </a:bodyPr>
                 <a:lstStyle/>
                 <a:p>
+                  <a:pPr/>
                   <a14:m>
                     <m:oMathPara xmlns:m="http://schemas.openxmlformats.org/officeDocument/2006/math">
                       <m:oMathParaPr>
@@ -4822,7 +4831,7 @@
               </p:txBody>
             </p:sp>
           </mc:Choice>
-          <mc:Fallback>
+          <mc:Fallback xmlns="">
             <p:sp>
               <p:nvSpPr>
                 <p:cNvPr id="29" name="文本框 28">
@@ -4867,8 +4876,8 @@
             </p:sp>
           </mc:Fallback>
         </mc:AlternateContent>
-        <mc:AlternateContent xmlns:mc="http://schemas.openxmlformats.org/markup-compatibility/2006">
-          <mc:Choice xmlns:a14="http://schemas.microsoft.com/office/drawing/2010/main" Requires="a14">
+        <mc:AlternateContent xmlns:mc="http://schemas.openxmlformats.org/markup-compatibility/2006" xmlns:a14="http://schemas.microsoft.com/office/drawing/2010/main">
+          <mc:Choice Requires="a14">
             <p:sp>
               <p:nvSpPr>
                 <p:cNvPr id="30" name="文本框 29">
@@ -4965,7 +4974,7 @@
               </p:txBody>
             </p:sp>
           </mc:Choice>
-          <mc:Fallback>
+          <mc:Fallback xmlns="">
             <p:sp>
               <p:nvSpPr>
                 <p:cNvPr id="30" name="文本框 29">
@@ -5108,8 +5117,8 @@
             </a:p>
           </p:txBody>
         </p:sp>
-        <mc:AlternateContent xmlns:mc="http://schemas.openxmlformats.org/markup-compatibility/2006">
-          <mc:Choice xmlns:a14="http://schemas.microsoft.com/office/drawing/2010/main" Requires="a14">
+        <mc:AlternateContent xmlns:mc="http://schemas.openxmlformats.org/markup-compatibility/2006" xmlns:a14="http://schemas.microsoft.com/office/drawing/2010/main">
+          <mc:Choice Requires="a14">
             <p:sp>
               <p:nvSpPr>
                 <p:cNvPr id="33" name="文本框 32">
@@ -5245,7 +5254,7 @@
               </p:txBody>
             </p:sp>
           </mc:Choice>
-          <mc:Fallback>
+          <mc:Fallback xmlns="">
             <p:sp>
               <p:nvSpPr>
                 <p:cNvPr id="33" name="文本框 32">
@@ -5379,8 +5388,8 @@
           </a:p>
         </p:txBody>
       </p:sp>
-      <mc:AlternateContent xmlns:mc="http://schemas.openxmlformats.org/markup-compatibility/2006">
-        <mc:Choice xmlns:a14="http://schemas.microsoft.com/office/drawing/2010/main" Requires="a14">
+      <mc:AlternateContent xmlns:mc="http://schemas.openxmlformats.org/markup-compatibility/2006" xmlns:a14="http://schemas.microsoft.com/office/drawing/2010/main">
+        <mc:Choice Requires="a14">
           <p:sp>
             <p:nvSpPr>
               <p:cNvPr id="40" name="文本框 39">
@@ -5409,6 +5418,7 @@
               </a:bodyPr>
               <a:lstStyle/>
               <a:p>
+                <a:pPr/>
                 <a14:m>
                   <m:oMathPara xmlns:m="http://schemas.openxmlformats.org/officeDocument/2006/math">
                     <m:oMathParaPr>
@@ -5540,7 +5550,7 @@
             </p:txBody>
           </p:sp>
         </mc:Choice>
-        <mc:Fallback>
+        <mc:Fallback xmlns="">
           <p:sp>
             <p:nvSpPr>
               <p:cNvPr id="40" name="文本框 39">
@@ -5684,8 +5694,8 @@
           </a:p>
         </p:txBody>
       </p:sp>
-      <mc:AlternateContent xmlns:mc="http://schemas.openxmlformats.org/markup-compatibility/2006">
-        <mc:Choice xmlns:a14="http://schemas.microsoft.com/office/drawing/2010/main" Requires="a14">
+      <mc:AlternateContent xmlns:mc="http://schemas.openxmlformats.org/markup-compatibility/2006" xmlns:a14="http://schemas.microsoft.com/office/drawing/2010/main">
+        <mc:Choice Requires="a14">
           <p:sp>
             <p:nvSpPr>
               <p:cNvPr id="44" name="文本框 43">
@@ -5763,7 +5773,7 @@
             </p:txBody>
           </p:sp>
         </mc:Choice>
-        <mc:Fallback>
+        <mc:Fallback xmlns="">
           <p:sp>
             <p:nvSpPr>
               <p:cNvPr id="44" name="文本框 43">
@@ -5861,8 +5871,8 @@
           </a:p>
         </p:txBody>
       </p:sp>
-      <mc:AlternateContent xmlns:mc="http://schemas.openxmlformats.org/markup-compatibility/2006">
-        <mc:Choice xmlns:a14="http://schemas.microsoft.com/office/drawing/2010/main" Requires="a14">
+      <mc:AlternateContent xmlns:mc="http://schemas.openxmlformats.org/markup-compatibility/2006" xmlns:a14="http://schemas.microsoft.com/office/drawing/2010/main">
+        <mc:Choice Requires="a14">
           <p:sp>
             <p:nvSpPr>
               <p:cNvPr id="48" name="文本框 47">
@@ -5940,7 +5950,7 @@
             </p:txBody>
           </p:sp>
         </mc:Choice>
-        <mc:Fallback>
+        <mc:Fallback xmlns="">
           <p:sp>
             <p:nvSpPr>
               <p:cNvPr id="48" name="文本框 47">
@@ -6015,8 +6025,8 @@
           <a:chExt cx="0" cy="0"/>
         </a:xfrm>
       </p:grpSpPr>
-      <mc:AlternateContent xmlns:mc="http://schemas.openxmlformats.org/markup-compatibility/2006">
-        <mc:Choice xmlns:a14="http://schemas.microsoft.com/office/drawing/2010/main" Requires="a14">
+      <mc:AlternateContent xmlns:mc="http://schemas.openxmlformats.org/markup-compatibility/2006" xmlns:a14="http://schemas.microsoft.com/office/drawing/2010/main">
+        <mc:Choice Requires="a14">
           <p:sp>
             <p:nvSpPr>
               <p:cNvPr id="45" name="文本框 44">
@@ -6089,7 +6099,7 @@
             </p:txBody>
           </p:sp>
         </mc:Choice>
-        <mc:Fallback>
+        <mc:Fallback xmlns="">
           <p:sp>
             <p:nvSpPr>
               <p:cNvPr id="45" name="文本框 44">
@@ -6200,8 +6210,8 @@
             <a:chExt cx="3021370" cy="3107185"/>
           </a:xfrm>
         </p:grpSpPr>
-        <mc:AlternateContent xmlns:mc="http://schemas.openxmlformats.org/markup-compatibility/2006">
-          <mc:Choice xmlns:a14="http://schemas.microsoft.com/office/drawing/2010/main" Requires="a14">
+        <mc:AlternateContent xmlns:mc="http://schemas.openxmlformats.org/markup-compatibility/2006" xmlns:a14="http://schemas.microsoft.com/office/drawing/2010/main">
+          <mc:Choice Requires="a14">
             <p:sp>
               <p:nvSpPr>
                 <p:cNvPr id="4" name="矩形 3">
@@ -6302,7 +6312,7 @@
               </p:txBody>
             </p:sp>
           </mc:Choice>
-          <mc:Fallback>
+          <mc:Fallback xmlns="">
             <p:sp>
               <p:nvSpPr>
                 <p:cNvPr id="4" name="矩形 3">
@@ -6352,8 +6362,8 @@
             </p:sp>
           </mc:Fallback>
         </mc:AlternateContent>
-        <mc:AlternateContent xmlns:mc="http://schemas.openxmlformats.org/markup-compatibility/2006">
-          <mc:Choice xmlns:a14="http://schemas.microsoft.com/office/drawing/2010/main" Requires="a14">
+        <mc:AlternateContent xmlns:mc="http://schemas.openxmlformats.org/markup-compatibility/2006" xmlns:a14="http://schemas.microsoft.com/office/drawing/2010/main">
+          <mc:Choice Requires="a14">
             <p:sp>
               <p:nvSpPr>
                 <p:cNvPr id="6" name="矩形 5">
@@ -6438,16 +6448,7 @@
                                 </a:solidFill>
                                 <a:latin typeface="Cambria Math" panose="02040503050406030204" pitchFamily="18" charset="0"/>
                               </a:rPr>
-                              <m:t>0</m:t>
-                            </m:r>
-                            <m:r>
-                              <a:rPr lang="en-US" altLang="zh-CN" b="0" i="1" smtClean="0">
-                                <a:solidFill>
-                                  <a:schemeClr val="tx1"/>
-                                </a:solidFill>
-                                <a:latin typeface="Cambria Math" panose="02040503050406030204" pitchFamily="18" charset="0"/>
-                              </a:rPr>
-                              <m:t>1</m:t>
+                              <m:t>01</m:t>
                             </m:r>
                           </m:sub>
                         </m:sSub>
@@ -6463,7 +6464,7 @@
               </p:txBody>
             </p:sp>
           </mc:Choice>
-          <mc:Fallback>
+          <mc:Fallback xmlns="">
             <p:sp>
               <p:nvSpPr>
                 <p:cNvPr id="6" name="矩形 5">
@@ -6513,8 +6514,8 @@
             </p:sp>
           </mc:Fallback>
         </mc:AlternateContent>
-        <mc:AlternateContent xmlns:mc="http://schemas.openxmlformats.org/markup-compatibility/2006">
-          <mc:Choice xmlns:a14="http://schemas.microsoft.com/office/drawing/2010/main" Requires="a14">
+        <mc:AlternateContent xmlns:mc="http://schemas.openxmlformats.org/markup-compatibility/2006" xmlns:a14="http://schemas.microsoft.com/office/drawing/2010/main">
+          <mc:Choice Requires="a14">
             <p:sp>
               <p:nvSpPr>
                 <p:cNvPr id="8" name="矩形 7">
@@ -6599,16 +6600,7 @@
                                 </a:solidFill>
                                 <a:latin typeface="Cambria Math" panose="02040503050406030204" pitchFamily="18" charset="0"/>
                               </a:rPr>
-                              <m:t>0</m:t>
-                            </m:r>
-                            <m:r>
-                              <a:rPr lang="en-US" altLang="zh-CN" b="0" i="1" smtClean="0">
-                                <a:solidFill>
-                                  <a:schemeClr val="tx1"/>
-                                </a:solidFill>
-                                <a:latin typeface="Cambria Math" panose="02040503050406030204" pitchFamily="18" charset="0"/>
-                              </a:rPr>
-                              <m:t>2</m:t>
+                              <m:t>02</m:t>
                             </m:r>
                           </m:sub>
                         </m:sSub>
@@ -6624,7 +6616,7 @@
               </p:txBody>
             </p:sp>
           </mc:Choice>
-          <mc:Fallback>
+          <mc:Fallback xmlns="">
             <p:sp>
               <p:nvSpPr>
                 <p:cNvPr id="8" name="矩形 7">
@@ -6674,8 +6666,8 @@
             </p:sp>
           </mc:Fallback>
         </mc:AlternateContent>
-        <mc:AlternateContent xmlns:mc="http://schemas.openxmlformats.org/markup-compatibility/2006">
-          <mc:Choice xmlns:a14="http://schemas.microsoft.com/office/drawing/2010/main" Requires="a14">
+        <mc:AlternateContent xmlns:mc="http://schemas.openxmlformats.org/markup-compatibility/2006" xmlns:a14="http://schemas.microsoft.com/office/drawing/2010/main">
+          <mc:Choice Requires="a14">
             <p:sp>
               <p:nvSpPr>
                 <p:cNvPr id="10" name="矩形 9">
@@ -6760,16 +6752,7 @@
                                 </a:solidFill>
                                 <a:latin typeface="Cambria Math" panose="02040503050406030204" pitchFamily="18" charset="0"/>
                               </a:rPr>
-                              <m:t>0</m:t>
-                            </m:r>
-                            <m:r>
-                              <a:rPr lang="en-US" altLang="zh-CN" b="0" i="1" smtClean="0">
-                                <a:solidFill>
-                                  <a:schemeClr val="tx1"/>
-                                </a:solidFill>
-                                <a:latin typeface="Cambria Math" panose="02040503050406030204" pitchFamily="18" charset="0"/>
-                              </a:rPr>
-                              <m:t>3</m:t>
+                              <m:t>03</m:t>
                             </m:r>
                           </m:sub>
                         </m:sSub>
@@ -6785,7 +6768,7 @@
               </p:txBody>
             </p:sp>
           </mc:Choice>
-          <mc:Fallback>
+          <mc:Fallback xmlns="">
             <p:sp>
               <p:nvSpPr>
                 <p:cNvPr id="10" name="矩形 9">
@@ -6835,8 +6818,8 @@
             </p:sp>
           </mc:Fallback>
         </mc:AlternateContent>
-        <mc:AlternateContent xmlns:mc="http://schemas.openxmlformats.org/markup-compatibility/2006">
-          <mc:Choice xmlns:a14="http://schemas.microsoft.com/office/drawing/2010/main" Requires="a14">
+        <mc:AlternateContent xmlns:mc="http://schemas.openxmlformats.org/markup-compatibility/2006" xmlns:a14="http://schemas.microsoft.com/office/drawing/2010/main">
+          <mc:Choice Requires="a14">
             <p:sp>
               <p:nvSpPr>
                 <p:cNvPr id="12" name="矩形 11">
@@ -6921,16 +6904,7 @@
                                 </a:solidFill>
                                 <a:latin typeface="Cambria Math" panose="02040503050406030204" pitchFamily="18" charset="0"/>
                               </a:rPr>
-                              <m:t>0</m:t>
-                            </m:r>
-                            <m:r>
-                              <a:rPr lang="en-US" altLang="zh-CN" b="0" i="1" smtClean="0">
-                                <a:solidFill>
-                                  <a:schemeClr val="tx1"/>
-                                </a:solidFill>
-                                <a:latin typeface="Cambria Math" panose="02040503050406030204" pitchFamily="18" charset="0"/>
-                              </a:rPr>
-                              <m:t>4</m:t>
+                              <m:t>04</m:t>
                             </m:r>
                           </m:sub>
                         </m:sSub>
@@ -6946,7 +6920,7 @@
               </p:txBody>
             </p:sp>
           </mc:Choice>
-          <mc:Fallback>
+          <mc:Fallback xmlns="">
             <p:sp>
               <p:nvSpPr>
                 <p:cNvPr id="12" name="矩形 11">
@@ -6996,8 +6970,8 @@
             </p:sp>
           </mc:Fallback>
         </mc:AlternateContent>
-        <mc:AlternateContent xmlns:mc="http://schemas.openxmlformats.org/markup-compatibility/2006">
-          <mc:Choice xmlns:a14="http://schemas.microsoft.com/office/drawing/2010/main" Requires="a14">
+        <mc:AlternateContent xmlns:mc="http://schemas.openxmlformats.org/markup-compatibility/2006" xmlns:a14="http://schemas.microsoft.com/office/drawing/2010/main">
+          <mc:Choice Requires="a14">
             <p:sp>
               <p:nvSpPr>
                 <p:cNvPr id="16" name="矩形 15">
@@ -7082,16 +7056,7 @@
                                 </a:solidFill>
                                 <a:latin typeface="Cambria Math" panose="02040503050406030204" pitchFamily="18" charset="0"/>
                               </a:rPr>
-                              <m:t>1</m:t>
-                            </m:r>
-                            <m:r>
-                              <a:rPr lang="en-US" altLang="zh-CN" b="0" i="1" smtClean="0">
-                                <a:solidFill>
-                                  <a:schemeClr val="tx1"/>
-                                </a:solidFill>
-                                <a:latin typeface="Cambria Math" panose="02040503050406030204" pitchFamily="18" charset="0"/>
-                              </a:rPr>
-                              <m:t>0</m:t>
+                              <m:t>10</m:t>
                             </m:r>
                           </m:sub>
                         </m:sSub>
@@ -7107,7 +7072,7 @@
               </p:txBody>
             </p:sp>
           </mc:Choice>
-          <mc:Fallback>
+          <mc:Fallback xmlns="">
             <p:sp>
               <p:nvSpPr>
                 <p:cNvPr id="16" name="矩形 15">
@@ -7157,8 +7122,8 @@
             </p:sp>
           </mc:Fallback>
         </mc:AlternateContent>
-        <mc:AlternateContent xmlns:mc="http://schemas.openxmlformats.org/markup-compatibility/2006">
-          <mc:Choice xmlns:a14="http://schemas.microsoft.com/office/drawing/2010/main" Requires="a14">
+        <mc:AlternateContent xmlns:mc="http://schemas.openxmlformats.org/markup-compatibility/2006" xmlns:a14="http://schemas.microsoft.com/office/drawing/2010/main">
+          <mc:Choice Requires="a14">
             <p:sp>
               <p:nvSpPr>
                 <p:cNvPr id="18" name="矩形 17">
@@ -7259,7 +7224,7 @@
               </p:txBody>
             </p:sp>
           </mc:Choice>
-          <mc:Fallback>
+          <mc:Fallback xmlns="">
             <p:sp>
               <p:nvSpPr>
                 <p:cNvPr id="18" name="矩形 17">
@@ -7309,8 +7274,8 @@
             </p:sp>
           </mc:Fallback>
         </mc:AlternateContent>
-        <mc:AlternateContent xmlns:mc="http://schemas.openxmlformats.org/markup-compatibility/2006">
-          <mc:Choice xmlns:a14="http://schemas.microsoft.com/office/drawing/2010/main" Requires="a14">
+        <mc:AlternateContent xmlns:mc="http://schemas.openxmlformats.org/markup-compatibility/2006" xmlns:a14="http://schemas.microsoft.com/office/drawing/2010/main">
+          <mc:Choice Requires="a14">
             <p:sp>
               <p:nvSpPr>
                 <p:cNvPr id="20" name="矩形 19">
@@ -7411,7 +7376,7 @@
               </p:txBody>
             </p:sp>
           </mc:Choice>
-          <mc:Fallback>
+          <mc:Fallback xmlns="">
             <p:sp>
               <p:nvSpPr>
                 <p:cNvPr id="20" name="矩形 19">
@@ -7461,8 +7426,8 @@
             </p:sp>
           </mc:Fallback>
         </mc:AlternateContent>
-        <mc:AlternateContent xmlns:mc="http://schemas.openxmlformats.org/markup-compatibility/2006">
-          <mc:Choice xmlns:a14="http://schemas.microsoft.com/office/drawing/2010/main" Requires="a14">
+        <mc:AlternateContent xmlns:mc="http://schemas.openxmlformats.org/markup-compatibility/2006" xmlns:a14="http://schemas.microsoft.com/office/drawing/2010/main">
+          <mc:Choice Requires="a14">
             <p:sp>
               <p:nvSpPr>
                 <p:cNvPr id="22" name="矩形 21">
@@ -7563,7 +7528,7 @@
               </p:txBody>
             </p:sp>
           </mc:Choice>
-          <mc:Fallback>
+          <mc:Fallback xmlns="">
             <p:sp>
               <p:nvSpPr>
                 <p:cNvPr id="22" name="矩形 21">
@@ -7613,8 +7578,8 @@
             </p:sp>
           </mc:Fallback>
         </mc:AlternateContent>
-        <mc:AlternateContent xmlns:mc="http://schemas.openxmlformats.org/markup-compatibility/2006">
-          <mc:Choice xmlns:a14="http://schemas.microsoft.com/office/drawing/2010/main" Requires="a14">
+        <mc:AlternateContent xmlns:mc="http://schemas.openxmlformats.org/markup-compatibility/2006" xmlns:a14="http://schemas.microsoft.com/office/drawing/2010/main">
+          <mc:Choice Requires="a14">
             <p:sp>
               <p:nvSpPr>
                 <p:cNvPr id="24" name="矩形 23">
@@ -7715,7 +7680,7 @@
               </p:txBody>
             </p:sp>
           </mc:Choice>
-          <mc:Fallback>
+          <mc:Fallback xmlns="">
             <p:sp>
               <p:nvSpPr>
                 <p:cNvPr id="24" name="矩形 23">
@@ -7765,8 +7730,8 @@
             </p:sp>
           </mc:Fallback>
         </mc:AlternateContent>
-        <mc:AlternateContent xmlns:mc="http://schemas.openxmlformats.org/markup-compatibility/2006">
-          <mc:Choice xmlns:a14="http://schemas.microsoft.com/office/drawing/2010/main" Requires="a14">
+        <mc:AlternateContent xmlns:mc="http://schemas.openxmlformats.org/markup-compatibility/2006" xmlns:a14="http://schemas.microsoft.com/office/drawing/2010/main">
+          <mc:Choice Requires="a14">
             <p:sp>
               <p:nvSpPr>
                 <p:cNvPr id="26" name="矩形 25">
@@ -7867,7 +7832,7 @@
               </p:txBody>
             </p:sp>
           </mc:Choice>
-          <mc:Fallback>
+          <mc:Fallback xmlns="">
             <p:sp>
               <p:nvSpPr>
                 <p:cNvPr id="26" name="矩形 25">
@@ -7917,8 +7882,8 @@
             </p:sp>
           </mc:Fallback>
         </mc:AlternateContent>
-        <mc:AlternateContent xmlns:mc="http://schemas.openxmlformats.org/markup-compatibility/2006">
-          <mc:Choice xmlns:a14="http://schemas.microsoft.com/office/drawing/2010/main" Requires="a14">
+        <mc:AlternateContent xmlns:mc="http://schemas.openxmlformats.org/markup-compatibility/2006" xmlns:a14="http://schemas.microsoft.com/office/drawing/2010/main">
+          <mc:Choice Requires="a14">
             <p:sp>
               <p:nvSpPr>
                 <p:cNvPr id="28" name="矩形 27">
@@ -8019,7 +7984,7 @@
               </p:txBody>
             </p:sp>
           </mc:Choice>
-          <mc:Fallback>
+          <mc:Fallback xmlns="">
             <p:sp>
               <p:nvSpPr>
                 <p:cNvPr id="28" name="矩形 27">
@@ -8069,8 +8034,8 @@
             </p:sp>
           </mc:Fallback>
         </mc:AlternateContent>
-        <mc:AlternateContent xmlns:mc="http://schemas.openxmlformats.org/markup-compatibility/2006">
-          <mc:Choice xmlns:a14="http://schemas.microsoft.com/office/drawing/2010/main" Requires="a14">
+        <mc:AlternateContent xmlns:mc="http://schemas.openxmlformats.org/markup-compatibility/2006" xmlns:a14="http://schemas.microsoft.com/office/drawing/2010/main">
+          <mc:Choice Requires="a14">
             <p:sp>
               <p:nvSpPr>
                 <p:cNvPr id="30" name="矩形 29">
@@ -8171,7 +8136,7 @@
               </p:txBody>
             </p:sp>
           </mc:Choice>
-          <mc:Fallback>
+          <mc:Fallback xmlns="">
             <p:sp>
               <p:nvSpPr>
                 <p:cNvPr id="30" name="矩形 29">
@@ -8221,8 +8186,8 @@
             </p:sp>
           </mc:Fallback>
         </mc:AlternateContent>
-        <mc:AlternateContent xmlns:mc="http://schemas.openxmlformats.org/markup-compatibility/2006">
-          <mc:Choice xmlns:a14="http://schemas.microsoft.com/office/drawing/2010/main" Requires="a14">
+        <mc:AlternateContent xmlns:mc="http://schemas.openxmlformats.org/markup-compatibility/2006" xmlns:a14="http://schemas.microsoft.com/office/drawing/2010/main">
+          <mc:Choice Requires="a14">
             <p:sp>
               <p:nvSpPr>
                 <p:cNvPr id="32" name="矩形 31">
@@ -8323,7 +8288,7 @@
               </p:txBody>
             </p:sp>
           </mc:Choice>
-          <mc:Fallback>
+          <mc:Fallback xmlns="">
             <p:sp>
               <p:nvSpPr>
                 <p:cNvPr id="32" name="矩形 31">
@@ -8373,8 +8338,8 @@
             </p:sp>
           </mc:Fallback>
         </mc:AlternateContent>
-        <mc:AlternateContent xmlns:mc="http://schemas.openxmlformats.org/markup-compatibility/2006">
-          <mc:Choice xmlns:a14="http://schemas.microsoft.com/office/drawing/2010/main" Requires="a14">
+        <mc:AlternateContent xmlns:mc="http://schemas.openxmlformats.org/markup-compatibility/2006" xmlns:a14="http://schemas.microsoft.com/office/drawing/2010/main">
+          <mc:Choice Requires="a14">
             <p:sp>
               <p:nvSpPr>
                 <p:cNvPr id="34" name="矩形 33">
@@ -8475,7 +8440,7 @@
               </p:txBody>
             </p:sp>
           </mc:Choice>
-          <mc:Fallback>
+          <mc:Fallback xmlns="">
             <p:sp>
               <p:nvSpPr>
                 <p:cNvPr id="34" name="矩形 33">
@@ -8525,8 +8490,8 @@
             </p:sp>
           </mc:Fallback>
         </mc:AlternateContent>
-        <mc:AlternateContent xmlns:mc="http://schemas.openxmlformats.org/markup-compatibility/2006">
-          <mc:Choice xmlns:a14="http://schemas.microsoft.com/office/drawing/2010/main" Requires="a14">
+        <mc:AlternateContent xmlns:mc="http://schemas.openxmlformats.org/markup-compatibility/2006" xmlns:a14="http://schemas.microsoft.com/office/drawing/2010/main">
+          <mc:Choice Requires="a14">
             <p:sp>
               <p:nvSpPr>
                 <p:cNvPr id="36" name="矩形 35">
@@ -8611,16 +8576,7 @@
                                 </a:solidFill>
                                 <a:latin typeface="Cambria Math" panose="02040503050406030204" pitchFamily="18" charset="0"/>
                               </a:rPr>
-                              <m:t>3</m:t>
-                            </m:r>
-                            <m:r>
-                              <a:rPr lang="en-US" altLang="zh-CN" b="0" i="1" smtClean="0">
-                                <a:solidFill>
-                                  <a:schemeClr val="tx1"/>
-                                </a:solidFill>
-                                <a:latin typeface="Cambria Math" panose="02040503050406030204" pitchFamily="18" charset="0"/>
-                              </a:rPr>
-                              <m:t>0</m:t>
+                              <m:t>30</m:t>
                             </m:r>
                           </m:sub>
                         </m:sSub>
@@ -8636,7 +8592,7 @@
               </p:txBody>
             </p:sp>
           </mc:Choice>
-          <mc:Fallback>
+          <mc:Fallback xmlns="">
             <p:sp>
               <p:nvSpPr>
                 <p:cNvPr id="36" name="矩形 35">
@@ -8686,8 +8642,8 @@
             </p:sp>
           </mc:Fallback>
         </mc:AlternateContent>
-        <mc:AlternateContent xmlns:mc="http://schemas.openxmlformats.org/markup-compatibility/2006">
-          <mc:Choice xmlns:a14="http://schemas.microsoft.com/office/drawing/2010/main" Requires="a14">
+        <mc:AlternateContent xmlns:mc="http://schemas.openxmlformats.org/markup-compatibility/2006" xmlns:a14="http://schemas.microsoft.com/office/drawing/2010/main">
+          <mc:Choice Requires="a14">
             <p:sp>
               <p:nvSpPr>
                 <p:cNvPr id="38" name="矩形 37">
@@ -8788,7 +8744,7 @@
               </p:txBody>
             </p:sp>
           </mc:Choice>
-          <mc:Fallback>
+          <mc:Fallback xmlns="">
             <p:sp>
               <p:nvSpPr>
                 <p:cNvPr id="38" name="矩形 37">
@@ -8838,8 +8794,8 @@
             </p:sp>
           </mc:Fallback>
         </mc:AlternateContent>
-        <mc:AlternateContent xmlns:mc="http://schemas.openxmlformats.org/markup-compatibility/2006">
-          <mc:Choice xmlns:a14="http://schemas.microsoft.com/office/drawing/2010/main" Requires="a14">
+        <mc:AlternateContent xmlns:mc="http://schemas.openxmlformats.org/markup-compatibility/2006" xmlns:a14="http://schemas.microsoft.com/office/drawing/2010/main">
+          <mc:Choice Requires="a14">
             <p:sp>
               <p:nvSpPr>
                 <p:cNvPr id="40" name="矩形 39">
@@ -8940,7 +8896,7 @@
               </p:txBody>
             </p:sp>
           </mc:Choice>
-          <mc:Fallback>
+          <mc:Fallback xmlns="">
             <p:sp>
               <p:nvSpPr>
                 <p:cNvPr id="40" name="矩形 39">
@@ -8990,8 +8946,8 @@
             </p:sp>
           </mc:Fallback>
         </mc:AlternateContent>
-        <mc:AlternateContent xmlns:mc="http://schemas.openxmlformats.org/markup-compatibility/2006">
-          <mc:Choice xmlns:a14="http://schemas.microsoft.com/office/drawing/2010/main" Requires="a14">
+        <mc:AlternateContent xmlns:mc="http://schemas.openxmlformats.org/markup-compatibility/2006" xmlns:a14="http://schemas.microsoft.com/office/drawing/2010/main">
+          <mc:Choice Requires="a14">
             <p:sp>
               <p:nvSpPr>
                 <p:cNvPr id="42" name="矩形 41">
@@ -9092,7 +9048,7 @@
               </p:txBody>
             </p:sp>
           </mc:Choice>
-          <mc:Fallback>
+          <mc:Fallback xmlns="">
             <p:sp>
               <p:nvSpPr>
                 <p:cNvPr id="42" name="矩形 41">
@@ -9142,8 +9098,8 @@
             </p:sp>
           </mc:Fallback>
         </mc:AlternateContent>
-        <mc:AlternateContent xmlns:mc="http://schemas.openxmlformats.org/markup-compatibility/2006">
-          <mc:Choice xmlns:a14="http://schemas.microsoft.com/office/drawing/2010/main" Requires="a14">
+        <mc:AlternateContent xmlns:mc="http://schemas.openxmlformats.org/markup-compatibility/2006" xmlns:a14="http://schemas.microsoft.com/office/drawing/2010/main">
+          <mc:Choice Requires="a14">
             <p:sp>
               <p:nvSpPr>
                 <p:cNvPr id="44" name="矩形 43">
@@ -9244,7 +9200,7 @@
               </p:txBody>
             </p:sp>
           </mc:Choice>
-          <mc:Fallback>
+          <mc:Fallback xmlns="">
             <p:sp>
               <p:nvSpPr>
                 <p:cNvPr id="44" name="矩形 43">
@@ -9294,8 +9250,8 @@
             </p:sp>
           </mc:Fallback>
         </mc:AlternateContent>
-        <mc:AlternateContent xmlns:mc="http://schemas.openxmlformats.org/markup-compatibility/2006">
-          <mc:Choice xmlns:a14="http://schemas.microsoft.com/office/drawing/2010/main" Requires="a14">
+        <mc:AlternateContent xmlns:mc="http://schemas.openxmlformats.org/markup-compatibility/2006" xmlns:a14="http://schemas.microsoft.com/office/drawing/2010/main">
+          <mc:Choice Requires="a14">
             <p:sp>
               <p:nvSpPr>
                 <p:cNvPr id="70" name="矩形 69">
@@ -9380,16 +9336,7 @@
                                 </a:solidFill>
                                 <a:latin typeface="Cambria Math" panose="02040503050406030204" pitchFamily="18" charset="0"/>
                               </a:rPr>
-                              <m:t>4</m:t>
-                            </m:r>
-                            <m:r>
-                              <a:rPr lang="en-US" altLang="zh-CN" b="0" i="1" smtClean="0">
-                                <a:solidFill>
-                                  <a:schemeClr val="tx1"/>
-                                </a:solidFill>
-                                <a:latin typeface="Cambria Math" panose="02040503050406030204" pitchFamily="18" charset="0"/>
-                              </a:rPr>
-                              <m:t>0</m:t>
+                              <m:t>40</m:t>
                             </m:r>
                           </m:sub>
                         </m:sSub>
@@ -9405,7 +9352,7 @@
               </p:txBody>
             </p:sp>
           </mc:Choice>
-          <mc:Fallback>
+          <mc:Fallback xmlns="">
             <p:sp>
               <p:nvSpPr>
                 <p:cNvPr id="70" name="矩形 69">
@@ -9455,8 +9402,8 @@
             </p:sp>
           </mc:Fallback>
         </mc:AlternateContent>
-        <mc:AlternateContent xmlns:mc="http://schemas.openxmlformats.org/markup-compatibility/2006">
-          <mc:Choice xmlns:a14="http://schemas.microsoft.com/office/drawing/2010/main" Requires="a14">
+        <mc:AlternateContent xmlns:mc="http://schemas.openxmlformats.org/markup-compatibility/2006" xmlns:a14="http://schemas.microsoft.com/office/drawing/2010/main">
+          <mc:Choice Requires="a14">
             <p:sp>
               <p:nvSpPr>
                 <p:cNvPr id="72" name="矩形 71">
@@ -9541,16 +9488,7 @@
                                 </a:solidFill>
                                 <a:latin typeface="Cambria Math" panose="02040503050406030204" pitchFamily="18" charset="0"/>
                               </a:rPr>
-                              <m:t>4</m:t>
-                            </m:r>
-                            <m:r>
-                              <a:rPr lang="en-US" altLang="zh-CN" b="0" i="1" smtClean="0">
-                                <a:solidFill>
-                                  <a:schemeClr val="tx1"/>
-                                </a:solidFill>
-                                <a:latin typeface="Cambria Math" panose="02040503050406030204" pitchFamily="18" charset="0"/>
-                              </a:rPr>
-                              <m:t>1</m:t>
+                              <m:t>41</m:t>
                             </m:r>
                           </m:sub>
                         </m:sSub>
@@ -9566,7 +9504,7 @@
               </p:txBody>
             </p:sp>
           </mc:Choice>
-          <mc:Fallback>
+          <mc:Fallback xmlns="">
             <p:sp>
               <p:nvSpPr>
                 <p:cNvPr id="72" name="矩形 71">
@@ -9616,8 +9554,8 @@
             </p:sp>
           </mc:Fallback>
         </mc:AlternateContent>
-        <mc:AlternateContent xmlns:mc="http://schemas.openxmlformats.org/markup-compatibility/2006">
-          <mc:Choice xmlns:a14="http://schemas.microsoft.com/office/drawing/2010/main" Requires="a14">
+        <mc:AlternateContent xmlns:mc="http://schemas.openxmlformats.org/markup-compatibility/2006" xmlns:a14="http://schemas.microsoft.com/office/drawing/2010/main">
+          <mc:Choice Requires="a14">
             <p:sp>
               <p:nvSpPr>
                 <p:cNvPr id="74" name="矩形 73">
@@ -9702,16 +9640,7 @@
                                 </a:solidFill>
                                 <a:latin typeface="Cambria Math" panose="02040503050406030204" pitchFamily="18" charset="0"/>
                               </a:rPr>
-                              <m:t>4</m:t>
-                            </m:r>
-                            <m:r>
-                              <a:rPr lang="en-US" altLang="zh-CN" b="0" i="1" smtClean="0">
-                                <a:solidFill>
-                                  <a:schemeClr val="tx1"/>
-                                </a:solidFill>
-                                <a:latin typeface="Cambria Math" panose="02040503050406030204" pitchFamily="18" charset="0"/>
-                              </a:rPr>
-                              <m:t>2</m:t>
+                              <m:t>42</m:t>
                             </m:r>
                           </m:sub>
                         </m:sSub>
@@ -9727,7 +9656,7 @@
               </p:txBody>
             </p:sp>
           </mc:Choice>
-          <mc:Fallback>
+          <mc:Fallback xmlns="">
             <p:sp>
               <p:nvSpPr>
                 <p:cNvPr id="74" name="矩形 73">
@@ -9777,8 +9706,8 @@
             </p:sp>
           </mc:Fallback>
         </mc:AlternateContent>
-        <mc:AlternateContent xmlns:mc="http://schemas.openxmlformats.org/markup-compatibility/2006">
-          <mc:Choice xmlns:a14="http://schemas.microsoft.com/office/drawing/2010/main" Requires="a14">
+        <mc:AlternateContent xmlns:mc="http://schemas.openxmlformats.org/markup-compatibility/2006" xmlns:a14="http://schemas.microsoft.com/office/drawing/2010/main">
+          <mc:Choice Requires="a14">
             <p:sp>
               <p:nvSpPr>
                 <p:cNvPr id="76" name="矩形 75">
@@ -9863,16 +9792,7 @@
                                 </a:solidFill>
                                 <a:latin typeface="Cambria Math" panose="02040503050406030204" pitchFamily="18" charset="0"/>
                               </a:rPr>
-                              <m:t>4</m:t>
-                            </m:r>
-                            <m:r>
-                              <a:rPr lang="en-US" altLang="zh-CN" b="0" i="1" smtClean="0">
-                                <a:solidFill>
-                                  <a:schemeClr val="tx1"/>
-                                </a:solidFill>
-                                <a:latin typeface="Cambria Math" panose="02040503050406030204" pitchFamily="18" charset="0"/>
-                              </a:rPr>
-                              <m:t>3</m:t>
+                              <m:t>43</m:t>
                             </m:r>
                           </m:sub>
                         </m:sSub>
@@ -9888,7 +9808,7 @@
               </p:txBody>
             </p:sp>
           </mc:Choice>
-          <mc:Fallback>
+          <mc:Fallback xmlns="">
             <p:sp>
               <p:nvSpPr>
                 <p:cNvPr id="76" name="矩形 75">
@@ -9938,8 +9858,8 @@
             </p:sp>
           </mc:Fallback>
         </mc:AlternateContent>
-        <mc:AlternateContent xmlns:mc="http://schemas.openxmlformats.org/markup-compatibility/2006">
-          <mc:Choice xmlns:a14="http://schemas.microsoft.com/office/drawing/2010/main" Requires="a14">
+        <mc:AlternateContent xmlns:mc="http://schemas.openxmlformats.org/markup-compatibility/2006" xmlns:a14="http://schemas.microsoft.com/office/drawing/2010/main">
+          <mc:Choice Requires="a14">
             <p:sp>
               <p:nvSpPr>
                 <p:cNvPr id="78" name="矩形 77">
@@ -10024,16 +9944,7 @@
                                 </a:solidFill>
                                 <a:latin typeface="Cambria Math" panose="02040503050406030204" pitchFamily="18" charset="0"/>
                               </a:rPr>
-                              <m:t>4</m:t>
-                            </m:r>
-                            <m:r>
-                              <a:rPr lang="en-US" altLang="zh-CN" b="0" i="1" smtClean="0">
-                                <a:solidFill>
-                                  <a:schemeClr val="tx1"/>
-                                </a:solidFill>
-                                <a:latin typeface="Cambria Math" panose="02040503050406030204" pitchFamily="18" charset="0"/>
-                              </a:rPr>
-                              <m:t>4</m:t>
+                              <m:t>44</m:t>
                             </m:r>
                           </m:sub>
                         </m:sSub>
@@ -10049,7 +9960,7 @@
               </p:txBody>
             </p:sp>
           </mc:Choice>
-          <mc:Fallback>
+          <mc:Fallback xmlns="">
             <p:sp>
               <p:nvSpPr>
                 <p:cNvPr id="78" name="矩形 77">
@@ -10120,8 +10031,8 @@
             <a:chExt cx="3021370" cy="3107184"/>
           </a:xfrm>
         </p:grpSpPr>
-        <mc:AlternateContent xmlns:mc="http://schemas.openxmlformats.org/markup-compatibility/2006">
-          <mc:Choice xmlns:a14="http://schemas.microsoft.com/office/drawing/2010/main" Requires="a14">
+        <mc:AlternateContent xmlns:mc="http://schemas.openxmlformats.org/markup-compatibility/2006" xmlns:a14="http://schemas.microsoft.com/office/drawing/2010/main">
+          <mc:Choice Requires="a14">
             <p:sp>
               <p:nvSpPr>
                 <p:cNvPr id="80" name="矩形 79">
@@ -10222,7 +10133,7 @@
               </p:txBody>
             </p:sp>
           </mc:Choice>
-          <mc:Fallback>
+          <mc:Fallback xmlns="">
             <p:sp>
               <p:nvSpPr>
                 <p:cNvPr id="80" name="矩形 79">
@@ -10272,8 +10183,8 @@
             </p:sp>
           </mc:Fallback>
         </mc:AlternateContent>
-        <mc:AlternateContent xmlns:mc="http://schemas.openxmlformats.org/markup-compatibility/2006">
-          <mc:Choice xmlns:a14="http://schemas.microsoft.com/office/drawing/2010/main" Requires="a14">
+        <mc:AlternateContent xmlns:mc="http://schemas.openxmlformats.org/markup-compatibility/2006" xmlns:a14="http://schemas.microsoft.com/office/drawing/2010/main">
+          <mc:Choice Requires="a14">
             <p:sp>
               <p:nvSpPr>
                 <p:cNvPr id="82" name="矩形 81">
@@ -10374,7 +10285,7 @@
               </p:txBody>
             </p:sp>
           </mc:Choice>
-          <mc:Fallback>
+          <mc:Fallback xmlns="">
             <p:sp>
               <p:nvSpPr>
                 <p:cNvPr id="82" name="矩形 81">
@@ -10424,8 +10335,8 @@
             </p:sp>
           </mc:Fallback>
         </mc:AlternateContent>
-        <mc:AlternateContent xmlns:mc="http://schemas.openxmlformats.org/markup-compatibility/2006">
-          <mc:Choice xmlns:a14="http://schemas.microsoft.com/office/drawing/2010/main" Requires="a14">
+        <mc:AlternateContent xmlns:mc="http://schemas.openxmlformats.org/markup-compatibility/2006" xmlns:a14="http://schemas.microsoft.com/office/drawing/2010/main">
+          <mc:Choice Requires="a14">
             <p:sp>
               <p:nvSpPr>
                 <p:cNvPr id="84" name="矩形 83">
@@ -10526,7 +10437,7 @@
               </p:txBody>
             </p:sp>
           </mc:Choice>
-          <mc:Fallback>
+          <mc:Fallback xmlns="">
             <p:sp>
               <p:nvSpPr>
                 <p:cNvPr id="84" name="矩形 83">
@@ -10576,8 +10487,8 @@
             </p:sp>
           </mc:Fallback>
         </mc:AlternateContent>
-        <mc:AlternateContent xmlns:mc="http://schemas.openxmlformats.org/markup-compatibility/2006">
-          <mc:Choice xmlns:a14="http://schemas.microsoft.com/office/drawing/2010/main" Requires="a14">
+        <mc:AlternateContent xmlns:mc="http://schemas.openxmlformats.org/markup-compatibility/2006" xmlns:a14="http://schemas.microsoft.com/office/drawing/2010/main">
+          <mc:Choice Requires="a14">
             <p:sp>
               <p:nvSpPr>
                 <p:cNvPr id="86" name="矩形 85">
@@ -10678,7 +10589,7 @@
               </p:txBody>
             </p:sp>
           </mc:Choice>
-          <mc:Fallback>
+          <mc:Fallback xmlns="">
             <p:sp>
               <p:nvSpPr>
                 <p:cNvPr id="86" name="矩形 85">
@@ -10728,8 +10639,8 @@
             </p:sp>
           </mc:Fallback>
         </mc:AlternateContent>
-        <mc:AlternateContent xmlns:mc="http://schemas.openxmlformats.org/markup-compatibility/2006">
-          <mc:Choice xmlns:a14="http://schemas.microsoft.com/office/drawing/2010/main" Requires="a14">
+        <mc:AlternateContent xmlns:mc="http://schemas.openxmlformats.org/markup-compatibility/2006" xmlns:a14="http://schemas.microsoft.com/office/drawing/2010/main">
+          <mc:Choice Requires="a14">
             <p:sp>
               <p:nvSpPr>
                 <p:cNvPr id="88" name="矩形 87">
@@ -10830,7 +10741,7 @@
               </p:txBody>
             </p:sp>
           </mc:Choice>
-          <mc:Fallback>
+          <mc:Fallback xmlns="">
             <p:sp>
               <p:nvSpPr>
                 <p:cNvPr id="88" name="矩形 87">
@@ -10880,8 +10791,8 @@
             </p:sp>
           </mc:Fallback>
         </mc:AlternateContent>
-        <mc:AlternateContent xmlns:mc="http://schemas.openxmlformats.org/markup-compatibility/2006">
-          <mc:Choice xmlns:a14="http://schemas.microsoft.com/office/drawing/2010/main" Requires="a14">
+        <mc:AlternateContent xmlns:mc="http://schemas.openxmlformats.org/markup-compatibility/2006" xmlns:a14="http://schemas.microsoft.com/office/drawing/2010/main">
+          <mc:Choice Requires="a14">
             <p:sp>
               <p:nvSpPr>
                 <p:cNvPr id="92" name="矩形 91">
@@ -10982,7 +10893,7 @@
               </p:txBody>
             </p:sp>
           </mc:Choice>
-          <mc:Fallback>
+          <mc:Fallback xmlns="">
             <p:sp>
               <p:nvSpPr>
                 <p:cNvPr id="92" name="矩形 91">
@@ -11032,8 +10943,8 @@
             </p:sp>
           </mc:Fallback>
         </mc:AlternateContent>
-        <mc:AlternateContent xmlns:mc="http://schemas.openxmlformats.org/markup-compatibility/2006">
-          <mc:Choice xmlns:a14="http://schemas.microsoft.com/office/drawing/2010/main" Requires="a14">
+        <mc:AlternateContent xmlns:mc="http://schemas.openxmlformats.org/markup-compatibility/2006" xmlns:a14="http://schemas.microsoft.com/office/drawing/2010/main">
+          <mc:Choice Requires="a14">
             <p:sp>
               <p:nvSpPr>
                 <p:cNvPr id="94" name="矩形 93">
@@ -11134,7 +11045,7 @@
               </p:txBody>
             </p:sp>
           </mc:Choice>
-          <mc:Fallback>
+          <mc:Fallback xmlns="">
             <p:sp>
               <p:nvSpPr>
                 <p:cNvPr id="94" name="矩形 93">
@@ -11184,8 +11095,8 @@
             </p:sp>
           </mc:Fallback>
         </mc:AlternateContent>
-        <mc:AlternateContent xmlns:mc="http://schemas.openxmlformats.org/markup-compatibility/2006">
-          <mc:Choice xmlns:a14="http://schemas.microsoft.com/office/drawing/2010/main" Requires="a14">
+        <mc:AlternateContent xmlns:mc="http://schemas.openxmlformats.org/markup-compatibility/2006" xmlns:a14="http://schemas.microsoft.com/office/drawing/2010/main">
+          <mc:Choice Requires="a14">
             <p:sp>
               <p:nvSpPr>
                 <p:cNvPr id="96" name="矩形 95">
@@ -11286,7 +11197,7 @@
               </p:txBody>
             </p:sp>
           </mc:Choice>
-          <mc:Fallback>
+          <mc:Fallback xmlns="">
             <p:sp>
               <p:nvSpPr>
                 <p:cNvPr id="96" name="矩形 95">
@@ -11336,8 +11247,8 @@
             </p:sp>
           </mc:Fallback>
         </mc:AlternateContent>
-        <mc:AlternateContent xmlns:mc="http://schemas.openxmlformats.org/markup-compatibility/2006">
-          <mc:Choice xmlns:a14="http://schemas.microsoft.com/office/drawing/2010/main" Requires="a14">
+        <mc:AlternateContent xmlns:mc="http://schemas.openxmlformats.org/markup-compatibility/2006" xmlns:a14="http://schemas.microsoft.com/office/drawing/2010/main">
+          <mc:Choice Requires="a14">
             <p:sp>
               <p:nvSpPr>
                 <p:cNvPr id="98" name="矩形 97">
@@ -11438,7 +11349,7 @@
               </p:txBody>
             </p:sp>
           </mc:Choice>
-          <mc:Fallback>
+          <mc:Fallback xmlns="">
             <p:sp>
               <p:nvSpPr>
                 <p:cNvPr id="98" name="矩形 97">
@@ -11488,8 +11399,8 @@
             </p:sp>
           </mc:Fallback>
         </mc:AlternateContent>
-        <mc:AlternateContent xmlns:mc="http://schemas.openxmlformats.org/markup-compatibility/2006">
-          <mc:Choice xmlns:a14="http://schemas.microsoft.com/office/drawing/2010/main" Requires="a14">
+        <mc:AlternateContent xmlns:mc="http://schemas.openxmlformats.org/markup-compatibility/2006" xmlns:a14="http://schemas.microsoft.com/office/drawing/2010/main">
+          <mc:Choice Requires="a14">
             <p:sp>
               <p:nvSpPr>
                 <p:cNvPr id="104" name="矩形 103">
@@ -11590,7 +11501,7 @@
               </p:txBody>
             </p:sp>
           </mc:Choice>
-          <mc:Fallback>
+          <mc:Fallback xmlns="">
             <p:sp>
               <p:nvSpPr>
                 <p:cNvPr id="104" name="矩形 103">
@@ -11640,8 +11551,8 @@
             </p:sp>
           </mc:Fallback>
         </mc:AlternateContent>
-        <mc:AlternateContent xmlns:mc="http://schemas.openxmlformats.org/markup-compatibility/2006">
-          <mc:Choice xmlns:a14="http://schemas.microsoft.com/office/drawing/2010/main" Requires="a14">
+        <mc:AlternateContent xmlns:mc="http://schemas.openxmlformats.org/markup-compatibility/2006" xmlns:a14="http://schemas.microsoft.com/office/drawing/2010/main">
+          <mc:Choice Requires="a14">
             <p:sp>
               <p:nvSpPr>
                 <p:cNvPr id="106" name="矩形 105">
@@ -11742,7 +11653,7 @@
               </p:txBody>
             </p:sp>
           </mc:Choice>
-          <mc:Fallback>
+          <mc:Fallback xmlns="">
             <p:sp>
               <p:nvSpPr>
                 <p:cNvPr id="106" name="矩形 105">
@@ -11792,8 +11703,8 @@
             </p:sp>
           </mc:Fallback>
         </mc:AlternateContent>
-        <mc:AlternateContent xmlns:mc="http://schemas.openxmlformats.org/markup-compatibility/2006">
-          <mc:Choice xmlns:a14="http://schemas.microsoft.com/office/drawing/2010/main" Requires="a14">
+        <mc:AlternateContent xmlns:mc="http://schemas.openxmlformats.org/markup-compatibility/2006" xmlns:a14="http://schemas.microsoft.com/office/drawing/2010/main">
+          <mc:Choice Requires="a14">
             <p:sp>
               <p:nvSpPr>
                 <p:cNvPr id="108" name="矩形 107">
@@ -11894,7 +11805,7 @@
               </p:txBody>
             </p:sp>
           </mc:Choice>
-          <mc:Fallback>
+          <mc:Fallback xmlns="">
             <p:sp>
               <p:nvSpPr>
                 <p:cNvPr id="108" name="矩形 107">
@@ -11944,8 +11855,8 @@
             </p:sp>
           </mc:Fallback>
         </mc:AlternateContent>
-        <mc:AlternateContent xmlns:mc="http://schemas.openxmlformats.org/markup-compatibility/2006">
-          <mc:Choice xmlns:a14="http://schemas.microsoft.com/office/drawing/2010/main" Requires="a14">
+        <mc:AlternateContent xmlns:mc="http://schemas.openxmlformats.org/markup-compatibility/2006" xmlns:a14="http://schemas.microsoft.com/office/drawing/2010/main">
+          <mc:Choice Requires="a14">
             <p:sp>
               <p:nvSpPr>
                 <p:cNvPr id="116" name="矩形 115">
@@ -12046,7 +11957,7 @@
               </p:txBody>
             </p:sp>
           </mc:Choice>
-          <mc:Fallback>
+          <mc:Fallback xmlns="">
             <p:sp>
               <p:nvSpPr>
                 <p:cNvPr id="116" name="矩形 115">
@@ -12096,8 +12007,8 @@
             </p:sp>
           </mc:Fallback>
         </mc:AlternateContent>
-        <mc:AlternateContent xmlns:mc="http://schemas.openxmlformats.org/markup-compatibility/2006">
-          <mc:Choice xmlns:a14="http://schemas.microsoft.com/office/drawing/2010/main" Requires="a14">
+        <mc:AlternateContent xmlns:mc="http://schemas.openxmlformats.org/markup-compatibility/2006" xmlns:a14="http://schemas.microsoft.com/office/drawing/2010/main">
+          <mc:Choice Requires="a14">
             <p:sp>
               <p:nvSpPr>
                 <p:cNvPr id="118" name="矩形 117">
@@ -12198,7 +12109,7 @@
               </p:txBody>
             </p:sp>
           </mc:Choice>
-          <mc:Fallback>
+          <mc:Fallback xmlns="">
             <p:sp>
               <p:nvSpPr>
                 <p:cNvPr id="118" name="矩形 117">
@@ -12248,8 +12159,8 @@
             </p:sp>
           </mc:Fallback>
         </mc:AlternateContent>
-        <mc:AlternateContent xmlns:mc="http://schemas.openxmlformats.org/markup-compatibility/2006">
-          <mc:Choice xmlns:a14="http://schemas.microsoft.com/office/drawing/2010/main" Requires="a14">
+        <mc:AlternateContent xmlns:mc="http://schemas.openxmlformats.org/markup-compatibility/2006" xmlns:a14="http://schemas.microsoft.com/office/drawing/2010/main">
+          <mc:Choice Requires="a14">
             <p:sp>
               <p:nvSpPr>
                 <p:cNvPr id="128" name="矩形 127">
@@ -12350,7 +12261,7 @@
               </p:txBody>
             </p:sp>
           </mc:Choice>
-          <mc:Fallback>
+          <mc:Fallback xmlns="">
             <p:sp>
               <p:nvSpPr>
                 <p:cNvPr id="128" name="矩形 127">
@@ -12401,8 +12312,8 @@
           </mc:Fallback>
         </mc:AlternateContent>
       </p:grpSp>
-      <mc:AlternateContent xmlns:mc="http://schemas.openxmlformats.org/markup-compatibility/2006">
-        <mc:Choice xmlns:a14="http://schemas.microsoft.com/office/drawing/2010/main" Requires="a14">
+      <mc:AlternateContent xmlns:mc="http://schemas.openxmlformats.org/markup-compatibility/2006" xmlns:a14="http://schemas.microsoft.com/office/drawing/2010/main">
+        <mc:Choice Requires="a14">
           <p:sp>
             <p:nvSpPr>
               <p:cNvPr id="130" name="文本框 129">
@@ -12563,7 +12474,7 @@
             </p:txBody>
           </p:sp>
         </mc:Choice>
-        <mc:Fallback>
+        <mc:Fallback xmlns="">
           <p:sp>
             <p:nvSpPr>
               <p:cNvPr id="130" name="文本框 129">
@@ -12608,8 +12519,8 @@
           </p:sp>
         </mc:Fallback>
       </mc:AlternateContent>
-      <mc:AlternateContent xmlns:mc="http://schemas.openxmlformats.org/markup-compatibility/2006">
-        <mc:Choice xmlns:a14="http://schemas.microsoft.com/office/drawing/2010/main" Requires="a14">
+      <mc:AlternateContent xmlns:mc="http://schemas.openxmlformats.org/markup-compatibility/2006" xmlns:a14="http://schemas.microsoft.com/office/drawing/2010/main">
+        <mc:Choice Requires="a14">
           <p:sp>
             <p:nvSpPr>
               <p:cNvPr id="133" name="矩形 132">
@@ -12710,7 +12621,7 @@
             </p:txBody>
           </p:sp>
         </mc:Choice>
-        <mc:Fallback>
+        <mc:Fallback xmlns="">
           <p:sp>
             <p:nvSpPr>
               <p:cNvPr id="133" name="矩形 132">
@@ -12760,8 +12671,8 @@
           </p:sp>
         </mc:Fallback>
       </mc:AlternateContent>
-      <mc:AlternateContent xmlns:mc="http://schemas.openxmlformats.org/markup-compatibility/2006">
-        <mc:Choice xmlns:a14="http://schemas.microsoft.com/office/drawing/2010/main" Requires="a14">
+      <mc:AlternateContent xmlns:mc="http://schemas.openxmlformats.org/markup-compatibility/2006" xmlns:a14="http://schemas.microsoft.com/office/drawing/2010/main">
+        <mc:Choice Requires="a14">
           <p:sp>
             <p:nvSpPr>
               <p:cNvPr id="135" name="矩形 134">
@@ -12862,7 +12773,7 @@
             </p:txBody>
           </p:sp>
         </mc:Choice>
-        <mc:Fallback>
+        <mc:Fallback xmlns="">
           <p:sp>
             <p:nvSpPr>
               <p:cNvPr id="135" name="矩形 134">
@@ -12912,8 +12823,8 @@
           </p:sp>
         </mc:Fallback>
       </mc:AlternateContent>
-      <mc:AlternateContent xmlns:mc="http://schemas.openxmlformats.org/markup-compatibility/2006">
-        <mc:Choice xmlns:a14="http://schemas.microsoft.com/office/drawing/2010/main" Requires="a14">
+      <mc:AlternateContent xmlns:mc="http://schemas.openxmlformats.org/markup-compatibility/2006" xmlns:a14="http://schemas.microsoft.com/office/drawing/2010/main">
+        <mc:Choice Requires="a14">
           <p:sp>
             <p:nvSpPr>
               <p:cNvPr id="137" name="矩形 136">
@@ -13014,7 +12925,7 @@
             </p:txBody>
           </p:sp>
         </mc:Choice>
-        <mc:Fallback>
+        <mc:Fallback xmlns="">
           <p:sp>
             <p:nvSpPr>
               <p:cNvPr id="137" name="矩形 136">
@@ -13064,8 +12975,8 @@
           </p:sp>
         </mc:Fallback>
       </mc:AlternateContent>
-      <mc:AlternateContent xmlns:mc="http://schemas.openxmlformats.org/markup-compatibility/2006">
-        <mc:Choice xmlns:a14="http://schemas.microsoft.com/office/drawing/2010/main" Requires="a14">
+      <mc:AlternateContent xmlns:mc="http://schemas.openxmlformats.org/markup-compatibility/2006" xmlns:a14="http://schemas.microsoft.com/office/drawing/2010/main">
+        <mc:Choice Requires="a14">
           <p:sp>
             <p:nvSpPr>
               <p:cNvPr id="139" name="矩形 138">
@@ -13166,7 +13077,7 @@
             </p:txBody>
           </p:sp>
         </mc:Choice>
-        <mc:Fallback>
+        <mc:Fallback xmlns="">
           <p:sp>
             <p:nvSpPr>
               <p:cNvPr id="139" name="矩形 138">
@@ -13216,8 +13127,8 @@
           </p:sp>
         </mc:Fallback>
       </mc:AlternateContent>
-      <mc:AlternateContent xmlns:mc="http://schemas.openxmlformats.org/markup-compatibility/2006">
-        <mc:Choice xmlns:a14="http://schemas.microsoft.com/office/drawing/2010/main" Requires="a14">
+      <mc:AlternateContent xmlns:mc="http://schemas.openxmlformats.org/markup-compatibility/2006" xmlns:a14="http://schemas.microsoft.com/office/drawing/2010/main">
+        <mc:Choice Requires="a14">
           <p:sp>
             <p:nvSpPr>
               <p:cNvPr id="141" name="矩形 140">
@@ -13318,7 +13229,7 @@
             </p:txBody>
           </p:sp>
         </mc:Choice>
-        <mc:Fallback>
+        <mc:Fallback xmlns="">
           <p:sp>
             <p:nvSpPr>
               <p:cNvPr id="141" name="矩形 140">
@@ -13368,8 +13279,8 @@
           </p:sp>
         </mc:Fallback>
       </mc:AlternateContent>
-      <mc:AlternateContent xmlns:mc="http://schemas.openxmlformats.org/markup-compatibility/2006">
-        <mc:Choice xmlns:a14="http://schemas.microsoft.com/office/drawing/2010/main" Requires="a14">
+      <mc:AlternateContent xmlns:mc="http://schemas.openxmlformats.org/markup-compatibility/2006" xmlns:a14="http://schemas.microsoft.com/office/drawing/2010/main">
+        <mc:Choice Requires="a14">
           <p:sp>
             <p:nvSpPr>
               <p:cNvPr id="143" name="矩形 142">
@@ -13470,7 +13381,7 @@
             </p:txBody>
           </p:sp>
         </mc:Choice>
-        <mc:Fallback>
+        <mc:Fallback xmlns="">
           <p:sp>
             <p:nvSpPr>
               <p:cNvPr id="143" name="矩形 142">
@@ -13520,8 +13431,8 @@
           </p:sp>
         </mc:Fallback>
       </mc:AlternateContent>
-      <mc:AlternateContent xmlns:mc="http://schemas.openxmlformats.org/markup-compatibility/2006">
-        <mc:Choice xmlns:a14="http://schemas.microsoft.com/office/drawing/2010/main" Requires="a14">
+      <mc:AlternateContent xmlns:mc="http://schemas.openxmlformats.org/markup-compatibility/2006" xmlns:a14="http://schemas.microsoft.com/office/drawing/2010/main">
+        <mc:Choice Requires="a14">
           <p:sp>
             <p:nvSpPr>
               <p:cNvPr id="145" name="矩形 144">
@@ -13622,7 +13533,7 @@
             </p:txBody>
           </p:sp>
         </mc:Choice>
-        <mc:Fallback>
+        <mc:Fallback xmlns="">
           <p:sp>
             <p:nvSpPr>
               <p:cNvPr id="145" name="矩形 144">
@@ -13672,8 +13583,8 @@
           </p:sp>
         </mc:Fallback>
       </mc:AlternateContent>
-      <mc:AlternateContent xmlns:mc="http://schemas.openxmlformats.org/markup-compatibility/2006">
-        <mc:Choice xmlns:a14="http://schemas.microsoft.com/office/drawing/2010/main" Requires="a14">
+      <mc:AlternateContent xmlns:mc="http://schemas.openxmlformats.org/markup-compatibility/2006" xmlns:a14="http://schemas.microsoft.com/office/drawing/2010/main">
+        <mc:Choice Requires="a14">
           <p:sp>
             <p:nvSpPr>
               <p:cNvPr id="161" name="矩形 160">
@@ -13774,7 +13685,7 @@
             </p:txBody>
           </p:sp>
         </mc:Choice>
-        <mc:Fallback>
+        <mc:Fallback xmlns="">
           <p:sp>
             <p:nvSpPr>
               <p:cNvPr id="161" name="矩形 160">

--- a/correlation/Fourier_Quad/data_structure.pptx
+++ b/correlation/Fourier_Quad/data_structure.pptx
@@ -5,8 +5,13 @@
     <p:sldMasterId id="2147483648" r:id="rId1"/>
   </p:sldMasterIdLst>
   <p:sldIdLst>
-    <p:sldId id="256" r:id="rId2"/>
-    <p:sldId id="257" r:id="rId3"/>
+    <p:sldId id="262" r:id="rId2"/>
+    <p:sldId id="259" r:id="rId3"/>
+    <p:sldId id="261" r:id="rId4"/>
+    <p:sldId id="260" r:id="rId5"/>
+    <p:sldId id="256" r:id="rId6"/>
+    <p:sldId id="257" r:id="rId7"/>
+    <p:sldId id="258" r:id="rId8"/>
   </p:sldIdLst>
   <p:sldSz cx="12192000" cy="6858000"/>
   <p:notesSz cx="6858000" cy="9144000"/>
@@ -260,7 +265,7 @@
           <a:p>
             <a:fld id="{F2DEEC08-CA69-41BE-843A-05E093E0FFC8}" type="datetimeFigureOut">
               <a:rPr lang="zh-CN" altLang="en-US" smtClean="0"/>
-              <a:t>2020/9/16</a:t>
+              <a:t>2020/9/17</a:t>
             </a:fld>
             <a:endParaRPr lang="zh-CN" altLang="en-US"/>
           </a:p>
@@ -458,7 +463,7 @@
           <a:p>
             <a:fld id="{F2DEEC08-CA69-41BE-843A-05E093E0FFC8}" type="datetimeFigureOut">
               <a:rPr lang="zh-CN" altLang="en-US" smtClean="0"/>
-              <a:t>2020/9/16</a:t>
+              <a:t>2020/9/17</a:t>
             </a:fld>
             <a:endParaRPr lang="zh-CN" altLang="en-US"/>
           </a:p>
@@ -666,7 +671,7 @@
           <a:p>
             <a:fld id="{F2DEEC08-CA69-41BE-843A-05E093E0FFC8}" type="datetimeFigureOut">
               <a:rPr lang="zh-CN" altLang="en-US" smtClean="0"/>
-              <a:t>2020/9/16</a:t>
+              <a:t>2020/9/17</a:t>
             </a:fld>
             <a:endParaRPr lang="zh-CN" altLang="en-US"/>
           </a:p>
@@ -864,7 +869,7 @@
           <a:p>
             <a:fld id="{F2DEEC08-CA69-41BE-843A-05E093E0FFC8}" type="datetimeFigureOut">
               <a:rPr lang="zh-CN" altLang="en-US" smtClean="0"/>
-              <a:t>2020/9/16</a:t>
+              <a:t>2020/9/17</a:t>
             </a:fld>
             <a:endParaRPr lang="zh-CN" altLang="en-US"/>
           </a:p>
@@ -1139,7 +1144,7 @@
           <a:p>
             <a:fld id="{F2DEEC08-CA69-41BE-843A-05E093E0FFC8}" type="datetimeFigureOut">
               <a:rPr lang="zh-CN" altLang="en-US" smtClean="0"/>
-              <a:t>2020/9/16</a:t>
+              <a:t>2020/9/17</a:t>
             </a:fld>
             <a:endParaRPr lang="zh-CN" altLang="en-US"/>
           </a:p>
@@ -1404,7 +1409,7 @@
           <a:p>
             <a:fld id="{F2DEEC08-CA69-41BE-843A-05E093E0FFC8}" type="datetimeFigureOut">
               <a:rPr lang="zh-CN" altLang="en-US" smtClean="0"/>
-              <a:t>2020/9/16</a:t>
+              <a:t>2020/9/17</a:t>
             </a:fld>
             <a:endParaRPr lang="zh-CN" altLang="en-US"/>
           </a:p>
@@ -1816,7 +1821,7 @@
           <a:p>
             <a:fld id="{F2DEEC08-CA69-41BE-843A-05E093E0FFC8}" type="datetimeFigureOut">
               <a:rPr lang="zh-CN" altLang="en-US" smtClean="0"/>
-              <a:t>2020/9/16</a:t>
+              <a:t>2020/9/17</a:t>
             </a:fld>
             <a:endParaRPr lang="zh-CN" altLang="en-US"/>
           </a:p>
@@ -1957,7 +1962,7 @@
           <a:p>
             <a:fld id="{F2DEEC08-CA69-41BE-843A-05E093E0FFC8}" type="datetimeFigureOut">
               <a:rPr lang="zh-CN" altLang="en-US" smtClean="0"/>
-              <a:t>2020/9/16</a:t>
+              <a:t>2020/9/17</a:t>
             </a:fld>
             <a:endParaRPr lang="zh-CN" altLang="en-US"/>
           </a:p>
@@ -2070,7 +2075,7 @@
           <a:p>
             <a:fld id="{F2DEEC08-CA69-41BE-843A-05E093E0FFC8}" type="datetimeFigureOut">
               <a:rPr lang="zh-CN" altLang="en-US" smtClean="0"/>
-              <a:t>2020/9/16</a:t>
+              <a:t>2020/9/17</a:t>
             </a:fld>
             <a:endParaRPr lang="zh-CN" altLang="en-US"/>
           </a:p>
@@ -2381,7 +2386,7 @@
           <a:p>
             <a:fld id="{F2DEEC08-CA69-41BE-843A-05E093E0FFC8}" type="datetimeFigureOut">
               <a:rPr lang="zh-CN" altLang="en-US" smtClean="0"/>
-              <a:t>2020/9/16</a:t>
+              <a:t>2020/9/17</a:t>
             </a:fld>
             <a:endParaRPr lang="zh-CN" altLang="en-US"/>
           </a:p>
@@ -2669,7 +2674,7 @@
           <a:p>
             <a:fld id="{F2DEEC08-CA69-41BE-843A-05E093E0FFC8}" type="datetimeFigureOut">
               <a:rPr lang="zh-CN" altLang="en-US" smtClean="0"/>
-              <a:t>2020/9/16</a:t>
+              <a:t>2020/9/17</a:t>
             </a:fld>
             <a:endParaRPr lang="zh-CN" altLang="en-US"/>
           </a:p>
@@ -2910,7 +2915,7 @@
           <a:p>
             <a:fld id="{F2DEEC08-CA69-41BE-843A-05E093E0FFC8}" type="datetimeFigureOut">
               <a:rPr lang="zh-CN" altLang="en-US" smtClean="0"/>
-              <a:t>2020/9/16</a:t>
+              <a:t>2020/9/17</a:t>
             </a:fld>
             <a:endParaRPr lang="zh-CN" altLang="en-US"/>
           </a:p>
@@ -3311,6 +3316,162 @@
 </file>
 
 <file path=ppt/slides/slide1.xml><?xml version="1.0" encoding="utf-8"?>
+<p:sld xmlns:a="http://schemas.openxmlformats.org/drawingml/2006/main" xmlns:r="http://schemas.openxmlformats.org/officeDocument/2006/relationships" xmlns:p="http://schemas.openxmlformats.org/presentationml/2006/main">
+  <p:cSld>
+    <p:spTree>
+      <p:nvGrpSpPr>
+        <p:cNvPr id="1" name=""/>
+        <p:cNvGrpSpPr/>
+        <p:nvPr/>
+      </p:nvGrpSpPr>
+      <p:grpSpPr>
+        <a:xfrm>
+          <a:off x="0" y="0"/>
+          <a:ext cx="0" cy="0"/>
+          <a:chOff x="0" y="0"/>
+          <a:chExt cx="0" cy="0"/>
+        </a:xfrm>
+      </p:grpSpPr>
+      <p:pic>
+        <p:nvPicPr>
+          <p:cNvPr id="7" name="图片 6">
+            <a:extLst>
+              <a:ext uri="{FF2B5EF4-FFF2-40B4-BE49-F238E27FC236}">
+                <a16:creationId xmlns:a16="http://schemas.microsoft.com/office/drawing/2014/main" id="{88106E73-F762-499B-8BA4-7E1A0B3E73AB}"/>
+              </a:ext>
+            </a:extLst>
+          </p:cNvPr>
+          <p:cNvPicPr>
+            <a:picLocks noChangeAspect="1"/>
+          </p:cNvPicPr>
+          <p:nvPr/>
+        </p:nvPicPr>
+        <p:blipFill>
+          <a:blip r:embed="rId2">
+            <a:extLst>
+              <a:ext uri="{28A0092B-C50C-407E-A947-70E740481C1C}">
+                <a14:useLocalDpi xmlns:a14="http://schemas.microsoft.com/office/drawing/2010/main" val="0"/>
+              </a:ext>
+            </a:extLst>
+          </a:blip>
+          <a:stretch>
+            <a:fillRect/>
+          </a:stretch>
+        </p:blipFill>
+        <p:spPr>
+          <a:xfrm>
+            <a:off x="1481099" y="0"/>
+            <a:ext cx="9229802" cy="6858000"/>
+          </a:xfrm>
+          <a:prstGeom prst="rect">
+            <a:avLst/>
+          </a:prstGeom>
+        </p:spPr>
+      </p:pic>
+    </p:spTree>
+    <p:extLst>
+      <p:ext uri="{BB962C8B-B14F-4D97-AF65-F5344CB8AC3E}">
+        <p14:creationId xmlns:p14="http://schemas.microsoft.com/office/powerpoint/2010/main" val="4184394319"/>
+      </p:ext>
+    </p:extLst>
+  </p:cSld>
+  <p:clrMapOvr>
+    <a:masterClrMapping/>
+  </p:clrMapOvr>
+</p:sld>
+</file>
+
+<file path=ppt/slides/slide2.xml><?xml version="1.0" encoding="utf-8"?>
+<p:sld xmlns:a="http://schemas.openxmlformats.org/drawingml/2006/main" xmlns:r="http://schemas.openxmlformats.org/officeDocument/2006/relationships" xmlns:p="http://schemas.openxmlformats.org/presentationml/2006/main">
+  <p:cSld>
+    <p:spTree>
+      <p:nvGrpSpPr>
+        <p:cNvPr id="1" name=""/>
+        <p:cNvGrpSpPr/>
+        <p:nvPr/>
+      </p:nvGrpSpPr>
+      <p:grpSpPr>
+        <a:xfrm>
+          <a:off x="0" y="0"/>
+          <a:ext cx="0" cy="0"/>
+          <a:chOff x="0" y="0"/>
+          <a:chExt cx="0" cy="0"/>
+        </a:xfrm>
+      </p:grpSpPr>
+    </p:spTree>
+    <p:extLst>
+      <p:ext uri="{BB962C8B-B14F-4D97-AF65-F5344CB8AC3E}">
+        <p14:creationId xmlns:p14="http://schemas.microsoft.com/office/powerpoint/2010/main" val="1065368171"/>
+      </p:ext>
+    </p:extLst>
+  </p:cSld>
+  <p:clrMapOvr>
+    <a:masterClrMapping/>
+  </p:clrMapOvr>
+</p:sld>
+</file>
+
+<file path=ppt/slides/slide3.xml><?xml version="1.0" encoding="utf-8"?>
+<p:sld xmlns:a="http://schemas.openxmlformats.org/drawingml/2006/main" xmlns:r="http://schemas.openxmlformats.org/officeDocument/2006/relationships" xmlns:p="http://schemas.openxmlformats.org/presentationml/2006/main">
+  <p:cSld>
+    <p:spTree>
+      <p:nvGrpSpPr>
+        <p:cNvPr id="1" name=""/>
+        <p:cNvGrpSpPr/>
+        <p:nvPr/>
+      </p:nvGrpSpPr>
+      <p:grpSpPr>
+        <a:xfrm>
+          <a:off x="0" y="0"/>
+          <a:ext cx="0" cy="0"/>
+          <a:chOff x="0" y="0"/>
+          <a:chExt cx="0" cy="0"/>
+        </a:xfrm>
+      </p:grpSpPr>
+    </p:spTree>
+    <p:extLst>
+      <p:ext uri="{BB962C8B-B14F-4D97-AF65-F5344CB8AC3E}">
+        <p14:creationId xmlns:p14="http://schemas.microsoft.com/office/powerpoint/2010/main" val="2991691595"/>
+      </p:ext>
+    </p:extLst>
+  </p:cSld>
+  <p:clrMapOvr>
+    <a:masterClrMapping/>
+  </p:clrMapOvr>
+</p:sld>
+</file>
+
+<file path=ppt/slides/slide4.xml><?xml version="1.0" encoding="utf-8"?>
+<p:sld xmlns:a="http://schemas.openxmlformats.org/drawingml/2006/main" xmlns:r="http://schemas.openxmlformats.org/officeDocument/2006/relationships" xmlns:p="http://schemas.openxmlformats.org/presentationml/2006/main">
+  <p:cSld>
+    <p:spTree>
+      <p:nvGrpSpPr>
+        <p:cNvPr id="1" name=""/>
+        <p:cNvGrpSpPr/>
+        <p:nvPr/>
+      </p:nvGrpSpPr>
+      <p:grpSpPr>
+        <a:xfrm>
+          <a:off x="0" y="0"/>
+          <a:ext cx="0" cy="0"/>
+          <a:chOff x="0" y="0"/>
+          <a:chExt cx="0" cy="0"/>
+        </a:xfrm>
+      </p:grpSpPr>
+    </p:spTree>
+    <p:extLst>
+      <p:ext uri="{BB962C8B-B14F-4D97-AF65-F5344CB8AC3E}">
+        <p14:creationId xmlns:p14="http://schemas.microsoft.com/office/powerpoint/2010/main" val="1160277526"/>
+      </p:ext>
+    </p:extLst>
+  </p:cSld>
+  <p:clrMapOvr>
+    <a:masterClrMapping/>
+  </p:clrMapOvr>
+</p:sld>
+</file>
+
+<file path=ppt/slides/slide5.xml><?xml version="1.0" encoding="utf-8"?>
 <p:sld xmlns:a="http://schemas.openxmlformats.org/drawingml/2006/main" xmlns:r="http://schemas.openxmlformats.org/officeDocument/2006/relationships" xmlns:p="http://schemas.openxmlformats.org/presentationml/2006/main">
   <p:cSld>
     <p:spTree>
@@ -6008,7 +6169,7 @@
 </p:sld>
 </file>
 
-<file path=ppt/slides/slide2.xml><?xml version="1.0" encoding="utf-8"?>
+<file path=ppt/slides/slide6.xml><?xml version="1.0" encoding="utf-8"?>
 <p:sld xmlns:a="http://schemas.openxmlformats.org/drawingml/2006/main" xmlns:r="http://schemas.openxmlformats.org/officeDocument/2006/relationships" xmlns:p="http://schemas.openxmlformats.org/presentationml/2006/main">
   <p:cSld>
     <p:spTree>
@@ -13902,6 +14063,3127 @@
 </p:sld>
 </file>
 
+<file path=ppt/slides/slide7.xml><?xml version="1.0" encoding="utf-8"?>
+<p:sld xmlns:a="http://schemas.openxmlformats.org/drawingml/2006/main" xmlns:r="http://schemas.openxmlformats.org/officeDocument/2006/relationships" xmlns:p="http://schemas.openxmlformats.org/presentationml/2006/main">
+  <p:cSld>
+    <p:spTree>
+      <p:nvGrpSpPr>
+        <p:cNvPr id="1" name=""/>
+        <p:cNvGrpSpPr/>
+        <p:nvPr/>
+      </p:nvGrpSpPr>
+      <p:grpSpPr>
+        <a:xfrm>
+          <a:off x="0" y="0"/>
+          <a:ext cx="0" cy="0"/>
+          <a:chOff x="0" y="0"/>
+          <a:chExt cx="0" cy="0"/>
+        </a:xfrm>
+      </p:grpSpPr>
+      <p:sp>
+        <p:nvSpPr>
+          <p:cNvPr id="5" name="椭圆 4">
+            <a:extLst>
+              <a:ext uri="{FF2B5EF4-FFF2-40B4-BE49-F238E27FC236}">
+                <a16:creationId xmlns:a16="http://schemas.microsoft.com/office/drawing/2014/main" id="{4B6F322F-64DC-4F20-A42F-CE02EA30D958}"/>
+              </a:ext>
+            </a:extLst>
+          </p:cNvPr>
+          <p:cNvSpPr/>
+          <p:nvPr/>
+        </p:nvSpPr>
+        <p:spPr>
+          <a:xfrm>
+            <a:off x="2719725" y="2272867"/>
+            <a:ext cx="275208" cy="337352"/>
+          </a:xfrm>
+          <a:prstGeom prst="ellipse">
+            <a:avLst/>
+          </a:prstGeom>
+        </p:spPr>
+        <p:style>
+          <a:lnRef idx="2">
+            <a:schemeClr val="accent1">
+              <a:shade val="50000"/>
+            </a:schemeClr>
+          </a:lnRef>
+          <a:fillRef idx="1">
+            <a:schemeClr val="accent1"/>
+          </a:fillRef>
+          <a:effectRef idx="0">
+            <a:schemeClr val="accent1"/>
+          </a:effectRef>
+          <a:fontRef idx="minor">
+            <a:schemeClr val="lt1"/>
+          </a:fontRef>
+        </p:style>
+        <p:txBody>
+          <a:bodyPr rtlCol="0" anchor="ctr"/>
+          <a:lstStyle/>
+          <a:p>
+            <a:pPr algn="ctr"/>
+            <a:endParaRPr lang="zh-CN" altLang="en-US"/>
+          </a:p>
+        </p:txBody>
+      </p:sp>
+      <p:sp>
+        <p:nvSpPr>
+          <p:cNvPr id="6" name="文本框 5">
+            <a:extLst>
+              <a:ext uri="{FF2B5EF4-FFF2-40B4-BE49-F238E27FC236}">
+                <a16:creationId xmlns:a16="http://schemas.microsoft.com/office/drawing/2014/main" id="{BE451558-F104-4703-A59E-94FB3D07030A}"/>
+              </a:ext>
+            </a:extLst>
+          </p:cNvPr>
+          <p:cNvSpPr txBox="1"/>
+          <p:nvPr/>
+        </p:nvSpPr>
+        <p:spPr>
+          <a:xfrm>
+            <a:off x="2382426" y="2709909"/>
+            <a:ext cx="1225015" cy="369332"/>
+          </a:xfrm>
+          <a:prstGeom prst="rect">
+            <a:avLst/>
+          </a:prstGeom>
+          <a:noFill/>
+        </p:spPr>
+        <p:txBody>
+          <a:bodyPr wrap="none" rtlCol="0">
+            <a:spAutoFit/>
+          </a:bodyPr>
+          <a:lstStyle/>
+          <a:p>
+            <a:r>
+              <a:rPr lang="en-US" altLang="zh-CN" dirty="0"/>
+              <a:t>Ra, Dec, Z.</a:t>
+            </a:r>
+            <a:endParaRPr lang="zh-CN" altLang="en-US" dirty="0"/>
+          </a:p>
+        </p:txBody>
+      </p:sp>
+      <p:sp>
+        <p:nvSpPr>
+          <p:cNvPr id="7" name="椭圆 6">
+            <a:extLst>
+              <a:ext uri="{FF2B5EF4-FFF2-40B4-BE49-F238E27FC236}">
+                <a16:creationId xmlns:a16="http://schemas.microsoft.com/office/drawing/2014/main" id="{ED1EBD0C-8D5E-487D-9DB3-792906FE77B6}"/>
+              </a:ext>
+            </a:extLst>
+          </p:cNvPr>
+          <p:cNvSpPr/>
+          <p:nvPr/>
+        </p:nvSpPr>
+        <p:spPr>
+          <a:xfrm>
+            <a:off x="1664563" y="1738914"/>
+            <a:ext cx="2361460" cy="1600200"/>
+          </a:xfrm>
+          <a:prstGeom prst="ellipse">
+            <a:avLst/>
+          </a:prstGeom>
+          <a:noFill/>
+        </p:spPr>
+        <p:style>
+          <a:lnRef idx="2">
+            <a:schemeClr val="accent1">
+              <a:shade val="50000"/>
+            </a:schemeClr>
+          </a:lnRef>
+          <a:fillRef idx="1">
+            <a:schemeClr val="accent1"/>
+          </a:fillRef>
+          <a:effectRef idx="0">
+            <a:schemeClr val="accent1"/>
+          </a:effectRef>
+          <a:fontRef idx="minor">
+            <a:schemeClr val="lt1"/>
+          </a:fontRef>
+        </p:style>
+        <p:txBody>
+          <a:bodyPr rtlCol="0" anchor="ctr"/>
+          <a:lstStyle/>
+          <a:p>
+            <a:pPr algn="ctr"/>
+            <a:endParaRPr lang="zh-CN" altLang="en-US"/>
+          </a:p>
+        </p:txBody>
+      </p:sp>
+      <p:sp>
+        <p:nvSpPr>
+          <p:cNvPr id="9" name="椭圆 8">
+            <a:extLst>
+              <a:ext uri="{FF2B5EF4-FFF2-40B4-BE49-F238E27FC236}">
+                <a16:creationId xmlns:a16="http://schemas.microsoft.com/office/drawing/2014/main" id="{687B79E1-9D19-436D-A32D-F4660DF576EF}"/>
+              </a:ext>
+            </a:extLst>
+          </p:cNvPr>
+          <p:cNvSpPr/>
+          <p:nvPr/>
+        </p:nvSpPr>
+        <p:spPr>
+          <a:xfrm>
+            <a:off x="1081596" y="1278754"/>
+            <a:ext cx="3527394" cy="2662931"/>
+          </a:xfrm>
+          <a:prstGeom prst="ellipse">
+            <a:avLst/>
+          </a:prstGeom>
+          <a:noFill/>
+        </p:spPr>
+        <p:style>
+          <a:lnRef idx="2">
+            <a:schemeClr val="accent1">
+              <a:shade val="50000"/>
+            </a:schemeClr>
+          </a:lnRef>
+          <a:fillRef idx="1">
+            <a:schemeClr val="accent1"/>
+          </a:fillRef>
+          <a:effectRef idx="0">
+            <a:schemeClr val="accent1"/>
+          </a:effectRef>
+          <a:fontRef idx="minor">
+            <a:schemeClr val="lt1"/>
+          </a:fontRef>
+        </p:style>
+        <p:txBody>
+          <a:bodyPr rtlCol="0" anchor="ctr"/>
+          <a:lstStyle/>
+          <a:p>
+            <a:pPr algn="ctr"/>
+            <a:endParaRPr lang="zh-CN" altLang="en-US"/>
+          </a:p>
+        </p:txBody>
+      </p:sp>
+      <p:sp>
+        <p:nvSpPr>
+          <p:cNvPr id="10" name="椭圆 9">
+            <a:extLst>
+              <a:ext uri="{FF2B5EF4-FFF2-40B4-BE49-F238E27FC236}">
+                <a16:creationId xmlns:a16="http://schemas.microsoft.com/office/drawing/2014/main" id="{FE4BB99D-CFA3-44C8-A608-79B8DD5451E2}"/>
+              </a:ext>
+            </a:extLst>
+          </p:cNvPr>
+          <p:cNvSpPr/>
+          <p:nvPr/>
+        </p:nvSpPr>
+        <p:spPr>
+          <a:xfrm>
+            <a:off x="3391270" y="1589103"/>
+            <a:ext cx="88777" cy="149811"/>
+          </a:xfrm>
+          <a:prstGeom prst="ellipse">
+            <a:avLst/>
+          </a:prstGeom>
+        </p:spPr>
+        <p:style>
+          <a:lnRef idx="2">
+            <a:schemeClr val="accent1">
+              <a:shade val="50000"/>
+            </a:schemeClr>
+          </a:lnRef>
+          <a:fillRef idx="1">
+            <a:schemeClr val="accent1"/>
+          </a:fillRef>
+          <a:effectRef idx="0">
+            <a:schemeClr val="accent1"/>
+          </a:effectRef>
+          <a:fontRef idx="minor">
+            <a:schemeClr val="lt1"/>
+          </a:fontRef>
+        </p:style>
+        <p:txBody>
+          <a:bodyPr rtlCol="0" anchor="ctr"/>
+          <a:lstStyle/>
+          <a:p>
+            <a:pPr algn="ctr"/>
+            <a:endParaRPr lang="zh-CN" altLang="en-US"/>
+          </a:p>
+        </p:txBody>
+      </p:sp>
+      <p:sp>
+        <p:nvSpPr>
+          <p:cNvPr id="12" name="椭圆 11">
+            <a:extLst>
+              <a:ext uri="{FF2B5EF4-FFF2-40B4-BE49-F238E27FC236}">
+                <a16:creationId xmlns:a16="http://schemas.microsoft.com/office/drawing/2014/main" id="{9E0B662C-902E-4952-AF16-CFC6F4FE777D}"/>
+              </a:ext>
+            </a:extLst>
+          </p:cNvPr>
+          <p:cNvSpPr/>
+          <p:nvPr/>
+        </p:nvSpPr>
+        <p:spPr>
+          <a:xfrm>
+            <a:off x="3981634" y="1816408"/>
+            <a:ext cx="88777" cy="149811"/>
+          </a:xfrm>
+          <a:prstGeom prst="ellipse">
+            <a:avLst/>
+          </a:prstGeom>
+        </p:spPr>
+        <p:style>
+          <a:lnRef idx="2">
+            <a:schemeClr val="accent1">
+              <a:shade val="50000"/>
+            </a:schemeClr>
+          </a:lnRef>
+          <a:fillRef idx="1">
+            <a:schemeClr val="accent1"/>
+          </a:fillRef>
+          <a:effectRef idx="0">
+            <a:schemeClr val="accent1"/>
+          </a:effectRef>
+          <a:fontRef idx="minor">
+            <a:schemeClr val="lt1"/>
+          </a:fontRef>
+        </p:style>
+        <p:txBody>
+          <a:bodyPr rtlCol="0" anchor="ctr"/>
+          <a:lstStyle/>
+          <a:p>
+            <a:pPr algn="ctr"/>
+            <a:endParaRPr lang="zh-CN" altLang="en-US"/>
+          </a:p>
+        </p:txBody>
+      </p:sp>
+      <p:sp>
+        <p:nvSpPr>
+          <p:cNvPr id="14" name="椭圆 13">
+            <a:extLst>
+              <a:ext uri="{FF2B5EF4-FFF2-40B4-BE49-F238E27FC236}">
+                <a16:creationId xmlns:a16="http://schemas.microsoft.com/office/drawing/2014/main" id="{48CD6BD8-F763-4C47-8454-0076B684D69A}"/>
+              </a:ext>
+            </a:extLst>
+          </p:cNvPr>
+          <p:cNvSpPr/>
+          <p:nvPr/>
+        </p:nvSpPr>
+        <p:spPr>
+          <a:xfrm>
+            <a:off x="3966985" y="3079241"/>
+            <a:ext cx="88777" cy="149811"/>
+          </a:xfrm>
+          <a:prstGeom prst="ellipse">
+            <a:avLst/>
+          </a:prstGeom>
+        </p:spPr>
+        <p:style>
+          <a:lnRef idx="2">
+            <a:schemeClr val="accent1">
+              <a:shade val="50000"/>
+            </a:schemeClr>
+          </a:lnRef>
+          <a:fillRef idx="1">
+            <a:schemeClr val="accent1"/>
+          </a:fillRef>
+          <a:effectRef idx="0">
+            <a:schemeClr val="accent1"/>
+          </a:effectRef>
+          <a:fontRef idx="minor">
+            <a:schemeClr val="lt1"/>
+          </a:fontRef>
+        </p:style>
+        <p:txBody>
+          <a:bodyPr rtlCol="0" anchor="ctr"/>
+          <a:lstStyle/>
+          <a:p>
+            <a:pPr algn="ctr"/>
+            <a:endParaRPr lang="zh-CN" altLang="en-US"/>
+          </a:p>
+        </p:txBody>
+      </p:sp>
+      <p:sp>
+        <p:nvSpPr>
+          <p:cNvPr id="15" name="文本框 14">
+            <a:extLst>
+              <a:ext uri="{FF2B5EF4-FFF2-40B4-BE49-F238E27FC236}">
+                <a16:creationId xmlns:a16="http://schemas.microsoft.com/office/drawing/2014/main" id="{7343680D-7326-4FCE-A03F-625B138731EC}"/>
+              </a:ext>
+            </a:extLst>
+          </p:cNvPr>
+          <p:cNvSpPr txBox="1"/>
+          <p:nvPr/>
+        </p:nvSpPr>
+        <p:spPr>
+          <a:xfrm>
+            <a:off x="5249454" y="505381"/>
+            <a:ext cx="1693092" cy="646331"/>
+          </a:xfrm>
+          <a:prstGeom prst="rect">
+            <a:avLst/>
+          </a:prstGeom>
+          <a:noFill/>
+        </p:spPr>
+        <p:txBody>
+          <a:bodyPr wrap="none" rtlCol="0">
+            <a:spAutoFit/>
+          </a:bodyPr>
+          <a:lstStyle/>
+          <a:p>
+            <a:r>
+              <a:rPr lang="pt-BR" altLang="zh-CN" dirty="0"/>
+              <a:t>g1 g2 de h1 h2</a:t>
+            </a:r>
+            <a:br>
+              <a:rPr lang="pt-BR" altLang="zh-CN" dirty="0"/>
+            </a:br>
+            <a:r>
+              <a:rPr lang="pt-BR" altLang="zh-CN" dirty="0"/>
+              <a:t>G1, G2, N, U, V</a:t>
+            </a:r>
+            <a:endParaRPr lang="zh-CN" altLang="en-US" dirty="0"/>
+          </a:p>
+        </p:txBody>
+      </p:sp>
+      <mc:AlternateContent xmlns:mc="http://schemas.openxmlformats.org/markup-compatibility/2006" xmlns:a14="http://schemas.microsoft.com/office/drawing/2010/main">
+        <mc:Choice Requires="a14">
+          <p:sp>
+            <p:nvSpPr>
+              <p:cNvPr id="17" name="文本框 16">
+                <a:extLst>
+                  <a:ext uri="{FF2B5EF4-FFF2-40B4-BE49-F238E27FC236}">
+                    <a16:creationId xmlns:a16="http://schemas.microsoft.com/office/drawing/2014/main" id="{353BEB03-2931-4AEE-B3BB-86372D664D3A}"/>
+                  </a:ext>
+                </a:extLst>
+              </p:cNvPr>
+              <p:cNvSpPr txBox="1"/>
+              <p:nvPr/>
+            </p:nvSpPr>
+            <p:spPr>
+              <a:xfrm>
+                <a:off x="7416013" y="793219"/>
+                <a:ext cx="2601158" cy="276999"/>
+              </a:xfrm>
+              <a:prstGeom prst="rect">
+                <a:avLst/>
+              </a:prstGeom>
+              <a:noFill/>
+            </p:spPr>
+            <p:txBody>
+              <a:bodyPr wrap="square" lIns="0" tIns="0" rIns="0" bIns="0" rtlCol="0">
+                <a:spAutoFit/>
+              </a:bodyPr>
+              <a:lstStyle/>
+              <a:p>
+                <a:pPr/>
+                <a14:m>
+                  <m:oMathPara xmlns:m="http://schemas.openxmlformats.org/officeDocument/2006/math">
+                    <m:oMathParaPr>
+                      <m:jc m:val="centerGroup"/>
+                    </m:oMathParaPr>
+                    <m:oMath xmlns:m="http://schemas.openxmlformats.org/officeDocument/2006/math">
+                      <m:sSub>
+                        <m:sSubPr>
+                          <m:ctrlPr>
+                            <a:rPr lang="en-US" altLang="zh-CN" b="0" i="1" smtClean="0">
+                              <a:latin typeface="Cambria Math" panose="02040503050406030204" pitchFamily="18" charset="0"/>
+                            </a:rPr>
+                          </m:ctrlPr>
+                        </m:sSubPr>
+                        <m:e>
+                          <m:r>
+                            <a:rPr lang="en-US" altLang="zh-CN" b="0" i="1" smtClean="0">
+                              <a:latin typeface="Cambria Math" panose="02040503050406030204" pitchFamily="18" charset="0"/>
+                            </a:rPr>
+                            <m:t>𝐺</m:t>
+                          </m:r>
+                        </m:e>
+                        <m:sub>
+                          <m:r>
+                            <a:rPr lang="en-US" altLang="zh-CN" b="0" i="1" smtClean="0">
+                              <a:latin typeface="Cambria Math" panose="02040503050406030204" pitchFamily="18" charset="0"/>
+                            </a:rPr>
+                            <m:t>𝑇</m:t>
+                          </m:r>
+                        </m:sub>
+                      </m:sSub>
+                      <m:r>
+                        <a:rPr lang="en-US" altLang="zh-CN" b="0" i="1" smtClean="0">
+                          <a:latin typeface="Cambria Math" panose="02040503050406030204" pitchFamily="18" charset="0"/>
+                        </a:rPr>
+                        <m:t>, </m:t>
+                      </m:r>
+                      <m:r>
+                        <a:rPr lang="en-US" altLang="zh-CN" b="0" i="1" smtClean="0">
+                          <a:latin typeface="Cambria Math" panose="02040503050406030204" pitchFamily="18" charset="0"/>
+                        </a:rPr>
+                        <m:t>𝑁</m:t>
+                      </m:r>
+                      <m:r>
+                        <a:rPr lang="en-US" altLang="zh-CN" b="0" i="1" smtClean="0">
+                          <a:latin typeface="Cambria Math" panose="02040503050406030204" pitchFamily="18" charset="0"/>
+                        </a:rPr>
+                        <m:t>, </m:t>
+                      </m:r>
+                      <m:sSup>
+                        <m:sSupPr>
+                          <m:ctrlPr>
+                            <a:rPr lang="en-US" altLang="zh-CN" b="0" i="1" smtClean="0">
+                              <a:latin typeface="Cambria Math" panose="02040503050406030204" pitchFamily="18" charset="0"/>
+                            </a:rPr>
+                          </m:ctrlPr>
+                        </m:sSupPr>
+                        <m:e>
+                          <m:r>
+                            <a:rPr lang="en-US" altLang="zh-CN" b="0" i="1" smtClean="0">
+                              <a:latin typeface="Cambria Math" panose="02040503050406030204" pitchFamily="18" charset="0"/>
+                            </a:rPr>
+                            <m:t>𝑈</m:t>
+                          </m:r>
+                        </m:e>
+                        <m:sup>
+                          <m:r>
+                            <a:rPr lang="en-US" altLang="zh-CN" b="0" i="1" smtClean="0">
+                              <a:latin typeface="Cambria Math" panose="02040503050406030204" pitchFamily="18" charset="0"/>
+                            </a:rPr>
+                            <m:t>′</m:t>
+                          </m:r>
+                        </m:sup>
+                      </m:sSup>
+                    </m:oMath>
+                  </m:oMathPara>
+                </a14:m>
+                <a:endParaRPr lang="en-US" altLang="zh-CN" b="0" dirty="0"/>
+              </a:p>
+            </p:txBody>
+          </p:sp>
+        </mc:Choice>
+        <mc:Fallback xmlns="">
+          <p:sp>
+            <p:nvSpPr>
+              <p:cNvPr id="17" name="文本框 16">
+                <a:extLst>
+                  <a:ext uri="{FF2B5EF4-FFF2-40B4-BE49-F238E27FC236}">
+                    <a16:creationId xmlns:a16="http://schemas.microsoft.com/office/drawing/2014/main" id="{353BEB03-2931-4AEE-B3BB-86372D664D3A}"/>
+                  </a:ext>
+                </a:extLst>
+              </p:cNvPr>
+              <p:cNvSpPr txBox="1">
+                <a:spLocks noRot="1" noChangeAspect="1" noMove="1" noResize="1" noEditPoints="1" noAdjustHandles="1" noChangeArrowheads="1" noChangeShapeType="1" noTextEdit="1"/>
+              </p:cNvSpPr>
+              <p:nvPr/>
+            </p:nvSpPr>
+            <p:spPr>
+              <a:xfrm>
+                <a:off x="7416013" y="793219"/>
+                <a:ext cx="2601158" cy="276999"/>
+              </a:xfrm>
+              <a:prstGeom prst="rect">
+                <a:avLst/>
+              </a:prstGeom>
+              <a:blipFill>
+                <a:blip r:embed="rId2"/>
+                <a:stretch>
+                  <a:fillRect b="-15217"/>
+                </a:stretch>
+              </a:blipFill>
+            </p:spPr>
+            <p:txBody>
+              <a:bodyPr/>
+              <a:lstStyle/>
+              <a:p>
+                <a:r>
+                  <a:rPr lang="zh-CN" altLang="en-US">
+                    <a:noFill/>
+                  </a:rPr>
+                  <a:t> </a:t>
+                </a:r>
+              </a:p>
+            </p:txBody>
+          </p:sp>
+        </mc:Fallback>
+      </mc:AlternateContent>
+      <mc:AlternateContent xmlns:mc="http://schemas.openxmlformats.org/markup-compatibility/2006" xmlns:a14="http://schemas.microsoft.com/office/drawing/2010/main">
+        <mc:Choice Requires="a14">
+          <p:sp>
+            <p:nvSpPr>
+              <p:cNvPr id="18" name="文本框 17">
+                <a:extLst>
+                  <a:ext uri="{FF2B5EF4-FFF2-40B4-BE49-F238E27FC236}">
+                    <a16:creationId xmlns:a16="http://schemas.microsoft.com/office/drawing/2014/main" id="{3D507C7A-1BE5-4047-9119-D555C974BF92}"/>
+                  </a:ext>
+                </a:extLst>
+              </p:cNvPr>
+              <p:cNvSpPr txBox="1"/>
+              <p:nvPr/>
+            </p:nvSpPr>
+            <p:spPr>
+              <a:xfrm>
+                <a:off x="5018634" y="4085948"/>
+                <a:ext cx="461639" cy="372862"/>
+              </a:xfrm>
+              <a:prstGeom prst="rect">
+                <a:avLst/>
+              </a:prstGeom>
+              <a:noFill/>
+            </p:spPr>
+            <p:txBody>
+              <a:bodyPr wrap="square" rtlCol="0">
+                <a:spAutoFit/>
+              </a:bodyPr>
+              <a:lstStyle/>
+              <a:p>
+                <a:pPr/>
+                <a14:m>
+                  <m:oMathPara xmlns:m="http://schemas.openxmlformats.org/officeDocument/2006/math">
+                    <m:oMathParaPr>
+                      <m:jc m:val="centerGroup"/>
+                    </m:oMathParaPr>
+                    <m:oMath xmlns:m="http://schemas.openxmlformats.org/officeDocument/2006/math">
+                      <m:r>
+                        <m:rPr>
+                          <m:sty m:val="p"/>
+                        </m:rPr>
+                        <a:rPr lang="en-US" altLang="zh-CN" b="0" i="0" smtClean="0">
+                          <a:latin typeface="Cambria Math" panose="02040503050406030204" pitchFamily="18" charset="0"/>
+                        </a:rPr>
+                        <m:t>ΔΣ</m:t>
+                      </m:r>
+                    </m:oMath>
+                  </m:oMathPara>
+                </a14:m>
+                <a:endParaRPr lang="zh-CN" altLang="en-US" dirty="0"/>
+              </a:p>
+            </p:txBody>
+          </p:sp>
+        </mc:Choice>
+        <mc:Fallback xmlns="">
+          <p:sp>
+            <p:nvSpPr>
+              <p:cNvPr id="18" name="文本框 17">
+                <a:extLst>
+                  <a:ext uri="{FF2B5EF4-FFF2-40B4-BE49-F238E27FC236}">
+                    <a16:creationId xmlns:a16="http://schemas.microsoft.com/office/drawing/2014/main" id="{3D507C7A-1BE5-4047-9119-D555C974BF92}"/>
+                  </a:ext>
+                </a:extLst>
+              </p:cNvPr>
+              <p:cNvSpPr txBox="1">
+                <a:spLocks noRot="1" noChangeAspect="1" noMove="1" noResize="1" noEditPoints="1" noAdjustHandles="1" noChangeArrowheads="1" noChangeShapeType="1" noTextEdit="1"/>
+              </p:cNvSpPr>
+              <p:nvPr/>
+            </p:nvSpPr>
+            <p:spPr>
+              <a:xfrm>
+                <a:off x="5018634" y="4085948"/>
+                <a:ext cx="461639" cy="372862"/>
+              </a:xfrm>
+              <a:prstGeom prst="rect">
+                <a:avLst/>
+              </a:prstGeom>
+              <a:blipFill>
+                <a:blip r:embed="rId3"/>
+                <a:stretch>
+                  <a:fillRect/>
+                </a:stretch>
+              </a:blipFill>
+            </p:spPr>
+            <p:txBody>
+              <a:bodyPr/>
+              <a:lstStyle/>
+              <a:p>
+                <a:r>
+                  <a:rPr lang="zh-CN" altLang="en-US">
+                    <a:noFill/>
+                  </a:rPr>
+                  <a:t> </a:t>
+                </a:r>
+              </a:p>
+            </p:txBody>
+          </p:sp>
+        </mc:Fallback>
+      </mc:AlternateContent>
+      <mc:AlternateContent xmlns:mc="http://schemas.openxmlformats.org/markup-compatibility/2006" xmlns:a14="http://schemas.microsoft.com/office/drawing/2010/main">
+        <mc:Choice Requires="a14">
+          <p:sp>
+            <p:nvSpPr>
+              <p:cNvPr id="19" name="文本框 18">
+                <a:extLst>
+                  <a:ext uri="{FF2B5EF4-FFF2-40B4-BE49-F238E27FC236}">
+                    <a16:creationId xmlns:a16="http://schemas.microsoft.com/office/drawing/2014/main" id="{A1BDC3E6-9773-4006-948D-335DD3D73F33}"/>
+                  </a:ext>
+                </a:extLst>
+              </p:cNvPr>
+              <p:cNvSpPr txBox="1"/>
+              <p:nvPr/>
+            </p:nvSpPr>
+            <p:spPr>
+              <a:xfrm>
+                <a:off x="5249453" y="1615212"/>
+                <a:ext cx="4199138" cy="318998"/>
+              </a:xfrm>
+              <a:prstGeom prst="rect">
+                <a:avLst/>
+              </a:prstGeom>
+              <a:noFill/>
+            </p:spPr>
+            <p:txBody>
+              <a:bodyPr wrap="square" lIns="0" tIns="0" rIns="0" bIns="0" rtlCol="0">
+                <a:spAutoFit/>
+              </a:bodyPr>
+              <a:lstStyle/>
+              <a:p>
+                <a:pPr/>
+                <a14:m>
+                  <m:oMathPara xmlns:m="http://schemas.openxmlformats.org/officeDocument/2006/math">
+                    <m:oMathParaPr>
+                      <m:jc m:val="centerGroup"/>
+                    </m:oMathParaPr>
+                    <m:oMath xmlns:m="http://schemas.openxmlformats.org/officeDocument/2006/math">
+                      <m:sSub>
+                        <m:sSubPr>
+                          <m:ctrlPr>
+                            <a:rPr lang="en-US" altLang="zh-CN" b="0" i="1" smtClean="0">
+                              <a:latin typeface="Cambria Math" panose="02040503050406030204" pitchFamily="18" charset="0"/>
+                            </a:rPr>
+                          </m:ctrlPr>
+                        </m:sSubPr>
+                        <m:e>
+                          <m:r>
+                            <a:rPr lang="en-US" altLang="zh-CN" b="0" i="1" smtClean="0">
+                              <a:latin typeface="Cambria Math" panose="02040503050406030204" pitchFamily="18" charset="0"/>
+                            </a:rPr>
+                            <m:t>𝐺</m:t>
+                          </m:r>
+                        </m:e>
+                        <m:sub>
+                          <m:r>
+                            <a:rPr lang="en-US" altLang="zh-CN" b="0" i="1" smtClean="0">
+                              <a:latin typeface="Cambria Math" panose="02040503050406030204" pitchFamily="18" charset="0"/>
+                            </a:rPr>
+                            <m:t>𝑇</m:t>
+                          </m:r>
+                        </m:sub>
+                      </m:sSub>
+                      <m:sSub>
+                        <m:sSubPr>
+                          <m:ctrlPr>
+                            <a:rPr lang="en-US" altLang="zh-CN" b="0" i="1" smtClean="0">
+                              <a:latin typeface="Cambria Math" panose="02040503050406030204" pitchFamily="18" charset="0"/>
+                            </a:rPr>
+                          </m:ctrlPr>
+                        </m:sSubPr>
+                        <m:e>
+                          <m:r>
+                            <m:rPr>
+                              <m:sty m:val="p"/>
+                            </m:rPr>
+                            <a:rPr lang="en-US" altLang="zh-CN" b="0" i="0" smtClean="0">
+                              <a:latin typeface="Cambria Math" panose="02040503050406030204" pitchFamily="18" charset="0"/>
+                            </a:rPr>
+                            <m:t>Σ</m:t>
+                          </m:r>
+                        </m:e>
+                        <m:sub>
+                          <m:r>
+                            <a:rPr lang="en-US" altLang="zh-CN" b="0" i="1" smtClean="0">
+                              <a:latin typeface="Cambria Math" panose="02040503050406030204" pitchFamily="18" charset="0"/>
+                            </a:rPr>
+                            <m:t>𝑐𝑟𝑖𝑡</m:t>
+                          </m:r>
+                          <m:r>
+                            <a:rPr lang="en-US" altLang="zh-CN" b="0" i="1" smtClean="0">
+                              <a:latin typeface="Cambria Math" panose="02040503050406030204" pitchFamily="18" charset="0"/>
+                            </a:rPr>
+                            <m:t> </m:t>
+                          </m:r>
+                        </m:sub>
+                      </m:sSub>
+                      <m:d>
+                        <m:dPr>
+                          <m:ctrlPr>
+                            <a:rPr lang="en-US" altLang="zh-CN" b="0" i="1" smtClean="0">
+                              <a:latin typeface="Cambria Math" panose="02040503050406030204" pitchFamily="18" charset="0"/>
+                            </a:rPr>
+                          </m:ctrlPr>
+                        </m:dPr>
+                        <m:e>
+                          <m:sSub>
+                            <m:sSubPr>
+                              <m:ctrlPr>
+                                <a:rPr lang="en-US" altLang="zh-CN" b="0" i="1" smtClean="0">
+                                  <a:latin typeface="Cambria Math" panose="02040503050406030204" pitchFamily="18" charset="0"/>
+                                </a:rPr>
+                              </m:ctrlPr>
+                            </m:sSubPr>
+                            <m:e>
+                              <m:r>
+                                <a:rPr lang="en-US" altLang="zh-CN" b="0" i="1" smtClean="0">
+                                  <a:latin typeface="Cambria Math" panose="02040503050406030204" pitchFamily="18" charset="0"/>
+                                </a:rPr>
+                                <m:t>𝑧</m:t>
+                              </m:r>
+                            </m:e>
+                            <m:sub>
+                              <m:r>
+                                <a:rPr lang="en-US" altLang="zh-CN" b="0" i="1" smtClean="0">
+                                  <a:latin typeface="Cambria Math" panose="02040503050406030204" pitchFamily="18" charset="0"/>
+                                </a:rPr>
+                                <m:t>𝑠</m:t>
+                              </m:r>
+                            </m:sub>
+                          </m:sSub>
+                          <m:r>
+                            <a:rPr lang="en-US" altLang="zh-CN" b="0" i="1" smtClean="0">
+                              <a:latin typeface="Cambria Math" panose="02040503050406030204" pitchFamily="18" charset="0"/>
+                            </a:rPr>
+                            <m:t>,</m:t>
+                          </m:r>
+                          <m:sSub>
+                            <m:sSubPr>
+                              <m:ctrlPr>
+                                <a:rPr lang="en-US" altLang="zh-CN" b="0" i="1" smtClean="0">
+                                  <a:latin typeface="Cambria Math" panose="02040503050406030204" pitchFamily="18" charset="0"/>
+                                </a:rPr>
+                              </m:ctrlPr>
+                            </m:sSubPr>
+                            <m:e>
+                              <m:r>
+                                <a:rPr lang="en-US" altLang="zh-CN" b="0" i="1" smtClean="0">
+                                  <a:latin typeface="Cambria Math" panose="02040503050406030204" pitchFamily="18" charset="0"/>
+                                </a:rPr>
+                                <m:t>𝑧</m:t>
+                              </m:r>
+                            </m:e>
+                            <m:sub>
+                              <m:r>
+                                <a:rPr lang="en-US" altLang="zh-CN" b="0" i="1" smtClean="0">
+                                  <a:latin typeface="Cambria Math" panose="02040503050406030204" pitchFamily="18" charset="0"/>
+                                </a:rPr>
+                                <m:t>𝑓</m:t>
+                              </m:r>
+                            </m:sub>
+                          </m:sSub>
+                        </m:e>
+                      </m:d>
+                      <m:r>
+                        <a:rPr lang="en-US" altLang="zh-CN" b="0" i="1" smtClean="0">
+                          <a:latin typeface="Cambria Math" panose="02040503050406030204" pitchFamily="18" charset="0"/>
+                        </a:rPr>
+                        <m:t>−</m:t>
+                      </m:r>
+                      <m:r>
+                        <m:rPr>
+                          <m:sty m:val="p"/>
+                        </m:rPr>
+                        <a:rPr lang="en-US" altLang="zh-CN">
+                          <a:latin typeface="Cambria Math" panose="02040503050406030204" pitchFamily="18" charset="0"/>
+                        </a:rPr>
+                        <m:t>Δ</m:t>
+                      </m:r>
+                      <m:acc>
+                        <m:accPr>
+                          <m:chr m:val="̂"/>
+                          <m:ctrlPr>
+                            <a:rPr lang="en-US" altLang="zh-CN" b="0" i="1" smtClean="0">
+                              <a:latin typeface="Cambria Math" panose="02040503050406030204" pitchFamily="18" charset="0"/>
+                            </a:rPr>
+                          </m:ctrlPr>
+                        </m:accPr>
+                        <m:e>
+                          <m:sSub>
+                            <m:sSubPr>
+                              <m:ctrlPr>
+                                <a:rPr lang="en-US" altLang="zh-CN" b="0" i="1" smtClean="0">
+                                  <a:latin typeface="Cambria Math" panose="02040503050406030204" pitchFamily="18" charset="0"/>
+                                </a:rPr>
+                              </m:ctrlPr>
+                            </m:sSubPr>
+                            <m:e>
+                              <m:r>
+                                <m:rPr>
+                                  <m:sty m:val="p"/>
+                                </m:rPr>
+                                <a:rPr lang="en-US" altLang="zh-CN">
+                                  <a:latin typeface="Cambria Math" panose="02040503050406030204" pitchFamily="18" charset="0"/>
+                                </a:rPr>
+                                <m:t>Σ</m:t>
+                              </m:r>
+                            </m:e>
+                            <m:sub>
+                              <m:r>
+                                <a:rPr lang="en-US" altLang="zh-CN" b="0" i="1" smtClean="0">
+                                  <a:latin typeface="Cambria Math" panose="02040503050406030204" pitchFamily="18" charset="0"/>
+                                </a:rPr>
+                                <m:t>𝑡𝑎𝑛</m:t>
+                              </m:r>
+                            </m:sub>
+                          </m:sSub>
+                        </m:e>
+                      </m:acc>
+                      <m:r>
+                        <a:rPr lang="en-US" altLang="zh-CN" b="0" i="1" smtClean="0">
+                          <a:latin typeface="Cambria Math" panose="02040503050406030204" pitchFamily="18" charset="0"/>
+                        </a:rPr>
+                        <m:t>(</m:t>
+                      </m:r>
+                      <m:r>
+                        <a:rPr lang="en-US" altLang="zh-CN" b="0" i="1" smtClean="0">
+                          <a:latin typeface="Cambria Math" panose="02040503050406030204" pitchFamily="18" charset="0"/>
+                        </a:rPr>
+                        <m:t>𝑁</m:t>
+                      </m:r>
+                      <m:r>
+                        <a:rPr lang="en-US" altLang="zh-CN" b="0" i="1" smtClean="0">
+                          <a:latin typeface="Cambria Math" panose="02040503050406030204" pitchFamily="18" charset="0"/>
+                        </a:rPr>
+                        <m:t>+</m:t>
+                      </m:r>
+                      <m:sSup>
+                        <m:sSupPr>
+                          <m:ctrlPr>
+                            <a:rPr lang="en-US" altLang="zh-CN" b="0" i="1" smtClean="0">
+                              <a:latin typeface="Cambria Math" panose="02040503050406030204" pitchFamily="18" charset="0"/>
+                            </a:rPr>
+                          </m:ctrlPr>
+                        </m:sSupPr>
+                        <m:e>
+                          <m:r>
+                            <a:rPr lang="en-US" altLang="zh-CN" b="0" i="1" smtClean="0">
+                              <a:latin typeface="Cambria Math" panose="02040503050406030204" pitchFamily="18" charset="0"/>
+                            </a:rPr>
+                            <m:t>𝑈</m:t>
+                          </m:r>
+                        </m:e>
+                        <m:sup>
+                          <m:r>
+                            <a:rPr lang="en-US" altLang="zh-CN" b="0" i="1" smtClean="0">
+                              <a:latin typeface="Cambria Math" panose="02040503050406030204" pitchFamily="18" charset="0"/>
+                            </a:rPr>
+                            <m:t>′</m:t>
+                          </m:r>
+                        </m:sup>
+                      </m:sSup>
+                      <m:r>
+                        <a:rPr lang="en-US" altLang="zh-CN" b="0" i="1" smtClean="0">
+                          <a:latin typeface="Cambria Math" panose="02040503050406030204" pitchFamily="18" charset="0"/>
+                        </a:rPr>
+                        <m:t>)</m:t>
+                      </m:r>
+                    </m:oMath>
+                  </m:oMathPara>
+                </a14:m>
+                <a:endParaRPr lang="zh-CN" altLang="en-US" dirty="0"/>
+              </a:p>
+            </p:txBody>
+          </p:sp>
+        </mc:Choice>
+        <mc:Fallback xmlns="">
+          <p:sp>
+            <p:nvSpPr>
+              <p:cNvPr id="19" name="文本框 18">
+                <a:extLst>
+                  <a:ext uri="{FF2B5EF4-FFF2-40B4-BE49-F238E27FC236}">
+                    <a16:creationId xmlns:a16="http://schemas.microsoft.com/office/drawing/2014/main" id="{A1BDC3E6-9773-4006-948D-335DD3D73F33}"/>
+                  </a:ext>
+                </a:extLst>
+              </p:cNvPr>
+              <p:cNvSpPr txBox="1">
+                <a:spLocks noRot="1" noChangeAspect="1" noMove="1" noResize="1" noEditPoints="1" noAdjustHandles="1" noChangeArrowheads="1" noChangeShapeType="1" noTextEdit="1"/>
+              </p:cNvSpPr>
+              <p:nvPr/>
+            </p:nvSpPr>
+            <p:spPr>
+              <a:xfrm>
+                <a:off x="5249453" y="1615212"/>
+                <a:ext cx="4199138" cy="318998"/>
+              </a:xfrm>
+              <a:prstGeom prst="rect">
+                <a:avLst/>
+              </a:prstGeom>
+              <a:blipFill>
+                <a:blip r:embed="rId4"/>
+                <a:stretch>
+                  <a:fillRect t="-13462" b="-26923"/>
+                </a:stretch>
+              </a:blipFill>
+            </p:spPr>
+            <p:txBody>
+              <a:bodyPr/>
+              <a:lstStyle/>
+              <a:p>
+                <a:r>
+                  <a:rPr lang="zh-CN" altLang="en-US">
+                    <a:noFill/>
+                  </a:rPr>
+                  <a:t> </a:t>
+                </a:r>
+              </a:p>
+            </p:txBody>
+          </p:sp>
+        </mc:Fallback>
+      </mc:AlternateContent>
+      <p:sp>
+        <p:nvSpPr>
+          <p:cNvPr id="21" name="文本框 20">
+            <a:extLst>
+              <a:ext uri="{FF2B5EF4-FFF2-40B4-BE49-F238E27FC236}">
+                <a16:creationId xmlns:a16="http://schemas.microsoft.com/office/drawing/2014/main" id="{36739DF6-F682-43A6-A4E3-9ABA56EE370B}"/>
+              </a:ext>
+            </a:extLst>
+          </p:cNvPr>
+          <p:cNvSpPr txBox="1"/>
+          <p:nvPr/>
+        </p:nvSpPr>
+        <p:spPr>
+          <a:xfrm>
+            <a:off x="9745301" y="1738914"/>
+            <a:ext cx="543739" cy="369332"/>
+          </a:xfrm>
+          <a:prstGeom prst="rect">
+            <a:avLst/>
+          </a:prstGeom>
+          <a:noFill/>
+        </p:spPr>
+        <p:txBody>
+          <a:bodyPr wrap="none" rtlCol="0">
+            <a:spAutoFit/>
+          </a:bodyPr>
+          <a:lstStyle/>
+          <a:p>
+            <a:r>
+              <a:rPr lang="en-US" altLang="zh-CN" dirty="0"/>
+              <a:t>N_s</a:t>
+            </a:r>
+          </a:p>
+        </p:txBody>
+      </p:sp>
+      <mc:AlternateContent xmlns:mc="http://schemas.openxmlformats.org/markup-compatibility/2006" xmlns:a14="http://schemas.microsoft.com/office/drawing/2010/main">
+        <mc:Choice Requires="a14">
+          <p:sp>
+            <p:nvSpPr>
+              <p:cNvPr id="22" name="文本框 21">
+                <a:extLst>
+                  <a:ext uri="{FF2B5EF4-FFF2-40B4-BE49-F238E27FC236}">
+                    <a16:creationId xmlns:a16="http://schemas.microsoft.com/office/drawing/2014/main" id="{359D05BD-BC97-4FBA-BFA4-090FF9BEADCA}"/>
+                  </a:ext>
+                </a:extLst>
+              </p:cNvPr>
+              <p:cNvSpPr txBox="1"/>
+              <p:nvPr/>
+            </p:nvSpPr>
+            <p:spPr>
+              <a:xfrm>
+                <a:off x="7374033" y="2878528"/>
+                <a:ext cx="314060" cy="276999"/>
+              </a:xfrm>
+              <a:prstGeom prst="rect">
+                <a:avLst/>
+              </a:prstGeom>
+              <a:noFill/>
+            </p:spPr>
+            <p:txBody>
+              <a:bodyPr wrap="none" lIns="0" tIns="0" rIns="0" bIns="0" rtlCol="0">
+                <a:spAutoFit/>
+              </a:bodyPr>
+              <a:lstStyle/>
+              <a:p>
+                <a:pPr/>
+                <a14:m>
+                  <m:oMathPara xmlns:m="http://schemas.openxmlformats.org/officeDocument/2006/math">
+                    <m:oMathParaPr>
+                      <m:jc m:val="centerGroup"/>
+                    </m:oMathParaPr>
+                    <m:oMath xmlns:m="http://schemas.openxmlformats.org/officeDocument/2006/math">
+                      <m:sSup>
+                        <m:sSupPr>
+                          <m:ctrlPr>
+                            <a:rPr lang="en-US" altLang="zh-CN" b="0" i="1" smtClean="0">
+                              <a:latin typeface="Cambria Math" panose="02040503050406030204" pitchFamily="18" charset="0"/>
+                            </a:rPr>
+                          </m:ctrlPr>
+                        </m:sSupPr>
+                        <m:e>
+                          <m:r>
+                            <a:rPr lang="en-US" altLang="zh-CN" b="0" i="1" smtClean="0">
+                              <a:latin typeface="Cambria Math" panose="02040503050406030204" pitchFamily="18" charset="0"/>
+                            </a:rPr>
+                            <m:t>𝜒</m:t>
+                          </m:r>
+                        </m:e>
+                        <m:sup>
+                          <m:r>
+                            <a:rPr lang="en-US" altLang="zh-CN" b="0" i="1" smtClean="0">
+                              <a:latin typeface="Cambria Math" panose="02040503050406030204" pitchFamily="18" charset="0"/>
+                            </a:rPr>
+                            <m:t>2</m:t>
+                          </m:r>
+                        </m:sup>
+                      </m:sSup>
+                    </m:oMath>
+                  </m:oMathPara>
+                </a14:m>
+                <a:endParaRPr lang="zh-CN" altLang="en-US" dirty="0"/>
+              </a:p>
+            </p:txBody>
+          </p:sp>
+        </mc:Choice>
+        <mc:Fallback xmlns="">
+          <p:sp>
+            <p:nvSpPr>
+              <p:cNvPr id="22" name="文本框 21">
+                <a:extLst>
+                  <a:ext uri="{FF2B5EF4-FFF2-40B4-BE49-F238E27FC236}">
+                    <a16:creationId xmlns:a16="http://schemas.microsoft.com/office/drawing/2014/main" id="{359D05BD-BC97-4FBA-BFA4-090FF9BEADCA}"/>
+                  </a:ext>
+                </a:extLst>
+              </p:cNvPr>
+              <p:cNvSpPr txBox="1">
+                <a:spLocks noRot="1" noChangeAspect="1" noMove="1" noResize="1" noEditPoints="1" noAdjustHandles="1" noChangeArrowheads="1" noChangeShapeType="1" noTextEdit="1"/>
+              </p:cNvSpPr>
+              <p:nvPr/>
+            </p:nvSpPr>
+            <p:spPr>
+              <a:xfrm>
+                <a:off x="7374033" y="2878528"/>
+                <a:ext cx="314060" cy="276999"/>
+              </a:xfrm>
+              <a:prstGeom prst="rect">
+                <a:avLst/>
+              </a:prstGeom>
+              <a:blipFill>
+                <a:blip r:embed="rId5"/>
+                <a:stretch>
+                  <a:fillRect l="-17647" t="-4348" r="-3922" b="-21739"/>
+                </a:stretch>
+              </a:blipFill>
+            </p:spPr>
+            <p:txBody>
+              <a:bodyPr/>
+              <a:lstStyle/>
+              <a:p>
+                <a:r>
+                  <a:rPr lang="zh-CN" altLang="en-US">
+                    <a:noFill/>
+                  </a:rPr>
+                  <a:t> </a:t>
+                </a:r>
+              </a:p>
+            </p:txBody>
+          </p:sp>
+        </mc:Fallback>
+      </mc:AlternateContent>
+      <p:cxnSp>
+        <p:nvCxnSpPr>
+          <p:cNvPr id="24" name="直接箭头连接符 23">
+            <a:extLst>
+              <a:ext uri="{FF2B5EF4-FFF2-40B4-BE49-F238E27FC236}">
+                <a16:creationId xmlns:a16="http://schemas.microsoft.com/office/drawing/2014/main" id="{5CBB866F-FCB4-4F6D-A07E-09094751C4E3}"/>
+              </a:ext>
+            </a:extLst>
+          </p:cNvPr>
+          <p:cNvCxnSpPr/>
+          <p:nvPr/>
+        </p:nvCxnSpPr>
+        <p:spPr>
+          <a:xfrm>
+            <a:off x="6358184" y="4458810"/>
+            <a:ext cx="2865715" cy="0"/>
+          </a:xfrm>
+          <a:prstGeom prst="straightConnector1">
+            <a:avLst/>
+          </a:prstGeom>
+          <a:ln>
+            <a:tailEnd type="triangle"/>
+          </a:ln>
+        </p:spPr>
+        <p:style>
+          <a:lnRef idx="1">
+            <a:schemeClr val="accent1"/>
+          </a:lnRef>
+          <a:fillRef idx="0">
+            <a:schemeClr val="accent1"/>
+          </a:fillRef>
+          <a:effectRef idx="0">
+            <a:schemeClr val="accent1"/>
+          </a:effectRef>
+          <a:fontRef idx="minor">
+            <a:schemeClr val="tx1"/>
+          </a:fontRef>
+        </p:style>
+      </p:cxnSp>
+      <p:cxnSp>
+        <p:nvCxnSpPr>
+          <p:cNvPr id="26" name="直接箭头连接符 25">
+            <a:extLst>
+              <a:ext uri="{FF2B5EF4-FFF2-40B4-BE49-F238E27FC236}">
+                <a16:creationId xmlns:a16="http://schemas.microsoft.com/office/drawing/2014/main" id="{D20E6224-EE74-4CC3-AF56-89DCFB90F65E}"/>
+              </a:ext>
+            </a:extLst>
+          </p:cNvPr>
+          <p:cNvCxnSpPr/>
+          <p:nvPr/>
+        </p:nvCxnSpPr>
+        <p:spPr>
+          <a:xfrm flipV="1">
+            <a:off x="7661429" y="3015646"/>
+            <a:ext cx="0" cy="2248812"/>
+          </a:xfrm>
+          <a:prstGeom prst="straightConnector1">
+            <a:avLst/>
+          </a:prstGeom>
+          <a:ln>
+            <a:tailEnd type="triangle"/>
+          </a:ln>
+        </p:spPr>
+        <p:style>
+          <a:lnRef idx="1">
+            <a:schemeClr val="accent1"/>
+          </a:lnRef>
+          <a:fillRef idx="0">
+            <a:schemeClr val="accent1"/>
+          </a:fillRef>
+          <a:effectRef idx="0">
+            <a:schemeClr val="accent1"/>
+          </a:effectRef>
+          <a:fontRef idx="minor">
+            <a:schemeClr val="tx1"/>
+          </a:fontRef>
+        </p:style>
+      </p:cxnSp>
+      <p:sp>
+        <p:nvSpPr>
+          <p:cNvPr id="28" name="任意多边形: 形状 27">
+            <a:extLst>
+              <a:ext uri="{FF2B5EF4-FFF2-40B4-BE49-F238E27FC236}">
+                <a16:creationId xmlns:a16="http://schemas.microsoft.com/office/drawing/2014/main" id="{B949CF31-6B55-40F8-8960-A2B0976AC8C5}"/>
+              </a:ext>
+            </a:extLst>
+          </p:cNvPr>
+          <p:cNvSpPr/>
+          <p:nvPr/>
+        </p:nvSpPr>
+        <p:spPr>
+          <a:xfrm>
+            <a:off x="6906827" y="3018408"/>
+            <a:ext cx="1562533" cy="1239579"/>
+          </a:xfrm>
+          <a:custGeom>
+            <a:avLst/>
+            <a:gdLst>
+              <a:gd name="connsiteX0" fmla="*/ 0 w 1562533"/>
+              <a:gd name="connsiteY0" fmla="*/ 550415 h 1239579"/>
+              <a:gd name="connsiteX1" fmla="*/ 26633 w 1562533"/>
+              <a:gd name="connsiteY1" fmla="*/ 594804 h 1239579"/>
+              <a:gd name="connsiteX2" fmla="*/ 44389 w 1562533"/>
+              <a:gd name="connsiteY2" fmla="*/ 612559 h 1239579"/>
+              <a:gd name="connsiteX3" fmla="*/ 62144 w 1562533"/>
+              <a:gd name="connsiteY3" fmla="*/ 665825 h 1239579"/>
+              <a:gd name="connsiteX4" fmla="*/ 71022 w 1562533"/>
+              <a:gd name="connsiteY4" fmla="*/ 692458 h 1239579"/>
+              <a:gd name="connsiteX5" fmla="*/ 88777 w 1562533"/>
+              <a:gd name="connsiteY5" fmla="*/ 719091 h 1239579"/>
+              <a:gd name="connsiteX6" fmla="*/ 97655 w 1562533"/>
+              <a:gd name="connsiteY6" fmla="*/ 763479 h 1239579"/>
+              <a:gd name="connsiteX7" fmla="*/ 124288 w 1562533"/>
+              <a:gd name="connsiteY7" fmla="*/ 843378 h 1239579"/>
+              <a:gd name="connsiteX8" fmla="*/ 133165 w 1562533"/>
+              <a:gd name="connsiteY8" fmla="*/ 870011 h 1239579"/>
+              <a:gd name="connsiteX9" fmla="*/ 142043 w 1562533"/>
+              <a:gd name="connsiteY9" fmla="*/ 905522 h 1239579"/>
+              <a:gd name="connsiteX10" fmla="*/ 159798 w 1562533"/>
+              <a:gd name="connsiteY10" fmla="*/ 932155 h 1239579"/>
+              <a:gd name="connsiteX11" fmla="*/ 186431 w 1562533"/>
+              <a:gd name="connsiteY11" fmla="*/ 1020932 h 1239579"/>
+              <a:gd name="connsiteX12" fmla="*/ 213064 w 1562533"/>
+              <a:gd name="connsiteY12" fmla="*/ 1074198 h 1239579"/>
+              <a:gd name="connsiteX13" fmla="*/ 230820 w 1562533"/>
+              <a:gd name="connsiteY13" fmla="*/ 1127464 h 1239579"/>
+              <a:gd name="connsiteX14" fmla="*/ 257453 w 1562533"/>
+              <a:gd name="connsiteY14" fmla="*/ 1145219 h 1239579"/>
+              <a:gd name="connsiteX15" fmla="*/ 275208 w 1562533"/>
+              <a:gd name="connsiteY15" fmla="*/ 1162975 h 1239579"/>
+              <a:gd name="connsiteX16" fmla="*/ 372862 w 1562533"/>
+              <a:gd name="connsiteY16" fmla="*/ 1180730 h 1239579"/>
+              <a:gd name="connsiteX17" fmla="*/ 426128 w 1562533"/>
+              <a:gd name="connsiteY17" fmla="*/ 1198485 h 1239579"/>
+              <a:gd name="connsiteX18" fmla="*/ 452761 w 1562533"/>
+              <a:gd name="connsiteY18" fmla="*/ 1207363 h 1239579"/>
+              <a:gd name="connsiteX19" fmla="*/ 621437 w 1562533"/>
+              <a:gd name="connsiteY19" fmla="*/ 1225118 h 1239579"/>
+              <a:gd name="connsiteX20" fmla="*/ 781235 w 1562533"/>
+              <a:gd name="connsiteY20" fmla="*/ 1225118 h 1239579"/>
+              <a:gd name="connsiteX21" fmla="*/ 834501 w 1562533"/>
+              <a:gd name="connsiteY21" fmla="*/ 1207363 h 1239579"/>
+              <a:gd name="connsiteX22" fmla="*/ 887767 w 1562533"/>
+              <a:gd name="connsiteY22" fmla="*/ 1180730 h 1239579"/>
+              <a:gd name="connsiteX23" fmla="*/ 905523 w 1562533"/>
+              <a:gd name="connsiteY23" fmla="*/ 1162975 h 1239579"/>
+              <a:gd name="connsiteX24" fmla="*/ 932156 w 1562533"/>
+              <a:gd name="connsiteY24" fmla="*/ 1154097 h 1239579"/>
+              <a:gd name="connsiteX25" fmla="*/ 949911 w 1562533"/>
+              <a:gd name="connsiteY25" fmla="*/ 1127464 h 1239579"/>
+              <a:gd name="connsiteX26" fmla="*/ 994299 w 1562533"/>
+              <a:gd name="connsiteY26" fmla="*/ 1100831 h 1239579"/>
+              <a:gd name="connsiteX27" fmla="*/ 1012055 w 1562533"/>
+              <a:gd name="connsiteY27" fmla="*/ 1083075 h 1239579"/>
+              <a:gd name="connsiteX28" fmla="*/ 1038688 w 1562533"/>
+              <a:gd name="connsiteY28" fmla="*/ 1003176 h 1239579"/>
+              <a:gd name="connsiteX29" fmla="*/ 1047565 w 1562533"/>
+              <a:gd name="connsiteY29" fmla="*/ 976543 h 1239579"/>
+              <a:gd name="connsiteX30" fmla="*/ 1083076 w 1562533"/>
+              <a:gd name="connsiteY30" fmla="*/ 905522 h 1239579"/>
+              <a:gd name="connsiteX31" fmla="*/ 1091954 w 1562533"/>
+              <a:gd name="connsiteY31" fmla="*/ 878889 h 1239579"/>
+              <a:gd name="connsiteX32" fmla="*/ 1109709 w 1562533"/>
+              <a:gd name="connsiteY32" fmla="*/ 852256 h 1239579"/>
+              <a:gd name="connsiteX33" fmla="*/ 1127464 w 1562533"/>
+              <a:gd name="connsiteY33" fmla="*/ 790112 h 1239579"/>
+              <a:gd name="connsiteX34" fmla="*/ 1145220 w 1562533"/>
+              <a:gd name="connsiteY34" fmla="*/ 745724 h 1239579"/>
+              <a:gd name="connsiteX35" fmla="*/ 1154097 w 1562533"/>
+              <a:gd name="connsiteY35" fmla="*/ 719091 h 1239579"/>
+              <a:gd name="connsiteX36" fmla="*/ 1171853 w 1562533"/>
+              <a:gd name="connsiteY36" fmla="*/ 674703 h 1239579"/>
+              <a:gd name="connsiteX37" fmla="*/ 1180730 w 1562533"/>
+              <a:gd name="connsiteY37" fmla="*/ 630314 h 1239579"/>
+              <a:gd name="connsiteX38" fmla="*/ 1198486 w 1562533"/>
+              <a:gd name="connsiteY38" fmla="*/ 603681 h 1239579"/>
+              <a:gd name="connsiteX39" fmla="*/ 1233996 w 1562533"/>
+              <a:gd name="connsiteY39" fmla="*/ 541538 h 1239579"/>
+              <a:gd name="connsiteX40" fmla="*/ 1242874 w 1562533"/>
+              <a:gd name="connsiteY40" fmla="*/ 514905 h 1239579"/>
+              <a:gd name="connsiteX41" fmla="*/ 1278385 w 1562533"/>
+              <a:gd name="connsiteY41" fmla="*/ 452761 h 1239579"/>
+              <a:gd name="connsiteX42" fmla="*/ 1287262 w 1562533"/>
+              <a:gd name="connsiteY42" fmla="*/ 426128 h 1239579"/>
+              <a:gd name="connsiteX43" fmla="*/ 1305018 w 1562533"/>
+              <a:gd name="connsiteY43" fmla="*/ 408373 h 1239579"/>
+              <a:gd name="connsiteX44" fmla="*/ 1322773 w 1562533"/>
+              <a:gd name="connsiteY44" fmla="*/ 381740 h 1239579"/>
+              <a:gd name="connsiteX45" fmla="*/ 1340528 w 1562533"/>
+              <a:gd name="connsiteY45" fmla="*/ 363984 h 1239579"/>
+              <a:gd name="connsiteX46" fmla="*/ 1376039 w 1562533"/>
+              <a:gd name="connsiteY46" fmla="*/ 301841 h 1239579"/>
+              <a:gd name="connsiteX47" fmla="*/ 1393794 w 1562533"/>
+              <a:gd name="connsiteY47" fmla="*/ 284085 h 1239579"/>
+              <a:gd name="connsiteX48" fmla="*/ 1411550 w 1562533"/>
+              <a:gd name="connsiteY48" fmla="*/ 257452 h 1239579"/>
+              <a:gd name="connsiteX49" fmla="*/ 1447060 w 1562533"/>
+              <a:gd name="connsiteY49" fmla="*/ 204186 h 1239579"/>
+              <a:gd name="connsiteX50" fmla="*/ 1500326 w 1562533"/>
+              <a:gd name="connsiteY50" fmla="*/ 97654 h 1239579"/>
+              <a:gd name="connsiteX51" fmla="*/ 1535837 w 1562533"/>
+              <a:gd name="connsiteY51" fmla="*/ 53266 h 1239579"/>
+              <a:gd name="connsiteX52" fmla="*/ 1544715 w 1562533"/>
+              <a:gd name="connsiteY52" fmla="*/ 26633 h 1239579"/>
+              <a:gd name="connsiteX53" fmla="*/ 1562470 w 1562533"/>
+              <a:gd name="connsiteY53" fmla="*/ 0 h 1239579"/>
+            </a:gdLst>
+            <a:ahLst/>
+            <a:cxnLst>
+              <a:cxn ang="0">
+                <a:pos x="connsiteX0" y="connsiteY0"/>
+              </a:cxn>
+              <a:cxn ang="0">
+                <a:pos x="connsiteX1" y="connsiteY1"/>
+              </a:cxn>
+              <a:cxn ang="0">
+                <a:pos x="connsiteX2" y="connsiteY2"/>
+              </a:cxn>
+              <a:cxn ang="0">
+                <a:pos x="connsiteX3" y="connsiteY3"/>
+              </a:cxn>
+              <a:cxn ang="0">
+                <a:pos x="connsiteX4" y="connsiteY4"/>
+              </a:cxn>
+              <a:cxn ang="0">
+                <a:pos x="connsiteX5" y="connsiteY5"/>
+              </a:cxn>
+              <a:cxn ang="0">
+                <a:pos x="connsiteX6" y="connsiteY6"/>
+              </a:cxn>
+              <a:cxn ang="0">
+                <a:pos x="connsiteX7" y="connsiteY7"/>
+              </a:cxn>
+              <a:cxn ang="0">
+                <a:pos x="connsiteX8" y="connsiteY8"/>
+              </a:cxn>
+              <a:cxn ang="0">
+                <a:pos x="connsiteX9" y="connsiteY9"/>
+              </a:cxn>
+              <a:cxn ang="0">
+                <a:pos x="connsiteX10" y="connsiteY10"/>
+              </a:cxn>
+              <a:cxn ang="0">
+                <a:pos x="connsiteX11" y="connsiteY11"/>
+              </a:cxn>
+              <a:cxn ang="0">
+                <a:pos x="connsiteX12" y="connsiteY12"/>
+              </a:cxn>
+              <a:cxn ang="0">
+                <a:pos x="connsiteX13" y="connsiteY13"/>
+              </a:cxn>
+              <a:cxn ang="0">
+                <a:pos x="connsiteX14" y="connsiteY14"/>
+              </a:cxn>
+              <a:cxn ang="0">
+                <a:pos x="connsiteX15" y="connsiteY15"/>
+              </a:cxn>
+              <a:cxn ang="0">
+                <a:pos x="connsiteX16" y="connsiteY16"/>
+              </a:cxn>
+              <a:cxn ang="0">
+                <a:pos x="connsiteX17" y="connsiteY17"/>
+              </a:cxn>
+              <a:cxn ang="0">
+                <a:pos x="connsiteX18" y="connsiteY18"/>
+              </a:cxn>
+              <a:cxn ang="0">
+                <a:pos x="connsiteX19" y="connsiteY19"/>
+              </a:cxn>
+              <a:cxn ang="0">
+                <a:pos x="connsiteX20" y="connsiteY20"/>
+              </a:cxn>
+              <a:cxn ang="0">
+                <a:pos x="connsiteX21" y="connsiteY21"/>
+              </a:cxn>
+              <a:cxn ang="0">
+                <a:pos x="connsiteX22" y="connsiteY22"/>
+              </a:cxn>
+              <a:cxn ang="0">
+                <a:pos x="connsiteX23" y="connsiteY23"/>
+              </a:cxn>
+              <a:cxn ang="0">
+                <a:pos x="connsiteX24" y="connsiteY24"/>
+              </a:cxn>
+              <a:cxn ang="0">
+                <a:pos x="connsiteX25" y="connsiteY25"/>
+              </a:cxn>
+              <a:cxn ang="0">
+                <a:pos x="connsiteX26" y="connsiteY26"/>
+              </a:cxn>
+              <a:cxn ang="0">
+                <a:pos x="connsiteX27" y="connsiteY27"/>
+              </a:cxn>
+              <a:cxn ang="0">
+                <a:pos x="connsiteX28" y="connsiteY28"/>
+              </a:cxn>
+              <a:cxn ang="0">
+                <a:pos x="connsiteX29" y="connsiteY29"/>
+              </a:cxn>
+              <a:cxn ang="0">
+                <a:pos x="connsiteX30" y="connsiteY30"/>
+              </a:cxn>
+              <a:cxn ang="0">
+                <a:pos x="connsiteX31" y="connsiteY31"/>
+              </a:cxn>
+              <a:cxn ang="0">
+                <a:pos x="connsiteX32" y="connsiteY32"/>
+              </a:cxn>
+              <a:cxn ang="0">
+                <a:pos x="connsiteX33" y="connsiteY33"/>
+              </a:cxn>
+              <a:cxn ang="0">
+                <a:pos x="connsiteX34" y="connsiteY34"/>
+              </a:cxn>
+              <a:cxn ang="0">
+                <a:pos x="connsiteX35" y="connsiteY35"/>
+              </a:cxn>
+              <a:cxn ang="0">
+                <a:pos x="connsiteX36" y="connsiteY36"/>
+              </a:cxn>
+              <a:cxn ang="0">
+                <a:pos x="connsiteX37" y="connsiteY37"/>
+              </a:cxn>
+              <a:cxn ang="0">
+                <a:pos x="connsiteX38" y="connsiteY38"/>
+              </a:cxn>
+              <a:cxn ang="0">
+                <a:pos x="connsiteX39" y="connsiteY39"/>
+              </a:cxn>
+              <a:cxn ang="0">
+                <a:pos x="connsiteX40" y="connsiteY40"/>
+              </a:cxn>
+              <a:cxn ang="0">
+                <a:pos x="connsiteX41" y="connsiteY41"/>
+              </a:cxn>
+              <a:cxn ang="0">
+                <a:pos x="connsiteX42" y="connsiteY42"/>
+              </a:cxn>
+              <a:cxn ang="0">
+                <a:pos x="connsiteX43" y="connsiteY43"/>
+              </a:cxn>
+              <a:cxn ang="0">
+                <a:pos x="connsiteX44" y="connsiteY44"/>
+              </a:cxn>
+              <a:cxn ang="0">
+                <a:pos x="connsiteX45" y="connsiteY45"/>
+              </a:cxn>
+              <a:cxn ang="0">
+                <a:pos x="connsiteX46" y="connsiteY46"/>
+              </a:cxn>
+              <a:cxn ang="0">
+                <a:pos x="connsiteX47" y="connsiteY47"/>
+              </a:cxn>
+              <a:cxn ang="0">
+                <a:pos x="connsiteX48" y="connsiteY48"/>
+              </a:cxn>
+              <a:cxn ang="0">
+                <a:pos x="connsiteX49" y="connsiteY49"/>
+              </a:cxn>
+              <a:cxn ang="0">
+                <a:pos x="connsiteX50" y="connsiteY50"/>
+              </a:cxn>
+              <a:cxn ang="0">
+                <a:pos x="connsiteX51" y="connsiteY51"/>
+              </a:cxn>
+              <a:cxn ang="0">
+                <a:pos x="connsiteX52" y="connsiteY52"/>
+              </a:cxn>
+              <a:cxn ang="0">
+                <a:pos x="connsiteX53" y="connsiteY53"/>
+              </a:cxn>
+            </a:cxnLst>
+            <a:rect l="l" t="t" r="r" b="b"/>
+            <a:pathLst>
+              <a:path w="1562533" h="1239579">
+                <a:moveTo>
+                  <a:pt x="0" y="550415"/>
+                </a:moveTo>
+                <a:cubicBezTo>
+                  <a:pt x="8878" y="565211"/>
+                  <a:pt x="16604" y="580763"/>
+                  <a:pt x="26633" y="594804"/>
+                </a:cubicBezTo>
+                <a:cubicBezTo>
+                  <a:pt x="31498" y="601615"/>
+                  <a:pt x="40646" y="605073"/>
+                  <a:pt x="44389" y="612559"/>
+                </a:cubicBezTo>
+                <a:cubicBezTo>
+                  <a:pt x="52759" y="629299"/>
+                  <a:pt x="56226" y="648070"/>
+                  <a:pt x="62144" y="665825"/>
+                </a:cubicBezTo>
+                <a:cubicBezTo>
+                  <a:pt x="65103" y="674703"/>
+                  <a:pt x="65831" y="684672"/>
+                  <a:pt x="71022" y="692458"/>
+                </a:cubicBezTo>
+                <a:lnTo>
+                  <a:pt x="88777" y="719091"/>
+                </a:lnTo>
+                <a:cubicBezTo>
+                  <a:pt x="91736" y="733887"/>
+                  <a:pt x="93685" y="748922"/>
+                  <a:pt x="97655" y="763479"/>
+                </a:cubicBezTo>
+                <a:cubicBezTo>
+                  <a:pt x="97663" y="763507"/>
+                  <a:pt x="119845" y="830048"/>
+                  <a:pt x="124288" y="843378"/>
+                </a:cubicBezTo>
+                <a:cubicBezTo>
+                  <a:pt x="127247" y="852256"/>
+                  <a:pt x="130895" y="860933"/>
+                  <a:pt x="133165" y="870011"/>
+                </a:cubicBezTo>
+                <a:cubicBezTo>
+                  <a:pt x="136124" y="881848"/>
+                  <a:pt x="137237" y="894307"/>
+                  <a:pt x="142043" y="905522"/>
+                </a:cubicBezTo>
+                <a:cubicBezTo>
+                  <a:pt x="146246" y="915329"/>
+                  <a:pt x="155465" y="922405"/>
+                  <a:pt x="159798" y="932155"/>
+                </a:cubicBezTo>
+                <a:cubicBezTo>
+                  <a:pt x="176682" y="970143"/>
+                  <a:pt x="176099" y="984770"/>
+                  <a:pt x="186431" y="1020932"/>
+                </a:cubicBezTo>
+                <a:cubicBezTo>
+                  <a:pt x="205854" y="1088914"/>
+                  <a:pt x="181942" y="1004175"/>
+                  <a:pt x="213064" y="1074198"/>
+                </a:cubicBezTo>
+                <a:cubicBezTo>
+                  <a:pt x="220665" y="1091301"/>
+                  <a:pt x="215247" y="1117082"/>
+                  <a:pt x="230820" y="1127464"/>
+                </a:cubicBezTo>
+                <a:cubicBezTo>
+                  <a:pt x="239698" y="1133382"/>
+                  <a:pt x="249122" y="1138554"/>
+                  <a:pt x="257453" y="1145219"/>
+                </a:cubicBezTo>
+                <a:cubicBezTo>
+                  <a:pt x="263989" y="1150448"/>
+                  <a:pt x="267722" y="1159232"/>
+                  <a:pt x="275208" y="1162975"/>
+                </a:cubicBezTo>
+                <a:cubicBezTo>
+                  <a:pt x="291947" y="1171345"/>
+                  <a:pt x="365647" y="1179699"/>
+                  <a:pt x="372862" y="1180730"/>
+                </a:cubicBezTo>
+                <a:lnTo>
+                  <a:pt x="426128" y="1198485"/>
+                </a:lnTo>
+                <a:cubicBezTo>
+                  <a:pt x="435006" y="1201444"/>
+                  <a:pt x="443530" y="1205825"/>
+                  <a:pt x="452761" y="1207363"/>
+                </a:cubicBezTo>
+                <a:cubicBezTo>
+                  <a:pt x="544086" y="1222584"/>
+                  <a:pt x="488080" y="1214861"/>
+                  <a:pt x="621437" y="1225118"/>
+                </a:cubicBezTo>
+                <a:cubicBezTo>
+                  <a:pt x="685478" y="1246466"/>
+                  <a:pt x="661532" y="1242218"/>
+                  <a:pt x="781235" y="1225118"/>
+                </a:cubicBezTo>
+                <a:cubicBezTo>
+                  <a:pt x="799763" y="1222471"/>
+                  <a:pt x="818928" y="1217744"/>
+                  <a:pt x="834501" y="1207363"/>
+                </a:cubicBezTo>
+                <a:cubicBezTo>
+                  <a:pt x="868920" y="1184417"/>
+                  <a:pt x="851012" y="1192982"/>
+                  <a:pt x="887767" y="1180730"/>
+                </a:cubicBezTo>
+                <a:cubicBezTo>
+                  <a:pt x="893686" y="1174812"/>
+                  <a:pt x="898346" y="1167281"/>
+                  <a:pt x="905523" y="1162975"/>
+                </a:cubicBezTo>
+                <a:cubicBezTo>
+                  <a:pt x="913547" y="1158160"/>
+                  <a:pt x="924849" y="1159943"/>
+                  <a:pt x="932156" y="1154097"/>
+                </a:cubicBezTo>
+                <a:cubicBezTo>
+                  <a:pt x="940487" y="1147432"/>
+                  <a:pt x="941810" y="1134408"/>
+                  <a:pt x="949911" y="1127464"/>
+                </a:cubicBezTo>
+                <a:cubicBezTo>
+                  <a:pt x="963012" y="1116235"/>
+                  <a:pt x="980258" y="1110860"/>
+                  <a:pt x="994299" y="1100831"/>
+                </a:cubicBezTo>
+                <a:cubicBezTo>
+                  <a:pt x="1001110" y="1095966"/>
+                  <a:pt x="1006136" y="1088994"/>
+                  <a:pt x="1012055" y="1083075"/>
+                </a:cubicBezTo>
+                <a:lnTo>
+                  <a:pt x="1038688" y="1003176"/>
+                </a:lnTo>
+                <a:cubicBezTo>
+                  <a:pt x="1041647" y="994298"/>
+                  <a:pt x="1043380" y="984913"/>
+                  <a:pt x="1047565" y="976543"/>
+                </a:cubicBezTo>
+                <a:cubicBezTo>
+                  <a:pt x="1059402" y="952869"/>
+                  <a:pt x="1074706" y="930632"/>
+                  <a:pt x="1083076" y="905522"/>
+                </a:cubicBezTo>
+                <a:cubicBezTo>
+                  <a:pt x="1086035" y="896644"/>
+                  <a:pt x="1087769" y="887259"/>
+                  <a:pt x="1091954" y="878889"/>
+                </a:cubicBezTo>
+                <a:cubicBezTo>
+                  <a:pt x="1096726" y="869346"/>
+                  <a:pt x="1104937" y="861799"/>
+                  <a:pt x="1109709" y="852256"/>
+                </a:cubicBezTo>
+                <a:cubicBezTo>
+                  <a:pt x="1118262" y="835149"/>
+                  <a:pt x="1121772" y="807188"/>
+                  <a:pt x="1127464" y="790112"/>
+                </a:cubicBezTo>
+                <a:cubicBezTo>
+                  <a:pt x="1132503" y="774994"/>
+                  <a:pt x="1139625" y="760645"/>
+                  <a:pt x="1145220" y="745724"/>
+                </a:cubicBezTo>
+                <a:cubicBezTo>
+                  <a:pt x="1148506" y="736962"/>
+                  <a:pt x="1150811" y="727853"/>
+                  <a:pt x="1154097" y="719091"/>
+                </a:cubicBezTo>
+                <a:cubicBezTo>
+                  <a:pt x="1159692" y="704170"/>
+                  <a:pt x="1165934" y="689499"/>
+                  <a:pt x="1171853" y="674703"/>
+                </a:cubicBezTo>
+                <a:cubicBezTo>
+                  <a:pt x="1174812" y="659907"/>
+                  <a:pt x="1175432" y="644443"/>
+                  <a:pt x="1180730" y="630314"/>
+                </a:cubicBezTo>
+                <a:cubicBezTo>
+                  <a:pt x="1184476" y="620324"/>
+                  <a:pt x="1193714" y="613224"/>
+                  <a:pt x="1198486" y="603681"/>
+                </a:cubicBezTo>
+                <a:cubicBezTo>
+                  <a:pt x="1232379" y="535896"/>
+                  <a:pt x="1169593" y="627408"/>
+                  <a:pt x="1233996" y="541538"/>
+                </a:cubicBezTo>
+                <a:cubicBezTo>
+                  <a:pt x="1236955" y="532660"/>
+                  <a:pt x="1238689" y="523275"/>
+                  <a:pt x="1242874" y="514905"/>
+                </a:cubicBezTo>
+                <a:cubicBezTo>
+                  <a:pt x="1287445" y="425763"/>
+                  <a:pt x="1231701" y="561692"/>
+                  <a:pt x="1278385" y="452761"/>
+                </a:cubicBezTo>
+                <a:cubicBezTo>
+                  <a:pt x="1282071" y="444160"/>
+                  <a:pt x="1282447" y="434152"/>
+                  <a:pt x="1287262" y="426128"/>
+                </a:cubicBezTo>
+                <a:cubicBezTo>
+                  <a:pt x="1291568" y="418951"/>
+                  <a:pt x="1299789" y="414909"/>
+                  <a:pt x="1305018" y="408373"/>
+                </a:cubicBezTo>
+                <a:cubicBezTo>
+                  <a:pt x="1311683" y="400042"/>
+                  <a:pt x="1316108" y="390072"/>
+                  <a:pt x="1322773" y="381740"/>
+                </a:cubicBezTo>
+                <a:cubicBezTo>
+                  <a:pt x="1328002" y="375204"/>
+                  <a:pt x="1335885" y="370948"/>
+                  <a:pt x="1340528" y="363984"/>
+                </a:cubicBezTo>
+                <a:cubicBezTo>
+                  <a:pt x="1353762" y="344133"/>
+                  <a:pt x="1362805" y="321692"/>
+                  <a:pt x="1376039" y="301841"/>
+                </a:cubicBezTo>
+                <a:cubicBezTo>
+                  <a:pt x="1380682" y="294877"/>
+                  <a:pt x="1388565" y="290621"/>
+                  <a:pt x="1393794" y="284085"/>
+                </a:cubicBezTo>
+                <a:cubicBezTo>
+                  <a:pt x="1400459" y="275753"/>
+                  <a:pt x="1406256" y="266716"/>
+                  <a:pt x="1411550" y="257452"/>
+                </a:cubicBezTo>
+                <a:cubicBezTo>
+                  <a:pt x="1440216" y="207287"/>
+                  <a:pt x="1415414" y="235834"/>
+                  <a:pt x="1447060" y="204186"/>
+                </a:cubicBezTo>
+                <a:cubicBezTo>
+                  <a:pt x="1461500" y="160868"/>
+                  <a:pt x="1465910" y="132068"/>
+                  <a:pt x="1500326" y="97654"/>
+                </a:cubicBezTo>
+                <a:cubicBezTo>
+                  <a:pt x="1516842" y="81138"/>
+                  <a:pt x="1524637" y="75666"/>
+                  <a:pt x="1535837" y="53266"/>
+                </a:cubicBezTo>
+                <a:cubicBezTo>
+                  <a:pt x="1540022" y="44896"/>
+                  <a:pt x="1539900" y="34657"/>
+                  <a:pt x="1544715" y="26633"/>
+                </a:cubicBezTo>
+                <a:cubicBezTo>
+                  <a:pt x="1564562" y="-6446"/>
+                  <a:pt x="1562470" y="21924"/>
+                  <a:pt x="1562470" y="0"/>
+                </a:cubicBezTo>
+              </a:path>
+            </a:pathLst>
+          </a:custGeom>
+          <a:noFill/>
+        </p:spPr>
+        <p:style>
+          <a:lnRef idx="2">
+            <a:schemeClr val="accent1">
+              <a:shade val="50000"/>
+            </a:schemeClr>
+          </a:lnRef>
+          <a:fillRef idx="1">
+            <a:schemeClr val="accent1"/>
+          </a:fillRef>
+          <a:effectRef idx="0">
+            <a:schemeClr val="accent1"/>
+          </a:effectRef>
+          <a:fontRef idx="minor">
+            <a:schemeClr val="lt1"/>
+          </a:fontRef>
+        </p:style>
+        <p:txBody>
+          <a:bodyPr rtlCol="0" anchor="ctr"/>
+          <a:lstStyle/>
+          <a:p>
+            <a:pPr algn="ctr"/>
+            <a:endParaRPr lang="zh-CN" altLang="en-US"/>
+          </a:p>
+        </p:txBody>
+      </p:sp>
+      <mc:AlternateContent xmlns:mc="http://schemas.openxmlformats.org/markup-compatibility/2006" xmlns:a14="http://schemas.microsoft.com/office/drawing/2010/main">
+        <mc:Choice Requires="a14">
+          <p:sp>
+            <p:nvSpPr>
+              <p:cNvPr id="30" name="文本框 29">
+                <a:extLst>
+                  <a:ext uri="{FF2B5EF4-FFF2-40B4-BE49-F238E27FC236}">
+                    <a16:creationId xmlns:a16="http://schemas.microsoft.com/office/drawing/2014/main" id="{BA3D6664-4A2F-4779-A193-261262492E8D}"/>
+                  </a:ext>
+                </a:extLst>
+              </p:cNvPr>
+              <p:cNvSpPr txBox="1"/>
+              <p:nvPr/>
+            </p:nvSpPr>
+            <p:spPr>
+              <a:xfrm>
+                <a:off x="7802394" y="4561370"/>
+                <a:ext cx="2527917" cy="376770"/>
+              </a:xfrm>
+              <a:prstGeom prst="rect">
+                <a:avLst/>
+              </a:prstGeom>
+              <a:noFill/>
+            </p:spPr>
+            <p:txBody>
+              <a:bodyPr wrap="square">
+                <a:spAutoFit/>
+              </a:bodyPr>
+              <a:lstStyle/>
+              <a:p>
+                <a:pPr/>
+                <a14:m>
+                  <m:oMathPara xmlns:m="http://schemas.openxmlformats.org/officeDocument/2006/math">
+                    <m:oMathParaPr>
+                      <m:jc m:val="centerGroup"/>
+                    </m:oMathParaPr>
+                    <m:oMath xmlns:m="http://schemas.openxmlformats.org/officeDocument/2006/math">
+                      <m:r>
+                        <m:rPr>
+                          <m:sty m:val="p"/>
+                        </m:rPr>
+                        <a:rPr lang="en-US" altLang="zh-CN" smtClean="0">
+                          <a:latin typeface="Cambria Math" panose="02040503050406030204" pitchFamily="18" charset="0"/>
+                        </a:rPr>
+                        <m:t>Δ</m:t>
+                      </m:r>
+                      <m:acc>
+                        <m:accPr>
+                          <m:chr m:val="̂"/>
+                          <m:ctrlPr>
+                            <a:rPr lang="en-US" altLang="zh-CN" b="0" i="1" smtClean="0">
+                              <a:latin typeface="Cambria Math" panose="02040503050406030204" pitchFamily="18" charset="0"/>
+                            </a:rPr>
+                          </m:ctrlPr>
+                        </m:accPr>
+                        <m:e>
+                          <m:r>
+                            <m:rPr>
+                              <m:sty m:val="p"/>
+                            </m:rPr>
+                            <a:rPr lang="en-US" altLang="zh-CN">
+                              <a:latin typeface="Cambria Math" panose="02040503050406030204" pitchFamily="18" charset="0"/>
+                            </a:rPr>
+                            <m:t>Σ</m:t>
+                          </m:r>
+                        </m:e>
+                      </m:acc>
+                    </m:oMath>
+                  </m:oMathPara>
+                </a14:m>
+                <a:endParaRPr lang="zh-CN" altLang="en-US" dirty="0"/>
+              </a:p>
+            </p:txBody>
+          </p:sp>
+        </mc:Choice>
+        <mc:Fallback xmlns="">
+          <p:sp>
+            <p:nvSpPr>
+              <p:cNvPr id="30" name="文本框 29">
+                <a:extLst>
+                  <a:ext uri="{FF2B5EF4-FFF2-40B4-BE49-F238E27FC236}">
+                    <a16:creationId xmlns:a16="http://schemas.microsoft.com/office/drawing/2014/main" id="{BA3D6664-4A2F-4779-A193-261262492E8D}"/>
+                  </a:ext>
+                </a:extLst>
+              </p:cNvPr>
+              <p:cNvSpPr txBox="1">
+                <a:spLocks noRot="1" noChangeAspect="1" noMove="1" noResize="1" noEditPoints="1" noAdjustHandles="1" noChangeArrowheads="1" noChangeShapeType="1" noTextEdit="1"/>
+              </p:cNvSpPr>
+              <p:nvPr/>
+            </p:nvSpPr>
+            <p:spPr>
+              <a:xfrm>
+                <a:off x="7802394" y="4561370"/>
+                <a:ext cx="2527917" cy="376770"/>
+              </a:xfrm>
+              <a:prstGeom prst="rect">
+                <a:avLst/>
+              </a:prstGeom>
+              <a:blipFill>
+                <a:blip r:embed="rId6"/>
+                <a:stretch>
+                  <a:fillRect t="-1613"/>
+                </a:stretch>
+              </a:blipFill>
+            </p:spPr>
+            <p:txBody>
+              <a:bodyPr/>
+              <a:lstStyle/>
+              <a:p>
+                <a:r>
+                  <a:rPr lang="zh-CN" altLang="en-US">
+                    <a:noFill/>
+                  </a:rPr>
+                  <a:t> </a:t>
+                </a:r>
+              </a:p>
+            </p:txBody>
+          </p:sp>
+        </mc:Fallback>
+      </mc:AlternateContent>
+      <p:cxnSp>
+        <p:nvCxnSpPr>
+          <p:cNvPr id="32" name="直接连接符 31">
+            <a:extLst>
+              <a:ext uri="{FF2B5EF4-FFF2-40B4-BE49-F238E27FC236}">
+                <a16:creationId xmlns:a16="http://schemas.microsoft.com/office/drawing/2014/main" id="{A9614544-A93C-47F3-8FBB-46DA2F2F2DB9}"/>
+              </a:ext>
+            </a:extLst>
+          </p:cNvPr>
+          <p:cNvCxnSpPr>
+            <a:stCxn id="28" idx="19"/>
+          </p:cNvCxnSpPr>
+          <p:nvPr/>
+        </p:nvCxnSpPr>
+        <p:spPr>
+          <a:xfrm>
+            <a:off x="7528264" y="4243526"/>
+            <a:ext cx="2799" cy="317844"/>
+          </a:xfrm>
+          <a:prstGeom prst="line">
+            <a:avLst/>
+          </a:prstGeom>
+        </p:spPr>
+        <p:style>
+          <a:lnRef idx="1">
+            <a:schemeClr val="accent1"/>
+          </a:lnRef>
+          <a:fillRef idx="0">
+            <a:schemeClr val="accent1"/>
+          </a:fillRef>
+          <a:effectRef idx="0">
+            <a:schemeClr val="accent1"/>
+          </a:effectRef>
+          <a:fontRef idx="minor">
+            <a:schemeClr val="tx1"/>
+          </a:fontRef>
+        </p:style>
+      </p:cxnSp>
+      <p:sp>
+        <p:nvSpPr>
+          <p:cNvPr id="33" name="矩形 32">
+            <a:extLst>
+              <a:ext uri="{FF2B5EF4-FFF2-40B4-BE49-F238E27FC236}">
+                <a16:creationId xmlns:a16="http://schemas.microsoft.com/office/drawing/2014/main" id="{91CCFDBE-8F1F-45A8-8C5E-D1C594D32FEA}"/>
+              </a:ext>
+            </a:extLst>
+          </p:cNvPr>
+          <p:cNvSpPr/>
+          <p:nvPr/>
+        </p:nvSpPr>
+        <p:spPr>
+          <a:xfrm>
+            <a:off x="1105920" y="1237041"/>
+            <a:ext cx="713352" cy="565297"/>
+          </a:xfrm>
+          <a:prstGeom prst="rect">
+            <a:avLst/>
+          </a:prstGeom>
+          <a:noFill/>
+        </p:spPr>
+        <p:style>
+          <a:lnRef idx="2">
+            <a:schemeClr val="accent1">
+              <a:shade val="50000"/>
+            </a:schemeClr>
+          </a:lnRef>
+          <a:fillRef idx="1">
+            <a:schemeClr val="accent1"/>
+          </a:fillRef>
+          <a:effectRef idx="0">
+            <a:schemeClr val="accent1"/>
+          </a:effectRef>
+          <a:fontRef idx="minor">
+            <a:schemeClr val="lt1"/>
+          </a:fontRef>
+        </p:style>
+        <p:txBody>
+          <a:bodyPr rtlCol="0" anchor="ctr"/>
+          <a:lstStyle/>
+          <a:p>
+            <a:pPr algn="ctr"/>
+            <a:endParaRPr lang="zh-CN" altLang="en-US"/>
+          </a:p>
+        </p:txBody>
+      </p:sp>
+      <p:sp>
+        <p:nvSpPr>
+          <p:cNvPr id="35" name="椭圆 34">
+            <a:extLst>
+              <a:ext uri="{FF2B5EF4-FFF2-40B4-BE49-F238E27FC236}">
+                <a16:creationId xmlns:a16="http://schemas.microsoft.com/office/drawing/2014/main" id="{D0536E48-AA49-4BF7-AFC7-5CD7DF74007B}"/>
+              </a:ext>
+            </a:extLst>
+          </p:cNvPr>
+          <p:cNvSpPr/>
+          <p:nvPr/>
+        </p:nvSpPr>
+        <p:spPr>
+          <a:xfrm>
+            <a:off x="1418207" y="1278754"/>
+            <a:ext cx="88777" cy="149811"/>
+          </a:xfrm>
+          <a:prstGeom prst="ellipse">
+            <a:avLst/>
+          </a:prstGeom>
+        </p:spPr>
+        <p:style>
+          <a:lnRef idx="2">
+            <a:schemeClr val="accent1">
+              <a:shade val="50000"/>
+            </a:schemeClr>
+          </a:lnRef>
+          <a:fillRef idx="1">
+            <a:schemeClr val="accent1"/>
+          </a:fillRef>
+          <a:effectRef idx="0">
+            <a:schemeClr val="accent1"/>
+          </a:effectRef>
+          <a:fontRef idx="minor">
+            <a:schemeClr val="lt1"/>
+          </a:fontRef>
+        </p:style>
+        <p:txBody>
+          <a:bodyPr rtlCol="0" anchor="ctr"/>
+          <a:lstStyle/>
+          <a:p>
+            <a:pPr algn="ctr"/>
+            <a:endParaRPr lang="zh-CN" altLang="en-US"/>
+          </a:p>
+        </p:txBody>
+      </p:sp>
+      <p:sp>
+        <p:nvSpPr>
+          <p:cNvPr id="37" name="椭圆 36">
+            <a:extLst>
+              <a:ext uri="{FF2B5EF4-FFF2-40B4-BE49-F238E27FC236}">
+                <a16:creationId xmlns:a16="http://schemas.microsoft.com/office/drawing/2014/main" id="{66ED60DD-1B35-45BB-A00B-DE21BCFE1627}"/>
+              </a:ext>
+            </a:extLst>
+          </p:cNvPr>
+          <p:cNvSpPr/>
+          <p:nvPr/>
+        </p:nvSpPr>
+        <p:spPr>
+          <a:xfrm>
+            <a:off x="1244353" y="1575416"/>
+            <a:ext cx="88777" cy="149811"/>
+          </a:xfrm>
+          <a:prstGeom prst="ellipse">
+            <a:avLst/>
+          </a:prstGeom>
+        </p:spPr>
+        <p:style>
+          <a:lnRef idx="2">
+            <a:schemeClr val="accent1">
+              <a:shade val="50000"/>
+            </a:schemeClr>
+          </a:lnRef>
+          <a:fillRef idx="1">
+            <a:schemeClr val="accent1"/>
+          </a:fillRef>
+          <a:effectRef idx="0">
+            <a:schemeClr val="accent1"/>
+          </a:effectRef>
+          <a:fontRef idx="minor">
+            <a:schemeClr val="lt1"/>
+          </a:fontRef>
+        </p:style>
+        <p:txBody>
+          <a:bodyPr rtlCol="0" anchor="ctr"/>
+          <a:lstStyle/>
+          <a:p>
+            <a:pPr algn="ctr"/>
+            <a:endParaRPr lang="zh-CN" altLang="en-US"/>
+          </a:p>
+        </p:txBody>
+      </p:sp>
+      <mc:AlternateContent xmlns:mc="http://schemas.openxmlformats.org/markup-compatibility/2006" xmlns:a14="http://schemas.microsoft.com/office/drawing/2010/main">
+        <mc:Choice Requires="a14">
+          <p:sp>
+            <p:nvSpPr>
+              <p:cNvPr id="38" name="文本框 37">
+                <a:extLst>
+                  <a:ext uri="{FF2B5EF4-FFF2-40B4-BE49-F238E27FC236}">
+                    <a16:creationId xmlns:a16="http://schemas.microsoft.com/office/drawing/2014/main" id="{550462FF-0651-4A3C-90C7-F9789067CE87}"/>
+                  </a:ext>
+                </a:extLst>
+              </p:cNvPr>
+              <p:cNvSpPr txBox="1"/>
+              <p:nvPr/>
+            </p:nvSpPr>
+            <p:spPr>
+              <a:xfrm>
+                <a:off x="1411701" y="1400284"/>
+                <a:ext cx="278666" cy="276999"/>
+              </a:xfrm>
+              <a:prstGeom prst="rect">
+                <a:avLst/>
+              </a:prstGeom>
+              <a:noFill/>
+            </p:spPr>
+            <p:txBody>
+              <a:bodyPr wrap="none" lIns="0" tIns="0" rIns="0" bIns="0" rtlCol="0">
+                <a:spAutoFit/>
+              </a:bodyPr>
+              <a:lstStyle/>
+              <a:p>
+                <a:pPr/>
+                <a14:m>
+                  <m:oMathPara xmlns:m="http://schemas.openxmlformats.org/officeDocument/2006/math">
+                    <m:oMathParaPr>
+                      <m:jc m:val="centerGroup"/>
+                    </m:oMathParaPr>
+                    <m:oMath xmlns:m="http://schemas.openxmlformats.org/officeDocument/2006/math">
+                      <m:sSub>
+                        <m:sSubPr>
+                          <m:ctrlPr>
+                            <a:rPr lang="en-US" altLang="zh-CN" b="0" i="1" smtClean="0">
+                              <a:latin typeface="Cambria Math" panose="02040503050406030204" pitchFamily="18" charset="0"/>
+                            </a:rPr>
+                          </m:ctrlPr>
+                        </m:sSubPr>
+                        <m:e>
+                          <m:r>
+                            <a:rPr lang="en-US" altLang="zh-CN" b="0" i="1" smtClean="0">
+                              <a:latin typeface="Cambria Math" panose="02040503050406030204" pitchFamily="18" charset="0"/>
+                            </a:rPr>
+                            <m:t>𝛾</m:t>
+                          </m:r>
+                        </m:e>
+                        <m:sub>
+                          <m:r>
+                            <a:rPr lang="en-US" altLang="zh-CN" b="0" i="1" smtClean="0">
+                              <a:latin typeface="Cambria Math" panose="02040503050406030204" pitchFamily="18" charset="0"/>
+                            </a:rPr>
+                            <m:t>1</m:t>
+                          </m:r>
+                        </m:sub>
+                      </m:sSub>
+                    </m:oMath>
+                  </m:oMathPara>
+                </a14:m>
+                <a:endParaRPr lang="en-US" altLang="zh-CN" b="0" dirty="0"/>
+              </a:p>
+            </p:txBody>
+          </p:sp>
+        </mc:Choice>
+        <mc:Fallback xmlns="">
+          <p:sp>
+            <p:nvSpPr>
+              <p:cNvPr id="38" name="文本框 37">
+                <a:extLst>
+                  <a:ext uri="{FF2B5EF4-FFF2-40B4-BE49-F238E27FC236}">
+                    <a16:creationId xmlns:a16="http://schemas.microsoft.com/office/drawing/2014/main" id="{550462FF-0651-4A3C-90C7-F9789067CE87}"/>
+                  </a:ext>
+                </a:extLst>
+              </p:cNvPr>
+              <p:cNvSpPr txBox="1">
+                <a:spLocks noRot="1" noChangeAspect="1" noMove="1" noResize="1" noEditPoints="1" noAdjustHandles="1" noChangeArrowheads="1" noChangeShapeType="1" noTextEdit="1"/>
+              </p:cNvSpPr>
+              <p:nvPr/>
+            </p:nvSpPr>
+            <p:spPr>
+              <a:xfrm>
+                <a:off x="1411701" y="1400284"/>
+                <a:ext cx="278666" cy="276999"/>
+              </a:xfrm>
+              <a:prstGeom prst="rect">
+                <a:avLst/>
+              </a:prstGeom>
+              <a:blipFill>
+                <a:blip r:embed="rId7"/>
+                <a:stretch>
+                  <a:fillRect l="-20000" r="-6667" b="-22222"/>
+                </a:stretch>
+              </a:blipFill>
+            </p:spPr>
+            <p:txBody>
+              <a:bodyPr/>
+              <a:lstStyle/>
+              <a:p>
+                <a:r>
+                  <a:rPr lang="zh-CN" altLang="en-US">
+                    <a:noFill/>
+                  </a:rPr>
+                  <a:t> </a:t>
+                </a:r>
+              </a:p>
+            </p:txBody>
+          </p:sp>
+        </mc:Fallback>
+      </mc:AlternateContent>
+      <mc:AlternateContent xmlns:mc="http://schemas.openxmlformats.org/markup-compatibility/2006" xmlns:a14="http://schemas.microsoft.com/office/drawing/2010/main">
+        <mc:Choice Requires="a14">
+          <p:sp>
+            <p:nvSpPr>
+              <p:cNvPr id="40" name="文本框 39">
+                <a:extLst>
+                  <a:ext uri="{FF2B5EF4-FFF2-40B4-BE49-F238E27FC236}">
+                    <a16:creationId xmlns:a16="http://schemas.microsoft.com/office/drawing/2014/main" id="{BAA82C6A-4869-4884-9087-575A56E996CA}"/>
+                  </a:ext>
+                </a:extLst>
+              </p:cNvPr>
+              <p:cNvSpPr txBox="1"/>
+              <p:nvPr/>
+            </p:nvSpPr>
+            <p:spPr>
+              <a:xfrm>
+                <a:off x="247390" y="4452136"/>
+                <a:ext cx="6094520" cy="369332"/>
+              </a:xfrm>
+              <a:prstGeom prst="rect">
+                <a:avLst/>
+              </a:prstGeom>
+              <a:noFill/>
+            </p:spPr>
+            <p:txBody>
+              <a:bodyPr wrap="square">
+                <a:spAutoFit/>
+              </a:bodyPr>
+              <a:lstStyle/>
+              <a:p>
+                <a:pPr/>
+                <a14:m>
+                  <m:oMathPara xmlns:m="http://schemas.openxmlformats.org/officeDocument/2006/math">
+                    <m:oMathParaPr>
+                      <m:jc m:val="centerGroup"/>
+                    </m:oMathParaPr>
+                    <m:oMath xmlns:m="http://schemas.openxmlformats.org/officeDocument/2006/math">
+                      <m:sSub>
+                        <m:sSubPr>
+                          <m:ctrlPr>
+                            <a:rPr lang="en-US" altLang="zh-CN" b="0" i="1" smtClean="0">
+                              <a:latin typeface="Cambria Math" panose="02040503050406030204" pitchFamily="18" charset="0"/>
+                            </a:rPr>
+                          </m:ctrlPr>
+                        </m:sSubPr>
+                        <m:e>
+                          <m:r>
+                            <a:rPr lang="en-US" altLang="zh-CN" b="0" i="1" smtClean="0">
+                              <a:latin typeface="Cambria Math" panose="02040503050406030204" pitchFamily="18" charset="0"/>
+                            </a:rPr>
+                            <m:t>𝐺</m:t>
+                          </m:r>
+                        </m:e>
+                        <m:sub>
+                          <m:r>
+                            <a:rPr lang="en-US" altLang="zh-CN" b="0" i="1" smtClean="0">
+                              <a:latin typeface="Cambria Math" panose="02040503050406030204" pitchFamily="18" charset="0"/>
+                            </a:rPr>
+                            <m:t>1</m:t>
+                          </m:r>
+                        </m:sub>
+                      </m:sSub>
+                      <m:r>
+                        <a:rPr lang="en-US" altLang="zh-CN" b="0" i="1" smtClean="0">
+                          <a:latin typeface="Cambria Math" panose="02040503050406030204" pitchFamily="18" charset="0"/>
+                        </a:rPr>
+                        <m:t>−</m:t>
+                      </m:r>
+                      <m:acc>
+                        <m:accPr>
+                          <m:chr m:val="̂"/>
+                          <m:ctrlPr>
+                            <a:rPr lang="en-US" altLang="zh-CN" b="0" i="1" smtClean="0">
+                              <a:latin typeface="Cambria Math" panose="02040503050406030204" pitchFamily="18" charset="0"/>
+                            </a:rPr>
+                          </m:ctrlPr>
+                        </m:accPr>
+                        <m:e>
+                          <m:sSub>
+                            <m:sSubPr>
+                              <m:ctrlPr>
+                                <a:rPr lang="en-US" altLang="zh-CN" b="0" i="1" smtClean="0">
+                                  <a:latin typeface="Cambria Math" panose="02040503050406030204" pitchFamily="18" charset="0"/>
+                                </a:rPr>
+                              </m:ctrlPr>
+                            </m:sSubPr>
+                            <m:e>
+                              <m:r>
+                                <a:rPr lang="en-US" altLang="zh-CN" b="0" i="1" smtClean="0">
+                                  <a:latin typeface="Cambria Math" panose="02040503050406030204" pitchFamily="18" charset="0"/>
+                                </a:rPr>
+                                <m:t>𝛾</m:t>
+                              </m:r>
+                            </m:e>
+                            <m:sub>
+                              <m:r>
+                                <a:rPr lang="en-US" altLang="zh-CN" b="0" i="1" smtClean="0">
+                                  <a:latin typeface="Cambria Math" panose="02040503050406030204" pitchFamily="18" charset="0"/>
+                                </a:rPr>
+                                <m:t>1</m:t>
+                              </m:r>
+                            </m:sub>
+                          </m:sSub>
+                        </m:e>
+                      </m:acc>
+                      <m:d>
+                        <m:dPr>
+                          <m:ctrlPr>
+                            <a:rPr lang="en-US" altLang="zh-CN" b="0" i="1" smtClean="0">
+                              <a:latin typeface="Cambria Math" panose="02040503050406030204" pitchFamily="18" charset="0"/>
+                            </a:rPr>
+                          </m:ctrlPr>
+                        </m:dPr>
+                        <m:e>
+                          <m:r>
+                            <a:rPr lang="en-US" altLang="zh-CN" b="0" i="1" smtClean="0">
+                              <a:latin typeface="Cambria Math" panose="02040503050406030204" pitchFamily="18" charset="0"/>
+                            </a:rPr>
+                            <m:t>𝑁</m:t>
+                          </m:r>
+                          <m:r>
+                            <a:rPr lang="en-US" altLang="zh-CN" b="0" i="1" smtClean="0">
+                              <a:latin typeface="Cambria Math" panose="02040503050406030204" pitchFamily="18" charset="0"/>
+                            </a:rPr>
+                            <m:t>+</m:t>
+                          </m:r>
+                          <m:r>
+                            <a:rPr lang="en-US" altLang="zh-CN" b="0" i="1" smtClean="0">
+                              <a:latin typeface="Cambria Math" panose="02040503050406030204" pitchFamily="18" charset="0"/>
+                            </a:rPr>
+                            <m:t>𝑈</m:t>
+                          </m:r>
+                        </m:e>
+                      </m:d>
+                      <m:r>
+                        <a:rPr lang="en-US" altLang="zh-CN" b="0" i="1" smtClean="0">
+                          <a:latin typeface="Cambria Math" panose="02040503050406030204" pitchFamily="18" charset="0"/>
+                        </a:rPr>
+                        <m:t>,</m:t>
+                      </m:r>
+                      <m:sSub>
+                        <m:sSubPr>
+                          <m:ctrlPr>
+                            <a:rPr lang="en-US" altLang="zh-CN" b="0" i="1" smtClean="0">
+                              <a:latin typeface="Cambria Math" panose="02040503050406030204" pitchFamily="18" charset="0"/>
+                            </a:rPr>
+                          </m:ctrlPr>
+                        </m:sSubPr>
+                        <m:e>
+                          <m:r>
+                            <a:rPr lang="en-US" altLang="zh-CN" b="0" i="1" smtClean="0">
+                              <a:latin typeface="Cambria Math" panose="02040503050406030204" pitchFamily="18" charset="0"/>
+                            </a:rPr>
+                            <m:t>𝐺</m:t>
+                          </m:r>
+                        </m:e>
+                        <m:sub>
+                          <m:r>
+                            <a:rPr lang="en-US" altLang="zh-CN" b="0" i="1" smtClean="0">
+                              <a:latin typeface="Cambria Math" panose="02040503050406030204" pitchFamily="18" charset="0"/>
+                            </a:rPr>
+                            <m:t>2</m:t>
+                          </m:r>
+                        </m:sub>
+                      </m:sSub>
+                      <m:r>
+                        <a:rPr lang="en-US" altLang="zh-CN" b="0" i="1" smtClean="0">
+                          <a:latin typeface="Cambria Math" panose="02040503050406030204" pitchFamily="18" charset="0"/>
+                        </a:rPr>
+                        <m:t>−</m:t>
+                      </m:r>
+                      <m:acc>
+                        <m:accPr>
+                          <m:chr m:val="̂"/>
+                          <m:ctrlPr>
+                            <a:rPr lang="en-US" altLang="zh-CN" b="0" i="1" smtClean="0">
+                              <a:latin typeface="Cambria Math" panose="02040503050406030204" pitchFamily="18" charset="0"/>
+                            </a:rPr>
+                          </m:ctrlPr>
+                        </m:accPr>
+                        <m:e>
+                          <m:sSub>
+                            <m:sSubPr>
+                              <m:ctrlPr>
+                                <a:rPr lang="en-US" altLang="zh-CN" b="0" i="1" smtClean="0">
+                                  <a:latin typeface="Cambria Math" panose="02040503050406030204" pitchFamily="18" charset="0"/>
+                                </a:rPr>
+                              </m:ctrlPr>
+                            </m:sSubPr>
+                            <m:e>
+                              <m:r>
+                                <a:rPr lang="en-US" altLang="zh-CN" b="0" i="1" smtClean="0">
+                                  <a:latin typeface="Cambria Math" panose="02040503050406030204" pitchFamily="18" charset="0"/>
+                                </a:rPr>
+                                <m:t>𝛾</m:t>
+                              </m:r>
+                            </m:e>
+                            <m:sub>
+                              <m:r>
+                                <a:rPr lang="en-US" altLang="zh-CN" b="0" i="1" smtClean="0">
+                                  <a:latin typeface="Cambria Math" panose="02040503050406030204" pitchFamily="18" charset="0"/>
+                                </a:rPr>
+                                <m:t>2</m:t>
+                              </m:r>
+                            </m:sub>
+                          </m:sSub>
+                        </m:e>
+                      </m:acc>
+                      <m:r>
+                        <a:rPr lang="en-US" altLang="zh-CN" b="0" i="1" smtClean="0">
+                          <a:latin typeface="Cambria Math" panose="02040503050406030204" pitchFamily="18" charset="0"/>
+                        </a:rPr>
+                        <m:t>(</m:t>
+                      </m:r>
+                      <m:r>
+                        <a:rPr lang="en-US" altLang="zh-CN" b="0" i="1" smtClean="0">
+                          <a:latin typeface="Cambria Math" panose="02040503050406030204" pitchFamily="18" charset="0"/>
+                        </a:rPr>
+                        <m:t>𝑁</m:t>
+                      </m:r>
+                      <m:r>
+                        <a:rPr lang="en-US" altLang="zh-CN" b="0" i="1" smtClean="0">
+                          <a:latin typeface="Cambria Math" panose="02040503050406030204" pitchFamily="18" charset="0"/>
+                        </a:rPr>
+                        <m:t>−</m:t>
+                      </m:r>
+                      <m:r>
+                        <a:rPr lang="en-US" altLang="zh-CN" b="0" i="1" smtClean="0">
+                          <a:latin typeface="Cambria Math" panose="02040503050406030204" pitchFamily="18" charset="0"/>
+                        </a:rPr>
+                        <m:t>𝑈</m:t>
+                      </m:r>
+                      <m:r>
+                        <a:rPr lang="en-US" altLang="zh-CN" b="0" i="1" smtClean="0">
+                          <a:latin typeface="Cambria Math" panose="02040503050406030204" pitchFamily="18" charset="0"/>
+                        </a:rPr>
+                        <m:t>)</m:t>
+                      </m:r>
+                    </m:oMath>
+                  </m:oMathPara>
+                </a14:m>
+                <a:endParaRPr lang="zh-CN" altLang="en-US" dirty="0"/>
+              </a:p>
+            </p:txBody>
+          </p:sp>
+        </mc:Choice>
+        <mc:Fallback xmlns="">
+          <p:sp>
+            <p:nvSpPr>
+              <p:cNvPr id="40" name="文本框 39">
+                <a:extLst>
+                  <a:ext uri="{FF2B5EF4-FFF2-40B4-BE49-F238E27FC236}">
+                    <a16:creationId xmlns:a16="http://schemas.microsoft.com/office/drawing/2014/main" id="{BAA82C6A-4869-4884-9087-575A56E996CA}"/>
+                  </a:ext>
+                </a:extLst>
+              </p:cNvPr>
+              <p:cNvSpPr txBox="1">
+                <a:spLocks noRot="1" noChangeAspect="1" noMove="1" noResize="1" noEditPoints="1" noAdjustHandles="1" noChangeArrowheads="1" noChangeShapeType="1" noTextEdit="1"/>
+              </p:cNvSpPr>
+              <p:nvPr/>
+            </p:nvSpPr>
+            <p:spPr>
+              <a:xfrm>
+                <a:off x="247390" y="4452136"/>
+                <a:ext cx="6094520" cy="369332"/>
+              </a:xfrm>
+              <a:prstGeom prst="rect">
+                <a:avLst/>
+              </a:prstGeom>
+              <a:blipFill>
+                <a:blip r:embed="rId8"/>
+                <a:stretch>
+                  <a:fillRect t="-6557" b="-13115"/>
+                </a:stretch>
+              </a:blipFill>
+            </p:spPr>
+            <p:txBody>
+              <a:bodyPr/>
+              <a:lstStyle/>
+              <a:p>
+                <a:r>
+                  <a:rPr lang="zh-CN" altLang="en-US">
+                    <a:noFill/>
+                  </a:rPr>
+                  <a:t> </a:t>
+                </a:r>
+              </a:p>
+            </p:txBody>
+          </p:sp>
+        </mc:Fallback>
+      </mc:AlternateContent>
+      <mc:AlternateContent xmlns:mc="http://schemas.openxmlformats.org/markup-compatibility/2006" xmlns:a14="http://schemas.microsoft.com/office/drawing/2010/main">
+        <mc:Choice Requires="a14">
+          <p:sp>
+            <p:nvSpPr>
+              <p:cNvPr id="42" name="文本框 41">
+                <a:extLst>
+                  <a:ext uri="{FF2B5EF4-FFF2-40B4-BE49-F238E27FC236}">
+                    <a16:creationId xmlns:a16="http://schemas.microsoft.com/office/drawing/2014/main" id="{B89FF3BE-C5BD-4280-B6B3-6259F424B968}"/>
+                  </a:ext>
+                </a:extLst>
+              </p:cNvPr>
+              <p:cNvSpPr txBox="1"/>
+              <p:nvPr/>
+            </p:nvSpPr>
+            <p:spPr>
+              <a:xfrm>
+                <a:off x="5167633" y="2165046"/>
+                <a:ext cx="4199138" cy="318998"/>
+              </a:xfrm>
+              <a:prstGeom prst="rect">
+                <a:avLst/>
+              </a:prstGeom>
+              <a:noFill/>
+            </p:spPr>
+            <p:txBody>
+              <a:bodyPr wrap="square" lIns="0" tIns="0" rIns="0" bIns="0" rtlCol="0">
+                <a:spAutoFit/>
+              </a:bodyPr>
+              <a:lstStyle/>
+              <a:p>
+                <a:pPr/>
+                <a14:m>
+                  <m:oMathPara xmlns:m="http://schemas.openxmlformats.org/officeDocument/2006/math">
+                    <m:oMathParaPr>
+                      <m:jc m:val="centerGroup"/>
+                    </m:oMathParaPr>
+                    <m:oMath xmlns:m="http://schemas.openxmlformats.org/officeDocument/2006/math">
+                      <m:sSub>
+                        <m:sSubPr>
+                          <m:ctrlPr>
+                            <a:rPr lang="en-US" altLang="zh-CN" b="0" i="1" smtClean="0">
+                              <a:latin typeface="Cambria Math" panose="02040503050406030204" pitchFamily="18" charset="0"/>
+                            </a:rPr>
+                          </m:ctrlPr>
+                        </m:sSubPr>
+                        <m:e>
+                          <m:r>
+                            <a:rPr lang="en-US" altLang="zh-CN" b="0" i="1" smtClean="0">
+                              <a:latin typeface="Cambria Math" panose="02040503050406030204" pitchFamily="18" charset="0"/>
+                            </a:rPr>
+                            <m:t>𝐺</m:t>
+                          </m:r>
+                        </m:e>
+                        <m:sub>
+                          <m:r>
+                            <a:rPr lang="en-US" altLang="zh-CN" b="0" i="1" smtClean="0">
+                              <a:latin typeface="Cambria Math" panose="02040503050406030204" pitchFamily="18" charset="0"/>
+                            </a:rPr>
+                            <m:t>𝑇</m:t>
+                          </m:r>
+                        </m:sub>
+                      </m:sSub>
+                      <m:sSub>
+                        <m:sSubPr>
+                          <m:ctrlPr>
+                            <a:rPr lang="en-US" altLang="zh-CN" b="0" i="1" smtClean="0">
+                              <a:latin typeface="Cambria Math" panose="02040503050406030204" pitchFamily="18" charset="0"/>
+                            </a:rPr>
+                          </m:ctrlPr>
+                        </m:sSubPr>
+                        <m:e>
+                          <m:r>
+                            <m:rPr>
+                              <m:sty m:val="p"/>
+                            </m:rPr>
+                            <a:rPr lang="en-US" altLang="zh-CN" b="0" i="0" smtClean="0">
+                              <a:latin typeface="Cambria Math" panose="02040503050406030204" pitchFamily="18" charset="0"/>
+                            </a:rPr>
+                            <m:t>Σ</m:t>
+                          </m:r>
+                        </m:e>
+                        <m:sub>
+                          <m:r>
+                            <a:rPr lang="en-US" altLang="zh-CN" b="0" i="1" smtClean="0">
+                              <a:latin typeface="Cambria Math" panose="02040503050406030204" pitchFamily="18" charset="0"/>
+                            </a:rPr>
+                            <m:t>𝑐𝑟𝑖𝑡</m:t>
+                          </m:r>
+                          <m:r>
+                            <a:rPr lang="en-US" altLang="zh-CN" b="0" i="1" smtClean="0">
+                              <a:latin typeface="Cambria Math" panose="02040503050406030204" pitchFamily="18" charset="0"/>
+                            </a:rPr>
+                            <m:t> </m:t>
+                          </m:r>
+                        </m:sub>
+                      </m:sSub>
+                      <m:d>
+                        <m:dPr>
+                          <m:ctrlPr>
+                            <a:rPr lang="en-US" altLang="zh-CN" b="0" i="1" smtClean="0">
+                              <a:latin typeface="Cambria Math" panose="02040503050406030204" pitchFamily="18" charset="0"/>
+                            </a:rPr>
+                          </m:ctrlPr>
+                        </m:dPr>
+                        <m:e>
+                          <m:sSub>
+                            <m:sSubPr>
+                              <m:ctrlPr>
+                                <a:rPr lang="en-US" altLang="zh-CN" b="0" i="1" smtClean="0">
+                                  <a:latin typeface="Cambria Math" panose="02040503050406030204" pitchFamily="18" charset="0"/>
+                                </a:rPr>
+                              </m:ctrlPr>
+                            </m:sSubPr>
+                            <m:e>
+                              <m:r>
+                                <a:rPr lang="en-US" altLang="zh-CN" b="0" i="1" smtClean="0">
+                                  <a:latin typeface="Cambria Math" panose="02040503050406030204" pitchFamily="18" charset="0"/>
+                                </a:rPr>
+                                <m:t>𝑧</m:t>
+                              </m:r>
+                            </m:e>
+                            <m:sub>
+                              <m:r>
+                                <a:rPr lang="en-US" altLang="zh-CN" b="0" i="1" smtClean="0">
+                                  <a:latin typeface="Cambria Math" panose="02040503050406030204" pitchFamily="18" charset="0"/>
+                                </a:rPr>
+                                <m:t>𝑠</m:t>
+                              </m:r>
+                            </m:sub>
+                          </m:sSub>
+                          <m:r>
+                            <a:rPr lang="en-US" altLang="zh-CN" b="0" i="1" smtClean="0">
+                              <a:latin typeface="Cambria Math" panose="02040503050406030204" pitchFamily="18" charset="0"/>
+                            </a:rPr>
+                            <m:t>,</m:t>
+                          </m:r>
+                          <m:sSub>
+                            <m:sSubPr>
+                              <m:ctrlPr>
+                                <a:rPr lang="en-US" altLang="zh-CN" b="0" i="1" smtClean="0">
+                                  <a:latin typeface="Cambria Math" panose="02040503050406030204" pitchFamily="18" charset="0"/>
+                                </a:rPr>
+                              </m:ctrlPr>
+                            </m:sSubPr>
+                            <m:e>
+                              <m:r>
+                                <a:rPr lang="en-US" altLang="zh-CN" b="0" i="1" smtClean="0">
+                                  <a:latin typeface="Cambria Math" panose="02040503050406030204" pitchFamily="18" charset="0"/>
+                                </a:rPr>
+                                <m:t>𝑧</m:t>
+                              </m:r>
+                            </m:e>
+                            <m:sub>
+                              <m:r>
+                                <a:rPr lang="en-US" altLang="zh-CN" b="0" i="1" smtClean="0">
+                                  <a:latin typeface="Cambria Math" panose="02040503050406030204" pitchFamily="18" charset="0"/>
+                                </a:rPr>
+                                <m:t>𝑓</m:t>
+                              </m:r>
+                            </m:sub>
+                          </m:sSub>
+                        </m:e>
+                      </m:d>
+                      <m:r>
+                        <a:rPr lang="en-US" altLang="zh-CN" b="0" i="1" smtClean="0">
+                          <a:latin typeface="Cambria Math" panose="02040503050406030204" pitchFamily="18" charset="0"/>
+                        </a:rPr>
+                        <m:t>−</m:t>
+                      </m:r>
+                      <m:r>
+                        <m:rPr>
+                          <m:sty m:val="p"/>
+                        </m:rPr>
+                        <a:rPr lang="en-US" altLang="zh-CN">
+                          <a:latin typeface="Cambria Math" panose="02040503050406030204" pitchFamily="18" charset="0"/>
+                        </a:rPr>
+                        <m:t>Δ</m:t>
+                      </m:r>
+                      <m:sSub>
+                        <m:sSubPr>
+                          <m:ctrlPr>
+                            <a:rPr lang="en-US" altLang="zh-CN" b="0" i="1" smtClean="0">
+                              <a:latin typeface="Cambria Math" panose="02040503050406030204" pitchFamily="18" charset="0"/>
+                            </a:rPr>
+                          </m:ctrlPr>
+                        </m:sSubPr>
+                        <m:e>
+                          <m:acc>
+                            <m:accPr>
+                              <m:chr m:val="̂"/>
+                              <m:ctrlPr>
+                                <a:rPr lang="en-US" altLang="zh-CN" b="0" i="1" smtClean="0">
+                                  <a:latin typeface="Cambria Math" panose="02040503050406030204" pitchFamily="18" charset="0"/>
+                                </a:rPr>
+                              </m:ctrlPr>
+                            </m:accPr>
+                            <m:e>
+                              <m:r>
+                                <m:rPr>
+                                  <m:sty m:val="p"/>
+                                </m:rPr>
+                                <a:rPr lang="en-US" altLang="zh-CN">
+                                  <a:latin typeface="Cambria Math" panose="02040503050406030204" pitchFamily="18" charset="0"/>
+                                </a:rPr>
+                                <m:t>Σ</m:t>
+                              </m:r>
+                            </m:e>
+                          </m:acc>
+                        </m:e>
+                        <m:sub>
+                          <m:r>
+                            <a:rPr lang="en-US" altLang="zh-CN" b="0" i="1" smtClean="0">
+                              <a:latin typeface="Cambria Math" panose="02040503050406030204" pitchFamily="18" charset="0"/>
+                            </a:rPr>
+                            <m:t>𝑐𝑟𝑜𝑠𝑠</m:t>
+                          </m:r>
+                        </m:sub>
+                      </m:sSub>
+                      <m:r>
+                        <a:rPr lang="en-US" altLang="zh-CN" b="0" i="1" smtClean="0">
+                          <a:latin typeface="Cambria Math" panose="02040503050406030204" pitchFamily="18" charset="0"/>
+                        </a:rPr>
+                        <m:t>(</m:t>
+                      </m:r>
+                      <m:r>
+                        <a:rPr lang="en-US" altLang="zh-CN" b="0" i="1" smtClean="0">
+                          <a:latin typeface="Cambria Math" panose="02040503050406030204" pitchFamily="18" charset="0"/>
+                        </a:rPr>
+                        <m:t>𝑁</m:t>
+                      </m:r>
+                      <m:r>
+                        <a:rPr lang="en-US" altLang="zh-CN" b="0" i="1" smtClean="0">
+                          <a:latin typeface="Cambria Math" panose="02040503050406030204" pitchFamily="18" charset="0"/>
+                        </a:rPr>
+                        <m:t>−</m:t>
+                      </m:r>
+                      <m:sSup>
+                        <m:sSupPr>
+                          <m:ctrlPr>
+                            <a:rPr lang="en-US" altLang="zh-CN" b="0" i="1" smtClean="0">
+                              <a:latin typeface="Cambria Math" panose="02040503050406030204" pitchFamily="18" charset="0"/>
+                            </a:rPr>
+                          </m:ctrlPr>
+                        </m:sSupPr>
+                        <m:e>
+                          <m:r>
+                            <a:rPr lang="en-US" altLang="zh-CN" b="0" i="1" smtClean="0">
+                              <a:latin typeface="Cambria Math" panose="02040503050406030204" pitchFamily="18" charset="0"/>
+                            </a:rPr>
+                            <m:t>𝑈</m:t>
+                          </m:r>
+                        </m:e>
+                        <m:sup>
+                          <m:r>
+                            <a:rPr lang="en-US" altLang="zh-CN" b="0" i="1" smtClean="0">
+                              <a:latin typeface="Cambria Math" panose="02040503050406030204" pitchFamily="18" charset="0"/>
+                            </a:rPr>
+                            <m:t>′</m:t>
+                          </m:r>
+                        </m:sup>
+                      </m:sSup>
+                      <m:r>
+                        <a:rPr lang="en-US" altLang="zh-CN" b="0" i="1" smtClean="0">
+                          <a:latin typeface="Cambria Math" panose="02040503050406030204" pitchFamily="18" charset="0"/>
+                        </a:rPr>
+                        <m:t>)</m:t>
+                      </m:r>
+                    </m:oMath>
+                  </m:oMathPara>
+                </a14:m>
+                <a:endParaRPr lang="zh-CN" altLang="en-US" dirty="0"/>
+              </a:p>
+            </p:txBody>
+          </p:sp>
+        </mc:Choice>
+        <mc:Fallback xmlns="">
+          <p:sp>
+            <p:nvSpPr>
+              <p:cNvPr id="42" name="文本框 41">
+                <a:extLst>
+                  <a:ext uri="{FF2B5EF4-FFF2-40B4-BE49-F238E27FC236}">
+                    <a16:creationId xmlns:a16="http://schemas.microsoft.com/office/drawing/2014/main" id="{B89FF3BE-C5BD-4280-B6B3-6259F424B968}"/>
+                  </a:ext>
+                </a:extLst>
+              </p:cNvPr>
+              <p:cNvSpPr txBox="1">
+                <a:spLocks noRot="1" noChangeAspect="1" noMove="1" noResize="1" noEditPoints="1" noAdjustHandles="1" noChangeArrowheads="1" noChangeShapeType="1" noTextEdit="1"/>
+              </p:cNvSpPr>
+              <p:nvPr/>
+            </p:nvSpPr>
+            <p:spPr>
+              <a:xfrm>
+                <a:off x="5167633" y="2165046"/>
+                <a:ext cx="4199138" cy="318998"/>
+              </a:xfrm>
+              <a:prstGeom prst="rect">
+                <a:avLst/>
+              </a:prstGeom>
+              <a:blipFill>
+                <a:blip r:embed="rId9"/>
+                <a:stretch>
+                  <a:fillRect t="-11538" b="-26923"/>
+                </a:stretch>
+              </a:blipFill>
+            </p:spPr>
+            <p:txBody>
+              <a:bodyPr/>
+              <a:lstStyle/>
+              <a:p>
+                <a:r>
+                  <a:rPr lang="zh-CN" altLang="en-US">
+                    <a:noFill/>
+                  </a:rPr>
+                  <a:t> </a:t>
+                </a:r>
+              </a:p>
+            </p:txBody>
+          </p:sp>
+        </mc:Fallback>
+      </mc:AlternateContent>
+      <p:pic>
+        <p:nvPicPr>
+          <p:cNvPr id="44" name="图片 43">
+            <a:extLst>
+              <a:ext uri="{FF2B5EF4-FFF2-40B4-BE49-F238E27FC236}">
+                <a16:creationId xmlns:a16="http://schemas.microsoft.com/office/drawing/2014/main" id="{19B2D4FB-3D9E-4CA6-B6C9-38C4B6910DB3}"/>
+              </a:ext>
+            </a:extLst>
+          </p:cNvPr>
+          <p:cNvPicPr>
+            <a:picLocks noChangeAspect="1"/>
+          </p:cNvPicPr>
+          <p:nvPr/>
+        </p:nvPicPr>
+        <p:blipFill>
+          <a:blip r:embed="rId10"/>
+          <a:stretch>
+            <a:fillRect/>
+          </a:stretch>
+        </p:blipFill>
+        <p:spPr>
+          <a:xfrm>
+            <a:off x="8379042" y="4085948"/>
+            <a:ext cx="3623396" cy="2152624"/>
+          </a:xfrm>
+          <a:prstGeom prst="rect">
+            <a:avLst/>
+          </a:prstGeom>
+        </p:spPr>
+      </p:pic>
+      <mc:AlternateContent xmlns:mc="http://schemas.openxmlformats.org/markup-compatibility/2006" xmlns:a14="http://schemas.microsoft.com/office/drawing/2010/main">
+        <mc:Choice Requires="a14">
+          <p:sp>
+            <p:nvSpPr>
+              <p:cNvPr id="45" name="文本框 44">
+                <a:extLst>
+                  <a:ext uri="{FF2B5EF4-FFF2-40B4-BE49-F238E27FC236}">
+                    <a16:creationId xmlns:a16="http://schemas.microsoft.com/office/drawing/2014/main" id="{8BC72E50-FB46-4C8E-ABF8-EC73614E095F}"/>
+                  </a:ext>
+                </a:extLst>
+              </p:cNvPr>
+              <p:cNvSpPr txBox="1"/>
+              <p:nvPr/>
+            </p:nvSpPr>
+            <p:spPr>
+              <a:xfrm>
+                <a:off x="3012397" y="5771277"/>
+                <a:ext cx="2980881" cy="318998"/>
+              </a:xfrm>
+              <a:prstGeom prst="rect">
+                <a:avLst/>
+              </a:prstGeom>
+              <a:noFill/>
+            </p:spPr>
+            <p:txBody>
+              <a:bodyPr wrap="none" lIns="0" tIns="0" rIns="0" bIns="0" rtlCol="0">
+                <a:spAutoFit/>
+              </a:bodyPr>
+              <a:lstStyle/>
+              <a:p>
+                <a:pPr/>
+                <a14:m>
+                  <m:oMathPara xmlns:m="http://schemas.openxmlformats.org/officeDocument/2006/math">
+                    <m:oMathParaPr>
+                      <m:jc m:val="centerGroup"/>
+                    </m:oMathParaPr>
+                    <m:oMath xmlns:m="http://schemas.openxmlformats.org/officeDocument/2006/math">
+                      <m:r>
+                        <a:rPr lang="en-US" altLang="zh-CN" b="0" i="1" smtClean="0">
+                          <a:latin typeface="Cambria Math" panose="02040503050406030204" pitchFamily="18" charset="0"/>
+                        </a:rPr>
+                        <m:t>&lt;</m:t>
+                      </m:r>
+                      <m:sSub>
+                        <m:sSubPr>
+                          <m:ctrlPr>
+                            <a:rPr lang="en-US" altLang="zh-CN" b="0" i="1" smtClean="0">
+                              <a:latin typeface="Cambria Math" panose="02040503050406030204" pitchFamily="18" charset="0"/>
+                            </a:rPr>
+                          </m:ctrlPr>
+                        </m:sSubPr>
+                        <m:e>
+                          <m:r>
+                            <a:rPr lang="en-US" altLang="zh-CN" b="0" i="1" smtClean="0">
+                              <a:latin typeface="Cambria Math" panose="02040503050406030204" pitchFamily="18" charset="0"/>
+                            </a:rPr>
+                            <m:t>𝛾</m:t>
+                          </m:r>
+                        </m:e>
+                        <m:sub>
+                          <m:r>
+                            <a:rPr lang="en-US" altLang="zh-CN" b="0" i="1" smtClean="0">
+                              <a:latin typeface="Cambria Math" panose="02040503050406030204" pitchFamily="18" charset="0"/>
+                            </a:rPr>
+                            <m:t>𝑡</m:t>
+                          </m:r>
+                        </m:sub>
+                      </m:sSub>
+                      <m:sSub>
+                        <m:sSubPr>
+                          <m:ctrlPr>
+                            <a:rPr lang="en-US" altLang="zh-CN" b="0" i="1" smtClean="0">
+                              <a:latin typeface="Cambria Math" panose="02040503050406030204" pitchFamily="18" charset="0"/>
+                            </a:rPr>
+                          </m:ctrlPr>
+                        </m:sSubPr>
+                        <m:e>
+                          <m:r>
+                            <m:rPr>
+                              <m:sty m:val="p"/>
+                            </m:rPr>
+                            <a:rPr lang="en-US" altLang="zh-CN" b="0" i="0" smtClean="0">
+                              <a:latin typeface="Cambria Math" panose="02040503050406030204" pitchFamily="18" charset="0"/>
+                            </a:rPr>
+                            <m:t>Σ</m:t>
+                          </m:r>
+                        </m:e>
+                        <m:sub>
+                          <m:r>
+                            <a:rPr lang="en-US" altLang="zh-CN" b="0" i="1" smtClean="0">
+                              <a:latin typeface="Cambria Math" panose="02040503050406030204" pitchFamily="18" charset="0"/>
+                            </a:rPr>
+                            <m:t>𝑐</m:t>
+                          </m:r>
+                        </m:sub>
+                      </m:sSub>
+                      <m:r>
+                        <a:rPr lang="en-US" altLang="zh-CN" b="0" i="1" smtClean="0">
+                          <a:latin typeface="Cambria Math" panose="02040503050406030204" pitchFamily="18" charset="0"/>
+                        </a:rPr>
+                        <m:t>&gt;, &lt;</m:t>
+                      </m:r>
+                      <m:sSub>
+                        <m:sSubPr>
+                          <m:ctrlPr>
+                            <a:rPr lang="en-US" altLang="zh-CN" i="1">
+                              <a:latin typeface="Cambria Math" panose="02040503050406030204" pitchFamily="18" charset="0"/>
+                            </a:rPr>
+                          </m:ctrlPr>
+                        </m:sSubPr>
+                        <m:e>
+                          <m:r>
+                            <a:rPr lang="en-US" altLang="zh-CN" i="1">
+                              <a:latin typeface="Cambria Math" panose="02040503050406030204" pitchFamily="18" charset="0"/>
+                            </a:rPr>
+                            <m:t>𝐺</m:t>
+                          </m:r>
+                        </m:e>
+                        <m:sub>
+                          <m:r>
+                            <a:rPr lang="en-US" altLang="zh-CN" i="1">
+                              <a:latin typeface="Cambria Math" panose="02040503050406030204" pitchFamily="18" charset="0"/>
+                            </a:rPr>
+                            <m:t>𝑇</m:t>
+                          </m:r>
+                        </m:sub>
+                      </m:sSub>
+                      <m:sSub>
+                        <m:sSubPr>
+                          <m:ctrlPr>
+                            <a:rPr lang="en-US" altLang="zh-CN" i="1">
+                              <a:latin typeface="Cambria Math" panose="02040503050406030204" pitchFamily="18" charset="0"/>
+                            </a:rPr>
+                          </m:ctrlPr>
+                        </m:sSubPr>
+                        <m:e>
+                          <m:r>
+                            <m:rPr>
+                              <m:sty m:val="p"/>
+                            </m:rPr>
+                            <a:rPr lang="en-US" altLang="zh-CN">
+                              <a:latin typeface="Cambria Math" panose="02040503050406030204" pitchFamily="18" charset="0"/>
+                            </a:rPr>
+                            <m:t>Σ</m:t>
+                          </m:r>
+                        </m:e>
+                        <m:sub>
+                          <m:r>
+                            <a:rPr lang="en-US" altLang="zh-CN" i="1">
+                              <a:latin typeface="Cambria Math" panose="02040503050406030204" pitchFamily="18" charset="0"/>
+                            </a:rPr>
+                            <m:t>𝑐𝑟𝑖𝑡</m:t>
+                          </m:r>
+                          <m:r>
+                            <a:rPr lang="en-US" altLang="zh-CN" i="1">
+                              <a:latin typeface="Cambria Math" panose="02040503050406030204" pitchFamily="18" charset="0"/>
+                            </a:rPr>
+                            <m:t> </m:t>
+                          </m:r>
+                        </m:sub>
+                      </m:sSub>
+                      <m:d>
+                        <m:dPr>
+                          <m:ctrlPr>
+                            <a:rPr lang="en-US" altLang="zh-CN" i="1">
+                              <a:latin typeface="Cambria Math" panose="02040503050406030204" pitchFamily="18" charset="0"/>
+                            </a:rPr>
+                          </m:ctrlPr>
+                        </m:dPr>
+                        <m:e>
+                          <m:sSub>
+                            <m:sSubPr>
+                              <m:ctrlPr>
+                                <a:rPr lang="en-US" altLang="zh-CN" i="1">
+                                  <a:latin typeface="Cambria Math" panose="02040503050406030204" pitchFamily="18" charset="0"/>
+                                </a:rPr>
+                              </m:ctrlPr>
+                            </m:sSubPr>
+                            <m:e>
+                              <m:r>
+                                <a:rPr lang="en-US" altLang="zh-CN" i="1">
+                                  <a:latin typeface="Cambria Math" panose="02040503050406030204" pitchFamily="18" charset="0"/>
+                                </a:rPr>
+                                <m:t>𝑧</m:t>
+                              </m:r>
+                            </m:e>
+                            <m:sub>
+                              <m:r>
+                                <a:rPr lang="en-US" altLang="zh-CN" i="1">
+                                  <a:latin typeface="Cambria Math" panose="02040503050406030204" pitchFamily="18" charset="0"/>
+                                </a:rPr>
+                                <m:t>𝑠</m:t>
+                              </m:r>
+                            </m:sub>
+                          </m:sSub>
+                          <m:r>
+                            <a:rPr lang="en-US" altLang="zh-CN" i="1">
+                              <a:latin typeface="Cambria Math" panose="02040503050406030204" pitchFamily="18" charset="0"/>
+                            </a:rPr>
+                            <m:t>,</m:t>
+                          </m:r>
+                          <m:sSub>
+                            <m:sSubPr>
+                              <m:ctrlPr>
+                                <a:rPr lang="en-US" altLang="zh-CN" i="1">
+                                  <a:latin typeface="Cambria Math" panose="02040503050406030204" pitchFamily="18" charset="0"/>
+                                </a:rPr>
+                              </m:ctrlPr>
+                            </m:sSubPr>
+                            <m:e>
+                              <m:r>
+                                <a:rPr lang="en-US" altLang="zh-CN" i="1">
+                                  <a:latin typeface="Cambria Math" panose="02040503050406030204" pitchFamily="18" charset="0"/>
+                                </a:rPr>
+                                <m:t>𝑧</m:t>
+                              </m:r>
+                            </m:e>
+                            <m:sub>
+                              <m:r>
+                                <a:rPr lang="en-US" altLang="zh-CN" i="1">
+                                  <a:latin typeface="Cambria Math" panose="02040503050406030204" pitchFamily="18" charset="0"/>
+                                </a:rPr>
+                                <m:t>𝑓</m:t>
+                              </m:r>
+                            </m:sub>
+                          </m:sSub>
+                        </m:e>
+                      </m:d>
+                      <m:r>
+                        <a:rPr lang="en-US" altLang="zh-CN" b="0" i="1" smtClean="0">
+                          <a:latin typeface="Cambria Math" panose="02040503050406030204" pitchFamily="18" charset="0"/>
+                        </a:rPr>
+                        <m:t>&gt;</m:t>
+                      </m:r>
+                    </m:oMath>
+                  </m:oMathPara>
+                </a14:m>
+                <a:endParaRPr lang="zh-CN" altLang="en-US" dirty="0"/>
+              </a:p>
+            </p:txBody>
+          </p:sp>
+        </mc:Choice>
+        <mc:Fallback xmlns="">
+          <p:sp>
+            <p:nvSpPr>
+              <p:cNvPr id="45" name="文本框 44">
+                <a:extLst>
+                  <a:ext uri="{FF2B5EF4-FFF2-40B4-BE49-F238E27FC236}">
+                    <a16:creationId xmlns:a16="http://schemas.microsoft.com/office/drawing/2014/main" id="{8BC72E50-FB46-4C8E-ABF8-EC73614E095F}"/>
+                  </a:ext>
+                </a:extLst>
+              </p:cNvPr>
+              <p:cNvSpPr txBox="1">
+                <a:spLocks noRot="1" noChangeAspect="1" noMove="1" noResize="1" noEditPoints="1" noAdjustHandles="1" noChangeArrowheads="1" noChangeShapeType="1" noTextEdit="1"/>
+              </p:cNvSpPr>
+              <p:nvPr/>
+            </p:nvSpPr>
+            <p:spPr>
+              <a:xfrm>
+                <a:off x="3012397" y="5771277"/>
+                <a:ext cx="2980881" cy="318998"/>
+              </a:xfrm>
+              <a:prstGeom prst="rect">
+                <a:avLst/>
+              </a:prstGeom>
+              <a:blipFill>
+                <a:blip r:embed="rId11"/>
+                <a:stretch>
+                  <a:fillRect l="-1022" r="-818" b="-26923"/>
+                </a:stretch>
+              </a:blipFill>
+            </p:spPr>
+            <p:txBody>
+              <a:bodyPr/>
+              <a:lstStyle/>
+              <a:p>
+                <a:r>
+                  <a:rPr lang="zh-CN" altLang="en-US">
+                    <a:noFill/>
+                  </a:rPr>
+                  <a:t> </a:t>
+                </a:r>
+              </a:p>
+            </p:txBody>
+          </p:sp>
+        </mc:Fallback>
+      </mc:AlternateContent>
+    </p:spTree>
+    <p:extLst>
+      <p:ext uri="{BB962C8B-B14F-4D97-AF65-F5344CB8AC3E}">
+        <p14:creationId xmlns:p14="http://schemas.microsoft.com/office/powerpoint/2010/main" val="3127167139"/>
+      </p:ext>
+    </p:extLst>
+  </p:cSld>
+  <p:clrMapOvr>
+    <a:masterClrMapping/>
+  </p:clrMapOvr>
+</p:sld>
+</file>
+
 <file path=ppt/theme/theme1.xml><?xml version="1.0" encoding="utf-8"?>
 <a:theme xmlns:a="http://schemas.openxmlformats.org/drawingml/2006/main" name="Office 主题​​">
   <a:themeElements>

--- a/correlation/Fourier_Quad/data_structure.pptx
+++ b/correlation/Fourier_Quad/data_structure.pptx
@@ -3398,6 +3398,1578 @@
           <a:chExt cx="0" cy="0"/>
         </a:xfrm>
       </p:grpSpPr>
+      <p:sp>
+        <p:nvSpPr>
+          <p:cNvPr id="8" name="矩形 7">
+            <a:extLst>
+              <a:ext uri="{FF2B5EF4-FFF2-40B4-BE49-F238E27FC236}">
+                <a16:creationId xmlns:a16="http://schemas.microsoft.com/office/drawing/2014/main" id="{75E5A6EC-1419-47BF-8676-AA5E71BB7172}"/>
+              </a:ext>
+            </a:extLst>
+          </p:cNvPr>
+          <p:cNvSpPr/>
+          <p:nvPr/>
+        </p:nvSpPr>
+        <p:spPr>
+          <a:xfrm>
+            <a:off x="7779801" y="767228"/>
+            <a:ext cx="976544" cy="985422"/>
+          </a:xfrm>
+          <a:prstGeom prst="rect">
+            <a:avLst/>
+          </a:prstGeom>
+          <a:noFill/>
+        </p:spPr>
+        <p:style>
+          <a:lnRef idx="2">
+            <a:schemeClr val="accent1">
+              <a:shade val="50000"/>
+            </a:schemeClr>
+          </a:lnRef>
+          <a:fillRef idx="1">
+            <a:schemeClr val="accent1"/>
+          </a:fillRef>
+          <a:effectRef idx="0">
+            <a:schemeClr val="accent1"/>
+          </a:effectRef>
+          <a:fontRef idx="minor">
+            <a:schemeClr val="lt1"/>
+          </a:fontRef>
+        </p:style>
+        <p:txBody>
+          <a:bodyPr rtlCol="0" anchor="ctr"/>
+          <a:lstStyle/>
+          <a:p>
+            <a:pPr algn="ctr"/>
+            <a:endParaRPr lang="zh-CN" altLang="en-US"/>
+          </a:p>
+        </p:txBody>
+      </p:sp>
+      <p:sp>
+        <p:nvSpPr>
+          <p:cNvPr id="10" name="矩形 9">
+            <a:extLst>
+              <a:ext uri="{FF2B5EF4-FFF2-40B4-BE49-F238E27FC236}">
+                <a16:creationId xmlns:a16="http://schemas.microsoft.com/office/drawing/2014/main" id="{9B0CCF60-24A9-4FB5-98BE-CEA6C16E1204}"/>
+              </a:ext>
+            </a:extLst>
+          </p:cNvPr>
+          <p:cNvSpPr/>
+          <p:nvPr/>
+        </p:nvSpPr>
+        <p:spPr>
+          <a:xfrm>
+            <a:off x="7930723" y="868582"/>
+            <a:ext cx="976544" cy="985422"/>
+          </a:xfrm>
+          <a:prstGeom prst="rect">
+            <a:avLst/>
+          </a:prstGeom>
+          <a:noFill/>
+        </p:spPr>
+        <p:style>
+          <a:lnRef idx="2">
+            <a:schemeClr val="accent1">
+              <a:shade val="50000"/>
+            </a:schemeClr>
+          </a:lnRef>
+          <a:fillRef idx="1">
+            <a:schemeClr val="accent1"/>
+          </a:fillRef>
+          <a:effectRef idx="0">
+            <a:schemeClr val="accent1"/>
+          </a:effectRef>
+          <a:fontRef idx="minor">
+            <a:schemeClr val="lt1"/>
+          </a:fontRef>
+        </p:style>
+        <p:txBody>
+          <a:bodyPr rtlCol="0" anchor="ctr"/>
+          <a:lstStyle/>
+          <a:p>
+            <a:pPr algn="ctr"/>
+            <a:endParaRPr lang="zh-CN" altLang="en-US"/>
+          </a:p>
+        </p:txBody>
+      </p:sp>
+      <p:sp>
+        <p:nvSpPr>
+          <p:cNvPr id="12" name="矩形 11">
+            <a:extLst>
+              <a:ext uri="{FF2B5EF4-FFF2-40B4-BE49-F238E27FC236}">
+                <a16:creationId xmlns:a16="http://schemas.microsoft.com/office/drawing/2014/main" id="{E464E119-52EC-44F6-A17F-69BF7AEAAC85}"/>
+              </a:ext>
+            </a:extLst>
+          </p:cNvPr>
+          <p:cNvSpPr/>
+          <p:nvPr/>
+        </p:nvSpPr>
+        <p:spPr>
+          <a:xfrm>
+            <a:off x="8161541" y="1063891"/>
+            <a:ext cx="976544" cy="985422"/>
+          </a:xfrm>
+          <a:prstGeom prst="rect">
+            <a:avLst/>
+          </a:prstGeom>
+          <a:noFill/>
+        </p:spPr>
+        <p:style>
+          <a:lnRef idx="2">
+            <a:schemeClr val="accent1">
+              <a:shade val="50000"/>
+            </a:schemeClr>
+          </a:lnRef>
+          <a:fillRef idx="1">
+            <a:schemeClr val="accent1"/>
+          </a:fillRef>
+          <a:effectRef idx="0">
+            <a:schemeClr val="accent1"/>
+          </a:effectRef>
+          <a:fontRef idx="minor">
+            <a:schemeClr val="lt1"/>
+          </a:fontRef>
+        </p:style>
+        <p:txBody>
+          <a:bodyPr rtlCol="0" anchor="ctr"/>
+          <a:lstStyle/>
+          <a:p>
+            <a:pPr algn="ctr"/>
+            <a:endParaRPr lang="zh-CN" altLang="en-US"/>
+          </a:p>
+        </p:txBody>
+      </p:sp>
+      <p:sp>
+        <p:nvSpPr>
+          <p:cNvPr id="13" name="文本框 12">
+            <a:extLst>
+              <a:ext uri="{FF2B5EF4-FFF2-40B4-BE49-F238E27FC236}">
+                <a16:creationId xmlns:a16="http://schemas.microsoft.com/office/drawing/2014/main" id="{189353A9-3429-44AB-A10B-07E991D4AB64}"/>
+              </a:ext>
+            </a:extLst>
+          </p:cNvPr>
+          <p:cNvSpPr txBox="1"/>
+          <p:nvPr/>
+        </p:nvSpPr>
+        <p:spPr>
+          <a:xfrm>
+            <a:off x="3830854" y="239010"/>
+            <a:ext cx="744114" cy="369332"/>
+          </a:xfrm>
+          <a:prstGeom prst="rect">
+            <a:avLst/>
+          </a:prstGeom>
+          <a:noFill/>
+        </p:spPr>
+        <p:txBody>
+          <a:bodyPr wrap="none" rtlCol="0">
+            <a:spAutoFit/>
+          </a:bodyPr>
+          <a:lstStyle/>
+          <a:p>
+            <a:r>
+              <a:rPr lang="en-US" altLang="zh-CN" dirty="0"/>
+              <a:t>Fields</a:t>
+            </a:r>
+            <a:endParaRPr lang="zh-CN" altLang="en-US" dirty="0"/>
+          </a:p>
+        </p:txBody>
+      </p:sp>
+      <p:grpSp>
+        <p:nvGrpSpPr>
+          <p:cNvPr id="33" name="组合 32">
+            <a:extLst>
+              <a:ext uri="{FF2B5EF4-FFF2-40B4-BE49-F238E27FC236}">
+                <a16:creationId xmlns:a16="http://schemas.microsoft.com/office/drawing/2014/main" id="{6B975BEF-EBB8-41D6-99B3-575FA3E31A36}"/>
+              </a:ext>
+            </a:extLst>
+          </p:cNvPr>
+          <p:cNvGrpSpPr/>
+          <p:nvPr/>
+        </p:nvGrpSpPr>
+        <p:grpSpPr>
+          <a:xfrm>
+            <a:off x="2621880" y="767229"/>
+            <a:ext cx="3195959" cy="1247315"/>
+            <a:chOff x="1686759" y="1185167"/>
+            <a:chExt cx="5859264" cy="1970844"/>
+          </a:xfrm>
+        </p:grpSpPr>
+        <p:sp>
+          <p:nvSpPr>
+            <p:cNvPr id="2" name="矩形 1">
+              <a:extLst>
+                <a:ext uri="{FF2B5EF4-FFF2-40B4-BE49-F238E27FC236}">
+                  <a16:creationId xmlns:a16="http://schemas.microsoft.com/office/drawing/2014/main" id="{EAE91A86-10BA-495C-8371-7B1E5F6452D3}"/>
+                </a:ext>
+              </a:extLst>
+            </p:cNvPr>
+            <p:cNvSpPr/>
+            <p:nvPr/>
+          </p:nvSpPr>
+          <p:spPr>
+            <a:xfrm>
+              <a:off x="1686759" y="1185167"/>
+              <a:ext cx="976544" cy="985422"/>
+            </a:xfrm>
+            <a:prstGeom prst="rect">
+              <a:avLst/>
+            </a:prstGeom>
+            <a:noFill/>
+          </p:spPr>
+          <p:style>
+            <a:lnRef idx="2">
+              <a:schemeClr val="accent1">
+                <a:shade val="50000"/>
+              </a:schemeClr>
+            </a:lnRef>
+            <a:fillRef idx="1">
+              <a:schemeClr val="accent1"/>
+            </a:fillRef>
+            <a:effectRef idx="0">
+              <a:schemeClr val="accent1"/>
+            </a:effectRef>
+            <a:fontRef idx="minor">
+              <a:schemeClr val="lt1"/>
+            </a:fontRef>
+          </p:style>
+          <p:txBody>
+            <a:bodyPr rtlCol="0" anchor="ctr"/>
+            <a:lstStyle/>
+            <a:p>
+              <a:pPr algn="ctr"/>
+              <a:endParaRPr lang="zh-CN" altLang="en-US"/>
+            </a:p>
+          </p:txBody>
+        </p:sp>
+        <p:sp>
+          <p:nvSpPr>
+            <p:cNvPr id="4" name="矩形 3">
+              <a:extLst>
+                <a:ext uri="{FF2B5EF4-FFF2-40B4-BE49-F238E27FC236}">
+                  <a16:creationId xmlns:a16="http://schemas.microsoft.com/office/drawing/2014/main" id="{A71392AF-113B-45EC-9B78-DF4F56BACAFB}"/>
+                </a:ext>
+              </a:extLst>
+            </p:cNvPr>
+            <p:cNvSpPr/>
+            <p:nvPr/>
+          </p:nvSpPr>
+          <p:spPr>
+            <a:xfrm>
+              <a:off x="2663303" y="1185167"/>
+              <a:ext cx="976544" cy="985422"/>
+            </a:xfrm>
+            <a:prstGeom prst="rect">
+              <a:avLst/>
+            </a:prstGeom>
+            <a:noFill/>
+          </p:spPr>
+          <p:style>
+            <a:lnRef idx="2">
+              <a:schemeClr val="accent1">
+                <a:shade val="50000"/>
+              </a:schemeClr>
+            </a:lnRef>
+            <a:fillRef idx="1">
+              <a:schemeClr val="accent1"/>
+            </a:fillRef>
+            <a:effectRef idx="0">
+              <a:schemeClr val="accent1"/>
+            </a:effectRef>
+            <a:fontRef idx="minor">
+              <a:schemeClr val="lt1"/>
+            </a:fontRef>
+          </p:style>
+          <p:txBody>
+            <a:bodyPr rtlCol="0" anchor="ctr"/>
+            <a:lstStyle/>
+            <a:p>
+              <a:pPr algn="ctr"/>
+              <a:endParaRPr lang="zh-CN" altLang="en-US"/>
+            </a:p>
+          </p:txBody>
+        </p:sp>
+        <p:sp>
+          <p:nvSpPr>
+            <p:cNvPr id="6" name="矩形 5">
+              <a:extLst>
+                <a:ext uri="{FF2B5EF4-FFF2-40B4-BE49-F238E27FC236}">
+                  <a16:creationId xmlns:a16="http://schemas.microsoft.com/office/drawing/2014/main" id="{36EE764C-7C6A-4910-9A44-AAD1F4EA05B3}"/>
+                </a:ext>
+              </a:extLst>
+            </p:cNvPr>
+            <p:cNvSpPr/>
+            <p:nvPr/>
+          </p:nvSpPr>
+          <p:spPr>
+            <a:xfrm>
+              <a:off x="3639847" y="1185167"/>
+              <a:ext cx="976544" cy="985422"/>
+            </a:xfrm>
+            <a:prstGeom prst="rect">
+              <a:avLst/>
+            </a:prstGeom>
+            <a:noFill/>
+          </p:spPr>
+          <p:style>
+            <a:lnRef idx="2">
+              <a:schemeClr val="accent1">
+                <a:shade val="50000"/>
+              </a:schemeClr>
+            </a:lnRef>
+            <a:fillRef idx="1">
+              <a:schemeClr val="accent1"/>
+            </a:fillRef>
+            <a:effectRef idx="0">
+              <a:schemeClr val="accent1"/>
+            </a:effectRef>
+            <a:fontRef idx="minor">
+              <a:schemeClr val="lt1"/>
+            </a:fontRef>
+          </p:style>
+          <p:txBody>
+            <a:bodyPr rtlCol="0" anchor="ctr"/>
+            <a:lstStyle/>
+            <a:p>
+              <a:pPr algn="ctr"/>
+              <a:endParaRPr lang="zh-CN" altLang="en-US"/>
+            </a:p>
+          </p:txBody>
+        </p:sp>
+        <p:sp>
+          <p:nvSpPr>
+            <p:cNvPr id="15" name="矩形 14">
+              <a:extLst>
+                <a:ext uri="{FF2B5EF4-FFF2-40B4-BE49-F238E27FC236}">
+                  <a16:creationId xmlns:a16="http://schemas.microsoft.com/office/drawing/2014/main" id="{06FFA94F-0071-487F-8A59-C6C422D9C928}"/>
+                </a:ext>
+              </a:extLst>
+            </p:cNvPr>
+            <p:cNvSpPr/>
+            <p:nvPr/>
+          </p:nvSpPr>
+          <p:spPr>
+            <a:xfrm>
+              <a:off x="1686759" y="2170589"/>
+              <a:ext cx="976544" cy="985422"/>
+            </a:xfrm>
+            <a:prstGeom prst="rect">
+              <a:avLst/>
+            </a:prstGeom>
+            <a:noFill/>
+          </p:spPr>
+          <p:style>
+            <a:lnRef idx="2">
+              <a:schemeClr val="accent1">
+                <a:shade val="50000"/>
+              </a:schemeClr>
+            </a:lnRef>
+            <a:fillRef idx="1">
+              <a:schemeClr val="accent1"/>
+            </a:fillRef>
+            <a:effectRef idx="0">
+              <a:schemeClr val="accent1"/>
+            </a:effectRef>
+            <a:fontRef idx="minor">
+              <a:schemeClr val="lt1"/>
+            </a:fontRef>
+          </p:style>
+          <p:txBody>
+            <a:bodyPr rtlCol="0" anchor="ctr"/>
+            <a:lstStyle/>
+            <a:p>
+              <a:pPr algn="ctr"/>
+              <a:endParaRPr lang="zh-CN" altLang="en-US"/>
+            </a:p>
+          </p:txBody>
+        </p:sp>
+        <p:sp>
+          <p:nvSpPr>
+            <p:cNvPr id="17" name="矩形 16">
+              <a:extLst>
+                <a:ext uri="{FF2B5EF4-FFF2-40B4-BE49-F238E27FC236}">
+                  <a16:creationId xmlns:a16="http://schemas.microsoft.com/office/drawing/2014/main" id="{0AA5178D-2817-48B2-860D-476BFB051281}"/>
+                </a:ext>
+              </a:extLst>
+            </p:cNvPr>
+            <p:cNvSpPr/>
+            <p:nvPr/>
+          </p:nvSpPr>
+          <p:spPr>
+            <a:xfrm>
+              <a:off x="2663303" y="2170589"/>
+              <a:ext cx="976544" cy="985422"/>
+            </a:xfrm>
+            <a:prstGeom prst="rect">
+              <a:avLst/>
+            </a:prstGeom>
+            <a:noFill/>
+          </p:spPr>
+          <p:style>
+            <a:lnRef idx="2">
+              <a:schemeClr val="accent1">
+                <a:shade val="50000"/>
+              </a:schemeClr>
+            </a:lnRef>
+            <a:fillRef idx="1">
+              <a:schemeClr val="accent1"/>
+            </a:fillRef>
+            <a:effectRef idx="0">
+              <a:schemeClr val="accent1"/>
+            </a:effectRef>
+            <a:fontRef idx="minor">
+              <a:schemeClr val="lt1"/>
+            </a:fontRef>
+          </p:style>
+          <p:txBody>
+            <a:bodyPr rtlCol="0" anchor="ctr"/>
+            <a:lstStyle/>
+            <a:p>
+              <a:pPr algn="ctr"/>
+              <a:endParaRPr lang="zh-CN" altLang="en-US"/>
+            </a:p>
+          </p:txBody>
+        </p:sp>
+        <p:sp>
+          <p:nvSpPr>
+            <p:cNvPr id="19" name="矩形 18">
+              <a:extLst>
+                <a:ext uri="{FF2B5EF4-FFF2-40B4-BE49-F238E27FC236}">
+                  <a16:creationId xmlns:a16="http://schemas.microsoft.com/office/drawing/2014/main" id="{72C1EC4D-3293-494E-9A8A-A805AA7D2CB6}"/>
+                </a:ext>
+              </a:extLst>
+            </p:cNvPr>
+            <p:cNvSpPr/>
+            <p:nvPr/>
+          </p:nvSpPr>
+          <p:spPr>
+            <a:xfrm>
+              <a:off x="3639847" y="2170589"/>
+              <a:ext cx="976544" cy="985422"/>
+            </a:xfrm>
+            <a:prstGeom prst="rect">
+              <a:avLst/>
+            </a:prstGeom>
+            <a:noFill/>
+          </p:spPr>
+          <p:style>
+            <a:lnRef idx="2">
+              <a:schemeClr val="accent1">
+                <a:shade val="50000"/>
+              </a:schemeClr>
+            </a:lnRef>
+            <a:fillRef idx="1">
+              <a:schemeClr val="accent1"/>
+            </a:fillRef>
+            <a:effectRef idx="0">
+              <a:schemeClr val="accent1"/>
+            </a:effectRef>
+            <a:fontRef idx="minor">
+              <a:schemeClr val="lt1"/>
+            </a:fontRef>
+          </p:style>
+          <p:txBody>
+            <a:bodyPr rtlCol="0" anchor="ctr"/>
+            <a:lstStyle/>
+            <a:p>
+              <a:pPr algn="ctr"/>
+              <a:endParaRPr lang="zh-CN" altLang="en-US"/>
+            </a:p>
+          </p:txBody>
+        </p:sp>
+        <p:sp>
+          <p:nvSpPr>
+            <p:cNvPr id="21" name="矩形 20">
+              <a:extLst>
+                <a:ext uri="{FF2B5EF4-FFF2-40B4-BE49-F238E27FC236}">
+                  <a16:creationId xmlns:a16="http://schemas.microsoft.com/office/drawing/2014/main" id="{48D39DBC-B81A-4E9E-9C79-907B24ACAF7E}"/>
+                </a:ext>
+              </a:extLst>
+            </p:cNvPr>
+            <p:cNvSpPr/>
+            <p:nvPr/>
+          </p:nvSpPr>
+          <p:spPr>
+            <a:xfrm>
+              <a:off x="4616391" y="1185167"/>
+              <a:ext cx="976544" cy="985422"/>
+            </a:xfrm>
+            <a:prstGeom prst="rect">
+              <a:avLst/>
+            </a:prstGeom>
+            <a:noFill/>
+          </p:spPr>
+          <p:style>
+            <a:lnRef idx="2">
+              <a:schemeClr val="accent1">
+                <a:shade val="50000"/>
+              </a:schemeClr>
+            </a:lnRef>
+            <a:fillRef idx="1">
+              <a:schemeClr val="accent1"/>
+            </a:fillRef>
+            <a:effectRef idx="0">
+              <a:schemeClr val="accent1"/>
+            </a:effectRef>
+            <a:fontRef idx="minor">
+              <a:schemeClr val="lt1"/>
+            </a:fontRef>
+          </p:style>
+          <p:txBody>
+            <a:bodyPr rtlCol="0" anchor="ctr"/>
+            <a:lstStyle/>
+            <a:p>
+              <a:pPr algn="ctr"/>
+              <a:endParaRPr lang="zh-CN" altLang="en-US"/>
+            </a:p>
+          </p:txBody>
+        </p:sp>
+        <p:sp>
+          <p:nvSpPr>
+            <p:cNvPr id="23" name="矩形 22">
+              <a:extLst>
+                <a:ext uri="{FF2B5EF4-FFF2-40B4-BE49-F238E27FC236}">
+                  <a16:creationId xmlns:a16="http://schemas.microsoft.com/office/drawing/2014/main" id="{EA21D48B-A7F9-40C2-BA7B-C96C22D5B8F5}"/>
+                </a:ext>
+              </a:extLst>
+            </p:cNvPr>
+            <p:cNvSpPr/>
+            <p:nvPr/>
+          </p:nvSpPr>
+          <p:spPr>
+            <a:xfrm>
+              <a:off x="5592935" y="1185167"/>
+              <a:ext cx="976544" cy="985422"/>
+            </a:xfrm>
+            <a:prstGeom prst="rect">
+              <a:avLst/>
+            </a:prstGeom>
+            <a:noFill/>
+          </p:spPr>
+          <p:style>
+            <a:lnRef idx="2">
+              <a:schemeClr val="accent1">
+                <a:shade val="50000"/>
+              </a:schemeClr>
+            </a:lnRef>
+            <a:fillRef idx="1">
+              <a:schemeClr val="accent1"/>
+            </a:fillRef>
+            <a:effectRef idx="0">
+              <a:schemeClr val="accent1"/>
+            </a:effectRef>
+            <a:fontRef idx="minor">
+              <a:schemeClr val="lt1"/>
+            </a:fontRef>
+          </p:style>
+          <p:txBody>
+            <a:bodyPr rtlCol="0" anchor="ctr"/>
+            <a:lstStyle/>
+            <a:p>
+              <a:pPr algn="ctr"/>
+              <a:endParaRPr lang="zh-CN" altLang="en-US"/>
+            </a:p>
+          </p:txBody>
+        </p:sp>
+        <p:sp>
+          <p:nvSpPr>
+            <p:cNvPr id="25" name="矩形 24">
+              <a:extLst>
+                <a:ext uri="{FF2B5EF4-FFF2-40B4-BE49-F238E27FC236}">
+                  <a16:creationId xmlns:a16="http://schemas.microsoft.com/office/drawing/2014/main" id="{8A29999B-BEC7-4056-8CC3-BDAED44B26DE}"/>
+                </a:ext>
+              </a:extLst>
+            </p:cNvPr>
+            <p:cNvSpPr/>
+            <p:nvPr/>
+          </p:nvSpPr>
+          <p:spPr>
+            <a:xfrm>
+              <a:off x="6569479" y="1185167"/>
+              <a:ext cx="976544" cy="985422"/>
+            </a:xfrm>
+            <a:prstGeom prst="rect">
+              <a:avLst/>
+            </a:prstGeom>
+            <a:noFill/>
+          </p:spPr>
+          <p:style>
+            <a:lnRef idx="2">
+              <a:schemeClr val="accent1">
+                <a:shade val="50000"/>
+              </a:schemeClr>
+            </a:lnRef>
+            <a:fillRef idx="1">
+              <a:schemeClr val="accent1"/>
+            </a:fillRef>
+            <a:effectRef idx="0">
+              <a:schemeClr val="accent1"/>
+            </a:effectRef>
+            <a:fontRef idx="minor">
+              <a:schemeClr val="lt1"/>
+            </a:fontRef>
+          </p:style>
+          <p:txBody>
+            <a:bodyPr rtlCol="0" anchor="ctr"/>
+            <a:lstStyle/>
+            <a:p>
+              <a:pPr algn="ctr"/>
+              <a:endParaRPr lang="zh-CN" altLang="en-US"/>
+            </a:p>
+          </p:txBody>
+        </p:sp>
+        <p:sp>
+          <p:nvSpPr>
+            <p:cNvPr id="28" name="矩形 27">
+              <a:extLst>
+                <a:ext uri="{FF2B5EF4-FFF2-40B4-BE49-F238E27FC236}">
+                  <a16:creationId xmlns:a16="http://schemas.microsoft.com/office/drawing/2014/main" id="{F82DB279-ED65-464D-A425-B40A49642290}"/>
+                </a:ext>
+              </a:extLst>
+            </p:cNvPr>
+            <p:cNvSpPr/>
+            <p:nvPr/>
+          </p:nvSpPr>
+          <p:spPr>
+            <a:xfrm>
+              <a:off x="4613428" y="2170589"/>
+              <a:ext cx="976544" cy="985422"/>
+            </a:xfrm>
+            <a:prstGeom prst="rect">
+              <a:avLst/>
+            </a:prstGeom>
+            <a:noFill/>
+          </p:spPr>
+          <p:style>
+            <a:lnRef idx="2">
+              <a:schemeClr val="accent1">
+                <a:shade val="50000"/>
+              </a:schemeClr>
+            </a:lnRef>
+            <a:fillRef idx="1">
+              <a:schemeClr val="accent1"/>
+            </a:fillRef>
+            <a:effectRef idx="0">
+              <a:schemeClr val="accent1"/>
+            </a:effectRef>
+            <a:fontRef idx="minor">
+              <a:schemeClr val="lt1"/>
+            </a:fontRef>
+          </p:style>
+          <p:txBody>
+            <a:bodyPr rtlCol="0" anchor="ctr"/>
+            <a:lstStyle/>
+            <a:p>
+              <a:pPr algn="ctr"/>
+              <a:endParaRPr lang="zh-CN" altLang="en-US"/>
+            </a:p>
+          </p:txBody>
+        </p:sp>
+        <p:sp>
+          <p:nvSpPr>
+            <p:cNvPr id="30" name="矩形 29">
+              <a:extLst>
+                <a:ext uri="{FF2B5EF4-FFF2-40B4-BE49-F238E27FC236}">
+                  <a16:creationId xmlns:a16="http://schemas.microsoft.com/office/drawing/2014/main" id="{2BA3F64B-4F1B-4D98-9B8E-734B33B11993}"/>
+                </a:ext>
+              </a:extLst>
+            </p:cNvPr>
+            <p:cNvSpPr/>
+            <p:nvPr/>
+          </p:nvSpPr>
+          <p:spPr>
+            <a:xfrm>
+              <a:off x="5589972" y="2170589"/>
+              <a:ext cx="976544" cy="985422"/>
+            </a:xfrm>
+            <a:prstGeom prst="rect">
+              <a:avLst/>
+            </a:prstGeom>
+            <a:noFill/>
+          </p:spPr>
+          <p:style>
+            <a:lnRef idx="2">
+              <a:schemeClr val="accent1">
+                <a:shade val="50000"/>
+              </a:schemeClr>
+            </a:lnRef>
+            <a:fillRef idx="1">
+              <a:schemeClr val="accent1"/>
+            </a:fillRef>
+            <a:effectRef idx="0">
+              <a:schemeClr val="accent1"/>
+            </a:effectRef>
+            <a:fontRef idx="minor">
+              <a:schemeClr val="lt1"/>
+            </a:fontRef>
+          </p:style>
+          <p:txBody>
+            <a:bodyPr rtlCol="0" anchor="ctr"/>
+            <a:lstStyle/>
+            <a:p>
+              <a:pPr algn="ctr"/>
+              <a:endParaRPr lang="zh-CN" altLang="en-US"/>
+            </a:p>
+          </p:txBody>
+        </p:sp>
+        <p:sp>
+          <p:nvSpPr>
+            <p:cNvPr id="32" name="矩形 31">
+              <a:extLst>
+                <a:ext uri="{FF2B5EF4-FFF2-40B4-BE49-F238E27FC236}">
+                  <a16:creationId xmlns:a16="http://schemas.microsoft.com/office/drawing/2014/main" id="{657E4093-25CC-4C48-A7E9-065B41BCE0D1}"/>
+                </a:ext>
+              </a:extLst>
+            </p:cNvPr>
+            <p:cNvSpPr/>
+            <p:nvPr/>
+          </p:nvSpPr>
+          <p:spPr>
+            <a:xfrm>
+              <a:off x="6566516" y="2170589"/>
+              <a:ext cx="976544" cy="985422"/>
+            </a:xfrm>
+            <a:prstGeom prst="rect">
+              <a:avLst/>
+            </a:prstGeom>
+            <a:noFill/>
+          </p:spPr>
+          <p:style>
+            <a:lnRef idx="2">
+              <a:schemeClr val="accent1">
+                <a:shade val="50000"/>
+              </a:schemeClr>
+            </a:lnRef>
+            <a:fillRef idx="1">
+              <a:schemeClr val="accent1"/>
+            </a:fillRef>
+            <a:effectRef idx="0">
+              <a:schemeClr val="accent1"/>
+            </a:effectRef>
+            <a:fontRef idx="minor">
+              <a:schemeClr val="lt1"/>
+            </a:fontRef>
+          </p:style>
+          <p:txBody>
+            <a:bodyPr rtlCol="0" anchor="ctr"/>
+            <a:lstStyle/>
+            <a:p>
+              <a:pPr algn="ctr"/>
+              <a:endParaRPr lang="zh-CN" altLang="en-US"/>
+            </a:p>
+          </p:txBody>
+        </p:sp>
+      </p:grpSp>
+      <p:sp>
+        <p:nvSpPr>
+          <p:cNvPr id="34" name="文本框 33">
+            <a:extLst>
+              <a:ext uri="{FF2B5EF4-FFF2-40B4-BE49-F238E27FC236}">
+                <a16:creationId xmlns:a16="http://schemas.microsoft.com/office/drawing/2014/main" id="{505770FF-DC40-4E11-B042-A579094A99CF}"/>
+              </a:ext>
+            </a:extLst>
+          </p:cNvPr>
+          <p:cNvSpPr txBox="1"/>
+          <p:nvPr/>
+        </p:nvSpPr>
+        <p:spPr>
+          <a:xfrm>
+            <a:off x="7717653" y="239010"/>
+            <a:ext cx="1180131" cy="369332"/>
+          </a:xfrm>
+          <a:prstGeom prst="rect">
+            <a:avLst/>
+          </a:prstGeom>
+          <a:noFill/>
+        </p:spPr>
+        <p:txBody>
+          <a:bodyPr wrap="none" rtlCol="0">
+            <a:spAutoFit/>
+          </a:bodyPr>
+          <a:lstStyle/>
+          <a:p>
+            <a:r>
+              <a:rPr lang="en-US" altLang="zh-CN" dirty="0"/>
+              <a:t>Exposures</a:t>
+            </a:r>
+            <a:endParaRPr lang="zh-CN" altLang="en-US" dirty="0"/>
+          </a:p>
+        </p:txBody>
+      </p:sp>
+      <p:sp>
+        <p:nvSpPr>
+          <p:cNvPr id="35" name="文本框 34">
+            <a:extLst>
+              <a:ext uri="{FF2B5EF4-FFF2-40B4-BE49-F238E27FC236}">
+                <a16:creationId xmlns:a16="http://schemas.microsoft.com/office/drawing/2014/main" id="{0B694AE9-0C8E-4E31-98FE-7F166421811B}"/>
+              </a:ext>
+            </a:extLst>
+          </p:cNvPr>
+          <p:cNvSpPr txBox="1"/>
+          <p:nvPr/>
+        </p:nvSpPr>
+        <p:spPr>
+          <a:xfrm>
+            <a:off x="3953530" y="2268871"/>
+            <a:ext cx="399468" cy="461665"/>
+          </a:xfrm>
+          <a:prstGeom prst="rect">
+            <a:avLst/>
+          </a:prstGeom>
+          <a:noFill/>
+        </p:spPr>
+        <p:txBody>
+          <a:bodyPr wrap="none" rtlCol="0">
+            <a:spAutoFit/>
+          </a:bodyPr>
+          <a:lstStyle/>
+          <a:p>
+            <a:r>
+              <a:rPr lang="en-US" altLang="zh-CN" sz="2400" dirty="0"/>
+              <a:t>…</a:t>
+            </a:r>
+          </a:p>
+        </p:txBody>
+      </p:sp>
+      <p:sp>
+        <p:nvSpPr>
+          <p:cNvPr id="38" name="文本框 37">
+            <a:extLst>
+              <a:ext uri="{FF2B5EF4-FFF2-40B4-BE49-F238E27FC236}">
+                <a16:creationId xmlns:a16="http://schemas.microsoft.com/office/drawing/2014/main" id="{0D11BB2A-9FB0-46D0-9612-B4306CBDA294}"/>
+              </a:ext>
+            </a:extLst>
+          </p:cNvPr>
+          <p:cNvSpPr txBox="1"/>
+          <p:nvPr/>
+        </p:nvSpPr>
+        <p:spPr>
+          <a:xfrm>
+            <a:off x="7854888" y="2989988"/>
+            <a:ext cx="1048685" cy="307777"/>
+          </a:xfrm>
+          <a:prstGeom prst="rect">
+            <a:avLst/>
+          </a:prstGeom>
+          <a:noFill/>
+        </p:spPr>
+        <p:txBody>
+          <a:bodyPr wrap="none" rtlCol="0">
+            <a:spAutoFit/>
+          </a:bodyPr>
+          <a:lstStyle/>
+          <a:p>
+            <a:r>
+              <a:rPr lang="en-US" altLang="zh-CN" sz="1400" dirty="0"/>
+              <a:t>Exposures </a:t>
+            </a:r>
+            <a:r>
+              <a:rPr lang="en-US" altLang="zh-CN" sz="1400" dirty="0" err="1"/>
+              <a:t>i</a:t>
+            </a:r>
+            <a:endParaRPr lang="zh-CN" altLang="en-US" sz="1400" dirty="0"/>
+          </a:p>
+        </p:txBody>
+      </p:sp>
+      <p:sp>
+        <p:nvSpPr>
+          <p:cNvPr id="40" name="文本框 39">
+            <a:extLst>
+              <a:ext uri="{FF2B5EF4-FFF2-40B4-BE49-F238E27FC236}">
+                <a16:creationId xmlns:a16="http://schemas.microsoft.com/office/drawing/2014/main" id="{2503E1F5-BC68-47FA-8D62-5643DDE0735F}"/>
+              </a:ext>
+            </a:extLst>
+          </p:cNvPr>
+          <p:cNvSpPr txBox="1"/>
+          <p:nvPr/>
+        </p:nvSpPr>
+        <p:spPr>
+          <a:xfrm>
+            <a:off x="2251852" y="2989988"/>
+            <a:ext cx="1103187" cy="307777"/>
+          </a:xfrm>
+          <a:prstGeom prst="rect">
+            <a:avLst/>
+          </a:prstGeom>
+          <a:noFill/>
+        </p:spPr>
+        <p:txBody>
+          <a:bodyPr wrap="none" rtlCol="0">
+            <a:spAutoFit/>
+          </a:bodyPr>
+          <a:lstStyle/>
+          <a:p>
+            <a:r>
+              <a:rPr lang="en-US" altLang="zh-CN" sz="1400" dirty="0"/>
+              <a:t>Exposures 0</a:t>
+            </a:r>
+            <a:endParaRPr lang="zh-CN" altLang="en-US" sz="1400" dirty="0"/>
+          </a:p>
+        </p:txBody>
+      </p:sp>
+      <p:sp>
+        <p:nvSpPr>
+          <p:cNvPr id="42" name="文本框 41">
+            <a:extLst>
+              <a:ext uri="{FF2B5EF4-FFF2-40B4-BE49-F238E27FC236}">
+                <a16:creationId xmlns:a16="http://schemas.microsoft.com/office/drawing/2014/main" id="{AD3F8572-1060-46E9-817E-00EC2A183E16}"/>
+              </a:ext>
+            </a:extLst>
+          </p:cNvPr>
+          <p:cNvSpPr txBox="1"/>
+          <p:nvPr/>
+        </p:nvSpPr>
+        <p:spPr>
+          <a:xfrm>
+            <a:off x="3672417" y="2989988"/>
+            <a:ext cx="1103187" cy="307777"/>
+          </a:xfrm>
+          <a:prstGeom prst="rect">
+            <a:avLst/>
+          </a:prstGeom>
+          <a:noFill/>
+        </p:spPr>
+        <p:txBody>
+          <a:bodyPr wrap="none" rtlCol="0">
+            <a:spAutoFit/>
+          </a:bodyPr>
+          <a:lstStyle/>
+          <a:p>
+            <a:r>
+              <a:rPr lang="en-US" altLang="zh-CN" sz="1400" dirty="0"/>
+              <a:t>Exposures 1</a:t>
+            </a:r>
+            <a:endParaRPr lang="zh-CN" altLang="en-US" sz="1400" dirty="0"/>
+          </a:p>
+        </p:txBody>
+      </p:sp>
+      <p:sp>
+        <p:nvSpPr>
+          <p:cNvPr id="44" name="矩形 43">
+            <a:extLst>
+              <a:ext uri="{FF2B5EF4-FFF2-40B4-BE49-F238E27FC236}">
+                <a16:creationId xmlns:a16="http://schemas.microsoft.com/office/drawing/2014/main" id="{61256369-E65D-4965-834A-178CF715CC55}"/>
+              </a:ext>
+            </a:extLst>
+          </p:cNvPr>
+          <p:cNvSpPr/>
+          <p:nvPr/>
+        </p:nvSpPr>
+        <p:spPr>
+          <a:xfrm>
+            <a:off x="2363704" y="3574034"/>
+            <a:ext cx="976544" cy="985422"/>
+          </a:xfrm>
+          <a:prstGeom prst="rect">
+            <a:avLst/>
+          </a:prstGeom>
+          <a:noFill/>
+        </p:spPr>
+        <p:style>
+          <a:lnRef idx="2">
+            <a:schemeClr val="accent1">
+              <a:shade val="50000"/>
+            </a:schemeClr>
+          </a:lnRef>
+          <a:fillRef idx="1">
+            <a:schemeClr val="accent1"/>
+          </a:fillRef>
+          <a:effectRef idx="0">
+            <a:schemeClr val="accent1"/>
+          </a:effectRef>
+          <a:fontRef idx="minor">
+            <a:schemeClr val="lt1"/>
+          </a:fontRef>
+        </p:style>
+        <p:txBody>
+          <a:bodyPr rtlCol="0" anchor="ctr"/>
+          <a:lstStyle/>
+          <a:p>
+            <a:pPr algn="ctr"/>
+            <a:endParaRPr lang="zh-CN" altLang="en-US"/>
+          </a:p>
+        </p:txBody>
+      </p:sp>
+      <p:sp>
+        <p:nvSpPr>
+          <p:cNvPr id="46" name="矩形 45">
+            <a:extLst>
+              <a:ext uri="{FF2B5EF4-FFF2-40B4-BE49-F238E27FC236}">
+                <a16:creationId xmlns:a16="http://schemas.microsoft.com/office/drawing/2014/main" id="{D92163B6-6AAE-4B07-9B9B-431E61F5A0B1}"/>
+              </a:ext>
+            </a:extLst>
+          </p:cNvPr>
+          <p:cNvSpPr/>
+          <p:nvPr/>
+        </p:nvSpPr>
+        <p:spPr>
+          <a:xfrm>
+            <a:off x="3693135" y="3574034"/>
+            <a:ext cx="976544" cy="985422"/>
+          </a:xfrm>
+          <a:prstGeom prst="rect">
+            <a:avLst/>
+          </a:prstGeom>
+          <a:noFill/>
+        </p:spPr>
+        <p:style>
+          <a:lnRef idx="2">
+            <a:schemeClr val="accent1">
+              <a:shade val="50000"/>
+            </a:schemeClr>
+          </a:lnRef>
+          <a:fillRef idx="1">
+            <a:schemeClr val="accent1"/>
+          </a:fillRef>
+          <a:effectRef idx="0">
+            <a:schemeClr val="accent1"/>
+          </a:effectRef>
+          <a:fontRef idx="minor">
+            <a:schemeClr val="lt1"/>
+          </a:fontRef>
+        </p:style>
+        <p:txBody>
+          <a:bodyPr rtlCol="0" anchor="ctr"/>
+          <a:lstStyle/>
+          <a:p>
+            <a:pPr algn="ctr"/>
+            <a:endParaRPr lang="zh-CN" altLang="en-US"/>
+          </a:p>
+        </p:txBody>
+      </p:sp>
+      <p:sp>
+        <p:nvSpPr>
+          <p:cNvPr id="48" name="矩形 47">
+            <a:extLst>
+              <a:ext uri="{FF2B5EF4-FFF2-40B4-BE49-F238E27FC236}">
+                <a16:creationId xmlns:a16="http://schemas.microsoft.com/office/drawing/2014/main" id="{5EE9BD92-FDEF-45B6-BB2B-7B9E8804EBEA}"/>
+              </a:ext>
+            </a:extLst>
+          </p:cNvPr>
+          <p:cNvSpPr/>
+          <p:nvPr/>
+        </p:nvSpPr>
+        <p:spPr>
+          <a:xfrm>
+            <a:off x="7930723" y="3574034"/>
+            <a:ext cx="976544" cy="985422"/>
+          </a:xfrm>
+          <a:prstGeom prst="rect">
+            <a:avLst/>
+          </a:prstGeom>
+          <a:noFill/>
+        </p:spPr>
+        <p:style>
+          <a:lnRef idx="2">
+            <a:schemeClr val="accent1">
+              <a:shade val="50000"/>
+            </a:schemeClr>
+          </a:lnRef>
+          <a:fillRef idx="1">
+            <a:schemeClr val="accent1"/>
+          </a:fillRef>
+          <a:effectRef idx="0">
+            <a:schemeClr val="accent1"/>
+          </a:effectRef>
+          <a:fontRef idx="minor">
+            <a:schemeClr val="lt1"/>
+          </a:fontRef>
+        </p:style>
+        <p:txBody>
+          <a:bodyPr rtlCol="0" anchor="ctr"/>
+          <a:lstStyle/>
+          <a:p>
+            <a:pPr algn="ctr"/>
+            <a:endParaRPr lang="zh-CN" altLang="en-US"/>
+          </a:p>
+        </p:txBody>
+      </p:sp>
+      <p:sp>
+        <p:nvSpPr>
+          <p:cNvPr id="50" name="文本框 49">
+            <a:extLst>
+              <a:ext uri="{FF2B5EF4-FFF2-40B4-BE49-F238E27FC236}">
+                <a16:creationId xmlns:a16="http://schemas.microsoft.com/office/drawing/2014/main" id="{5CD2BA61-A44B-4D08-86F3-B5A4C4F56768}"/>
+              </a:ext>
+            </a:extLst>
+          </p:cNvPr>
+          <p:cNvSpPr txBox="1"/>
+          <p:nvPr/>
+        </p:nvSpPr>
+        <p:spPr>
+          <a:xfrm>
+            <a:off x="6006668" y="3835912"/>
+            <a:ext cx="399468" cy="461665"/>
+          </a:xfrm>
+          <a:prstGeom prst="rect">
+            <a:avLst/>
+          </a:prstGeom>
+          <a:noFill/>
+        </p:spPr>
+        <p:txBody>
+          <a:bodyPr wrap="none" rtlCol="0">
+            <a:spAutoFit/>
+          </a:bodyPr>
+          <a:lstStyle/>
+          <a:p>
+            <a:r>
+              <a:rPr lang="en-US" altLang="zh-CN" sz="2400" dirty="0"/>
+              <a:t>…</a:t>
+            </a:r>
+          </a:p>
+        </p:txBody>
+      </p:sp>
+      <p:sp>
+        <p:nvSpPr>
+          <p:cNvPr id="52" name="文本框 51">
+            <a:extLst>
+              <a:ext uri="{FF2B5EF4-FFF2-40B4-BE49-F238E27FC236}">
+                <a16:creationId xmlns:a16="http://schemas.microsoft.com/office/drawing/2014/main" id="{C14FF626-A8CA-4FC7-A19E-01BCA1811A2B}"/>
+              </a:ext>
+            </a:extLst>
+          </p:cNvPr>
+          <p:cNvSpPr txBox="1"/>
+          <p:nvPr/>
+        </p:nvSpPr>
+        <p:spPr>
+          <a:xfrm>
+            <a:off x="9843877" y="3835911"/>
+            <a:ext cx="399468" cy="461665"/>
+          </a:xfrm>
+          <a:prstGeom prst="rect">
+            <a:avLst/>
+          </a:prstGeom>
+          <a:noFill/>
+        </p:spPr>
+        <p:txBody>
+          <a:bodyPr wrap="none" rtlCol="0">
+            <a:spAutoFit/>
+          </a:bodyPr>
+          <a:lstStyle/>
+          <a:p>
+            <a:r>
+              <a:rPr lang="en-US" altLang="zh-CN" sz="2400" dirty="0"/>
+              <a:t>…</a:t>
+            </a:r>
+          </a:p>
+        </p:txBody>
+      </p:sp>
+      <p:grpSp>
+        <p:nvGrpSpPr>
+          <p:cNvPr id="65" name="组合 64">
+            <a:extLst>
+              <a:ext uri="{FF2B5EF4-FFF2-40B4-BE49-F238E27FC236}">
+                <a16:creationId xmlns:a16="http://schemas.microsoft.com/office/drawing/2014/main" id="{63E8982D-9F64-4391-9B8D-52B6EC92A561}"/>
+              </a:ext>
+            </a:extLst>
+          </p:cNvPr>
+          <p:cNvGrpSpPr/>
+          <p:nvPr/>
+        </p:nvGrpSpPr>
+        <p:grpSpPr>
+          <a:xfrm rot="10800000" flipH="1">
+            <a:off x="2840297" y="4644165"/>
+            <a:ext cx="3366105" cy="373414"/>
+            <a:chOff x="2607036" y="4349440"/>
+            <a:chExt cx="3204299" cy="373414"/>
+          </a:xfrm>
+        </p:grpSpPr>
+        <p:sp>
+          <p:nvSpPr>
+            <p:cNvPr id="53" name="箭头: 上弧形 52">
+              <a:extLst>
+                <a:ext uri="{FF2B5EF4-FFF2-40B4-BE49-F238E27FC236}">
+                  <a16:creationId xmlns:a16="http://schemas.microsoft.com/office/drawing/2014/main" id="{0B712237-D3BE-42D0-8147-16445E98A8FD}"/>
+                </a:ext>
+              </a:extLst>
+            </p:cNvPr>
+            <p:cNvSpPr/>
+            <p:nvPr/>
+          </p:nvSpPr>
+          <p:spPr>
+            <a:xfrm>
+              <a:off x="2615387" y="4443884"/>
+              <a:ext cx="1208974" cy="278970"/>
+            </a:xfrm>
+            <a:prstGeom prst="curvedDownArrow">
+              <a:avLst>
+                <a:gd name="adj1" fmla="val 0"/>
+                <a:gd name="adj2" fmla="val 66039"/>
+                <a:gd name="adj3" fmla="val 31365"/>
+              </a:avLst>
+            </a:prstGeom>
+          </p:spPr>
+          <p:style>
+            <a:lnRef idx="2">
+              <a:schemeClr val="accent1">
+                <a:shade val="50000"/>
+              </a:schemeClr>
+            </a:lnRef>
+            <a:fillRef idx="1">
+              <a:schemeClr val="accent1"/>
+            </a:fillRef>
+            <a:effectRef idx="0">
+              <a:schemeClr val="accent1"/>
+            </a:effectRef>
+            <a:fontRef idx="minor">
+              <a:schemeClr val="lt1"/>
+            </a:fontRef>
+          </p:style>
+          <p:txBody>
+            <a:bodyPr rtlCol="0" anchor="ctr"/>
+            <a:lstStyle/>
+            <a:p>
+              <a:pPr algn="ctr"/>
+              <a:endParaRPr lang="zh-CN" altLang="en-US">
+                <a:solidFill>
+                  <a:schemeClr val="tx1"/>
+                </a:solidFill>
+              </a:endParaRPr>
+            </a:p>
+          </p:txBody>
+        </p:sp>
+        <p:sp>
+          <p:nvSpPr>
+            <p:cNvPr id="55" name="箭头: 上弧形 54">
+              <a:extLst>
+                <a:ext uri="{FF2B5EF4-FFF2-40B4-BE49-F238E27FC236}">
+                  <a16:creationId xmlns:a16="http://schemas.microsoft.com/office/drawing/2014/main" id="{69250E8D-C816-4206-8CDC-372E9867A58B}"/>
+                </a:ext>
+              </a:extLst>
+            </p:cNvPr>
+            <p:cNvSpPr/>
+            <p:nvPr/>
+          </p:nvSpPr>
+          <p:spPr>
+            <a:xfrm>
+              <a:off x="2630245" y="4372150"/>
+              <a:ext cx="2545963" cy="307777"/>
+            </a:xfrm>
+            <a:prstGeom prst="curvedDownArrow">
+              <a:avLst>
+                <a:gd name="adj1" fmla="val 0"/>
+                <a:gd name="adj2" fmla="val 66039"/>
+                <a:gd name="adj3" fmla="val 31365"/>
+              </a:avLst>
+            </a:prstGeom>
+          </p:spPr>
+          <p:style>
+            <a:lnRef idx="2">
+              <a:schemeClr val="accent1">
+                <a:shade val="50000"/>
+              </a:schemeClr>
+            </a:lnRef>
+            <a:fillRef idx="1">
+              <a:schemeClr val="accent1"/>
+            </a:fillRef>
+            <a:effectRef idx="0">
+              <a:schemeClr val="accent1"/>
+            </a:effectRef>
+            <a:fontRef idx="minor">
+              <a:schemeClr val="lt1"/>
+            </a:fontRef>
+          </p:style>
+          <p:txBody>
+            <a:bodyPr rtlCol="0" anchor="ctr"/>
+            <a:lstStyle/>
+            <a:p>
+              <a:pPr algn="ctr"/>
+              <a:endParaRPr lang="zh-CN" altLang="en-US">
+                <a:solidFill>
+                  <a:schemeClr val="tx1"/>
+                </a:solidFill>
+              </a:endParaRPr>
+            </a:p>
+          </p:txBody>
+        </p:sp>
+        <p:sp>
+          <p:nvSpPr>
+            <p:cNvPr id="57" name="箭头: 上弧形 56">
+              <a:extLst>
+                <a:ext uri="{FF2B5EF4-FFF2-40B4-BE49-F238E27FC236}">
+                  <a16:creationId xmlns:a16="http://schemas.microsoft.com/office/drawing/2014/main" id="{5DBF4185-C5DB-4D9C-AAFA-8AB6B17091A1}"/>
+                </a:ext>
+              </a:extLst>
+            </p:cNvPr>
+            <p:cNvSpPr/>
+            <p:nvPr/>
+          </p:nvSpPr>
+          <p:spPr>
+            <a:xfrm>
+              <a:off x="2607036" y="4349440"/>
+              <a:ext cx="3204299" cy="353195"/>
+            </a:xfrm>
+            <a:prstGeom prst="curvedDownArrow">
+              <a:avLst>
+                <a:gd name="adj1" fmla="val 0"/>
+                <a:gd name="adj2" fmla="val 66039"/>
+                <a:gd name="adj3" fmla="val 31365"/>
+              </a:avLst>
+            </a:prstGeom>
+          </p:spPr>
+          <p:style>
+            <a:lnRef idx="2">
+              <a:schemeClr val="accent1">
+                <a:shade val="50000"/>
+              </a:schemeClr>
+            </a:lnRef>
+            <a:fillRef idx="1">
+              <a:schemeClr val="accent1"/>
+            </a:fillRef>
+            <a:effectRef idx="0">
+              <a:schemeClr val="accent1"/>
+            </a:effectRef>
+            <a:fontRef idx="minor">
+              <a:schemeClr val="lt1"/>
+            </a:fontRef>
+          </p:style>
+          <p:txBody>
+            <a:bodyPr rtlCol="0" anchor="ctr"/>
+            <a:lstStyle/>
+            <a:p>
+              <a:pPr algn="ctr"/>
+              <a:endParaRPr lang="zh-CN" altLang="en-US">
+                <a:solidFill>
+                  <a:schemeClr val="tx1"/>
+                </a:solidFill>
+              </a:endParaRPr>
+            </a:p>
+          </p:txBody>
+        </p:sp>
+      </p:grpSp>
+      <p:grpSp>
+        <p:nvGrpSpPr>
+          <p:cNvPr id="64" name="组合 63">
+            <a:extLst>
+              <a:ext uri="{FF2B5EF4-FFF2-40B4-BE49-F238E27FC236}">
+                <a16:creationId xmlns:a16="http://schemas.microsoft.com/office/drawing/2014/main" id="{5A6E8DFD-B28C-4D2D-AE0E-E8138C51583B}"/>
+              </a:ext>
+            </a:extLst>
+          </p:cNvPr>
+          <p:cNvGrpSpPr/>
+          <p:nvPr/>
+        </p:nvGrpSpPr>
+        <p:grpSpPr>
+          <a:xfrm>
+            <a:off x="4119093" y="3193173"/>
+            <a:ext cx="3204299" cy="373414"/>
+            <a:chOff x="3891622" y="4625709"/>
+            <a:chExt cx="3204299" cy="373414"/>
+          </a:xfrm>
+        </p:grpSpPr>
+        <p:sp>
+          <p:nvSpPr>
+            <p:cNvPr id="59" name="箭头: 上弧形 58">
+              <a:extLst>
+                <a:ext uri="{FF2B5EF4-FFF2-40B4-BE49-F238E27FC236}">
+                  <a16:creationId xmlns:a16="http://schemas.microsoft.com/office/drawing/2014/main" id="{F759A56C-ACEE-4F59-B577-321689F9EFA9}"/>
+                </a:ext>
+              </a:extLst>
+            </p:cNvPr>
+            <p:cNvSpPr/>
+            <p:nvPr/>
+          </p:nvSpPr>
+          <p:spPr>
+            <a:xfrm>
+              <a:off x="3899973" y="4720153"/>
+              <a:ext cx="1208974" cy="278970"/>
+            </a:xfrm>
+            <a:prstGeom prst="curvedDownArrow">
+              <a:avLst>
+                <a:gd name="adj1" fmla="val 0"/>
+                <a:gd name="adj2" fmla="val 66039"/>
+                <a:gd name="adj3" fmla="val 31365"/>
+              </a:avLst>
+            </a:prstGeom>
+          </p:spPr>
+          <p:style>
+            <a:lnRef idx="2">
+              <a:schemeClr val="accent1">
+                <a:shade val="50000"/>
+              </a:schemeClr>
+            </a:lnRef>
+            <a:fillRef idx="1">
+              <a:schemeClr val="accent1"/>
+            </a:fillRef>
+            <a:effectRef idx="0">
+              <a:schemeClr val="accent1"/>
+            </a:effectRef>
+            <a:fontRef idx="minor">
+              <a:schemeClr val="lt1"/>
+            </a:fontRef>
+          </p:style>
+          <p:txBody>
+            <a:bodyPr rtlCol="0" anchor="ctr"/>
+            <a:lstStyle/>
+            <a:p>
+              <a:pPr algn="ctr"/>
+              <a:endParaRPr lang="zh-CN" altLang="en-US">
+                <a:solidFill>
+                  <a:schemeClr val="tx1"/>
+                </a:solidFill>
+              </a:endParaRPr>
+            </a:p>
+          </p:txBody>
+        </p:sp>
+        <p:sp>
+          <p:nvSpPr>
+            <p:cNvPr id="61" name="箭头: 上弧形 60">
+              <a:extLst>
+                <a:ext uri="{FF2B5EF4-FFF2-40B4-BE49-F238E27FC236}">
+                  <a16:creationId xmlns:a16="http://schemas.microsoft.com/office/drawing/2014/main" id="{75D31D92-6B4E-4CA1-AA59-8A5A649BF300}"/>
+                </a:ext>
+              </a:extLst>
+            </p:cNvPr>
+            <p:cNvSpPr/>
+            <p:nvPr/>
+          </p:nvSpPr>
+          <p:spPr>
+            <a:xfrm>
+              <a:off x="3914831" y="4648419"/>
+              <a:ext cx="2545963" cy="307777"/>
+            </a:xfrm>
+            <a:prstGeom prst="curvedDownArrow">
+              <a:avLst>
+                <a:gd name="adj1" fmla="val 0"/>
+                <a:gd name="adj2" fmla="val 66039"/>
+                <a:gd name="adj3" fmla="val 31365"/>
+              </a:avLst>
+            </a:prstGeom>
+          </p:spPr>
+          <p:style>
+            <a:lnRef idx="2">
+              <a:schemeClr val="accent1">
+                <a:shade val="50000"/>
+              </a:schemeClr>
+            </a:lnRef>
+            <a:fillRef idx="1">
+              <a:schemeClr val="accent1"/>
+            </a:fillRef>
+            <a:effectRef idx="0">
+              <a:schemeClr val="accent1"/>
+            </a:effectRef>
+            <a:fontRef idx="minor">
+              <a:schemeClr val="lt1"/>
+            </a:fontRef>
+          </p:style>
+          <p:txBody>
+            <a:bodyPr rtlCol="0" anchor="ctr"/>
+            <a:lstStyle/>
+            <a:p>
+              <a:pPr algn="ctr"/>
+              <a:endParaRPr lang="zh-CN" altLang="en-US">
+                <a:solidFill>
+                  <a:schemeClr val="tx1"/>
+                </a:solidFill>
+              </a:endParaRPr>
+            </a:p>
+          </p:txBody>
+        </p:sp>
+        <p:sp>
+          <p:nvSpPr>
+            <p:cNvPr id="63" name="箭头: 上弧形 62">
+              <a:extLst>
+                <a:ext uri="{FF2B5EF4-FFF2-40B4-BE49-F238E27FC236}">
+                  <a16:creationId xmlns:a16="http://schemas.microsoft.com/office/drawing/2014/main" id="{6962269E-A590-4CDD-85A1-7238CC6CDF40}"/>
+                </a:ext>
+              </a:extLst>
+            </p:cNvPr>
+            <p:cNvSpPr/>
+            <p:nvPr/>
+          </p:nvSpPr>
+          <p:spPr>
+            <a:xfrm>
+              <a:off x="3891622" y="4625709"/>
+              <a:ext cx="3204299" cy="353195"/>
+            </a:xfrm>
+            <a:prstGeom prst="curvedDownArrow">
+              <a:avLst>
+                <a:gd name="adj1" fmla="val 0"/>
+                <a:gd name="adj2" fmla="val 66039"/>
+                <a:gd name="adj3" fmla="val 31365"/>
+              </a:avLst>
+            </a:prstGeom>
+          </p:spPr>
+          <p:style>
+            <a:lnRef idx="2">
+              <a:schemeClr val="accent1">
+                <a:shade val="50000"/>
+              </a:schemeClr>
+            </a:lnRef>
+            <a:fillRef idx="1">
+              <a:schemeClr val="accent1"/>
+            </a:fillRef>
+            <a:effectRef idx="0">
+              <a:schemeClr val="accent1"/>
+            </a:effectRef>
+            <a:fontRef idx="minor">
+              <a:schemeClr val="lt1"/>
+            </a:fontRef>
+          </p:style>
+          <p:txBody>
+            <a:bodyPr rtlCol="0" anchor="ctr"/>
+            <a:lstStyle/>
+            <a:p>
+              <a:pPr algn="ctr"/>
+              <a:endParaRPr lang="zh-CN" altLang="en-US">
+                <a:solidFill>
+                  <a:schemeClr val="tx1"/>
+                </a:solidFill>
+              </a:endParaRPr>
+            </a:p>
+          </p:txBody>
+        </p:sp>
+      </p:grpSp>
+      <p:sp>
+        <p:nvSpPr>
+          <p:cNvPr id="66" name="文本框 65">
+            <a:extLst>
+              <a:ext uri="{FF2B5EF4-FFF2-40B4-BE49-F238E27FC236}">
+                <a16:creationId xmlns:a16="http://schemas.microsoft.com/office/drawing/2014/main" id="{BBEEF6B0-AC80-4302-A469-044194B16E94}"/>
+              </a:ext>
+            </a:extLst>
+          </p:cNvPr>
+          <p:cNvSpPr txBox="1"/>
+          <p:nvPr/>
+        </p:nvSpPr>
+        <p:spPr>
+          <a:xfrm>
+            <a:off x="2251852" y="5476151"/>
+            <a:ext cx="5261377" cy="646331"/>
+          </a:xfrm>
+          <a:prstGeom prst="rect">
+            <a:avLst/>
+          </a:prstGeom>
+          <a:noFill/>
+        </p:spPr>
+        <p:txBody>
+          <a:bodyPr wrap="none" rtlCol="0">
+            <a:spAutoFit/>
+          </a:bodyPr>
+          <a:lstStyle/>
+          <a:p>
+            <a:r>
+              <a:rPr lang="en-US" altLang="zh-CN" dirty="0"/>
+              <a:t>Save the result of each exposure pair, exposure [</a:t>
+            </a:r>
+            <a:r>
+              <a:rPr lang="en-US" altLang="zh-CN" dirty="0" err="1"/>
+              <a:t>i</a:t>
+            </a:r>
+            <a:r>
+              <a:rPr lang="en-US" altLang="zh-CN" dirty="0"/>
+              <a:t>, j]</a:t>
+            </a:r>
+          </a:p>
+          <a:p>
+            <a:r>
+              <a:rPr lang="en-US" altLang="zh-CN" dirty="0"/>
+              <a:t>Total 1117 exposures, ~45000 exposure pairs</a:t>
+            </a:r>
+            <a:endParaRPr lang="zh-CN" altLang="en-US" dirty="0"/>
+          </a:p>
+        </p:txBody>
+      </p:sp>
     </p:spTree>
     <p:extLst>
       <p:ext uri="{BB962C8B-B14F-4D97-AF65-F5344CB8AC3E}">
@@ -3428,6 +5000,1713 @@
           <a:chExt cx="0" cy="0"/>
         </a:xfrm>
       </p:grpSpPr>
+      <p:grpSp>
+        <p:nvGrpSpPr>
+          <p:cNvPr id="33" name="组合 32">
+            <a:extLst>
+              <a:ext uri="{FF2B5EF4-FFF2-40B4-BE49-F238E27FC236}">
+                <a16:creationId xmlns:a16="http://schemas.microsoft.com/office/drawing/2014/main" id="{2636CF98-BC28-4955-ABF3-74CED3C777F8}"/>
+              </a:ext>
+            </a:extLst>
+          </p:cNvPr>
+          <p:cNvGrpSpPr/>
+          <p:nvPr/>
+        </p:nvGrpSpPr>
+        <p:grpSpPr>
+          <a:xfrm>
+            <a:off x="838270" y="1430966"/>
+            <a:ext cx="2890523" cy="678352"/>
+            <a:chOff x="2774280" y="919629"/>
+            <a:chExt cx="2890523" cy="678352"/>
+          </a:xfrm>
+        </p:grpSpPr>
+        <p:sp>
+          <p:nvSpPr>
+            <p:cNvPr id="16" name="矩形 15">
+              <a:extLst>
+                <a:ext uri="{FF2B5EF4-FFF2-40B4-BE49-F238E27FC236}">
+                  <a16:creationId xmlns:a16="http://schemas.microsoft.com/office/drawing/2014/main" id="{EBC2A4D8-9613-40BC-80EA-CE1818734DA4}"/>
+                </a:ext>
+              </a:extLst>
+            </p:cNvPr>
+            <p:cNvSpPr/>
+            <p:nvPr/>
+          </p:nvSpPr>
+          <p:spPr>
+            <a:xfrm>
+              <a:off x="2774280" y="919629"/>
+              <a:ext cx="448919" cy="339176"/>
+            </a:xfrm>
+            <a:prstGeom prst="rect">
+              <a:avLst/>
+            </a:prstGeom>
+            <a:noFill/>
+          </p:spPr>
+          <p:style>
+            <a:lnRef idx="2">
+              <a:schemeClr val="accent1">
+                <a:shade val="50000"/>
+              </a:schemeClr>
+            </a:lnRef>
+            <a:fillRef idx="1">
+              <a:schemeClr val="accent1"/>
+            </a:fillRef>
+            <a:effectRef idx="0">
+              <a:schemeClr val="accent1"/>
+            </a:effectRef>
+            <a:fontRef idx="minor">
+              <a:schemeClr val="lt1"/>
+            </a:fontRef>
+          </p:style>
+          <p:txBody>
+            <a:bodyPr rtlCol="0" anchor="ctr"/>
+            <a:lstStyle/>
+            <a:p>
+              <a:pPr algn="ctr"/>
+              <a:r>
+                <a:rPr lang="en-US" altLang="zh-CN" dirty="0">
+                  <a:solidFill>
+                    <a:schemeClr val="tx1"/>
+                  </a:solidFill>
+                </a:rPr>
+                <a:t>1</a:t>
+              </a:r>
+              <a:endParaRPr lang="zh-CN" altLang="en-US" dirty="0">
+                <a:solidFill>
+                  <a:schemeClr val="tx1"/>
+                </a:solidFill>
+              </a:endParaRPr>
+            </a:p>
+          </p:txBody>
+        </p:sp>
+        <p:sp>
+          <p:nvSpPr>
+            <p:cNvPr id="17" name="矩形 16">
+              <a:extLst>
+                <a:ext uri="{FF2B5EF4-FFF2-40B4-BE49-F238E27FC236}">
+                  <a16:creationId xmlns:a16="http://schemas.microsoft.com/office/drawing/2014/main" id="{D62A60DD-1928-420D-A36A-AAAE2E576981}"/>
+                </a:ext>
+              </a:extLst>
+            </p:cNvPr>
+            <p:cNvSpPr/>
+            <p:nvPr/>
+          </p:nvSpPr>
+          <p:spPr>
+            <a:xfrm>
+              <a:off x="3223199" y="919629"/>
+              <a:ext cx="448919" cy="339176"/>
+            </a:xfrm>
+            <a:prstGeom prst="rect">
+              <a:avLst/>
+            </a:prstGeom>
+            <a:noFill/>
+          </p:spPr>
+          <p:style>
+            <a:lnRef idx="2">
+              <a:schemeClr val="accent1">
+                <a:shade val="50000"/>
+              </a:schemeClr>
+            </a:lnRef>
+            <a:fillRef idx="1">
+              <a:schemeClr val="accent1"/>
+            </a:fillRef>
+            <a:effectRef idx="0">
+              <a:schemeClr val="accent1"/>
+            </a:effectRef>
+            <a:fontRef idx="minor">
+              <a:schemeClr val="lt1"/>
+            </a:fontRef>
+          </p:style>
+          <p:txBody>
+            <a:bodyPr rtlCol="0" anchor="ctr"/>
+            <a:lstStyle/>
+            <a:p>
+              <a:pPr algn="ctr"/>
+              <a:r>
+                <a:rPr lang="en-US" altLang="zh-CN" dirty="0">
+                  <a:solidFill>
+                    <a:schemeClr val="tx1"/>
+                  </a:solidFill>
+                </a:rPr>
+                <a:t>1</a:t>
+              </a:r>
+              <a:endParaRPr lang="zh-CN" altLang="en-US" dirty="0">
+                <a:solidFill>
+                  <a:schemeClr val="tx1"/>
+                </a:solidFill>
+              </a:endParaRPr>
+            </a:p>
+          </p:txBody>
+        </p:sp>
+        <p:sp>
+          <p:nvSpPr>
+            <p:cNvPr id="18" name="矩形 17">
+              <a:extLst>
+                <a:ext uri="{FF2B5EF4-FFF2-40B4-BE49-F238E27FC236}">
+                  <a16:creationId xmlns:a16="http://schemas.microsoft.com/office/drawing/2014/main" id="{9E2B99B0-953F-40E3-A5B1-B53CAC3F4FD6}"/>
+                </a:ext>
+              </a:extLst>
+            </p:cNvPr>
+            <p:cNvSpPr/>
+            <p:nvPr/>
+          </p:nvSpPr>
+          <p:spPr>
+            <a:xfrm>
+              <a:off x="3672117" y="919629"/>
+              <a:ext cx="448919" cy="339176"/>
+            </a:xfrm>
+            <a:prstGeom prst="rect">
+              <a:avLst/>
+            </a:prstGeom>
+            <a:noFill/>
+          </p:spPr>
+          <p:style>
+            <a:lnRef idx="2">
+              <a:schemeClr val="accent1">
+                <a:shade val="50000"/>
+              </a:schemeClr>
+            </a:lnRef>
+            <a:fillRef idx="1">
+              <a:schemeClr val="accent1"/>
+            </a:fillRef>
+            <a:effectRef idx="0">
+              <a:schemeClr val="accent1"/>
+            </a:effectRef>
+            <a:fontRef idx="minor">
+              <a:schemeClr val="lt1"/>
+            </a:fontRef>
+          </p:style>
+          <p:txBody>
+            <a:bodyPr rtlCol="0" anchor="ctr"/>
+            <a:lstStyle/>
+            <a:p>
+              <a:pPr algn="ctr"/>
+              <a:r>
+                <a:rPr lang="en-US" altLang="zh-CN" dirty="0">
+                  <a:solidFill>
+                    <a:schemeClr val="tx1"/>
+                  </a:solidFill>
+                </a:rPr>
+                <a:t>1</a:t>
+              </a:r>
+              <a:endParaRPr lang="zh-CN" altLang="en-US" dirty="0">
+                <a:solidFill>
+                  <a:schemeClr val="tx1"/>
+                </a:solidFill>
+              </a:endParaRPr>
+            </a:p>
+          </p:txBody>
+        </p:sp>
+        <p:sp>
+          <p:nvSpPr>
+            <p:cNvPr id="19" name="矩形 18">
+              <a:extLst>
+                <a:ext uri="{FF2B5EF4-FFF2-40B4-BE49-F238E27FC236}">
+                  <a16:creationId xmlns:a16="http://schemas.microsoft.com/office/drawing/2014/main" id="{F8F9ACED-0FDC-4CD1-9DB6-D66E8B184738}"/>
+                </a:ext>
+              </a:extLst>
+            </p:cNvPr>
+            <p:cNvSpPr/>
+            <p:nvPr/>
+          </p:nvSpPr>
+          <p:spPr>
+            <a:xfrm>
+              <a:off x="2774280" y="1258805"/>
+              <a:ext cx="448919" cy="339176"/>
+            </a:xfrm>
+            <a:prstGeom prst="rect">
+              <a:avLst/>
+            </a:prstGeom>
+            <a:noFill/>
+          </p:spPr>
+          <p:style>
+            <a:lnRef idx="2">
+              <a:schemeClr val="accent1">
+                <a:shade val="50000"/>
+              </a:schemeClr>
+            </a:lnRef>
+            <a:fillRef idx="1">
+              <a:schemeClr val="accent1"/>
+            </a:fillRef>
+            <a:effectRef idx="0">
+              <a:schemeClr val="accent1"/>
+            </a:effectRef>
+            <a:fontRef idx="minor">
+              <a:schemeClr val="lt1"/>
+            </a:fontRef>
+          </p:style>
+          <p:txBody>
+            <a:bodyPr rtlCol="0" anchor="ctr"/>
+            <a:lstStyle/>
+            <a:p>
+              <a:pPr algn="ctr"/>
+              <a:r>
+                <a:rPr lang="en-US" altLang="zh-CN" dirty="0">
+                  <a:solidFill>
+                    <a:schemeClr val="tx1"/>
+                  </a:solidFill>
+                </a:rPr>
+                <a:t>2</a:t>
+              </a:r>
+              <a:endParaRPr lang="zh-CN" altLang="en-US" dirty="0">
+                <a:solidFill>
+                  <a:schemeClr val="tx1"/>
+                </a:solidFill>
+              </a:endParaRPr>
+            </a:p>
+          </p:txBody>
+        </p:sp>
+        <p:sp>
+          <p:nvSpPr>
+            <p:cNvPr id="20" name="矩形 19">
+              <a:extLst>
+                <a:ext uri="{FF2B5EF4-FFF2-40B4-BE49-F238E27FC236}">
+                  <a16:creationId xmlns:a16="http://schemas.microsoft.com/office/drawing/2014/main" id="{F09BD3FD-3B4E-42FB-8BE8-96F86B80F8AC}"/>
+                </a:ext>
+              </a:extLst>
+            </p:cNvPr>
+            <p:cNvSpPr/>
+            <p:nvPr/>
+          </p:nvSpPr>
+          <p:spPr>
+            <a:xfrm>
+              <a:off x="3223199" y="1258805"/>
+              <a:ext cx="448919" cy="339176"/>
+            </a:xfrm>
+            <a:prstGeom prst="rect">
+              <a:avLst/>
+            </a:prstGeom>
+            <a:noFill/>
+          </p:spPr>
+          <p:style>
+            <a:lnRef idx="2">
+              <a:schemeClr val="accent1">
+                <a:shade val="50000"/>
+              </a:schemeClr>
+            </a:lnRef>
+            <a:fillRef idx="1">
+              <a:schemeClr val="accent1"/>
+            </a:fillRef>
+            <a:effectRef idx="0">
+              <a:schemeClr val="accent1"/>
+            </a:effectRef>
+            <a:fontRef idx="minor">
+              <a:schemeClr val="lt1"/>
+            </a:fontRef>
+          </p:style>
+          <p:txBody>
+            <a:bodyPr rtlCol="0" anchor="ctr"/>
+            <a:lstStyle/>
+            <a:p>
+              <a:pPr algn="ctr"/>
+              <a:r>
+                <a:rPr lang="en-US" altLang="zh-CN" dirty="0">
+                  <a:solidFill>
+                    <a:schemeClr val="tx1"/>
+                  </a:solidFill>
+                </a:rPr>
+                <a:t>3</a:t>
+              </a:r>
+              <a:endParaRPr lang="zh-CN" altLang="en-US" dirty="0">
+                <a:solidFill>
+                  <a:schemeClr val="tx1"/>
+                </a:solidFill>
+              </a:endParaRPr>
+            </a:p>
+          </p:txBody>
+        </p:sp>
+        <p:sp>
+          <p:nvSpPr>
+            <p:cNvPr id="21" name="矩形 20">
+              <a:extLst>
+                <a:ext uri="{FF2B5EF4-FFF2-40B4-BE49-F238E27FC236}">
+                  <a16:creationId xmlns:a16="http://schemas.microsoft.com/office/drawing/2014/main" id="{64FE93DD-66A8-44C2-A50F-A7B7E5A49DC1}"/>
+                </a:ext>
+              </a:extLst>
+            </p:cNvPr>
+            <p:cNvSpPr/>
+            <p:nvPr/>
+          </p:nvSpPr>
+          <p:spPr>
+            <a:xfrm>
+              <a:off x="3672117" y="1258805"/>
+              <a:ext cx="448919" cy="339176"/>
+            </a:xfrm>
+            <a:prstGeom prst="rect">
+              <a:avLst/>
+            </a:prstGeom>
+            <a:noFill/>
+          </p:spPr>
+          <p:style>
+            <a:lnRef idx="2">
+              <a:schemeClr val="accent1">
+                <a:shade val="50000"/>
+              </a:schemeClr>
+            </a:lnRef>
+            <a:fillRef idx="1">
+              <a:schemeClr val="accent1"/>
+            </a:fillRef>
+            <a:effectRef idx="0">
+              <a:schemeClr val="accent1"/>
+            </a:effectRef>
+            <a:fontRef idx="minor">
+              <a:schemeClr val="lt1"/>
+            </a:fontRef>
+          </p:style>
+          <p:txBody>
+            <a:bodyPr rtlCol="0" anchor="ctr"/>
+            <a:lstStyle/>
+            <a:p>
+              <a:pPr algn="ctr"/>
+              <a:r>
+                <a:rPr lang="en-US" altLang="zh-CN" dirty="0">
+                  <a:solidFill>
+                    <a:schemeClr val="tx1"/>
+                  </a:solidFill>
+                </a:rPr>
+                <a:t>4</a:t>
+              </a:r>
+              <a:endParaRPr lang="zh-CN" altLang="en-US" dirty="0">
+                <a:solidFill>
+                  <a:schemeClr val="tx1"/>
+                </a:solidFill>
+              </a:endParaRPr>
+            </a:p>
+          </p:txBody>
+        </p:sp>
+        <p:sp>
+          <p:nvSpPr>
+            <p:cNvPr id="22" name="矩形 21">
+              <a:extLst>
+                <a:ext uri="{FF2B5EF4-FFF2-40B4-BE49-F238E27FC236}">
+                  <a16:creationId xmlns:a16="http://schemas.microsoft.com/office/drawing/2014/main" id="{41241463-BFC4-4FCB-921A-5BB57DB21743}"/>
+                </a:ext>
+              </a:extLst>
+            </p:cNvPr>
+            <p:cNvSpPr/>
+            <p:nvPr/>
+          </p:nvSpPr>
+          <p:spPr>
+            <a:xfrm>
+              <a:off x="4121036" y="919629"/>
+              <a:ext cx="448919" cy="339176"/>
+            </a:xfrm>
+            <a:prstGeom prst="rect">
+              <a:avLst/>
+            </a:prstGeom>
+            <a:noFill/>
+          </p:spPr>
+          <p:style>
+            <a:lnRef idx="2">
+              <a:schemeClr val="accent1">
+                <a:shade val="50000"/>
+              </a:schemeClr>
+            </a:lnRef>
+            <a:fillRef idx="1">
+              <a:schemeClr val="accent1"/>
+            </a:fillRef>
+            <a:effectRef idx="0">
+              <a:schemeClr val="accent1"/>
+            </a:effectRef>
+            <a:fontRef idx="minor">
+              <a:schemeClr val="lt1"/>
+            </a:fontRef>
+          </p:style>
+          <p:txBody>
+            <a:bodyPr rtlCol="0" anchor="ctr"/>
+            <a:lstStyle/>
+            <a:p>
+              <a:pPr algn="ctr"/>
+              <a:r>
+                <a:rPr lang="en-US" altLang="zh-CN" dirty="0">
+                  <a:solidFill>
+                    <a:schemeClr val="tx1"/>
+                  </a:solidFill>
+                </a:rPr>
+                <a:t>.</a:t>
+              </a:r>
+              <a:endParaRPr lang="zh-CN" altLang="en-US" dirty="0">
+                <a:solidFill>
+                  <a:schemeClr val="tx1"/>
+                </a:solidFill>
+              </a:endParaRPr>
+            </a:p>
+          </p:txBody>
+        </p:sp>
+        <p:sp>
+          <p:nvSpPr>
+            <p:cNvPr id="23" name="矩形 22">
+              <a:extLst>
+                <a:ext uri="{FF2B5EF4-FFF2-40B4-BE49-F238E27FC236}">
+                  <a16:creationId xmlns:a16="http://schemas.microsoft.com/office/drawing/2014/main" id="{9E4073D8-7E90-46EF-8568-DA4179661DF2}"/>
+                </a:ext>
+              </a:extLst>
+            </p:cNvPr>
+            <p:cNvSpPr/>
+            <p:nvPr/>
+          </p:nvSpPr>
+          <p:spPr>
+            <a:xfrm>
+              <a:off x="4569955" y="919629"/>
+              <a:ext cx="448919" cy="339176"/>
+            </a:xfrm>
+            <a:prstGeom prst="rect">
+              <a:avLst/>
+            </a:prstGeom>
+            <a:noFill/>
+          </p:spPr>
+          <p:style>
+            <a:lnRef idx="2">
+              <a:schemeClr val="accent1">
+                <a:shade val="50000"/>
+              </a:schemeClr>
+            </a:lnRef>
+            <a:fillRef idx="1">
+              <a:schemeClr val="accent1"/>
+            </a:fillRef>
+            <a:effectRef idx="0">
+              <a:schemeClr val="accent1"/>
+            </a:effectRef>
+            <a:fontRef idx="minor">
+              <a:schemeClr val="lt1"/>
+            </a:fontRef>
+          </p:style>
+          <p:txBody>
+            <a:bodyPr rtlCol="0" anchor="ctr"/>
+            <a:lstStyle/>
+            <a:p>
+              <a:pPr algn="ctr"/>
+              <a:r>
+                <a:rPr lang="en-US" altLang="zh-CN" dirty="0">
+                  <a:solidFill>
+                    <a:schemeClr val="tx1"/>
+                  </a:solidFill>
+                </a:rPr>
+                <a:t>.</a:t>
+              </a:r>
+              <a:endParaRPr lang="zh-CN" altLang="en-US" dirty="0">
+                <a:solidFill>
+                  <a:schemeClr val="tx1"/>
+                </a:solidFill>
+              </a:endParaRPr>
+            </a:p>
+          </p:txBody>
+        </p:sp>
+        <p:sp>
+          <p:nvSpPr>
+            <p:cNvPr id="25" name="矩形 24">
+              <a:extLst>
+                <a:ext uri="{FF2B5EF4-FFF2-40B4-BE49-F238E27FC236}">
+                  <a16:creationId xmlns:a16="http://schemas.microsoft.com/office/drawing/2014/main" id="{54C72F00-56A0-466F-87E7-A6C2D0B574B6}"/>
+                </a:ext>
+              </a:extLst>
+            </p:cNvPr>
+            <p:cNvSpPr/>
+            <p:nvPr/>
+          </p:nvSpPr>
+          <p:spPr>
+            <a:xfrm>
+              <a:off x="4119674" y="1258805"/>
+              <a:ext cx="448919" cy="339176"/>
+            </a:xfrm>
+            <a:prstGeom prst="rect">
+              <a:avLst/>
+            </a:prstGeom>
+            <a:noFill/>
+          </p:spPr>
+          <p:style>
+            <a:lnRef idx="2">
+              <a:schemeClr val="accent1">
+                <a:shade val="50000"/>
+              </a:schemeClr>
+            </a:lnRef>
+            <a:fillRef idx="1">
+              <a:schemeClr val="accent1"/>
+            </a:fillRef>
+            <a:effectRef idx="0">
+              <a:schemeClr val="accent1"/>
+            </a:effectRef>
+            <a:fontRef idx="minor">
+              <a:schemeClr val="lt1"/>
+            </a:fontRef>
+          </p:style>
+          <p:txBody>
+            <a:bodyPr rtlCol="0" anchor="ctr"/>
+            <a:lstStyle/>
+            <a:p>
+              <a:pPr algn="ctr"/>
+              <a:r>
+                <a:rPr lang="en-US" altLang="zh-CN" dirty="0">
+                  <a:solidFill>
+                    <a:schemeClr val="tx1"/>
+                  </a:solidFill>
+                </a:rPr>
+                <a:t>.</a:t>
+              </a:r>
+              <a:endParaRPr lang="zh-CN" altLang="en-US" dirty="0">
+                <a:solidFill>
+                  <a:schemeClr val="tx1"/>
+                </a:solidFill>
+              </a:endParaRPr>
+            </a:p>
+          </p:txBody>
+        </p:sp>
+        <p:sp>
+          <p:nvSpPr>
+            <p:cNvPr id="26" name="矩形 25">
+              <a:extLst>
+                <a:ext uri="{FF2B5EF4-FFF2-40B4-BE49-F238E27FC236}">
+                  <a16:creationId xmlns:a16="http://schemas.microsoft.com/office/drawing/2014/main" id="{D1A6D0C4-01BC-4DF1-A674-C6B73B7E07BD}"/>
+                </a:ext>
+              </a:extLst>
+            </p:cNvPr>
+            <p:cNvSpPr/>
+            <p:nvPr/>
+          </p:nvSpPr>
+          <p:spPr>
+            <a:xfrm>
+              <a:off x="4568593" y="1258805"/>
+              <a:ext cx="448919" cy="339176"/>
+            </a:xfrm>
+            <a:prstGeom prst="rect">
+              <a:avLst/>
+            </a:prstGeom>
+            <a:noFill/>
+          </p:spPr>
+          <p:style>
+            <a:lnRef idx="2">
+              <a:schemeClr val="accent1">
+                <a:shade val="50000"/>
+              </a:schemeClr>
+            </a:lnRef>
+            <a:fillRef idx="1">
+              <a:schemeClr val="accent1"/>
+            </a:fillRef>
+            <a:effectRef idx="0">
+              <a:schemeClr val="accent1"/>
+            </a:effectRef>
+            <a:fontRef idx="minor">
+              <a:schemeClr val="lt1"/>
+            </a:fontRef>
+          </p:style>
+          <p:txBody>
+            <a:bodyPr rtlCol="0" anchor="ctr"/>
+            <a:lstStyle/>
+            <a:p>
+              <a:pPr algn="ctr"/>
+              <a:r>
+                <a:rPr lang="en-US" altLang="zh-CN" dirty="0">
+                  <a:solidFill>
+                    <a:schemeClr val="tx1"/>
+                  </a:solidFill>
+                </a:rPr>
+                <a:t>.</a:t>
+              </a:r>
+              <a:endParaRPr lang="zh-CN" altLang="en-US" dirty="0">
+                <a:solidFill>
+                  <a:schemeClr val="tx1"/>
+                </a:solidFill>
+              </a:endParaRPr>
+            </a:p>
+          </p:txBody>
+        </p:sp>
+        <p:sp>
+          <p:nvSpPr>
+            <p:cNvPr id="31" name="文本框 30">
+              <a:extLst>
+                <a:ext uri="{FF2B5EF4-FFF2-40B4-BE49-F238E27FC236}">
+                  <a16:creationId xmlns:a16="http://schemas.microsoft.com/office/drawing/2014/main" id="{1667975C-14FC-4F71-82CB-ECAAD1DCF126}"/>
+                </a:ext>
+              </a:extLst>
+            </p:cNvPr>
+            <p:cNvSpPr txBox="1"/>
+            <p:nvPr/>
+          </p:nvSpPr>
+          <p:spPr>
+            <a:xfrm>
+              <a:off x="5265335" y="1027972"/>
+              <a:ext cx="399468" cy="461665"/>
+            </a:xfrm>
+            <a:prstGeom prst="rect">
+              <a:avLst/>
+            </a:prstGeom>
+            <a:noFill/>
+          </p:spPr>
+          <p:txBody>
+            <a:bodyPr wrap="none" rtlCol="0">
+              <a:spAutoFit/>
+            </a:bodyPr>
+            <a:lstStyle/>
+            <a:p>
+              <a:r>
+                <a:rPr lang="en-US" altLang="zh-CN" sz="2400" dirty="0"/>
+                <a:t>…</a:t>
+              </a:r>
+            </a:p>
+          </p:txBody>
+        </p:sp>
+      </p:grpSp>
+      <p:sp>
+        <p:nvSpPr>
+          <p:cNvPr id="32" name="文本框 31">
+            <a:extLst>
+              <a:ext uri="{FF2B5EF4-FFF2-40B4-BE49-F238E27FC236}">
+                <a16:creationId xmlns:a16="http://schemas.microsoft.com/office/drawing/2014/main" id="{8AB5336A-26D3-44F4-B2C8-346E18555E2F}"/>
+              </a:ext>
+            </a:extLst>
+          </p:cNvPr>
+          <p:cNvSpPr txBox="1"/>
+          <p:nvPr/>
+        </p:nvSpPr>
+        <p:spPr>
+          <a:xfrm>
+            <a:off x="1970709" y="989048"/>
+            <a:ext cx="1717137" cy="307777"/>
+          </a:xfrm>
+          <a:prstGeom prst="rect">
+            <a:avLst/>
+          </a:prstGeom>
+          <a:noFill/>
+        </p:spPr>
+        <p:txBody>
+          <a:bodyPr wrap="none" rtlCol="0">
+            <a:spAutoFit/>
+          </a:bodyPr>
+          <a:lstStyle/>
+          <a:p>
+            <a:r>
+              <a:rPr lang="en-US" altLang="zh-CN" sz="1400" dirty="0"/>
+              <a:t>Exposure pair labels</a:t>
+            </a:r>
+            <a:endParaRPr lang="zh-CN" altLang="en-US" sz="1400" dirty="0"/>
+          </a:p>
+        </p:txBody>
+      </p:sp>
+      <p:sp>
+        <p:nvSpPr>
+          <p:cNvPr id="35" name="文本框 34">
+            <a:extLst>
+              <a:ext uri="{FF2B5EF4-FFF2-40B4-BE49-F238E27FC236}">
+                <a16:creationId xmlns:a16="http://schemas.microsoft.com/office/drawing/2014/main" id="{5961882F-7EC5-4F0F-8FF6-C181FD8AE2C8}"/>
+              </a:ext>
+            </a:extLst>
+          </p:cNvPr>
+          <p:cNvSpPr txBox="1"/>
+          <p:nvPr/>
+        </p:nvSpPr>
+        <p:spPr>
+          <a:xfrm>
+            <a:off x="4076371" y="1633007"/>
+            <a:ext cx="792205" cy="369332"/>
+          </a:xfrm>
+          <a:prstGeom prst="rect">
+            <a:avLst/>
+          </a:prstGeom>
+          <a:noFill/>
+        </p:spPr>
+        <p:txBody>
+          <a:bodyPr wrap="none" rtlCol="0">
+            <a:spAutoFit/>
+          </a:bodyPr>
+          <a:lstStyle/>
+          <a:p>
+            <a:r>
+              <a:rPr lang="en-US" altLang="zh-CN" dirty="0"/>
+              <a:t>CPU 0</a:t>
+            </a:r>
+            <a:endParaRPr lang="zh-CN" altLang="en-US" dirty="0"/>
+          </a:p>
+        </p:txBody>
+      </p:sp>
+      <p:sp>
+        <p:nvSpPr>
+          <p:cNvPr id="37" name="文本框 36">
+            <a:extLst>
+              <a:ext uri="{FF2B5EF4-FFF2-40B4-BE49-F238E27FC236}">
+                <a16:creationId xmlns:a16="http://schemas.microsoft.com/office/drawing/2014/main" id="{08C00F9F-1484-46B5-9492-A9BF5E4E582F}"/>
+              </a:ext>
+            </a:extLst>
+          </p:cNvPr>
+          <p:cNvSpPr txBox="1"/>
+          <p:nvPr/>
+        </p:nvSpPr>
+        <p:spPr>
+          <a:xfrm>
+            <a:off x="7659921" y="1615632"/>
+            <a:ext cx="721672" cy="369332"/>
+          </a:xfrm>
+          <a:prstGeom prst="rect">
+            <a:avLst/>
+          </a:prstGeom>
+          <a:noFill/>
+        </p:spPr>
+        <p:txBody>
+          <a:bodyPr wrap="none" rtlCol="0">
+            <a:spAutoFit/>
+          </a:bodyPr>
+          <a:lstStyle/>
+          <a:p>
+            <a:r>
+              <a:rPr lang="en-US" altLang="zh-CN" dirty="0"/>
+              <a:t>CPU j</a:t>
+            </a:r>
+            <a:endParaRPr lang="zh-CN" altLang="en-US" dirty="0"/>
+          </a:p>
+        </p:txBody>
+      </p:sp>
+      <p:sp>
+        <p:nvSpPr>
+          <p:cNvPr id="39" name="文本框 38">
+            <a:extLst>
+              <a:ext uri="{FF2B5EF4-FFF2-40B4-BE49-F238E27FC236}">
+                <a16:creationId xmlns:a16="http://schemas.microsoft.com/office/drawing/2014/main" id="{0AFC5CCD-D89A-493D-BEE4-C9237105E43D}"/>
+              </a:ext>
+            </a:extLst>
+          </p:cNvPr>
+          <p:cNvSpPr txBox="1"/>
+          <p:nvPr/>
+        </p:nvSpPr>
+        <p:spPr>
+          <a:xfrm>
+            <a:off x="5581232" y="4298259"/>
+            <a:ext cx="721672" cy="369332"/>
+          </a:xfrm>
+          <a:prstGeom prst="rect">
+            <a:avLst/>
+          </a:prstGeom>
+          <a:noFill/>
+        </p:spPr>
+        <p:txBody>
+          <a:bodyPr wrap="none" rtlCol="0">
+            <a:spAutoFit/>
+          </a:bodyPr>
+          <a:lstStyle/>
+          <a:p>
+            <a:r>
+              <a:rPr lang="en-US" altLang="zh-CN" dirty="0"/>
+              <a:t>CPU </a:t>
+            </a:r>
+            <a:r>
+              <a:rPr lang="en-US" altLang="zh-CN" dirty="0" err="1"/>
+              <a:t>i</a:t>
+            </a:r>
+            <a:endParaRPr lang="zh-CN" altLang="en-US" dirty="0"/>
+          </a:p>
+        </p:txBody>
+      </p:sp>
+      <p:sp>
+        <p:nvSpPr>
+          <p:cNvPr id="40" name="箭头: 上弧形 39">
+            <a:extLst>
+              <a:ext uri="{FF2B5EF4-FFF2-40B4-BE49-F238E27FC236}">
+                <a16:creationId xmlns:a16="http://schemas.microsoft.com/office/drawing/2014/main" id="{19AE51E2-8A41-4322-981E-A20DB6ECC8B2}"/>
+              </a:ext>
+            </a:extLst>
+          </p:cNvPr>
+          <p:cNvSpPr/>
+          <p:nvPr/>
+        </p:nvSpPr>
+        <p:spPr>
+          <a:xfrm>
+            <a:off x="4582613" y="1246300"/>
+            <a:ext cx="3410284" cy="369332"/>
+          </a:xfrm>
+          <a:prstGeom prst="curvedDownArrow">
+            <a:avLst>
+              <a:gd name="adj1" fmla="val 0"/>
+              <a:gd name="adj2" fmla="val 50000"/>
+              <a:gd name="adj3" fmla="val 32032"/>
+            </a:avLst>
+          </a:prstGeom>
+        </p:spPr>
+        <p:style>
+          <a:lnRef idx="2">
+            <a:schemeClr val="accent1">
+              <a:shade val="50000"/>
+            </a:schemeClr>
+          </a:lnRef>
+          <a:fillRef idx="1">
+            <a:schemeClr val="accent1"/>
+          </a:fillRef>
+          <a:effectRef idx="0">
+            <a:schemeClr val="accent1"/>
+          </a:effectRef>
+          <a:fontRef idx="minor">
+            <a:schemeClr val="lt1"/>
+          </a:fontRef>
+        </p:style>
+        <p:txBody>
+          <a:bodyPr rtlCol="0" anchor="ctr"/>
+          <a:lstStyle/>
+          <a:p>
+            <a:pPr algn="ctr"/>
+            <a:endParaRPr lang="zh-CN" altLang="en-US">
+              <a:solidFill>
+                <a:schemeClr val="tx1"/>
+              </a:solidFill>
+            </a:endParaRPr>
+          </a:p>
+        </p:txBody>
+      </p:sp>
+      <p:sp>
+        <p:nvSpPr>
+          <p:cNvPr id="42" name="箭头: 上弧形 41">
+            <a:extLst>
+              <a:ext uri="{FF2B5EF4-FFF2-40B4-BE49-F238E27FC236}">
+                <a16:creationId xmlns:a16="http://schemas.microsoft.com/office/drawing/2014/main" id="{B85CAEF9-7450-4CBC-852E-CF1ACB84A7E5}"/>
+              </a:ext>
+            </a:extLst>
+          </p:cNvPr>
+          <p:cNvSpPr/>
+          <p:nvPr/>
+        </p:nvSpPr>
+        <p:spPr>
+          <a:xfrm rot="10800000">
+            <a:off x="4472473" y="2002339"/>
+            <a:ext cx="3410284" cy="369332"/>
+          </a:xfrm>
+          <a:prstGeom prst="curvedDownArrow">
+            <a:avLst>
+              <a:gd name="adj1" fmla="val 0"/>
+              <a:gd name="adj2" fmla="val 50000"/>
+              <a:gd name="adj3" fmla="val 32032"/>
+            </a:avLst>
+          </a:prstGeom>
+        </p:spPr>
+        <p:style>
+          <a:lnRef idx="2">
+            <a:schemeClr val="accent1">
+              <a:shade val="50000"/>
+            </a:schemeClr>
+          </a:lnRef>
+          <a:fillRef idx="1">
+            <a:schemeClr val="accent1"/>
+          </a:fillRef>
+          <a:effectRef idx="0">
+            <a:schemeClr val="accent1"/>
+          </a:effectRef>
+          <a:fontRef idx="minor">
+            <a:schemeClr val="lt1"/>
+          </a:fontRef>
+        </p:style>
+        <p:txBody>
+          <a:bodyPr rtlCol="0" anchor="ctr"/>
+          <a:lstStyle/>
+          <a:p>
+            <a:pPr algn="ctr"/>
+            <a:endParaRPr lang="zh-CN" altLang="en-US">
+              <a:solidFill>
+                <a:schemeClr val="tx1"/>
+              </a:solidFill>
+            </a:endParaRPr>
+          </a:p>
+        </p:txBody>
+      </p:sp>
+      <p:sp>
+        <p:nvSpPr>
+          <p:cNvPr id="44" name="箭头: 上弧形 43">
+            <a:extLst>
+              <a:ext uri="{FF2B5EF4-FFF2-40B4-BE49-F238E27FC236}">
+                <a16:creationId xmlns:a16="http://schemas.microsoft.com/office/drawing/2014/main" id="{8AF4A4A0-9A94-4A00-BCCC-124728F8ECAF}"/>
+              </a:ext>
+            </a:extLst>
+          </p:cNvPr>
+          <p:cNvSpPr/>
+          <p:nvPr/>
+        </p:nvSpPr>
+        <p:spPr>
+          <a:xfrm rot="3876433">
+            <a:off x="4275223" y="2720687"/>
+            <a:ext cx="2731326" cy="456981"/>
+          </a:xfrm>
+          <a:prstGeom prst="curvedDownArrow">
+            <a:avLst>
+              <a:gd name="adj1" fmla="val 0"/>
+              <a:gd name="adj2" fmla="val 50000"/>
+              <a:gd name="adj3" fmla="val 32032"/>
+            </a:avLst>
+          </a:prstGeom>
+        </p:spPr>
+        <p:style>
+          <a:lnRef idx="2">
+            <a:schemeClr val="accent1">
+              <a:shade val="50000"/>
+            </a:schemeClr>
+          </a:lnRef>
+          <a:fillRef idx="1">
+            <a:schemeClr val="accent1"/>
+          </a:fillRef>
+          <a:effectRef idx="0">
+            <a:schemeClr val="accent1"/>
+          </a:effectRef>
+          <a:fontRef idx="minor">
+            <a:schemeClr val="lt1"/>
+          </a:fontRef>
+        </p:style>
+        <p:txBody>
+          <a:bodyPr rtlCol="0" anchor="ctr"/>
+          <a:lstStyle/>
+          <a:p>
+            <a:pPr algn="ctr"/>
+            <a:endParaRPr lang="zh-CN" altLang="en-US">
+              <a:solidFill>
+                <a:schemeClr val="tx1"/>
+              </a:solidFill>
+            </a:endParaRPr>
+          </a:p>
+        </p:txBody>
+      </p:sp>
+      <p:sp>
+        <p:nvSpPr>
+          <p:cNvPr id="46" name="箭头: 上弧形 45">
+            <a:extLst>
+              <a:ext uri="{FF2B5EF4-FFF2-40B4-BE49-F238E27FC236}">
+                <a16:creationId xmlns:a16="http://schemas.microsoft.com/office/drawing/2014/main" id="{5C8224EF-E3D6-4692-B906-DEF179A38753}"/>
+              </a:ext>
+            </a:extLst>
+          </p:cNvPr>
+          <p:cNvSpPr/>
+          <p:nvPr/>
+        </p:nvSpPr>
+        <p:spPr>
+          <a:xfrm rot="14524079">
+            <a:off x="3462041" y="2984434"/>
+            <a:ext cx="2624454" cy="300609"/>
+          </a:xfrm>
+          <a:prstGeom prst="curvedDownArrow">
+            <a:avLst>
+              <a:gd name="adj1" fmla="val 0"/>
+              <a:gd name="adj2" fmla="val 50000"/>
+              <a:gd name="adj3" fmla="val 32032"/>
+            </a:avLst>
+          </a:prstGeom>
+        </p:spPr>
+        <p:style>
+          <a:lnRef idx="2">
+            <a:schemeClr val="accent1">
+              <a:shade val="50000"/>
+            </a:schemeClr>
+          </a:lnRef>
+          <a:fillRef idx="1">
+            <a:schemeClr val="accent1"/>
+          </a:fillRef>
+          <a:effectRef idx="0">
+            <a:schemeClr val="accent1"/>
+          </a:effectRef>
+          <a:fontRef idx="minor">
+            <a:schemeClr val="lt1"/>
+          </a:fontRef>
+        </p:style>
+        <p:txBody>
+          <a:bodyPr rtlCol="0" anchor="ctr"/>
+          <a:lstStyle/>
+          <a:p>
+            <a:pPr algn="ctr"/>
+            <a:endParaRPr lang="zh-CN" altLang="en-US">
+              <a:solidFill>
+                <a:schemeClr val="tx1"/>
+              </a:solidFill>
+            </a:endParaRPr>
+          </a:p>
+        </p:txBody>
+      </p:sp>
+      <p:sp>
+        <p:nvSpPr>
+          <p:cNvPr id="47" name="文本框 46">
+            <a:extLst>
+              <a:ext uri="{FF2B5EF4-FFF2-40B4-BE49-F238E27FC236}">
+                <a16:creationId xmlns:a16="http://schemas.microsoft.com/office/drawing/2014/main" id="{4E267AA3-A211-46B3-9E80-043D9D3665D0}"/>
+              </a:ext>
+            </a:extLst>
+          </p:cNvPr>
+          <p:cNvSpPr txBox="1"/>
+          <p:nvPr/>
+        </p:nvSpPr>
+        <p:spPr>
+          <a:xfrm>
+            <a:off x="5894441" y="2036422"/>
+            <a:ext cx="764953" cy="307777"/>
+          </a:xfrm>
+          <a:prstGeom prst="rect">
+            <a:avLst/>
+          </a:prstGeom>
+          <a:noFill/>
+        </p:spPr>
+        <p:txBody>
+          <a:bodyPr wrap="none" rtlCol="0">
+            <a:spAutoFit/>
+          </a:bodyPr>
+          <a:lstStyle/>
+          <a:p>
+            <a:r>
+              <a:rPr lang="en-US" altLang="zh-CN" sz="1400" dirty="0"/>
+              <a:t>request</a:t>
+            </a:r>
+            <a:endParaRPr lang="zh-CN" altLang="en-US" sz="1400" dirty="0"/>
+          </a:p>
+        </p:txBody>
+      </p:sp>
+      <p:sp>
+        <p:nvSpPr>
+          <p:cNvPr id="49" name="文本框 48">
+            <a:extLst>
+              <a:ext uri="{FF2B5EF4-FFF2-40B4-BE49-F238E27FC236}">
+                <a16:creationId xmlns:a16="http://schemas.microsoft.com/office/drawing/2014/main" id="{A23BE7B2-9075-48B8-905D-E46868A796FD}"/>
+              </a:ext>
+            </a:extLst>
+          </p:cNvPr>
+          <p:cNvSpPr txBox="1"/>
+          <p:nvPr/>
+        </p:nvSpPr>
+        <p:spPr>
+          <a:xfrm>
+            <a:off x="5340687" y="936685"/>
+            <a:ext cx="1723549" cy="307777"/>
+          </a:xfrm>
+          <a:prstGeom prst="rect">
+            <a:avLst/>
+          </a:prstGeom>
+          <a:noFill/>
+        </p:spPr>
+        <p:txBody>
+          <a:bodyPr wrap="none" rtlCol="0">
+            <a:spAutoFit/>
+          </a:bodyPr>
+          <a:lstStyle/>
+          <a:p>
+            <a:r>
+              <a:rPr lang="en-US" altLang="zh-CN" sz="1400" dirty="0"/>
+              <a:t>Exposure pair [m, n]</a:t>
+            </a:r>
+            <a:endParaRPr lang="zh-CN" altLang="en-US" sz="1400" dirty="0"/>
+          </a:p>
+        </p:txBody>
+      </p:sp>
+      <p:sp>
+        <p:nvSpPr>
+          <p:cNvPr id="51" name="文本框 50">
+            <a:extLst>
+              <a:ext uri="{FF2B5EF4-FFF2-40B4-BE49-F238E27FC236}">
+                <a16:creationId xmlns:a16="http://schemas.microsoft.com/office/drawing/2014/main" id="{2623A44A-04CD-4D25-B0B4-E6F1F7C2F44F}"/>
+              </a:ext>
+            </a:extLst>
+          </p:cNvPr>
+          <p:cNvSpPr txBox="1"/>
+          <p:nvPr/>
+        </p:nvSpPr>
+        <p:spPr>
+          <a:xfrm rot="3785288">
+            <a:off x="4530009" y="3029533"/>
+            <a:ext cx="764953" cy="307777"/>
+          </a:xfrm>
+          <a:prstGeom prst="rect">
+            <a:avLst/>
+          </a:prstGeom>
+          <a:noFill/>
+        </p:spPr>
+        <p:txBody>
+          <a:bodyPr wrap="none" rtlCol="0">
+            <a:spAutoFit/>
+          </a:bodyPr>
+          <a:lstStyle/>
+          <a:p>
+            <a:r>
+              <a:rPr lang="en-US" altLang="zh-CN" sz="1400" dirty="0"/>
+              <a:t>request</a:t>
+            </a:r>
+            <a:endParaRPr lang="zh-CN" altLang="en-US" sz="1400" dirty="0"/>
+          </a:p>
+        </p:txBody>
+      </p:sp>
+      <p:sp>
+        <p:nvSpPr>
+          <p:cNvPr id="53" name="文本框 52">
+            <a:extLst>
+              <a:ext uri="{FF2B5EF4-FFF2-40B4-BE49-F238E27FC236}">
+                <a16:creationId xmlns:a16="http://schemas.microsoft.com/office/drawing/2014/main" id="{7B6F9400-01FF-4596-8B92-3957107F6F41}"/>
+              </a:ext>
+            </a:extLst>
+          </p:cNvPr>
+          <p:cNvSpPr txBox="1"/>
+          <p:nvPr/>
+        </p:nvSpPr>
+        <p:spPr>
+          <a:xfrm rot="3844947">
+            <a:off x="5111737" y="2620229"/>
+            <a:ext cx="1678665" cy="307777"/>
+          </a:xfrm>
+          <a:prstGeom prst="rect">
+            <a:avLst/>
+          </a:prstGeom>
+          <a:noFill/>
+        </p:spPr>
+        <p:txBody>
+          <a:bodyPr wrap="none" rtlCol="0">
+            <a:spAutoFit/>
+          </a:bodyPr>
+          <a:lstStyle/>
+          <a:p>
+            <a:r>
+              <a:rPr lang="en-US" altLang="zh-CN" sz="1400" dirty="0"/>
+              <a:t>Exposure pair [p, q]</a:t>
+            </a:r>
+            <a:endParaRPr lang="zh-CN" altLang="en-US" sz="1400" dirty="0"/>
+          </a:p>
+        </p:txBody>
+      </p:sp>
+      <p:sp>
+        <p:nvSpPr>
+          <p:cNvPr id="54" name="箭头: 右 53">
+            <a:extLst>
+              <a:ext uri="{FF2B5EF4-FFF2-40B4-BE49-F238E27FC236}">
+                <a16:creationId xmlns:a16="http://schemas.microsoft.com/office/drawing/2014/main" id="{06866525-9C20-44AC-9900-E3AEB42E10BE}"/>
+              </a:ext>
+            </a:extLst>
+          </p:cNvPr>
+          <p:cNvSpPr/>
+          <p:nvPr/>
+        </p:nvSpPr>
+        <p:spPr>
+          <a:xfrm>
+            <a:off x="8560161" y="1713643"/>
+            <a:ext cx="396432" cy="240460"/>
+          </a:xfrm>
+          <a:prstGeom prst="rightArrow">
+            <a:avLst/>
+          </a:prstGeom>
+        </p:spPr>
+        <p:style>
+          <a:lnRef idx="2">
+            <a:schemeClr val="accent1">
+              <a:shade val="50000"/>
+            </a:schemeClr>
+          </a:lnRef>
+          <a:fillRef idx="1">
+            <a:schemeClr val="accent1"/>
+          </a:fillRef>
+          <a:effectRef idx="0">
+            <a:schemeClr val="accent1"/>
+          </a:effectRef>
+          <a:fontRef idx="minor">
+            <a:schemeClr val="lt1"/>
+          </a:fontRef>
+        </p:style>
+        <p:txBody>
+          <a:bodyPr rtlCol="0" anchor="ctr"/>
+          <a:lstStyle/>
+          <a:p>
+            <a:pPr algn="ctr"/>
+            <a:endParaRPr lang="zh-CN" altLang="en-US"/>
+          </a:p>
+        </p:txBody>
+      </p:sp>
+      <p:sp>
+        <p:nvSpPr>
+          <p:cNvPr id="55" name="文本框 54">
+            <a:extLst>
+              <a:ext uri="{FF2B5EF4-FFF2-40B4-BE49-F238E27FC236}">
+                <a16:creationId xmlns:a16="http://schemas.microsoft.com/office/drawing/2014/main" id="{258521AC-4C21-4F79-BD96-37C0543F7A35}"/>
+              </a:ext>
+            </a:extLst>
+          </p:cNvPr>
+          <p:cNvSpPr txBox="1"/>
+          <p:nvPr/>
+        </p:nvSpPr>
+        <p:spPr>
+          <a:xfrm>
+            <a:off x="9147519" y="1649207"/>
+            <a:ext cx="1882247" cy="369332"/>
+          </a:xfrm>
+          <a:prstGeom prst="rect">
+            <a:avLst/>
+          </a:prstGeom>
+          <a:noFill/>
+        </p:spPr>
+        <p:txBody>
+          <a:bodyPr wrap="none" rtlCol="0">
+            <a:spAutoFit/>
+          </a:bodyPr>
+          <a:lstStyle/>
+          <a:p>
+            <a:r>
+              <a:rPr lang="en-US" altLang="zh-CN" dirty="0"/>
+              <a:t>Save result [m, n]</a:t>
+            </a:r>
+            <a:endParaRPr lang="zh-CN" altLang="en-US" dirty="0"/>
+          </a:p>
+        </p:txBody>
+      </p:sp>
+      <p:sp>
+        <p:nvSpPr>
+          <p:cNvPr id="57" name="文本框 56">
+            <a:extLst>
+              <a:ext uri="{FF2B5EF4-FFF2-40B4-BE49-F238E27FC236}">
+                <a16:creationId xmlns:a16="http://schemas.microsoft.com/office/drawing/2014/main" id="{04179D4A-1746-4256-AD72-0738EA36C282}"/>
+              </a:ext>
+            </a:extLst>
+          </p:cNvPr>
+          <p:cNvSpPr txBox="1"/>
+          <p:nvPr/>
+        </p:nvSpPr>
+        <p:spPr>
+          <a:xfrm>
+            <a:off x="5606357" y="5303469"/>
+            <a:ext cx="1827744" cy="369332"/>
+          </a:xfrm>
+          <a:prstGeom prst="rect">
+            <a:avLst/>
+          </a:prstGeom>
+          <a:noFill/>
+        </p:spPr>
+        <p:txBody>
+          <a:bodyPr wrap="none" rtlCol="0">
+            <a:spAutoFit/>
+          </a:bodyPr>
+          <a:lstStyle/>
+          <a:p>
+            <a:r>
+              <a:rPr lang="en-US" altLang="zh-CN" dirty="0"/>
+              <a:t>Save result [p, q]</a:t>
+            </a:r>
+            <a:endParaRPr lang="zh-CN" altLang="en-US" dirty="0"/>
+          </a:p>
+        </p:txBody>
+      </p:sp>
+      <p:sp>
+        <p:nvSpPr>
+          <p:cNvPr id="60" name="箭头: 右 59">
+            <a:extLst>
+              <a:ext uri="{FF2B5EF4-FFF2-40B4-BE49-F238E27FC236}">
+                <a16:creationId xmlns:a16="http://schemas.microsoft.com/office/drawing/2014/main" id="{A72090E5-065C-4F81-A6DF-F1ABE1B19F5F}"/>
+              </a:ext>
+            </a:extLst>
+          </p:cNvPr>
+          <p:cNvSpPr/>
+          <p:nvPr/>
+        </p:nvSpPr>
+        <p:spPr>
+          <a:xfrm rot="3627406">
+            <a:off x="5956281" y="4772967"/>
+            <a:ext cx="396432" cy="240460"/>
+          </a:xfrm>
+          <a:prstGeom prst="rightArrow">
+            <a:avLst/>
+          </a:prstGeom>
+        </p:spPr>
+        <p:style>
+          <a:lnRef idx="2">
+            <a:schemeClr val="accent1">
+              <a:shade val="50000"/>
+            </a:schemeClr>
+          </a:lnRef>
+          <a:fillRef idx="1">
+            <a:schemeClr val="accent1"/>
+          </a:fillRef>
+          <a:effectRef idx="0">
+            <a:schemeClr val="accent1"/>
+          </a:effectRef>
+          <a:fontRef idx="minor">
+            <a:schemeClr val="lt1"/>
+          </a:fontRef>
+        </p:style>
+        <p:txBody>
+          <a:bodyPr rtlCol="0" anchor="ctr"/>
+          <a:lstStyle/>
+          <a:p>
+            <a:pPr algn="ctr"/>
+            <a:endParaRPr lang="zh-CN" altLang="en-US"/>
+          </a:p>
+        </p:txBody>
+      </p:sp>
+      <p:sp>
+        <p:nvSpPr>
+          <p:cNvPr id="61" name="矩形: 圆角 60">
+            <a:extLst>
+              <a:ext uri="{FF2B5EF4-FFF2-40B4-BE49-F238E27FC236}">
+                <a16:creationId xmlns:a16="http://schemas.microsoft.com/office/drawing/2014/main" id="{ABFD8709-75F0-4D81-B005-B565BCD0DFCD}"/>
+              </a:ext>
+            </a:extLst>
+          </p:cNvPr>
+          <p:cNvSpPr/>
+          <p:nvPr/>
+        </p:nvSpPr>
+        <p:spPr>
+          <a:xfrm>
+            <a:off x="7992897" y="2720366"/>
+            <a:ext cx="3912057" cy="2459529"/>
+          </a:xfrm>
+          <a:prstGeom prst="roundRect">
+            <a:avLst/>
+          </a:prstGeom>
+          <a:noFill/>
+        </p:spPr>
+        <p:style>
+          <a:lnRef idx="2">
+            <a:schemeClr val="accent1">
+              <a:shade val="50000"/>
+            </a:schemeClr>
+          </a:lnRef>
+          <a:fillRef idx="1">
+            <a:schemeClr val="accent1"/>
+          </a:fillRef>
+          <a:effectRef idx="0">
+            <a:schemeClr val="accent1"/>
+          </a:effectRef>
+          <a:fontRef idx="minor">
+            <a:schemeClr val="lt1"/>
+          </a:fontRef>
+        </p:style>
+        <p:txBody>
+          <a:bodyPr rtlCol="0" anchor="ctr"/>
+          <a:lstStyle/>
+          <a:p>
+            <a:r>
+              <a:rPr lang="en-US" altLang="zh-CN" sz="1400" dirty="0">
+                <a:solidFill>
+                  <a:schemeClr val="tx1"/>
+                </a:solidFill>
+              </a:rPr>
+              <a:t>while (true):</a:t>
+            </a:r>
+          </a:p>
+          <a:p>
+            <a:r>
+              <a:rPr lang="en-US" altLang="zh-CN" sz="1400" dirty="0">
+                <a:solidFill>
+                  <a:schemeClr val="tx1"/>
+                </a:solidFill>
+              </a:rPr>
+              <a:t>{</a:t>
+            </a:r>
+          </a:p>
+          <a:p>
+            <a:r>
+              <a:rPr lang="en-US" altLang="zh-CN" sz="1400" dirty="0">
+                <a:solidFill>
+                  <a:schemeClr val="tx1"/>
+                </a:solidFill>
+              </a:rPr>
+              <a:t>  Send request to CPU 0;</a:t>
+            </a:r>
+          </a:p>
+          <a:p>
+            <a:r>
+              <a:rPr lang="en-US" altLang="zh-CN" sz="1400" dirty="0">
+                <a:solidFill>
+                  <a:schemeClr val="tx1"/>
+                </a:solidFill>
+              </a:rPr>
+              <a:t>  Receive pair labels from CPU 0;</a:t>
+            </a:r>
+          </a:p>
+          <a:p>
+            <a:r>
+              <a:rPr lang="en-US" altLang="zh-CN" sz="1400" dirty="0">
+                <a:solidFill>
+                  <a:schemeClr val="tx1"/>
+                </a:solidFill>
+              </a:rPr>
+              <a:t>  if labels &gt;=0:</a:t>
+            </a:r>
+          </a:p>
+          <a:p>
+            <a:r>
+              <a:rPr lang="en-US" altLang="zh-CN" sz="1400" dirty="0">
+                <a:solidFill>
+                  <a:schemeClr val="tx1"/>
+                </a:solidFill>
+              </a:rPr>
+              <a:t>     find galaxy pairs in the exposure pair;</a:t>
+            </a:r>
+          </a:p>
+          <a:p>
+            <a:r>
+              <a:rPr lang="en-US" altLang="zh-CN" sz="1400" dirty="0">
+                <a:solidFill>
+                  <a:schemeClr val="tx1"/>
+                </a:solidFill>
+              </a:rPr>
+              <a:t>     save the result;</a:t>
+            </a:r>
+          </a:p>
+          <a:p>
+            <a:r>
+              <a:rPr lang="en-US" altLang="zh-CN" sz="1400" dirty="0">
+                <a:solidFill>
+                  <a:schemeClr val="tx1"/>
+                </a:solidFill>
+              </a:rPr>
+              <a:t>  else:</a:t>
+            </a:r>
+          </a:p>
+          <a:p>
+            <a:r>
+              <a:rPr lang="en-US" altLang="zh-CN" sz="1400" dirty="0">
+                <a:solidFill>
+                  <a:schemeClr val="tx1"/>
+                </a:solidFill>
+              </a:rPr>
+              <a:t>      break;</a:t>
+            </a:r>
+          </a:p>
+          <a:p>
+            <a:r>
+              <a:rPr lang="en-US" altLang="zh-CN" sz="1400" dirty="0">
+                <a:solidFill>
+                  <a:schemeClr val="tx1"/>
+                </a:solidFill>
+              </a:rPr>
+              <a:t>}</a:t>
+            </a:r>
+            <a:endParaRPr lang="zh-CN" altLang="en-US" sz="1400" dirty="0">
+              <a:solidFill>
+                <a:schemeClr val="tx1"/>
+              </a:solidFill>
+            </a:endParaRPr>
+          </a:p>
+        </p:txBody>
+      </p:sp>
+      <p:cxnSp>
+        <p:nvCxnSpPr>
+          <p:cNvPr id="63" name="直接箭头连接符 62">
+            <a:extLst>
+              <a:ext uri="{FF2B5EF4-FFF2-40B4-BE49-F238E27FC236}">
+                <a16:creationId xmlns:a16="http://schemas.microsoft.com/office/drawing/2014/main" id="{0A19819A-67B5-4EC5-A9FE-AF56EFF122AA}"/>
+              </a:ext>
+            </a:extLst>
+          </p:cNvPr>
+          <p:cNvCxnSpPr>
+            <a:cxnSpLocks/>
+            <a:stCxn id="37" idx="2"/>
+            <a:endCxn id="61" idx="0"/>
+          </p:cNvCxnSpPr>
+          <p:nvPr/>
+        </p:nvCxnSpPr>
+        <p:spPr>
+          <a:xfrm>
+            <a:off x="8020757" y="1984964"/>
+            <a:ext cx="1928169" cy="735402"/>
+          </a:xfrm>
+          <a:prstGeom prst="straightConnector1">
+            <a:avLst/>
+          </a:prstGeom>
+          <a:ln>
+            <a:headEnd type="triangle"/>
+            <a:tailEnd type="triangle"/>
+          </a:ln>
+        </p:spPr>
+        <p:style>
+          <a:lnRef idx="1">
+            <a:schemeClr val="accent1"/>
+          </a:lnRef>
+          <a:fillRef idx="0">
+            <a:schemeClr val="accent1"/>
+          </a:fillRef>
+          <a:effectRef idx="0">
+            <a:schemeClr val="accent1"/>
+          </a:effectRef>
+          <a:fontRef idx="minor">
+            <a:schemeClr val="tx1"/>
+          </a:fontRef>
+        </p:style>
+      </p:cxnSp>
+      <p:sp>
+        <p:nvSpPr>
+          <p:cNvPr id="72" name="矩形: 圆角 71">
+            <a:extLst>
+              <a:ext uri="{FF2B5EF4-FFF2-40B4-BE49-F238E27FC236}">
+                <a16:creationId xmlns:a16="http://schemas.microsoft.com/office/drawing/2014/main" id="{4CE4066B-D9AA-4B07-A4C3-66781F7ECD33}"/>
+              </a:ext>
+            </a:extLst>
+          </p:cNvPr>
+          <p:cNvSpPr/>
+          <p:nvPr/>
+        </p:nvSpPr>
+        <p:spPr>
+          <a:xfrm>
+            <a:off x="640168" y="2781467"/>
+            <a:ext cx="3519066" cy="2706668"/>
+          </a:xfrm>
+          <a:prstGeom prst="roundRect">
+            <a:avLst/>
+          </a:prstGeom>
+          <a:noFill/>
+        </p:spPr>
+        <p:style>
+          <a:lnRef idx="2">
+            <a:schemeClr val="accent1">
+              <a:shade val="50000"/>
+            </a:schemeClr>
+          </a:lnRef>
+          <a:fillRef idx="1">
+            <a:schemeClr val="accent1"/>
+          </a:fillRef>
+          <a:effectRef idx="0">
+            <a:schemeClr val="accent1"/>
+          </a:effectRef>
+          <a:fontRef idx="minor">
+            <a:schemeClr val="lt1"/>
+          </a:fontRef>
+        </p:style>
+        <p:txBody>
+          <a:bodyPr rtlCol="0" anchor="ctr"/>
+          <a:lstStyle/>
+          <a:p>
+            <a:r>
+              <a:rPr lang="en-US" altLang="zh-CN" sz="1400" dirty="0">
+                <a:solidFill>
+                  <a:schemeClr val="tx1"/>
+                </a:solidFill>
+              </a:rPr>
+              <a:t>CPU_live = total CPU – 1;</a:t>
+            </a:r>
+          </a:p>
+          <a:p>
+            <a:r>
+              <a:rPr lang="en-US" altLang="zh-CN" sz="1400" dirty="0">
+                <a:solidFill>
+                  <a:schemeClr val="tx1"/>
+                </a:solidFill>
+              </a:rPr>
+              <a:t>while ( CPU_live &gt; 0):</a:t>
+            </a:r>
+          </a:p>
+          <a:p>
+            <a:r>
+              <a:rPr lang="en-US" altLang="zh-CN" sz="1400" dirty="0">
+                <a:solidFill>
+                  <a:schemeClr val="tx1"/>
+                </a:solidFill>
+              </a:rPr>
+              <a:t>{</a:t>
+            </a:r>
+          </a:p>
+          <a:p>
+            <a:r>
+              <a:rPr lang="en-US" altLang="zh-CN" sz="1400" dirty="0">
+                <a:solidFill>
+                  <a:schemeClr val="tx1"/>
+                </a:solidFill>
+              </a:rPr>
+              <a:t>   if exposure left &gt;0:</a:t>
+            </a:r>
+          </a:p>
+          <a:p>
+            <a:r>
+              <a:rPr lang="en-US" altLang="zh-CN" sz="1400" dirty="0">
+                <a:solidFill>
+                  <a:schemeClr val="tx1"/>
+                </a:solidFill>
+              </a:rPr>
+              <a:t>     Send exposure label [p, q] to CPU </a:t>
+            </a:r>
+            <a:r>
+              <a:rPr lang="en-US" altLang="zh-CN" sz="1400" dirty="0" err="1">
+                <a:solidFill>
+                  <a:schemeClr val="tx1"/>
+                </a:solidFill>
+              </a:rPr>
+              <a:t>i</a:t>
+            </a:r>
+            <a:r>
+              <a:rPr lang="en-US" altLang="zh-CN" sz="1400" dirty="0">
+                <a:solidFill>
+                  <a:schemeClr val="tx1"/>
+                </a:solidFill>
+              </a:rPr>
+              <a:t>;</a:t>
+            </a:r>
+          </a:p>
+          <a:p>
+            <a:r>
+              <a:rPr lang="en-US" altLang="zh-CN" sz="1400" dirty="0">
+                <a:solidFill>
+                  <a:schemeClr val="tx1"/>
+                </a:solidFill>
+              </a:rPr>
+              <a:t>  else:</a:t>
+            </a:r>
+          </a:p>
+          <a:p>
+            <a:r>
+              <a:rPr lang="en-US" altLang="zh-CN" sz="1400" dirty="0">
+                <a:solidFill>
+                  <a:schemeClr val="tx1"/>
+                </a:solidFill>
+              </a:rPr>
+              <a:t>      Send [-1, -1] to CPU I;</a:t>
+            </a:r>
+          </a:p>
+          <a:p>
+            <a:r>
+              <a:rPr lang="en-US" altLang="zh-CN" sz="1400" dirty="0">
+                <a:solidFill>
+                  <a:schemeClr val="tx1"/>
+                </a:solidFill>
+              </a:rPr>
+              <a:t>      CPU_live --;</a:t>
+            </a:r>
+          </a:p>
+          <a:p>
+            <a:r>
+              <a:rPr lang="en-US" altLang="zh-CN" sz="1400" dirty="0">
+                <a:solidFill>
+                  <a:schemeClr val="tx1"/>
+                </a:solidFill>
+              </a:rPr>
+              <a:t>}</a:t>
+            </a:r>
+            <a:endParaRPr lang="zh-CN" altLang="en-US" sz="1400" dirty="0">
+              <a:solidFill>
+                <a:schemeClr val="tx1"/>
+              </a:solidFill>
+            </a:endParaRPr>
+          </a:p>
+        </p:txBody>
+      </p:sp>
+      <p:cxnSp>
+        <p:nvCxnSpPr>
+          <p:cNvPr id="73" name="直接箭头连接符 72">
+            <a:extLst>
+              <a:ext uri="{FF2B5EF4-FFF2-40B4-BE49-F238E27FC236}">
+                <a16:creationId xmlns:a16="http://schemas.microsoft.com/office/drawing/2014/main" id="{12EA44D3-357E-4261-99AF-DAB7CF2D49DF}"/>
+              </a:ext>
+            </a:extLst>
+          </p:cNvPr>
+          <p:cNvCxnSpPr>
+            <a:cxnSpLocks/>
+            <a:endCxn id="35" idx="2"/>
+          </p:cNvCxnSpPr>
+          <p:nvPr/>
+        </p:nvCxnSpPr>
+        <p:spPr>
+          <a:xfrm flipV="1">
+            <a:off x="2342734" y="2002339"/>
+            <a:ext cx="2129740" cy="680702"/>
+          </a:xfrm>
+          <a:prstGeom prst="straightConnector1">
+            <a:avLst/>
+          </a:prstGeom>
+          <a:ln>
+            <a:headEnd type="triangle"/>
+            <a:tailEnd type="triangle"/>
+          </a:ln>
+        </p:spPr>
+        <p:style>
+          <a:lnRef idx="1">
+            <a:schemeClr val="accent1"/>
+          </a:lnRef>
+          <a:fillRef idx="0">
+            <a:schemeClr val="accent1"/>
+          </a:fillRef>
+          <a:effectRef idx="0">
+            <a:schemeClr val="accent1"/>
+          </a:effectRef>
+          <a:fontRef idx="minor">
+            <a:schemeClr val="tx1"/>
+          </a:fontRef>
+        </p:style>
+      </p:cxnSp>
     </p:spTree>
     <p:extLst>
       <p:ext uri="{BB962C8B-B14F-4D97-AF65-F5344CB8AC3E}">

--- a/correlation/Fourier_Quad/data_structure.pptx
+++ b/correlation/Fourier_Quad/data_structure.pptx
@@ -9,9 +9,10 @@
     <p:sldId id="259" r:id="rId3"/>
     <p:sldId id="261" r:id="rId4"/>
     <p:sldId id="260" r:id="rId5"/>
-    <p:sldId id="256" r:id="rId6"/>
-    <p:sldId id="257" r:id="rId7"/>
-    <p:sldId id="258" r:id="rId8"/>
+    <p:sldId id="263" r:id="rId6"/>
+    <p:sldId id="256" r:id="rId7"/>
+    <p:sldId id="257" r:id="rId8"/>
+    <p:sldId id="258" r:id="rId9"/>
   </p:sldIdLst>
   <p:sldSz cx="12192000" cy="6858000"/>
   <p:notesSz cx="6858000" cy="9144000"/>
@@ -265,7 +266,7 @@
           <a:p>
             <a:fld id="{F2DEEC08-CA69-41BE-843A-05E093E0FFC8}" type="datetimeFigureOut">
               <a:rPr lang="zh-CN" altLang="en-US" smtClean="0"/>
-              <a:t>2020/9/17</a:t>
+              <a:t>2020/9/18</a:t>
             </a:fld>
             <a:endParaRPr lang="zh-CN" altLang="en-US"/>
           </a:p>
@@ -463,7 +464,7 @@
           <a:p>
             <a:fld id="{F2DEEC08-CA69-41BE-843A-05E093E0FFC8}" type="datetimeFigureOut">
               <a:rPr lang="zh-CN" altLang="en-US" smtClean="0"/>
-              <a:t>2020/9/17</a:t>
+              <a:t>2020/9/18</a:t>
             </a:fld>
             <a:endParaRPr lang="zh-CN" altLang="en-US"/>
           </a:p>
@@ -671,7 +672,7 @@
           <a:p>
             <a:fld id="{F2DEEC08-CA69-41BE-843A-05E093E0FFC8}" type="datetimeFigureOut">
               <a:rPr lang="zh-CN" altLang="en-US" smtClean="0"/>
-              <a:t>2020/9/17</a:t>
+              <a:t>2020/9/18</a:t>
             </a:fld>
             <a:endParaRPr lang="zh-CN" altLang="en-US"/>
           </a:p>
@@ -869,7 +870,7 @@
           <a:p>
             <a:fld id="{F2DEEC08-CA69-41BE-843A-05E093E0FFC8}" type="datetimeFigureOut">
               <a:rPr lang="zh-CN" altLang="en-US" smtClean="0"/>
-              <a:t>2020/9/17</a:t>
+              <a:t>2020/9/18</a:t>
             </a:fld>
             <a:endParaRPr lang="zh-CN" altLang="en-US"/>
           </a:p>
@@ -1144,7 +1145,7 @@
           <a:p>
             <a:fld id="{F2DEEC08-CA69-41BE-843A-05E093E0FFC8}" type="datetimeFigureOut">
               <a:rPr lang="zh-CN" altLang="en-US" smtClean="0"/>
-              <a:t>2020/9/17</a:t>
+              <a:t>2020/9/18</a:t>
             </a:fld>
             <a:endParaRPr lang="zh-CN" altLang="en-US"/>
           </a:p>
@@ -1409,7 +1410,7 @@
           <a:p>
             <a:fld id="{F2DEEC08-CA69-41BE-843A-05E093E0FFC8}" type="datetimeFigureOut">
               <a:rPr lang="zh-CN" altLang="en-US" smtClean="0"/>
-              <a:t>2020/9/17</a:t>
+              <a:t>2020/9/18</a:t>
             </a:fld>
             <a:endParaRPr lang="zh-CN" altLang="en-US"/>
           </a:p>
@@ -1821,7 +1822,7 @@
           <a:p>
             <a:fld id="{F2DEEC08-CA69-41BE-843A-05E093E0FFC8}" type="datetimeFigureOut">
               <a:rPr lang="zh-CN" altLang="en-US" smtClean="0"/>
-              <a:t>2020/9/17</a:t>
+              <a:t>2020/9/18</a:t>
             </a:fld>
             <a:endParaRPr lang="zh-CN" altLang="en-US"/>
           </a:p>
@@ -1962,7 +1963,7 @@
           <a:p>
             <a:fld id="{F2DEEC08-CA69-41BE-843A-05E093E0FFC8}" type="datetimeFigureOut">
               <a:rPr lang="zh-CN" altLang="en-US" smtClean="0"/>
-              <a:t>2020/9/17</a:t>
+              <a:t>2020/9/18</a:t>
             </a:fld>
             <a:endParaRPr lang="zh-CN" altLang="en-US"/>
           </a:p>
@@ -2075,7 +2076,7 @@
           <a:p>
             <a:fld id="{F2DEEC08-CA69-41BE-843A-05E093E0FFC8}" type="datetimeFigureOut">
               <a:rPr lang="zh-CN" altLang="en-US" smtClean="0"/>
-              <a:t>2020/9/17</a:t>
+              <a:t>2020/9/18</a:t>
             </a:fld>
             <a:endParaRPr lang="zh-CN" altLang="en-US"/>
           </a:p>
@@ -2386,7 +2387,7 @@
           <a:p>
             <a:fld id="{F2DEEC08-CA69-41BE-843A-05E093E0FFC8}" type="datetimeFigureOut">
               <a:rPr lang="zh-CN" altLang="en-US" smtClean="0"/>
-              <a:t>2020/9/17</a:t>
+              <a:t>2020/9/18</a:t>
             </a:fld>
             <a:endParaRPr lang="zh-CN" altLang="en-US"/>
           </a:p>
@@ -2674,7 +2675,7 @@
           <a:p>
             <a:fld id="{F2DEEC08-CA69-41BE-843A-05E093E0FFC8}" type="datetimeFigureOut">
               <a:rPr lang="zh-CN" altLang="en-US" smtClean="0"/>
-              <a:t>2020/9/17</a:t>
+              <a:t>2020/9/18</a:t>
             </a:fld>
             <a:endParaRPr lang="zh-CN" altLang="en-US"/>
           </a:p>
@@ -2915,7 +2916,7 @@
           <a:p>
             <a:fld id="{F2DEEC08-CA69-41BE-843A-05E093E0FFC8}" type="datetimeFigureOut">
               <a:rPr lang="zh-CN" altLang="en-US" smtClean="0"/>
-              <a:t>2020/9/17</a:t>
+              <a:t>2020/9/18</a:t>
             </a:fld>
             <a:endParaRPr lang="zh-CN" altLang="en-US"/>
           </a:p>
@@ -4231,335 +4232,12 @@
           </a:p>
         </p:txBody>
       </p:sp>
-      <p:sp>
-        <p:nvSpPr>
-          <p:cNvPr id="38" name="文本框 37">
+      <p:grpSp>
+        <p:nvGrpSpPr>
+          <p:cNvPr id="3" name="组合 2">
             <a:extLst>
               <a:ext uri="{FF2B5EF4-FFF2-40B4-BE49-F238E27FC236}">
-                <a16:creationId xmlns:a16="http://schemas.microsoft.com/office/drawing/2014/main" id="{0D11BB2A-9FB0-46D0-9612-B4306CBDA294}"/>
-              </a:ext>
-            </a:extLst>
-          </p:cNvPr>
-          <p:cNvSpPr txBox="1"/>
-          <p:nvPr/>
-        </p:nvSpPr>
-        <p:spPr>
-          <a:xfrm>
-            <a:off x="7854888" y="2989988"/>
-            <a:ext cx="1048685" cy="307777"/>
-          </a:xfrm>
-          <a:prstGeom prst="rect">
-            <a:avLst/>
-          </a:prstGeom>
-          <a:noFill/>
-        </p:spPr>
-        <p:txBody>
-          <a:bodyPr wrap="none" rtlCol="0">
-            <a:spAutoFit/>
-          </a:bodyPr>
-          <a:lstStyle/>
-          <a:p>
-            <a:r>
-              <a:rPr lang="en-US" altLang="zh-CN" sz="1400" dirty="0"/>
-              <a:t>Exposures </a:t>
-            </a:r>
-            <a:r>
-              <a:rPr lang="en-US" altLang="zh-CN" sz="1400" dirty="0" err="1"/>
-              <a:t>i</a:t>
-            </a:r>
-            <a:endParaRPr lang="zh-CN" altLang="en-US" sz="1400" dirty="0"/>
-          </a:p>
-        </p:txBody>
-      </p:sp>
-      <p:sp>
-        <p:nvSpPr>
-          <p:cNvPr id="40" name="文本框 39">
-            <a:extLst>
-              <a:ext uri="{FF2B5EF4-FFF2-40B4-BE49-F238E27FC236}">
-                <a16:creationId xmlns:a16="http://schemas.microsoft.com/office/drawing/2014/main" id="{2503E1F5-BC68-47FA-8D62-5643DDE0735F}"/>
-              </a:ext>
-            </a:extLst>
-          </p:cNvPr>
-          <p:cNvSpPr txBox="1"/>
-          <p:nvPr/>
-        </p:nvSpPr>
-        <p:spPr>
-          <a:xfrm>
-            <a:off x="2251852" y="2989988"/>
-            <a:ext cx="1103187" cy="307777"/>
-          </a:xfrm>
-          <a:prstGeom prst="rect">
-            <a:avLst/>
-          </a:prstGeom>
-          <a:noFill/>
-        </p:spPr>
-        <p:txBody>
-          <a:bodyPr wrap="none" rtlCol="0">
-            <a:spAutoFit/>
-          </a:bodyPr>
-          <a:lstStyle/>
-          <a:p>
-            <a:r>
-              <a:rPr lang="en-US" altLang="zh-CN" sz="1400" dirty="0"/>
-              <a:t>Exposures 0</a:t>
-            </a:r>
-            <a:endParaRPr lang="zh-CN" altLang="en-US" sz="1400" dirty="0"/>
-          </a:p>
-        </p:txBody>
-      </p:sp>
-      <p:sp>
-        <p:nvSpPr>
-          <p:cNvPr id="42" name="文本框 41">
-            <a:extLst>
-              <a:ext uri="{FF2B5EF4-FFF2-40B4-BE49-F238E27FC236}">
-                <a16:creationId xmlns:a16="http://schemas.microsoft.com/office/drawing/2014/main" id="{AD3F8572-1060-46E9-817E-00EC2A183E16}"/>
-              </a:ext>
-            </a:extLst>
-          </p:cNvPr>
-          <p:cNvSpPr txBox="1"/>
-          <p:nvPr/>
-        </p:nvSpPr>
-        <p:spPr>
-          <a:xfrm>
-            <a:off x="3672417" y="2989988"/>
-            <a:ext cx="1103187" cy="307777"/>
-          </a:xfrm>
-          <a:prstGeom prst="rect">
-            <a:avLst/>
-          </a:prstGeom>
-          <a:noFill/>
-        </p:spPr>
-        <p:txBody>
-          <a:bodyPr wrap="none" rtlCol="0">
-            <a:spAutoFit/>
-          </a:bodyPr>
-          <a:lstStyle/>
-          <a:p>
-            <a:r>
-              <a:rPr lang="en-US" altLang="zh-CN" sz="1400" dirty="0"/>
-              <a:t>Exposures 1</a:t>
-            </a:r>
-            <a:endParaRPr lang="zh-CN" altLang="en-US" sz="1400" dirty="0"/>
-          </a:p>
-        </p:txBody>
-      </p:sp>
-      <p:sp>
-        <p:nvSpPr>
-          <p:cNvPr id="44" name="矩形 43">
-            <a:extLst>
-              <a:ext uri="{FF2B5EF4-FFF2-40B4-BE49-F238E27FC236}">
-                <a16:creationId xmlns:a16="http://schemas.microsoft.com/office/drawing/2014/main" id="{61256369-E65D-4965-834A-178CF715CC55}"/>
-              </a:ext>
-            </a:extLst>
-          </p:cNvPr>
-          <p:cNvSpPr/>
-          <p:nvPr/>
-        </p:nvSpPr>
-        <p:spPr>
-          <a:xfrm>
-            <a:off x="2363704" y="3574034"/>
-            <a:ext cx="976544" cy="985422"/>
-          </a:xfrm>
-          <a:prstGeom prst="rect">
-            <a:avLst/>
-          </a:prstGeom>
-          <a:noFill/>
-        </p:spPr>
-        <p:style>
-          <a:lnRef idx="2">
-            <a:schemeClr val="accent1">
-              <a:shade val="50000"/>
-            </a:schemeClr>
-          </a:lnRef>
-          <a:fillRef idx="1">
-            <a:schemeClr val="accent1"/>
-          </a:fillRef>
-          <a:effectRef idx="0">
-            <a:schemeClr val="accent1"/>
-          </a:effectRef>
-          <a:fontRef idx="minor">
-            <a:schemeClr val="lt1"/>
-          </a:fontRef>
-        </p:style>
-        <p:txBody>
-          <a:bodyPr rtlCol="0" anchor="ctr"/>
-          <a:lstStyle/>
-          <a:p>
-            <a:pPr algn="ctr"/>
-            <a:endParaRPr lang="zh-CN" altLang="en-US"/>
-          </a:p>
-        </p:txBody>
-      </p:sp>
-      <p:sp>
-        <p:nvSpPr>
-          <p:cNvPr id="46" name="矩形 45">
-            <a:extLst>
-              <a:ext uri="{FF2B5EF4-FFF2-40B4-BE49-F238E27FC236}">
-                <a16:creationId xmlns:a16="http://schemas.microsoft.com/office/drawing/2014/main" id="{D92163B6-6AAE-4B07-9B9B-431E61F5A0B1}"/>
-              </a:ext>
-            </a:extLst>
-          </p:cNvPr>
-          <p:cNvSpPr/>
-          <p:nvPr/>
-        </p:nvSpPr>
-        <p:spPr>
-          <a:xfrm>
-            <a:off x="3693135" y="3574034"/>
-            <a:ext cx="976544" cy="985422"/>
-          </a:xfrm>
-          <a:prstGeom prst="rect">
-            <a:avLst/>
-          </a:prstGeom>
-          <a:noFill/>
-        </p:spPr>
-        <p:style>
-          <a:lnRef idx="2">
-            <a:schemeClr val="accent1">
-              <a:shade val="50000"/>
-            </a:schemeClr>
-          </a:lnRef>
-          <a:fillRef idx="1">
-            <a:schemeClr val="accent1"/>
-          </a:fillRef>
-          <a:effectRef idx="0">
-            <a:schemeClr val="accent1"/>
-          </a:effectRef>
-          <a:fontRef idx="minor">
-            <a:schemeClr val="lt1"/>
-          </a:fontRef>
-        </p:style>
-        <p:txBody>
-          <a:bodyPr rtlCol="0" anchor="ctr"/>
-          <a:lstStyle/>
-          <a:p>
-            <a:pPr algn="ctr"/>
-            <a:endParaRPr lang="zh-CN" altLang="en-US"/>
-          </a:p>
-        </p:txBody>
-      </p:sp>
-      <p:sp>
-        <p:nvSpPr>
-          <p:cNvPr id="48" name="矩形 47">
-            <a:extLst>
-              <a:ext uri="{FF2B5EF4-FFF2-40B4-BE49-F238E27FC236}">
-                <a16:creationId xmlns:a16="http://schemas.microsoft.com/office/drawing/2014/main" id="{5EE9BD92-FDEF-45B6-BB2B-7B9E8804EBEA}"/>
-              </a:ext>
-            </a:extLst>
-          </p:cNvPr>
-          <p:cNvSpPr/>
-          <p:nvPr/>
-        </p:nvSpPr>
-        <p:spPr>
-          <a:xfrm>
-            <a:off x="7930723" y="3574034"/>
-            <a:ext cx="976544" cy="985422"/>
-          </a:xfrm>
-          <a:prstGeom prst="rect">
-            <a:avLst/>
-          </a:prstGeom>
-          <a:noFill/>
-        </p:spPr>
-        <p:style>
-          <a:lnRef idx="2">
-            <a:schemeClr val="accent1">
-              <a:shade val="50000"/>
-            </a:schemeClr>
-          </a:lnRef>
-          <a:fillRef idx="1">
-            <a:schemeClr val="accent1"/>
-          </a:fillRef>
-          <a:effectRef idx="0">
-            <a:schemeClr val="accent1"/>
-          </a:effectRef>
-          <a:fontRef idx="minor">
-            <a:schemeClr val="lt1"/>
-          </a:fontRef>
-        </p:style>
-        <p:txBody>
-          <a:bodyPr rtlCol="0" anchor="ctr"/>
-          <a:lstStyle/>
-          <a:p>
-            <a:pPr algn="ctr"/>
-            <a:endParaRPr lang="zh-CN" altLang="en-US"/>
-          </a:p>
-        </p:txBody>
-      </p:sp>
-      <p:sp>
-        <p:nvSpPr>
-          <p:cNvPr id="50" name="文本框 49">
-            <a:extLst>
-              <a:ext uri="{FF2B5EF4-FFF2-40B4-BE49-F238E27FC236}">
-                <a16:creationId xmlns:a16="http://schemas.microsoft.com/office/drawing/2014/main" id="{5CD2BA61-A44B-4D08-86F3-B5A4C4F56768}"/>
-              </a:ext>
-            </a:extLst>
-          </p:cNvPr>
-          <p:cNvSpPr txBox="1"/>
-          <p:nvPr/>
-        </p:nvSpPr>
-        <p:spPr>
-          <a:xfrm>
-            <a:off x="6006668" y="3835912"/>
-            <a:ext cx="399468" cy="461665"/>
-          </a:xfrm>
-          <a:prstGeom prst="rect">
-            <a:avLst/>
-          </a:prstGeom>
-          <a:noFill/>
-        </p:spPr>
-        <p:txBody>
-          <a:bodyPr wrap="none" rtlCol="0">
-            <a:spAutoFit/>
-          </a:bodyPr>
-          <a:lstStyle/>
-          <a:p>
-            <a:r>
-              <a:rPr lang="en-US" altLang="zh-CN" sz="2400" dirty="0"/>
-              <a:t>…</a:t>
-            </a:r>
-          </a:p>
-        </p:txBody>
-      </p:sp>
-      <p:sp>
-        <p:nvSpPr>
-          <p:cNvPr id="52" name="文本框 51">
-            <a:extLst>
-              <a:ext uri="{FF2B5EF4-FFF2-40B4-BE49-F238E27FC236}">
-                <a16:creationId xmlns:a16="http://schemas.microsoft.com/office/drawing/2014/main" id="{C14FF626-A8CA-4FC7-A19E-01BCA1811A2B}"/>
-              </a:ext>
-            </a:extLst>
-          </p:cNvPr>
-          <p:cNvSpPr txBox="1"/>
-          <p:nvPr/>
-        </p:nvSpPr>
-        <p:spPr>
-          <a:xfrm>
-            <a:off x="9843877" y="3835911"/>
-            <a:ext cx="399468" cy="461665"/>
-          </a:xfrm>
-          <a:prstGeom prst="rect">
-            <a:avLst/>
-          </a:prstGeom>
-          <a:noFill/>
-        </p:spPr>
-        <p:txBody>
-          <a:bodyPr wrap="none" rtlCol="0">
-            <a:spAutoFit/>
-          </a:bodyPr>
-          <a:lstStyle/>
-          <a:p>
-            <a:r>
-              <a:rPr lang="en-US" altLang="zh-CN" sz="2400" dirty="0"/>
-              <a:t>…</a:t>
-            </a:r>
-          </a:p>
-        </p:txBody>
-      </p:sp>
-      <p:grpSp>
-        <p:nvGrpSpPr>
-          <p:cNvPr id="65" name="组合 64">
-            <a:extLst>
-              <a:ext uri="{FF2B5EF4-FFF2-40B4-BE49-F238E27FC236}">
-                <a16:creationId xmlns:a16="http://schemas.microsoft.com/office/drawing/2014/main" id="{63E8982D-9F64-4391-9B8D-52B6EC92A561}"/>
+                <a16:creationId xmlns:a16="http://schemas.microsoft.com/office/drawing/2014/main" id="{484A3AD5-E100-4601-8821-D11F02DEAC5A}"/>
               </a:ext>
             </a:extLst>
           </p:cNvPr>
@@ -4567,19 +4245,131 @@
           <p:nvPr/>
         </p:nvGrpSpPr>
         <p:grpSpPr>
-          <a:xfrm rot="10800000" flipH="1">
-            <a:off x="2840297" y="4644165"/>
-            <a:ext cx="3366105" cy="373414"/>
-            <a:chOff x="2607036" y="4349440"/>
-            <a:chExt cx="3204299" cy="373414"/>
+          <a:xfrm>
+            <a:off x="2888210" y="3783676"/>
+            <a:ext cx="6988519" cy="1422780"/>
+            <a:chOff x="2279768" y="3239220"/>
+            <a:chExt cx="7991493" cy="2027591"/>
           </a:xfrm>
         </p:grpSpPr>
         <p:sp>
           <p:nvSpPr>
-            <p:cNvPr id="53" name="箭头: 上弧形 52">
+            <p:cNvPr id="38" name="文本框 37">
               <a:extLst>
                 <a:ext uri="{FF2B5EF4-FFF2-40B4-BE49-F238E27FC236}">
-                  <a16:creationId xmlns:a16="http://schemas.microsoft.com/office/drawing/2014/main" id="{0B712237-D3BE-42D0-8147-16445E98A8FD}"/>
+                  <a16:creationId xmlns:a16="http://schemas.microsoft.com/office/drawing/2014/main" id="{0D11BB2A-9FB0-46D0-9612-B4306CBDA294}"/>
+                </a:ext>
+              </a:extLst>
+            </p:cNvPr>
+            <p:cNvSpPr txBox="1"/>
+            <p:nvPr/>
+          </p:nvSpPr>
+          <p:spPr>
+            <a:xfrm>
+              <a:off x="7882804" y="3239220"/>
+              <a:ext cx="1048685" cy="307777"/>
+            </a:xfrm>
+            <a:prstGeom prst="rect">
+              <a:avLst/>
+            </a:prstGeom>
+            <a:noFill/>
+          </p:spPr>
+          <p:txBody>
+            <a:bodyPr wrap="none" rtlCol="0">
+              <a:spAutoFit/>
+            </a:bodyPr>
+            <a:lstStyle/>
+            <a:p>
+              <a:r>
+                <a:rPr lang="en-US" altLang="zh-CN" sz="1400" dirty="0"/>
+                <a:t>Exposures </a:t>
+              </a:r>
+              <a:r>
+                <a:rPr lang="en-US" altLang="zh-CN" sz="1400" dirty="0" err="1"/>
+                <a:t>i</a:t>
+              </a:r>
+              <a:endParaRPr lang="zh-CN" altLang="en-US" sz="1400" dirty="0"/>
+            </a:p>
+          </p:txBody>
+        </p:sp>
+        <p:sp>
+          <p:nvSpPr>
+            <p:cNvPr id="40" name="文本框 39">
+              <a:extLst>
+                <a:ext uri="{FF2B5EF4-FFF2-40B4-BE49-F238E27FC236}">
+                  <a16:creationId xmlns:a16="http://schemas.microsoft.com/office/drawing/2014/main" id="{2503E1F5-BC68-47FA-8D62-5643DDE0735F}"/>
+                </a:ext>
+              </a:extLst>
+            </p:cNvPr>
+            <p:cNvSpPr txBox="1"/>
+            <p:nvPr/>
+          </p:nvSpPr>
+          <p:spPr>
+            <a:xfrm>
+              <a:off x="2279768" y="3239220"/>
+              <a:ext cx="1103187" cy="307777"/>
+            </a:xfrm>
+            <a:prstGeom prst="rect">
+              <a:avLst/>
+            </a:prstGeom>
+            <a:noFill/>
+          </p:spPr>
+          <p:txBody>
+            <a:bodyPr wrap="none" rtlCol="0">
+              <a:spAutoFit/>
+            </a:bodyPr>
+            <a:lstStyle/>
+            <a:p>
+              <a:r>
+                <a:rPr lang="en-US" altLang="zh-CN" sz="1400" dirty="0"/>
+                <a:t>Exposures 0</a:t>
+              </a:r>
+              <a:endParaRPr lang="zh-CN" altLang="en-US" sz="1400" dirty="0"/>
+            </a:p>
+          </p:txBody>
+        </p:sp>
+        <p:sp>
+          <p:nvSpPr>
+            <p:cNvPr id="42" name="文本框 41">
+              <a:extLst>
+                <a:ext uri="{FF2B5EF4-FFF2-40B4-BE49-F238E27FC236}">
+                  <a16:creationId xmlns:a16="http://schemas.microsoft.com/office/drawing/2014/main" id="{AD3F8572-1060-46E9-817E-00EC2A183E16}"/>
+                </a:ext>
+              </a:extLst>
+            </p:cNvPr>
+            <p:cNvSpPr txBox="1"/>
+            <p:nvPr/>
+          </p:nvSpPr>
+          <p:spPr>
+            <a:xfrm>
+              <a:off x="3700333" y="3239220"/>
+              <a:ext cx="1103187" cy="307777"/>
+            </a:xfrm>
+            <a:prstGeom prst="rect">
+              <a:avLst/>
+            </a:prstGeom>
+            <a:noFill/>
+          </p:spPr>
+          <p:txBody>
+            <a:bodyPr wrap="none" rtlCol="0">
+              <a:spAutoFit/>
+            </a:bodyPr>
+            <a:lstStyle/>
+            <a:p>
+              <a:r>
+                <a:rPr lang="en-US" altLang="zh-CN" sz="1400" dirty="0"/>
+                <a:t>Exposures 1</a:t>
+              </a:r>
+              <a:endParaRPr lang="zh-CN" altLang="en-US" sz="1400" dirty="0"/>
+            </a:p>
+          </p:txBody>
+        </p:sp>
+        <p:sp>
+          <p:nvSpPr>
+            <p:cNvPr id="44" name="矩形 43">
+              <a:extLst>
+                <a:ext uri="{FF2B5EF4-FFF2-40B4-BE49-F238E27FC236}">
+                  <a16:creationId xmlns:a16="http://schemas.microsoft.com/office/drawing/2014/main" id="{61256369-E65D-4965-834A-178CF715CC55}"/>
                 </a:ext>
               </a:extLst>
             </p:cNvPr>
@@ -4588,16 +4378,13 @@
           </p:nvSpPr>
           <p:spPr>
             <a:xfrm>
-              <a:off x="2615387" y="4443884"/>
-              <a:ext cx="1208974" cy="278970"/>
+              <a:off x="2391620" y="3823266"/>
+              <a:ext cx="976544" cy="985422"/>
             </a:xfrm>
-            <a:prstGeom prst="curvedDownArrow">
-              <a:avLst>
-                <a:gd name="adj1" fmla="val 0"/>
-                <a:gd name="adj2" fmla="val 66039"/>
-                <a:gd name="adj3" fmla="val 31365"/>
-              </a:avLst>
+            <a:prstGeom prst="rect">
+              <a:avLst/>
             </a:prstGeom>
+            <a:noFill/>
           </p:spPr>
           <p:style>
             <a:lnRef idx="2">
@@ -4620,20 +4407,16 @@
             <a:lstStyle/>
             <a:p>
               <a:pPr algn="ctr"/>
-              <a:endParaRPr lang="zh-CN" altLang="en-US">
-                <a:solidFill>
-                  <a:schemeClr val="tx1"/>
-                </a:solidFill>
-              </a:endParaRPr>
+              <a:endParaRPr lang="zh-CN" altLang="en-US"/>
             </a:p>
           </p:txBody>
         </p:sp>
         <p:sp>
           <p:nvSpPr>
-            <p:cNvPr id="55" name="箭头: 上弧形 54">
+            <p:cNvPr id="46" name="矩形 45">
               <a:extLst>
                 <a:ext uri="{FF2B5EF4-FFF2-40B4-BE49-F238E27FC236}">
-                  <a16:creationId xmlns:a16="http://schemas.microsoft.com/office/drawing/2014/main" id="{69250E8D-C816-4206-8CDC-372E9867A58B}"/>
+                  <a16:creationId xmlns:a16="http://schemas.microsoft.com/office/drawing/2014/main" id="{D92163B6-6AAE-4B07-9B9B-431E61F5A0B1}"/>
                 </a:ext>
               </a:extLst>
             </p:cNvPr>
@@ -4642,16 +4425,13 @@
           </p:nvSpPr>
           <p:spPr>
             <a:xfrm>
-              <a:off x="2630245" y="4372150"/>
-              <a:ext cx="2545963" cy="307777"/>
+              <a:off x="3721051" y="3823266"/>
+              <a:ext cx="976544" cy="985422"/>
             </a:xfrm>
-            <a:prstGeom prst="curvedDownArrow">
-              <a:avLst>
-                <a:gd name="adj1" fmla="val 0"/>
-                <a:gd name="adj2" fmla="val 66039"/>
-                <a:gd name="adj3" fmla="val 31365"/>
-              </a:avLst>
+            <a:prstGeom prst="rect">
+              <a:avLst/>
             </a:prstGeom>
+            <a:noFill/>
           </p:spPr>
           <p:style>
             <a:lnRef idx="2">
@@ -4674,20 +4454,16 @@
             <a:lstStyle/>
             <a:p>
               <a:pPr algn="ctr"/>
-              <a:endParaRPr lang="zh-CN" altLang="en-US">
-                <a:solidFill>
-                  <a:schemeClr val="tx1"/>
-                </a:solidFill>
-              </a:endParaRPr>
+              <a:endParaRPr lang="zh-CN" altLang="en-US"/>
             </a:p>
           </p:txBody>
         </p:sp>
         <p:sp>
           <p:nvSpPr>
-            <p:cNvPr id="57" name="箭头: 上弧形 56">
+            <p:cNvPr id="48" name="矩形 47">
               <a:extLst>
                 <a:ext uri="{FF2B5EF4-FFF2-40B4-BE49-F238E27FC236}">
-                  <a16:creationId xmlns:a16="http://schemas.microsoft.com/office/drawing/2014/main" id="{5DBF4185-C5DB-4D9C-AAFA-8AB6B17091A1}"/>
+                  <a16:creationId xmlns:a16="http://schemas.microsoft.com/office/drawing/2014/main" id="{5EE9BD92-FDEF-45B6-BB2B-7B9E8804EBEA}"/>
                 </a:ext>
               </a:extLst>
             </p:cNvPr>
@@ -4696,16 +4472,13 @@
           </p:nvSpPr>
           <p:spPr>
             <a:xfrm>
-              <a:off x="2607036" y="4349440"/>
-              <a:ext cx="3204299" cy="353195"/>
+              <a:off x="7958639" y="3823266"/>
+              <a:ext cx="976544" cy="985422"/>
             </a:xfrm>
-            <a:prstGeom prst="curvedDownArrow">
-              <a:avLst>
-                <a:gd name="adj1" fmla="val 0"/>
-                <a:gd name="adj2" fmla="val 66039"/>
-                <a:gd name="adj3" fmla="val 31365"/>
-              </a:avLst>
+            <a:prstGeom prst="rect">
+              <a:avLst/>
             </a:prstGeom>
+            <a:noFill/>
           </p:spPr>
           <p:style>
             <a:lnRef idx="2">
@@ -4728,21 +4501,503 @@
             <a:lstStyle/>
             <a:p>
               <a:pPr algn="ctr"/>
-              <a:endParaRPr lang="zh-CN" altLang="en-US">
-                <a:solidFill>
-                  <a:schemeClr val="tx1"/>
-                </a:solidFill>
-              </a:endParaRPr>
+              <a:endParaRPr lang="zh-CN" altLang="en-US"/>
             </a:p>
           </p:txBody>
         </p:sp>
+        <p:sp>
+          <p:nvSpPr>
+            <p:cNvPr id="50" name="文本框 49">
+              <a:extLst>
+                <a:ext uri="{FF2B5EF4-FFF2-40B4-BE49-F238E27FC236}">
+                  <a16:creationId xmlns:a16="http://schemas.microsoft.com/office/drawing/2014/main" id="{5CD2BA61-A44B-4D08-86F3-B5A4C4F56768}"/>
+                </a:ext>
+              </a:extLst>
+            </p:cNvPr>
+            <p:cNvSpPr txBox="1"/>
+            <p:nvPr/>
+          </p:nvSpPr>
+          <p:spPr>
+            <a:xfrm>
+              <a:off x="6034584" y="4085144"/>
+              <a:ext cx="399468" cy="461665"/>
+            </a:xfrm>
+            <a:prstGeom prst="rect">
+              <a:avLst/>
+            </a:prstGeom>
+            <a:noFill/>
+          </p:spPr>
+          <p:txBody>
+            <a:bodyPr wrap="none" rtlCol="0">
+              <a:spAutoFit/>
+            </a:bodyPr>
+            <a:lstStyle/>
+            <a:p>
+              <a:r>
+                <a:rPr lang="en-US" altLang="zh-CN" sz="2400" dirty="0"/>
+                <a:t>…</a:t>
+              </a:r>
+            </a:p>
+          </p:txBody>
+        </p:sp>
+        <p:sp>
+          <p:nvSpPr>
+            <p:cNvPr id="52" name="文本框 51">
+              <a:extLst>
+                <a:ext uri="{FF2B5EF4-FFF2-40B4-BE49-F238E27FC236}">
+                  <a16:creationId xmlns:a16="http://schemas.microsoft.com/office/drawing/2014/main" id="{C14FF626-A8CA-4FC7-A19E-01BCA1811A2B}"/>
+                </a:ext>
+              </a:extLst>
+            </p:cNvPr>
+            <p:cNvSpPr txBox="1"/>
+            <p:nvPr/>
+          </p:nvSpPr>
+          <p:spPr>
+            <a:xfrm>
+              <a:off x="9871793" y="4085143"/>
+              <a:ext cx="399468" cy="461665"/>
+            </a:xfrm>
+            <a:prstGeom prst="rect">
+              <a:avLst/>
+            </a:prstGeom>
+            <a:noFill/>
+          </p:spPr>
+          <p:txBody>
+            <a:bodyPr wrap="none" rtlCol="0">
+              <a:spAutoFit/>
+            </a:bodyPr>
+            <a:lstStyle/>
+            <a:p>
+              <a:r>
+                <a:rPr lang="en-US" altLang="zh-CN" sz="2400" dirty="0"/>
+                <a:t>…</a:t>
+              </a:r>
+            </a:p>
+          </p:txBody>
+        </p:sp>
+        <p:grpSp>
+          <p:nvGrpSpPr>
+            <p:cNvPr id="65" name="组合 64">
+              <a:extLst>
+                <a:ext uri="{FF2B5EF4-FFF2-40B4-BE49-F238E27FC236}">
+                  <a16:creationId xmlns:a16="http://schemas.microsoft.com/office/drawing/2014/main" id="{63E8982D-9F64-4391-9B8D-52B6EC92A561}"/>
+                </a:ext>
+              </a:extLst>
+            </p:cNvPr>
+            <p:cNvGrpSpPr/>
+            <p:nvPr/>
+          </p:nvGrpSpPr>
+          <p:grpSpPr>
+            <a:xfrm rot="10800000" flipH="1">
+              <a:off x="2868213" y="4893397"/>
+              <a:ext cx="3366105" cy="373414"/>
+              <a:chOff x="2607036" y="4349440"/>
+              <a:chExt cx="3204299" cy="373414"/>
+            </a:xfrm>
+          </p:grpSpPr>
+          <p:sp>
+            <p:nvSpPr>
+              <p:cNvPr id="53" name="箭头: 上弧形 52">
+                <a:extLst>
+                  <a:ext uri="{FF2B5EF4-FFF2-40B4-BE49-F238E27FC236}">
+                    <a16:creationId xmlns:a16="http://schemas.microsoft.com/office/drawing/2014/main" id="{0B712237-D3BE-42D0-8147-16445E98A8FD}"/>
+                  </a:ext>
+                </a:extLst>
+              </p:cNvPr>
+              <p:cNvSpPr/>
+              <p:nvPr/>
+            </p:nvSpPr>
+            <p:spPr>
+              <a:xfrm>
+                <a:off x="2615387" y="4443884"/>
+                <a:ext cx="1208974" cy="278970"/>
+              </a:xfrm>
+              <a:prstGeom prst="curvedDownArrow">
+                <a:avLst>
+                  <a:gd name="adj1" fmla="val 0"/>
+                  <a:gd name="adj2" fmla="val 66039"/>
+                  <a:gd name="adj3" fmla="val 31365"/>
+                </a:avLst>
+              </a:prstGeom>
+            </p:spPr>
+            <p:style>
+              <a:lnRef idx="2">
+                <a:schemeClr val="accent1">
+                  <a:shade val="50000"/>
+                </a:schemeClr>
+              </a:lnRef>
+              <a:fillRef idx="1">
+                <a:schemeClr val="accent1"/>
+              </a:fillRef>
+              <a:effectRef idx="0">
+                <a:schemeClr val="accent1"/>
+              </a:effectRef>
+              <a:fontRef idx="minor">
+                <a:schemeClr val="lt1"/>
+              </a:fontRef>
+            </p:style>
+            <p:txBody>
+              <a:bodyPr rtlCol="0" anchor="ctr"/>
+              <a:lstStyle/>
+              <a:p>
+                <a:pPr algn="ctr"/>
+                <a:endParaRPr lang="zh-CN" altLang="en-US">
+                  <a:solidFill>
+                    <a:schemeClr val="tx1"/>
+                  </a:solidFill>
+                </a:endParaRPr>
+              </a:p>
+            </p:txBody>
+          </p:sp>
+          <p:sp>
+            <p:nvSpPr>
+              <p:cNvPr id="55" name="箭头: 上弧形 54">
+                <a:extLst>
+                  <a:ext uri="{FF2B5EF4-FFF2-40B4-BE49-F238E27FC236}">
+                    <a16:creationId xmlns:a16="http://schemas.microsoft.com/office/drawing/2014/main" id="{69250E8D-C816-4206-8CDC-372E9867A58B}"/>
+                  </a:ext>
+                </a:extLst>
+              </p:cNvPr>
+              <p:cNvSpPr/>
+              <p:nvPr/>
+            </p:nvSpPr>
+            <p:spPr>
+              <a:xfrm>
+                <a:off x="2630245" y="4372150"/>
+                <a:ext cx="2545963" cy="307777"/>
+              </a:xfrm>
+              <a:prstGeom prst="curvedDownArrow">
+                <a:avLst>
+                  <a:gd name="adj1" fmla="val 0"/>
+                  <a:gd name="adj2" fmla="val 66039"/>
+                  <a:gd name="adj3" fmla="val 31365"/>
+                </a:avLst>
+              </a:prstGeom>
+            </p:spPr>
+            <p:style>
+              <a:lnRef idx="2">
+                <a:schemeClr val="accent1">
+                  <a:shade val="50000"/>
+                </a:schemeClr>
+              </a:lnRef>
+              <a:fillRef idx="1">
+                <a:schemeClr val="accent1"/>
+              </a:fillRef>
+              <a:effectRef idx="0">
+                <a:schemeClr val="accent1"/>
+              </a:effectRef>
+              <a:fontRef idx="minor">
+                <a:schemeClr val="lt1"/>
+              </a:fontRef>
+            </p:style>
+            <p:txBody>
+              <a:bodyPr rtlCol="0" anchor="ctr"/>
+              <a:lstStyle/>
+              <a:p>
+                <a:pPr algn="ctr"/>
+                <a:endParaRPr lang="zh-CN" altLang="en-US">
+                  <a:solidFill>
+                    <a:schemeClr val="tx1"/>
+                  </a:solidFill>
+                </a:endParaRPr>
+              </a:p>
+            </p:txBody>
+          </p:sp>
+          <p:sp>
+            <p:nvSpPr>
+              <p:cNvPr id="57" name="箭头: 上弧形 56">
+                <a:extLst>
+                  <a:ext uri="{FF2B5EF4-FFF2-40B4-BE49-F238E27FC236}">
+                    <a16:creationId xmlns:a16="http://schemas.microsoft.com/office/drawing/2014/main" id="{5DBF4185-C5DB-4D9C-AAFA-8AB6B17091A1}"/>
+                  </a:ext>
+                </a:extLst>
+              </p:cNvPr>
+              <p:cNvSpPr/>
+              <p:nvPr/>
+            </p:nvSpPr>
+            <p:spPr>
+              <a:xfrm>
+                <a:off x="2607036" y="4349440"/>
+                <a:ext cx="3204299" cy="353195"/>
+              </a:xfrm>
+              <a:prstGeom prst="curvedDownArrow">
+                <a:avLst>
+                  <a:gd name="adj1" fmla="val 0"/>
+                  <a:gd name="adj2" fmla="val 66039"/>
+                  <a:gd name="adj3" fmla="val 31365"/>
+                </a:avLst>
+              </a:prstGeom>
+            </p:spPr>
+            <p:style>
+              <a:lnRef idx="2">
+                <a:schemeClr val="accent1">
+                  <a:shade val="50000"/>
+                </a:schemeClr>
+              </a:lnRef>
+              <a:fillRef idx="1">
+                <a:schemeClr val="accent1"/>
+              </a:fillRef>
+              <a:effectRef idx="0">
+                <a:schemeClr val="accent1"/>
+              </a:effectRef>
+              <a:fontRef idx="minor">
+                <a:schemeClr val="lt1"/>
+              </a:fontRef>
+            </p:style>
+            <p:txBody>
+              <a:bodyPr rtlCol="0" anchor="ctr"/>
+              <a:lstStyle/>
+              <a:p>
+                <a:pPr algn="ctr"/>
+                <a:endParaRPr lang="zh-CN" altLang="en-US">
+                  <a:solidFill>
+                    <a:schemeClr val="tx1"/>
+                  </a:solidFill>
+                </a:endParaRPr>
+              </a:p>
+            </p:txBody>
+          </p:sp>
+        </p:grpSp>
+        <p:grpSp>
+          <p:nvGrpSpPr>
+            <p:cNvPr id="64" name="组合 63">
+              <a:extLst>
+                <a:ext uri="{FF2B5EF4-FFF2-40B4-BE49-F238E27FC236}">
+                  <a16:creationId xmlns:a16="http://schemas.microsoft.com/office/drawing/2014/main" id="{5A6E8DFD-B28C-4D2D-AE0E-E8138C51583B}"/>
+                </a:ext>
+              </a:extLst>
+            </p:cNvPr>
+            <p:cNvGrpSpPr/>
+            <p:nvPr/>
+          </p:nvGrpSpPr>
+          <p:grpSpPr>
+            <a:xfrm>
+              <a:off x="4147009" y="3442405"/>
+              <a:ext cx="3204299" cy="373414"/>
+              <a:chOff x="3891622" y="4625709"/>
+              <a:chExt cx="3204299" cy="373414"/>
+            </a:xfrm>
+          </p:grpSpPr>
+          <p:sp>
+            <p:nvSpPr>
+              <p:cNvPr id="59" name="箭头: 上弧形 58">
+                <a:extLst>
+                  <a:ext uri="{FF2B5EF4-FFF2-40B4-BE49-F238E27FC236}">
+                    <a16:creationId xmlns:a16="http://schemas.microsoft.com/office/drawing/2014/main" id="{F759A56C-ACEE-4F59-B577-321689F9EFA9}"/>
+                  </a:ext>
+                </a:extLst>
+              </p:cNvPr>
+              <p:cNvSpPr/>
+              <p:nvPr/>
+            </p:nvSpPr>
+            <p:spPr>
+              <a:xfrm>
+                <a:off x="3899973" y="4720153"/>
+                <a:ext cx="1208974" cy="278970"/>
+              </a:xfrm>
+              <a:prstGeom prst="curvedDownArrow">
+                <a:avLst>
+                  <a:gd name="adj1" fmla="val 0"/>
+                  <a:gd name="adj2" fmla="val 66039"/>
+                  <a:gd name="adj3" fmla="val 31365"/>
+                </a:avLst>
+              </a:prstGeom>
+            </p:spPr>
+            <p:style>
+              <a:lnRef idx="2">
+                <a:schemeClr val="accent1">
+                  <a:shade val="50000"/>
+                </a:schemeClr>
+              </a:lnRef>
+              <a:fillRef idx="1">
+                <a:schemeClr val="accent1"/>
+              </a:fillRef>
+              <a:effectRef idx="0">
+                <a:schemeClr val="accent1"/>
+              </a:effectRef>
+              <a:fontRef idx="minor">
+                <a:schemeClr val="lt1"/>
+              </a:fontRef>
+            </p:style>
+            <p:txBody>
+              <a:bodyPr rtlCol="0" anchor="ctr"/>
+              <a:lstStyle/>
+              <a:p>
+                <a:pPr algn="ctr"/>
+                <a:endParaRPr lang="zh-CN" altLang="en-US">
+                  <a:solidFill>
+                    <a:schemeClr val="tx1"/>
+                  </a:solidFill>
+                </a:endParaRPr>
+              </a:p>
+            </p:txBody>
+          </p:sp>
+          <p:sp>
+            <p:nvSpPr>
+              <p:cNvPr id="61" name="箭头: 上弧形 60">
+                <a:extLst>
+                  <a:ext uri="{FF2B5EF4-FFF2-40B4-BE49-F238E27FC236}">
+                    <a16:creationId xmlns:a16="http://schemas.microsoft.com/office/drawing/2014/main" id="{75D31D92-6B4E-4CA1-AA59-8A5A649BF300}"/>
+                  </a:ext>
+                </a:extLst>
+              </p:cNvPr>
+              <p:cNvSpPr/>
+              <p:nvPr/>
+            </p:nvSpPr>
+            <p:spPr>
+              <a:xfrm>
+                <a:off x="3914831" y="4648419"/>
+                <a:ext cx="2545963" cy="307777"/>
+              </a:xfrm>
+              <a:prstGeom prst="curvedDownArrow">
+                <a:avLst>
+                  <a:gd name="adj1" fmla="val 0"/>
+                  <a:gd name="adj2" fmla="val 66039"/>
+                  <a:gd name="adj3" fmla="val 31365"/>
+                </a:avLst>
+              </a:prstGeom>
+            </p:spPr>
+            <p:style>
+              <a:lnRef idx="2">
+                <a:schemeClr val="accent1">
+                  <a:shade val="50000"/>
+                </a:schemeClr>
+              </a:lnRef>
+              <a:fillRef idx="1">
+                <a:schemeClr val="accent1"/>
+              </a:fillRef>
+              <a:effectRef idx="0">
+                <a:schemeClr val="accent1"/>
+              </a:effectRef>
+              <a:fontRef idx="minor">
+                <a:schemeClr val="lt1"/>
+              </a:fontRef>
+            </p:style>
+            <p:txBody>
+              <a:bodyPr rtlCol="0" anchor="ctr"/>
+              <a:lstStyle/>
+              <a:p>
+                <a:pPr algn="ctr"/>
+                <a:endParaRPr lang="zh-CN" altLang="en-US">
+                  <a:solidFill>
+                    <a:schemeClr val="tx1"/>
+                  </a:solidFill>
+                </a:endParaRPr>
+              </a:p>
+            </p:txBody>
+          </p:sp>
+          <p:sp>
+            <p:nvSpPr>
+              <p:cNvPr id="63" name="箭头: 上弧形 62">
+                <a:extLst>
+                  <a:ext uri="{FF2B5EF4-FFF2-40B4-BE49-F238E27FC236}">
+                    <a16:creationId xmlns:a16="http://schemas.microsoft.com/office/drawing/2014/main" id="{6962269E-A590-4CDD-85A1-7238CC6CDF40}"/>
+                  </a:ext>
+                </a:extLst>
+              </p:cNvPr>
+              <p:cNvSpPr/>
+              <p:nvPr/>
+            </p:nvSpPr>
+            <p:spPr>
+              <a:xfrm>
+                <a:off x="3891622" y="4625709"/>
+                <a:ext cx="3204299" cy="353195"/>
+              </a:xfrm>
+              <a:prstGeom prst="curvedDownArrow">
+                <a:avLst>
+                  <a:gd name="adj1" fmla="val 0"/>
+                  <a:gd name="adj2" fmla="val 66039"/>
+                  <a:gd name="adj3" fmla="val 31365"/>
+                </a:avLst>
+              </a:prstGeom>
+            </p:spPr>
+            <p:style>
+              <a:lnRef idx="2">
+                <a:schemeClr val="accent1">
+                  <a:shade val="50000"/>
+                </a:schemeClr>
+              </a:lnRef>
+              <a:fillRef idx="1">
+                <a:schemeClr val="accent1"/>
+              </a:fillRef>
+              <a:effectRef idx="0">
+                <a:schemeClr val="accent1"/>
+              </a:effectRef>
+              <a:fontRef idx="minor">
+                <a:schemeClr val="lt1"/>
+              </a:fontRef>
+            </p:style>
+            <p:txBody>
+              <a:bodyPr rtlCol="0" anchor="ctr"/>
+              <a:lstStyle/>
+              <a:p>
+                <a:pPr algn="ctr"/>
+                <a:endParaRPr lang="zh-CN" altLang="en-US">
+                  <a:solidFill>
+                    <a:schemeClr val="tx1"/>
+                  </a:solidFill>
+                </a:endParaRPr>
+              </a:p>
+            </p:txBody>
+          </p:sp>
+        </p:grpSp>
       </p:grpSp>
+      <p:sp>
+        <p:nvSpPr>
+          <p:cNvPr id="66" name="文本框 65">
+            <a:extLst>
+              <a:ext uri="{FF2B5EF4-FFF2-40B4-BE49-F238E27FC236}">
+                <a16:creationId xmlns:a16="http://schemas.microsoft.com/office/drawing/2014/main" id="{BBEEF6B0-AC80-4302-A469-044194B16E94}"/>
+              </a:ext>
+            </a:extLst>
+          </p:cNvPr>
+          <p:cNvSpPr txBox="1"/>
+          <p:nvPr/>
+        </p:nvSpPr>
+        <p:spPr>
+          <a:xfrm>
+            <a:off x="3795217" y="2997320"/>
+            <a:ext cx="4698722" cy="584775"/>
+          </a:xfrm>
+          <a:prstGeom prst="rect">
+            <a:avLst/>
+          </a:prstGeom>
+          <a:noFill/>
+        </p:spPr>
+        <p:txBody>
+          <a:bodyPr wrap="none" rtlCol="0">
+            <a:spAutoFit/>
+          </a:bodyPr>
+          <a:lstStyle/>
+          <a:p>
+            <a:r>
+              <a:rPr lang="en-US" altLang="zh-CN" sz="1600" dirty="0"/>
+              <a:t>Save the result of each exposure pair, exposure [</a:t>
+            </a:r>
+            <a:r>
+              <a:rPr lang="en-US" altLang="zh-CN" sz="1600" dirty="0" err="1"/>
+              <a:t>i</a:t>
+            </a:r>
+            <a:r>
+              <a:rPr lang="en-US" altLang="zh-CN" sz="1600" dirty="0"/>
+              <a:t>, j]</a:t>
+            </a:r>
+          </a:p>
+          <a:p>
+            <a:r>
+              <a:rPr lang="en-US" altLang="zh-CN" sz="1600" dirty="0"/>
+              <a:t>Total 1117 exposures, ~45000 exposure pairs</a:t>
+            </a:r>
+            <a:endParaRPr lang="zh-CN" altLang="en-US" sz="1600" dirty="0"/>
+          </a:p>
+        </p:txBody>
+      </p:sp>
       <p:grpSp>
         <p:nvGrpSpPr>
-          <p:cNvPr id="64" name="组合 63">
+          <p:cNvPr id="39" name="组合 38">
             <a:extLst>
               <a:ext uri="{FF2B5EF4-FFF2-40B4-BE49-F238E27FC236}">
-                <a16:creationId xmlns:a16="http://schemas.microsoft.com/office/drawing/2014/main" id="{5A6E8DFD-B28C-4D2D-AE0E-E8138C51583B}"/>
+                <a16:creationId xmlns:a16="http://schemas.microsoft.com/office/drawing/2014/main" id="{117C2654-CBF4-48C8-A426-0AD94E521F40}"/>
               </a:ext>
             </a:extLst>
           </p:cNvPr>
@@ -4751,18 +5006,18 @@
         </p:nvGrpSpPr>
         <p:grpSpPr>
           <a:xfrm>
-            <a:off x="4119093" y="3193173"/>
-            <a:ext cx="3204299" cy="373414"/>
-            <a:chOff x="3891622" y="4625709"/>
-            <a:chExt cx="3204299" cy="373414"/>
+            <a:off x="3254055" y="5910520"/>
+            <a:ext cx="2890523" cy="678352"/>
+            <a:chOff x="2774280" y="919629"/>
+            <a:chExt cx="2890523" cy="678352"/>
           </a:xfrm>
         </p:grpSpPr>
         <p:sp>
           <p:nvSpPr>
-            <p:cNvPr id="59" name="箭头: 上弧形 58">
+            <p:cNvPr id="41" name="矩形 40">
               <a:extLst>
                 <a:ext uri="{FF2B5EF4-FFF2-40B4-BE49-F238E27FC236}">
-                  <a16:creationId xmlns:a16="http://schemas.microsoft.com/office/drawing/2014/main" id="{F759A56C-ACEE-4F59-B577-321689F9EFA9}"/>
+                  <a16:creationId xmlns:a16="http://schemas.microsoft.com/office/drawing/2014/main" id="{2537A07F-72A2-4E28-9A72-F5EBCA7454E8}"/>
                 </a:ext>
               </a:extLst>
             </p:cNvPr>
@@ -4771,16 +5026,13 @@
           </p:nvSpPr>
           <p:spPr>
             <a:xfrm>
-              <a:off x="3899973" y="4720153"/>
-              <a:ext cx="1208974" cy="278970"/>
+              <a:off x="2774280" y="919629"/>
+              <a:ext cx="448919" cy="339176"/>
             </a:xfrm>
-            <a:prstGeom prst="curvedDownArrow">
-              <a:avLst>
-                <a:gd name="adj1" fmla="val 0"/>
-                <a:gd name="adj2" fmla="val 66039"/>
-                <a:gd name="adj3" fmla="val 31365"/>
-              </a:avLst>
+            <a:prstGeom prst="rect">
+              <a:avLst/>
             </a:prstGeom>
+            <a:noFill/>
           </p:spPr>
           <p:style>
             <a:lnRef idx="2">
@@ -4803,7 +5055,15 @@
             <a:lstStyle/>
             <a:p>
               <a:pPr algn="ctr"/>
-              <a:endParaRPr lang="zh-CN" altLang="en-US">
+              <a:r>
+                <a:rPr lang="en-US" altLang="zh-CN" dirty="0">
+                  <a:solidFill>
+                    <a:schemeClr val="tx1"/>
+                  </a:solidFill>
+                </a:rPr>
+                <a:t>1</a:t>
+              </a:r>
+              <a:endParaRPr lang="zh-CN" altLang="en-US" dirty="0">
                 <a:solidFill>
                   <a:schemeClr val="tx1"/>
                 </a:solidFill>
@@ -4813,10 +5073,10 @@
         </p:sp>
         <p:sp>
           <p:nvSpPr>
-            <p:cNvPr id="61" name="箭头: 上弧形 60">
+            <p:cNvPr id="43" name="矩形 42">
               <a:extLst>
                 <a:ext uri="{FF2B5EF4-FFF2-40B4-BE49-F238E27FC236}">
-                  <a16:creationId xmlns:a16="http://schemas.microsoft.com/office/drawing/2014/main" id="{75D31D92-6B4E-4CA1-AA59-8A5A649BF300}"/>
+                  <a16:creationId xmlns:a16="http://schemas.microsoft.com/office/drawing/2014/main" id="{8C2BC5A6-E1C0-46F6-A883-8A440788B830}"/>
                 </a:ext>
               </a:extLst>
             </p:cNvPr>
@@ -4825,16 +5085,13 @@
           </p:nvSpPr>
           <p:spPr>
             <a:xfrm>
-              <a:off x="3914831" y="4648419"/>
-              <a:ext cx="2545963" cy="307777"/>
+              <a:off x="3223199" y="919629"/>
+              <a:ext cx="448919" cy="339176"/>
             </a:xfrm>
-            <a:prstGeom prst="curvedDownArrow">
-              <a:avLst>
-                <a:gd name="adj1" fmla="val 0"/>
-                <a:gd name="adj2" fmla="val 66039"/>
-                <a:gd name="adj3" fmla="val 31365"/>
-              </a:avLst>
+            <a:prstGeom prst="rect">
+              <a:avLst/>
             </a:prstGeom>
+            <a:noFill/>
           </p:spPr>
           <p:style>
             <a:lnRef idx="2">
@@ -4857,7 +5114,15 @@
             <a:lstStyle/>
             <a:p>
               <a:pPr algn="ctr"/>
-              <a:endParaRPr lang="zh-CN" altLang="en-US">
+              <a:r>
+                <a:rPr lang="en-US" altLang="zh-CN" dirty="0">
+                  <a:solidFill>
+                    <a:schemeClr val="tx1"/>
+                  </a:solidFill>
+                </a:rPr>
+                <a:t>1</a:t>
+              </a:r>
+              <a:endParaRPr lang="zh-CN" altLang="en-US" dirty="0">
                 <a:solidFill>
                   <a:schemeClr val="tx1"/>
                 </a:solidFill>
@@ -4867,10 +5132,10 @@
         </p:sp>
         <p:sp>
           <p:nvSpPr>
-            <p:cNvPr id="63" name="箭头: 上弧形 62">
+            <p:cNvPr id="45" name="矩形 44">
               <a:extLst>
                 <a:ext uri="{FF2B5EF4-FFF2-40B4-BE49-F238E27FC236}">
-                  <a16:creationId xmlns:a16="http://schemas.microsoft.com/office/drawing/2014/main" id="{6962269E-A590-4CDD-85A1-7238CC6CDF40}"/>
+                  <a16:creationId xmlns:a16="http://schemas.microsoft.com/office/drawing/2014/main" id="{E95E4AF5-50B0-4454-8C8E-0905F51C2DBB}"/>
                 </a:ext>
               </a:extLst>
             </p:cNvPr>
@@ -4879,16 +5144,13 @@
           </p:nvSpPr>
           <p:spPr>
             <a:xfrm>
-              <a:off x="3891622" y="4625709"/>
-              <a:ext cx="3204299" cy="353195"/>
+              <a:off x="3672117" y="919629"/>
+              <a:ext cx="448919" cy="339176"/>
             </a:xfrm>
-            <a:prstGeom prst="curvedDownArrow">
-              <a:avLst>
-                <a:gd name="adj1" fmla="val 0"/>
-                <a:gd name="adj2" fmla="val 66039"/>
-                <a:gd name="adj3" fmla="val 31365"/>
-              </a:avLst>
+            <a:prstGeom prst="rect">
+              <a:avLst/>
             </a:prstGeom>
+            <a:noFill/>
           </p:spPr>
           <p:style>
             <a:lnRef idx="2">
@@ -4911,7 +5173,15 @@
             <a:lstStyle/>
             <a:p>
               <a:pPr algn="ctr"/>
-              <a:endParaRPr lang="zh-CN" altLang="en-US">
+              <a:r>
+                <a:rPr lang="en-US" altLang="zh-CN" dirty="0">
+                  <a:solidFill>
+                    <a:schemeClr val="tx1"/>
+                  </a:solidFill>
+                </a:rPr>
+                <a:t>1</a:t>
+              </a:r>
+              <a:endParaRPr lang="zh-CN" altLang="en-US" dirty="0">
                 <a:solidFill>
                   <a:schemeClr val="tx1"/>
                 </a:solidFill>
@@ -4919,57 +5189,455 @@
             </a:p>
           </p:txBody>
         </p:sp>
+        <p:sp>
+          <p:nvSpPr>
+            <p:cNvPr id="47" name="矩形 46">
+              <a:extLst>
+                <a:ext uri="{FF2B5EF4-FFF2-40B4-BE49-F238E27FC236}">
+                  <a16:creationId xmlns:a16="http://schemas.microsoft.com/office/drawing/2014/main" id="{B23CD958-8EE4-441B-A6EF-EDA1D894B81B}"/>
+                </a:ext>
+              </a:extLst>
+            </p:cNvPr>
+            <p:cNvSpPr/>
+            <p:nvPr/>
+          </p:nvSpPr>
+          <p:spPr>
+            <a:xfrm>
+              <a:off x="2774280" y="1258805"/>
+              <a:ext cx="448919" cy="339176"/>
+            </a:xfrm>
+            <a:prstGeom prst="rect">
+              <a:avLst/>
+            </a:prstGeom>
+            <a:noFill/>
+          </p:spPr>
+          <p:style>
+            <a:lnRef idx="2">
+              <a:schemeClr val="accent1">
+                <a:shade val="50000"/>
+              </a:schemeClr>
+            </a:lnRef>
+            <a:fillRef idx="1">
+              <a:schemeClr val="accent1"/>
+            </a:fillRef>
+            <a:effectRef idx="0">
+              <a:schemeClr val="accent1"/>
+            </a:effectRef>
+            <a:fontRef idx="minor">
+              <a:schemeClr val="lt1"/>
+            </a:fontRef>
+          </p:style>
+          <p:txBody>
+            <a:bodyPr rtlCol="0" anchor="ctr"/>
+            <a:lstStyle/>
+            <a:p>
+              <a:pPr algn="ctr"/>
+              <a:r>
+                <a:rPr lang="en-US" altLang="zh-CN" dirty="0">
+                  <a:solidFill>
+                    <a:schemeClr val="tx1"/>
+                  </a:solidFill>
+                </a:rPr>
+                <a:t>2</a:t>
+              </a:r>
+              <a:endParaRPr lang="zh-CN" altLang="en-US" dirty="0">
+                <a:solidFill>
+                  <a:schemeClr val="tx1"/>
+                </a:solidFill>
+              </a:endParaRPr>
+            </a:p>
+          </p:txBody>
+        </p:sp>
+        <p:sp>
+          <p:nvSpPr>
+            <p:cNvPr id="49" name="矩形 48">
+              <a:extLst>
+                <a:ext uri="{FF2B5EF4-FFF2-40B4-BE49-F238E27FC236}">
+                  <a16:creationId xmlns:a16="http://schemas.microsoft.com/office/drawing/2014/main" id="{2417C4F5-5801-4572-89F2-02D58FF6D48A}"/>
+                </a:ext>
+              </a:extLst>
+            </p:cNvPr>
+            <p:cNvSpPr/>
+            <p:nvPr/>
+          </p:nvSpPr>
+          <p:spPr>
+            <a:xfrm>
+              <a:off x="3223199" y="1258805"/>
+              <a:ext cx="448919" cy="339176"/>
+            </a:xfrm>
+            <a:prstGeom prst="rect">
+              <a:avLst/>
+            </a:prstGeom>
+            <a:noFill/>
+          </p:spPr>
+          <p:style>
+            <a:lnRef idx="2">
+              <a:schemeClr val="accent1">
+                <a:shade val="50000"/>
+              </a:schemeClr>
+            </a:lnRef>
+            <a:fillRef idx="1">
+              <a:schemeClr val="accent1"/>
+            </a:fillRef>
+            <a:effectRef idx="0">
+              <a:schemeClr val="accent1"/>
+            </a:effectRef>
+            <a:fontRef idx="minor">
+              <a:schemeClr val="lt1"/>
+            </a:fontRef>
+          </p:style>
+          <p:txBody>
+            <a:bodyPr rtlCol="0" anchor="ctr"/>
+            <a:lstStyle/>
+            <a:p>
+              <a:pPr algn="ctr"/>
+              <a:r>
+                <a:rPr lang="en-US" altLang="zh-CN" dirty="0">
+                  <a:solidFill>
+                    <a:schemeClr val="tx1"/>
+                  </a:solidFill>
+                </a:rPr>
+                <a:t>3</a:t>
+              </a:r>
+              <a:endParaRPr lang="zh-CN" altLang="en-US" dirty="0">
+                <a:solidFill>
+                  <a:schemeClr val="tx1"/>
+                </a:solidFill>
+              </a:endParaRPr>
+            </a:p>
+          </p:txBody>
+        </p:sp>
+        <p:sp>
+          <p:nvSpPr>
+            <p:cNvPr id="51" name="矩形 50">
+              <a:extLst>
+                <a:ext uri="{FF2B5EF4-FFF2-40B4-BE49-F238E27FC236}">
+                  <a16:creationId xmlns:a16="http://schemas.microsoft.com/office/drawing/2014/main" id="{402422E9-5B62-48EB-A9D0-C9B7C27CCA11}"/>
+                </a:ext>
+              </a:extLst>
+            </p:cNvPr>
+            <p:cNvSpPr/>
+            <p:nvPr/>
+          </p:nvSpPr>
+          <p:spPr>
+            <a:xfrm>
+              <a:off x="3672117" y="1258805"/>
+              <a:ext cx="448919" cy="339176"/>
+            </a:xfrm>
+            <a:prstGeom prst="rect">
+              <a:avLst/>
+            </a:prstGeom>
+            <a:noFill/>
+          </p:spPr>
+          <p:style>
+            <a:lnRef idx="2">
+              <a:schemeClr val="accent1">
+                <a:shade val="50000"/>
+              </a:schemeClr>
+            </a:lnRef>
+            <a:fillRef idx="1">
+              <a:schemeClr val="accent1"/>
+            </a:fillRef>
+            <a:effectRef idx="0">
+              <a:schemeClr val="accent1"/>
+            </a:effectRef>
+            <a:fontRef idx="minor">
+              <a:schemeClr val="lt1"/>
+            </a:fontRef>
+          </p:style>
+          <p:txBody>
+            <a:bodyPr rtlCol="0" anchor="ctr"/>
+            <a:lstStyle/>
+            <a:p>
+              <a:pPr algn="ctr"/>
+              <a:r>
+                <a:rPr lang="en-US" altLang="zh-CN" dirty="0">
+                  <a:solidFill>
+                    <a:schemeClr val="tx1"/>
+                  </a:solidFill>
+                </a:rPr>
+                <a:t>4</a:t>
+              </a:r>
+              <a:endParaRPr lang="zh-CN" altLang="en-US" dirty="0">
+                <a:solidFill>
+                  <a:schemeClr val="tx1"/>
+                </a:solidFill>
+              </a:endParaRPr>
+            </a:p>
+          </p:txBody>
+        </p:sp>
+        <p:sp>
+          <p:nvSpPr>
+            <p:cNvPr id="54" name="矩形 53">
+              <a:extLst>
+                <a:ext uri="{FF2B5EF4-FFF2-40B4-BE49-F238E27FC236}">
+                  <a16:creationId xmlns:a16="http://schemas.microsoft.com/office/drawing/2014/main" id="{E4553390-0302-4F28-85D2-80B3F10A62EF}"/>
+                </a:ext>
+              </a:extLst>
+            </p:cNvPr>
+            <p:cNvSpPr/>
+            <p:nvPr/>
+          </p:nvSpPr>
+          <p:spPr>
+            <a:xfrm>
+              <a:off x="4121036" y="919629"/>
+              <a:ext cx="448919" cy="339176"/>
+            </a:xfrm>
+            <a:prstGeom prst="rect">
+              <a:avLst/>
+            </a:prstGeom>
+            <a:noFill/>
+          </p:spPr>
+          <p:style>
+            <a:lnRef idx="2">
+              <a:schemeClr val="accent1">
+                <a:shade val="50000"/>
+              </a:schemeClr>
+            </a:lnRef>
+            <a:fillRef idx="1">
+              <a:schemeClr val="accent1"/>
+            </a:fillRef>
+            <a:effectRef idx="0">
+              <a:schemeClr val="accent1"/>
+            </a:effectRef>
+            <a:fontRef idx="minor">
+              <a:schemeClr val="lt1"/>
+            </a:fontRef>
+          </p:style>
+          <p:txBody>
+            <a:bodyPr rtlCol="0" anchor="ctr"/>
+            <a:lstStyle/>
+            <a:p>
+              <a:pPr algn="ctr"/>
+              <a:r>
+                <a:rPr lang="en-US" altLang="zh-CN" dirty="0">
+                  <a:solidFill>
+                    <a:schemeClr val="tx1"/>
+                  </a:solidFill>
+                </a:rPr>
+                <a:t>2</a:t>
+              </a:r>
+              <a:endParaRPr lang="zh-CN" altLang="en-US" dirty="0">
+                <a:solidFill>
+                  <a:schemeClr val="tx1"/>
+                </a:solidFill>
+              </a:endParaRPr>
+            </a:p>
+          </p:txBody>
+        </p:sp>
+        <p:sp>
+          <p:nvSpPr>
+            <p:cNvPr id="56" name="矩形 55">
+              <a:extLst>
+                <a:ext uri="{FF2B5EF4-FFF2-40B4-BE49-F238E27FC236}">
+                  <a16:creationId xmlns:a16="http://schemas.microsoft.com/office/drawing/2014/main" id="{FDAC3297-7F6D-4BE5-99F6-C0A033A60974}"/>
+                </a:ext>
+              </a:extLst>
+            </p:cNvPr>
+            <p:cNvSpPr/>
+            <p:nvPr/>
+          </p:nvSpPr>
+          <p:spPr>
+            <a:xfrm>
+              <a:off x="4569955" y="919629"/>
+              <a:ext cx="448919" cy="339176"/>
+            </a:xfrm>
+            <a:prstGeom prst="rect">
+              <a:avLst/>
+            </a:prstGeom>
+            <a:noFill/>
+          </p:spPr>
+          <p:style>
+            <a:lnRef idx="2">
+              <a:schemeClr val="accent1">
+                <a:shade val="50000"/>
+              </a:schemeClr>
+            </a:lnRef>
+            <a:fillRef idx="1">
+              <a:schemeClr val="accent1"/>
+            </a:fillRef>
+            <a:effectRef idx="0">
+              <a:schemeClr val="accent1"/>
+            </a:effectRef>
+            <a:fontRef idx="minor">
+              <a:schemeClr val="lt1"/>
+            </a:fontRef>
+          </p:style>
+          <p:txBody>
+            <a:bodyPr rtlCol="0" anchor="ctr"/>
+            <a:lstStyle/>
+            <a:p>
+              <a:pPr algn="ctr"/>
+              <a:r>
+                <a:rPr lang="en-US" altLang="zh-CN" dirty="0">
+                  <a:solidFill>
+                    <a:schemeClr val="tx1"/>
+                  </a:solidFill>
+                </a:rPr>
+                <a:t>2</a:t>
+              </a:r>
+              <a:endParaRPr lang="zh-CN" altLang="en-US" dirty="0">
+                <a:solidFill>
+                  <a:schemeClr val="tx1"/>
+                </a:solidFill>
+              </a:endParaRPr>
+            </a:p>
+          </p:txBody>
+        </p:sp>
+        <p:sp>
+          <p:nvSpPr>
+            <p:cNvPr id="58" name="矩形 57">
+              <a:extLst>
+                <a:ext uri="{FF2B5EF4-FFF2-40B4-BE49-F238E27FC236}">
+                  <a16:creationId xmlns:a16="http://schemas.microsoft.com/office/drawing/2014/main" id="{EAB1DCCB-A797-44D2-9746-F6AAD76CC451}"/>
+                </a:ext>
+              </a:extLst>
+            </p:cNvPr>
+            <p:cNvSpPr/>
+            <p:nvPr/>
+          </p:nvSpPr>
+          <p:spPr>
+            <a:xfrm>
+              <a:off x="4119674" y="1258805"/>
+              <a:ext cx="448919" cy="339176"/>
+            </a:xfrm>
+            <a:prstGeom prst="rect">
+              <a:avLst/>
+            </a:prstGeom>
+            <a:noFill/>
+          </p:spPr>
+          <p:style>
+            <a:lnRef idx="2">
+              <a:schemeClr val="accent1">
+                <a:shade val="50000"/>
+              </a:schemeClr>
+            </a:lnRef>
+            <a:fillRef idx="1">
+              <a:schemeClr val="accent1"/>
+            </a:fillRef>
+            <a:effectRef idx="0">
+              <a:schemeClr val="accent1"/>
+            </a:effectRef>
+            <a:fontRef idx="minor">
+              <a:schemeClr val="lt1"/>
+            </a:fontRef>
+          </p:style>
+          <p:txBody>
+            <a:bodyPr rtlCol="0" anchor="ctr"/>
+            <a:lstStyle/>
+            <a:p>
+              <a:pPr algn="ctr"/>
+              <a:r>
+                <a:rPr lang="en-US" altLang="zh-CN" dirty="0">
+                  <a:solidFill>
+                    <a:schemeClr val="tx1"/>
+                  </a:solidFill>
+                </a:rPr>
+                <a:t>3</a:t>
+              </a:r>
+              <a:endParaRPr lang="zh-CN" altLang="en-US" dirty="0">
+                <a:solidFill>
+                  <a:schemeClr val="tx1"/>
+                </a:solidFill>
+              </a:endParaRPr>
+            </a:p>
+          </p:txBody>
+        </p:sp>
+        <p:sp>
+          <p:nvSpPr>
+            <p:cNvPr id="60" name="矩形 59">
+              <a:extLst>
+                <a:ext uri="{FF2B5EF4-FFF2-40B4-BE49-F238E27FC236}">
+                  <a16:creationId xmlns:a16="http://schemas.microsoft.com/office/drawing/2014/main" id="{57FC8036-4A74-4CF5-9DAB-21CFC30E01E4}"/>
+                </a:ext>
+              </a:extLst>
+            </p:cNvPr>
+            <p:cNvSpPr/>
+            <p:nvPr/>
+          </p:nvSpPr>
+          <p:spPr>
+            <a:xfrm>
+              <a:off x="4568593" y="1258805"/>
+              <a:ext cx="448919" cy="339176"/>
+            </a:xfrm>
+            <a:prstGeom prst="rect">
+              <a:avLst/>
+            </a:prstGeom>
+            <a:noFill/>
+          </p:spPr>
+          <p:style>
+            <a:lnRef idx="2">
+              <a:schemeClr val="accent1">
+                <a:shade val="50000"/>
+              </a:schemeClr>
+            </a:lnRef>
+            <a:fillRef idx="1">
+              <a:schemeClr val="accent1"/>
+            </a:fillRef>
+            <a:effectRef idx="0">
+              <a:schemeClr val="accent1"/>
+            </a:effectRef>
+            <a:fontRef idx="minor">
+              <a:schemeClr val="lt1"/>
+            </a:fontRef>
+          </p:style>
+          <p:txBody>
+            <a:bodyPr rtlCol="0" anchor="ctr"/>
+            <a:lstStyle/>
+            <a:p>
+              <a:pPr algn="ctr"/>
+              <a:r>
+                <a:rPr lang="en-US" altLang="zh-CN" dirty="0">
+                  <a:solidFill>
+                    <a:schemeClr val="tx1"/>
+                  </a:solidFill>
+                </a:rPr>
+                <a:t>4</a:t>
+              </a:r>
+              <a:endParaRPr lang="zh-CN" altLang="en-US" dirty="0">
+                <a:solidFill>
+                  <a:schemeClr val="tx1"/>
+                </a:solidFill>
+              </a:endParaRPr>
+            </a:p>
+          </p:txBody>
+        </p:sp>
+        <p:sp>
+          <p:nvSpPr>
+            <p:cNvPr id="62" name="文本框 61">
+              <a:extLst>
+                <a:ext uri="{FF2B5EF4-FFF2-40B4-BE49-F238E27FC236}">
+                  <a16:creationId xmlns:a16="http://schemas.microsoft.com/office/drawing/2014/main" id="{971B3840-B7DA-4296-8367-57A3D6C920B7}"/>
+                </a:ext>
+              </a:extLst>
+            </p:cNvPr>
+            <p:cNvSpPr txBox="1"/>
+            <p:nvPr/>
+          </p:nvSpPr>
+          <p:spPr>
+            <a:xfrm>
+              <a:off x="5265335" y="1027972"/>
+              <a:ext cx="399468" cy="461665"/>
+            </a:xfrm>
+            <a:prstGeom prst="rect">
+              <a:avLst/>
+            </a:prstGeom>
+            <a:noFill/>
+          </p:spPr>
+          <p:txBody>
+            <a:bodyPr wrap="none" rtlCol="0">
+              <a:spAutoFit/>
+            </a:bodyPr>
+            <a:lstStyle/>
+            <a:p>
+              <a:r>
+                <a:rPr lang="en-US" altLang="zh-CN" sz="2400" dirty="0"/>
+                <a:t>…</a:t>
+              </a:r>
+            </a:p>
+          </p:txBody>
+        </p:sp>
       </p:grpSp>
-      <p:sp>
-        <p:nvSpPr>
-          <p:cNvPr id="66" name="文本框 65">
-            <a:extLst>
-              <a:ext uri="{FF2B5EF4-FFF2-40B4-BE49-F238E27FC236}">
-                <a16:creationId xmlns:a16="http://schemas.microsoft.com/office/drawing/2014/main" id="{BBEEF6B0-AC80-4302-A469-044194B16E94}"/>
-              </a:ext>
-            </a:extLst>
-          </p:cNvPr>
-          <p:cNvSpPr txBox="1"/>
-          <p:nvPr/>
-        </p:nvSpPr>
-        <p:spPr>
-          <a:xfrm>
-            <a:off x="2251852" y="5476151"/>
-            <a:ext cx="5261377" cy="646331"/>
-          </a:xfrm>
-          <a:prstGeom prst="rect">
-            <a:avLst/>
-          </a:prstGeom>
-          <a:noFill/>
-        </p:spPr>
-        <p:txBody>
-          <a:bodyPr wrap="none" rtlCol="0">
-            <a:spAutoFit/>
-          </a:bodyPr>
-          <a:lstStyle/>
-          <a:p>
-            <a:r>
-              <a:rPr lang="en-US" altLang="zh-CN" dirty="0"/>
-              <a:t>Save the result of each exposure pair, exposure [</a:t>
-            </a:r>
-            <a:r>
-              <a:rPr lang="en-US" altLang="zh-CN" dirty="0" err="1"/>
-              <a:t>i</a:t>
-            </a:r>
-            <a:r>
-              <a:rPr lang="en-US" altLang="zh-CN" dirty="0"/>
-              <a:t>, j]</a:t>
-            </a:r>
-          </a:p>
-          <a:p>
-            <a:r>
-              <a:rPr lang="en-US" altLang="zh-CN" dirty="0"/>
-              <a:t>Total 1117 exposures, ~45000 exposure pairs</a:t>
-            </a:r>
-            <a:endParaRPr lang="zh-CN" altLang="en-US" dirty="0"/>
-          </a:p>
-        </p:txBody>
-      </p:sp>
     </p:spTree>
     <p:extLst>
       <p:ext uri="{BB962C8B-B14F-4D97-AF65-F5344CB8AC3E}">
@@ -6568,6 +7236,16 @@
                   <a:schemeClr val="tx1"/>
                 </a:solidFill>
               </a:rPr>
+              <a:t>pair_label = 0;</a:t>
+            </a:r>
+          </a:p>
+          <a:p>
+            <a:r>
+              <a:rPr lang="en-US" altLang="zh-CN" sz="1400" dirty="0">
+                <a:solidFill>
+                  <a:schemeClr val="tx1"/>
+                </a:solidFill>
+              </a:rPr>
               <a:t>while ( CPU_live &gt; 0):</a:t>
             </a:r>
           </a:p>
@@ -6588,7 +7266,17 @@
                   <a:schemeClr val="tx1"/>
                 </a:solidFill>
               </a:rPr>
-              <a:t>   if exposure left &gt;0:</a:t>
+              <a:t>   Receive request from any CPU;</a:t>
+            </a:r>
+          </a:p>
+          <a:p>
+            <a:r>
+              <a:rPr lang="en-US" altLang="zh-CN" sz="1400" dirty="0">
+                <a:solidFill>
+                  <a:schemeClr val="tx1"/>
+                </a:solidFill>
+              </a:rPr>
+              <a:t>   if pair_label &lt; total pair num:</a:t>
             </a:r>
           </a:p>
           <a:p>
@@ -6624,6 +7312,16 @@
                   <a:schemeClr val="tx1"/>
                 </a:solidFill>
               </a:rPr>
+              <a:t>     pair_label++;</a:t>
+            </a:r>
+          </a:p>
+          <a:p>
+            <a:r>
+              <a:rPr lang="en-US" altLang="zh-CN" sz="1400" dirty="0">
+                <a:solidFill>
+                  <a:schemeClr val="tx1"/>
+                </a:solidFill>
+              </a:rPr>
               <a:t>  else:</a:t>
             </a:r>
           </a:p>
@@ -6634,7 +7332,23 @@
                   <a:schemeClr val="tx1"/>
                 </a:solidFill>
               </a:rPr>
-              <a:t>      Send [-1, -1] to CPU I;</a:t>
+              <a:t>      Send [-1, -1] to CPU </a:t>
+            </a:r>
+            <a:r>
+              <a:rPr lang="en-US" altLang="zh-CN" sz="1400" dirty="0" err="1">
+                <a:solidFill>
+                  <a:schemeClr val="tx1"/>
+                </a:solidFill>
+              </a:rPr>
+              <a:t>i</a:t>
+            </a:r>
+            <a:r>
+              <a:rPr lang="en-US" altLang="zh-CN" sz="1400" dirty="0">
+                <a:solidFill>
+                  <a:schemeClr val="tx1"/>
+                </a:solidFill>
+              </a:rPr>
+              <a:t>;</a:t>
             </a:r>
           </a:p>
           <a:p>
@@ -6675,14 +7389,59 @@
           </p:cNvPr>
           <p:cNvCxnSpPr>
             <a:cxnSpLocks/>
-            <a:endCxn id="35" idx="2"/>
+            <a:stCxn id="72" idx="0"/>
+            <a:endCxn id="35" idx="1"/>
           </p:cNvCxnSpPr>
           <p:nvPr/>
         </p:nvCxnSpPr>
         <p:spPr>
           <a:xfrm flipV="1">
-            <a:off x="2342734" y="2002339"/>
-            <a:ext cx="2129740" cy="680702"/>
+            <a:off x="2399701" y="1817673"/>
+            <a:ext cx="1676670" cy="963794"/>
+          </a:xfrm>
+          <a:prstGeom prst="straightConnector1">
+            <a:avLst/>
+          </a:prstGeom>
+          <a:ln>
+            <a:headEnd type="triangle"/>
+            <a:tailEnd type="triangle"/>
+          </a:ln>
+        </p:spPr>
+        <p:style>
+          <a:lnRef idx="1">
+            <a:schemeClr val="accent1"/>
+          </a:lnRef>
+          <a:fillRef idx="0">
+            <a:schemeClr val="accent1"/>
+          </a:fillRef>
+          <a:effectRef idx="0">
+            <a:schemeClr val="accent1"/>
+          </a:effectRef>
+          <a:fontRef idx="minor">
+            <a:schemeClr val="tx1"/>
+          </a:fontRef>
+        </p:style>
+      </p:cxnSp>
+      <p:cxnSp>
+        <p:nvCxnSpPr>
+          <p:cNvPr id="34" name="直接箭头连接符 33">
+            <a:extLst>
+              <a:ext uri="{FF2B5EF4-FFF2-40B4-BE49-F238E27FC236}">
+                <a16:creationId xmlns:a16="http://schemas.microsoft.com/office/drawing/2014/main" id="{8B1E76A0-14F2-4214-90DB-02A0A5B6F146}"/>
+              </a:ext>
+            </a:extLst>
+          </p:cNvPr>
+          <p:cNvCxnSpPr>
+            <a:cxnSpLocks/>
+            <a:stCxn id="39" idx="3"/>
+            <a:endCxn id="61" idx="1"/>
+          </p:cNvCxnSpPr>
+          <p:nvPr/>
+        </p:nvCxnSpPr>
+        <p:spPr>
+          <a:xfrm flipV="1">
+            <a:off x="6302904" y="3950131"/>
+            <a:ext cx="1689993" cy="532794"/>
           </a:xfrm>
           <a:prstGeom prst="straightConnector1">
             <a:avLst/>
@@ -6737,6 +7496,1490 @@
           <a:chExt cx="0" cy="0"/>
         </a:xfrm>
       </p:grpSpPr>
+      <p:grpSp>
+        <p:nvGrpSpPr>
+          <p:cNvPr id="26" name="组合 25">
+            <a:extLst>
+              <a:ext uri="{FF2B5EF4-FFF2-40B4-BE49-F238E27FC236}">
+                <a16:creationId xmlns:a16="http://schemas.microsoft.com/office/drawing/2014/main" id="{63EC5A5F-8A45-428A-9AAF-122F7BD801E9}"/>
+              </a:ext>
+            </a:extLst>
+          </p:cNvPr>
+          <p:cNvGrpSpPr/>
+          <p:nvPr/>
+        </p:nvGrpSpPr>
+        <p:grpSpPr>
+          <a:xfrm>
+            <a:off x="5430780" y="1980448"/>
+            <a:ext cx="2365989" cy="2086252"/>
+            <a:chOff x="1233996" y="1091953"/>
+            <a:chExt cx="2365989" cy="2086252"/>
+          </a:xfrm>
+        </p:grpSpPr>
+        <p:cxnSp>
+          <p:nvCxnSpPr>
+            <p:cNvPr id="3" name="直接箭头连接符 2">
+              <a:extLst>
+                <a:ext uri="{FF2B5EF4-FFF2-40B4-BE49-F238E27FC236}">
+                  <a16:creationId xmlns:a16="http://schemas.microsoft.com/office/drawing/2014/main" id="{86DD85A3-9DAC-4FAE-8537-C4DA80E3E64D}"/>
+                </a:ext>
+              </a:extLst>
+            </p:cNvPr>
+            <p:cNvCxnSpPr>
+              <a:cxnSpLocks/>
+            </p:cNvCxnSpPr>
+            <p:nvPr/>
+          </p:nvCxnSpPr>
+          <p:spPr>
+            <a:xfrm>
+              <a:off x="1233996" y="2201662"/>
+              <a:ext cx="2281561" cy="0"/>
+            </a:xfrm>
+            <a:prstGeom prst="straightConnector1">
+              <a:avLst/>
+            </a:prstGeom>
+            <a:ln>
+              <a:solidFill>
+                <a:schemeClr val="tx1"/>
+              </a:solidFill>
+              <a:tailEnd type="triangle"/>
+            </a:ln>
+          </p:spPr>
+          <p:style>
+            <a:lnRef idx="1">
+              <a:schemeClr val="accent1"/>
+            </a:lnRef>
+            <a:fillRef idx="0">
+              <a:schemeClr val="accent1"/>
+            </a:fillRef>
+            <a:effectRef idx="0">
+              <a:schemeClr val="accent1"/>
+            </a:effectRef>
+            <a:fontRef idx="minor">
+              <a:schemeClr val="tx1"/>
+            </a:fontRef>
+          </p:style>
+        </p:cxnSp>
+        <p:cxnSp>
+          <p:nvCxnSpPr>
+            <p:cNvPr id="5" name="直接箭头连接符 4">
+              <a:extLst>
+                <a:ext uri="{FF2B5EF4-FFF2-40B4-BE49-F238E27FC236}">
+                  <a16:creationId xmlns:a16="http://schemas.microsoft.com/office/drawing/2014/main" id="{B9854AC6-1C99-4786-8625-0985596F6313}"/>
+                </a:ext>
+              </a:extLst>
+            </p:cNvPr>
+            <p:cNvCxnSpPr>
+              <a:cxnSpLocks/>
+            </p:cNvCxnSpPr>
+            <p:nvPr/>
+          </p:nvCxnSpPr>
+          <p:spPr>
+            <a:xfrm flipV="1">
+              <a:off x="2308195" y="1091953"/>
+              <a:ext cx="0" cy="2086252"/>
+            </a:xfrm>
+            <a:prstGeom prst="straightConnector1">
+              <a:avLst/>
+            </a:prstGeom>
+            <a:ln>
+              <a:solidFill>
+                <a:schemeClr val="tx1"/>
+              </a:solidFill>
+              <a:tailEnd type="triangle"/>
+            </a:ln>
+          </p:spPr>
+          <p:style>
+            <a:lnRef idx="1">
+              <a:schemeClr val="accent1"/>
+            </a:lnRef>
+            <a:fillRef idx="0">
+              <a:schemeClr val="accent1"/>
+            </a:fillRef>
+            <a:effectRef idx="0">
+              <a:schemeClr val="accent1"/>
+            </a:effectRef>
+            <a:fontRef idx="minor">
+              <a:schemeClr val="tx1"/>
+            </a:fontRef>
+          </p:style>
+        </p:cxnSp>
+        <p:sp>
+          <p:nvSpPr>
+            <p:cNvPr id="10" name="椭圆 9">
+              <a:extLst>
+                <a:ext uri="{FF2B5EF4-FFF2-40B4-BE49-F238E27FC236}">
+                  <a16:creationId xmlns:a16="http://schemas.microsoft.com/office/drawing/2014/main" id="{1AB27E60-1FBC-408B-AA2C-7A26DE30E3CB}"/>
+                </a:ext>
+              </a:extLst>
+            </p:cNvPr>
+            <p:cNvSpPr/>
+            <p:nvPr/>
+          </p:nvSpPr>
+          <p:spPr>
+            <a:xfrm rot="21020222">
+              <a:off x="3045041" y="1408312"/>
+              <a:ext cx="239685" cy="115372"/>
+            </a:xfrm>
+            <a:prstGeom prst="ellipse">
+              <a:avLst/>
+            </a:prstGeom>
+            <a:noFill/>
+            <a:ln>
+              <a:solidFill>
+                <a:schemeClr val="tx1"/>
+              </a:solidFill>
+            </a:ln>
+          </p:spPr>
+          <p:style>
+            <a:lnRef idx="2">
+              <a:schemeClr val="accent1">
+                <a:shade val="50000"/>
+              </a:schemeClr>
+            </a:lnRef>
+            <a:fillRef idx="1">
+              <a:schemeClr val="accent1"/>
+            </a:fillRef>
+            <a:effectRef idx="0">
+              <a:schemeClr val="accent1"/>
+            </a:effectRef>
+            <a:fontRef idx="minor">
+              <a:schemeClr val="lt1"/>
+            </a:fontRef>
+          </p:style>
+          <p:txBody>
+            <a:bodyPr rtlCol="0" anchor="ctr"/>
+            <a:lstStyle/>
+            <a:p>
+              <a:pPr algn="ctr"/>
+              <a:endParaRPr lang="zh-CN" altLang="en-US">
+                <a:solidFill>
+                  <a:schemeClr val="tx1"/>
+                </a:solidFill>
+              </a:endParaRPr>
+            </a:p>
+          </p:txBody>
+        </p:sp>
+        <p:cxnSp>
+          <p:nvCxnSpPr>
+            <p:cNvPr id="12" name="直接连接符 11">
+              <a:extLst>
+                <a:ext uri="{FF2B5EF4-FFF2-40B4-BE49-F238E27FC236}">
+                  <a16:creationId xmlns:a16="http://schemas.microsoft.com/office/drawing/2014/main" id="{3E7F7E41-EBEB-4AA5-8253-7AEE45CF6FCA}"/>
+                </a:ext>
+              </a:extLst>
+            </p:cNvPr>
+            <p:cNvCxnSpPr>
+              <a:cxnSpLocks/>
+            </p:cNvCxnSpPr>
+            <p:nvPr/>
+          </p:nvCxnSpPr>
+          <p:spPr>
+            <a:xfrm flipV="1">
+              <a:off x="2308195" y="1235518"/>
+              <a:ext cx="1143449" cy="966146"/>
+            </a:xfrm>
+            <a:prstGeom prst="line">
+              <a:avLst/>
+            </a:prstGeom>
+            <a:ln>
+              <a:solidFill>
+                <a:schemeClr val="tx1"/>
+              </a:solidFill>
+              <a:prstDash val="dash"/>
+            </a:ln>
+          </p:spPr>
+          <p:style>
+            <a:lnRef idx="1">
+              <a:schemeClr val="accent1"/>
+            </a:lnRef>
+            <a:fillRef idx="0">
+              <a:schemeClr val="accent1"/>
+            </a:fillRef>
+            <a:effectRef idx="0">
+              <a:schemeClr val="accent1"/>
+            </a:effectRef>
+            <a:fontRef idx="minor">
+              <a:schemeClr val="tx1"/>
+            </a:fontRef>
+          </p:style>
+        </p:cxnSp>
+        <p:sp>
+          <p:nvSpPr>
+            <p:cNvPr id="15" name="椭圆 14">
+              <a:extLst>
+                <a:ext uri="{FF2B5EF4-FFF2-40B4-BE49-F238E27FC236}">
+                  <a16:creationId xmlns:a16="http://schemas.microsoft.com/office/drawing/2014/main" id="{A1174F06-EB50-4589-AF38-EB5EAB3DCBCB}"/>
+                </a:ext>
+              </a:extLst>
+            </p:cNvPr>
+            <p:cNvSpPr/>
+            <p:nvPr/>
+          </p:nvSpPr>
+          <p:spPr>
+            <a:xfrm rot="20765539">
+              <a:off x="2189434" y="2156781"/>
+              <a:ext cx="267042" cy="100161"/>
+            </a:xfrm>
+            <a:prstGeom prst="ellipse">
+              <a:avLst/>
+            </a:prstGeom>
+            <a:noFill/>
+            <a:ln>
+              <a:solidFill>
+                <a:schemeClr val="tx1"/>
+              </a:solidFill>
+            </a:ln>
+          </p:spPr>
+          <p:style>
+            <a:lnRef idx="2">
+              <a:schemeClr val="accent1">
+                <a:shade val="50000"/>
+              </a:schemeClr>
+            </a:lnRef>
+            <a:fillRef idx="1">
+              <a:schemeClr val="accent1"/>
+            </a:fillRef>
+            <a:effectRef idx="0">
+              <a:schemeClr val="accent1"/>
+            </a:effectRef>
+            <a:fontRef idx="minor">
+              <a:schemeClr val="lt1"/>
+            </a:fontRef>
+          </p:style>
+          <p:txBody>
+            <a:bodyPr rtlCol="0" anchor="ctr"/>
+            <a:lstStyle/>
+            <a:p>
+              <a:pPr algn="ctr"/>
+              <a:endParaRPr lang="zh-CN" altLang="en-US">
+                <a:solidFill>
+                  <a:schemeClr val="tx1"/>
+                </a:solidFill>
+              </a:endParaRPr>
+            </a:p>
+          </p:txBody>
+        </p:sp>
+        <p:grpSp>
+          <p:nvGrpSpPr>
+            <p:cNvPr id="18" name="组合 17">
+              <a:extLst>
+                <a:ext uri="{FF2B5EF4-FFF2-40B4-BE49-F238E27FC236}">
+                  <a16:creationId xmlns:a16="http://schemas.microsoft.com/office/drawing/2014/main" id="{41F89847-059B-4766-84C5-BEF60F4BF9E4}"/>
+                </a:ext>
+              </a:extLst>
+            </p:cNvPr>
+            <p:cNvGrpSpPr/>
+            <p:nvPr/>
+          </p:nvGrpSpPr>
+          <p:grpSpPr>
+            <a:xfrm>
+              <a:off x="2777413" y="1098797"/>
+              <a:ext cx="822572" cy="699465"/>
+              <a:chOff x="2092077" y="356289"/>
+              <a:chExt cx="2281561" cy="2086252"/>
+            </a:xfrm>
+          </p:grpSpPr>
+          <p:cxnSp>
+            <p:nvCxnSpPr>
+              <p:cNvPr id="16" name="直接箭头连接符 15">
+                <a:extLst>
+                  <a:ext uri="{FF2B5EF4-FFF2-40B4-BE49-F238E27FC236}">
+                    <a16:creationId xmlns:a16="http://schemas.microsoft.com/office/drawing/2014/main" id="{5A04AC65-35A4-4BF7-9439-38D5F585A8DC}"/>
+                  </a:ext>
+                </a:extLst>
+              </p:cNvPr>
+              <p:cNvCxnSpPr>
+                <a:cxnSpLocks/>
+              </p:cNvCxnSpPr>
+              <p:nvPr/>
+            </p:nvCxnSpPr>
+            <p:spPr>
+              <a:xfrm>
+                <a:off x="2092077" y="1465998"/>
+                <a:ext cx="2281561" cy="0"/>
+              </a:xfrm>
+              <a:prstGeom prst="straightConnector1">
+                <a:avLst/>
+              </a:prstGeom>
+              <a:ln>
+                <a:solidFill>
+                  <a:schemeClr val="tx1"/>
+                </a:solidFill>
+                <a:tailEnd type="triangle"/>
+              </a:ln>
+            </p:spPr>
+            <p:style>
+              <a:lnRef idx="1">
+                <a:schemeClr val="accent1"/>
+              </a:lnRef>
+              <a:fillRef idx="0">
+                <a:schemeClr val="accent1"/>
+              </a:fillRef>
+              <a:effectRef idx="0">
+                <a:schemeClr val="accent1"/>
+              </a:effectRef>
+              <a:fontRef idx="minor">
+                <a:schemeClr val="tx1"/>
+              </a:fontRef>
+            </p:style>
+          </p:cxnSp>
+          <p:cxnSp>
+            <p:nvCxnSpPr>
+              <p:cNvPr id="17" name="直接箭头连接符 16">
+                <a:extLst>
+                  <a:ext uri="{FF2B5EF4-FFF2-40B4-BE49-F238E27FC236}">
+                    <a16:creationId xmlns:a16="http://schemas.microsoft.com/office/drawing/2014/main" id="{C7E8EBF7-E8B9-4EC2-A0EF-2527E6A8C2D5}"/>
+                  </a:ext>
+                </a:extLst>
+              </p:cNvPr>
+              <p:cNvCxnSpPr>
+                <a:cxnSpLocks/>
+              </p:cNvCxnSpPr>
+              <p:nvPr/>
+            </p:nvCxnSpPr>
+            <p:spPr>
+              <a:xfrm flipV="1">
+                <a:off x="3166276" y="356289"/>
+                <a:ext cx="0" cy="2086252"/>
+              </a:xfrm>
+              <a:prstGeom prst="straightConnector1">
+                <a:avLst/>
+              </a:prstGeom>
+              <a:ln>
+                <a:solidFill>
+                  <a:schemeClr val="tx1"/>
+                </a:solidFill>
+                <a:tailEnd type="triangle"/>
+              </a:ln>
+            </p:spPr>
+            <p:style>
+              <a:lnRef idx="1">
+                <a:schemeClr val="accent1"/>
+              </a:lnRef>
+              <a:fillRef idx="0">
+                <a:schemeClr val="accent1"/>
+              </a:fillRef>
+              <a:effectRef idx="0">
+                <a:schemeClr val="accent1"/>
+              </a:effectRef>
+              <a:fontRef idx="minor">
+                <a:schemeClr val="tx1"/>
+              </a:fontRef>
+            </p:style>
+          </p:cxnSp>
+        </p:grpSp>
+        <p:sp>
+          <p:nvSpPr>
+            <p:cNvPr id="20" name="箭头: 环形 19">
+              <a:extLst>
+                <a:ext uri="{FF2B5EF4-FFF2-40B4-BE49-F238E27FC236}">
+                  <a16:creationId xmlns:a16="http://schemas.microsoft.com/office/drawing/2014/main" id="{B0E03BF0-88AC-49FF-BEF8-824D0427DFCB}"/>
+                </a:ext>
+              </a:extLst>
+            </p:cNvPr>
+            <p:cNvSpPr/>
+            <p:nvPr/>
+          </p:nvSpPr>
+          <p:spPr>
+            <a:xfrm rot="5080843" flipH="1">
+              <a:off x="2548515" y="1968803"/>
+              <a:ext cx="180287" cy="261923"/>
+            </a:xfrm>
+            <a:prstGeom prst="circularArrow">
+              <a:avLst>
+                <a:gd name="adj1" fmla="val 13736"/>
+                <a:gd name="adj2" fmla="val 962681"/>
+                <a:gd name="adj3" fmla="val 19592621"/>
+                <a:gd name="adj4" fmla="val 12188683"/>
+                <a:gd name="adj5" fmla="val 3669"/>
+              </a:avLst>
+            </a:prstGeom>
+            <a:ln>
+              <a:solidFill>
+                <a:schemeClr val="tx1"/>
+              </a:solidFill>
+            </a:ln>
+          </p:spPr>
+          <p:style>
+            <a:lnRef idx="2">
+              <a:schemeClr val="accent1">
+                <a:shade val="50000"/>
+              </a:schemeClr>
+            </a:lnRef>
+            <a:fillRef idx="1">
+              <a:schemeClr val="accent1"/>
+            </a:fillRef>
+            <a:effectRef idx="0">
+              <a:schemeClr val="accent1"/>
+            </a:effectRef>
+            <a:fontRef idx="minor">
+              <a:schemeClr val="lt1"/>
+            </a:fontRef>
+          </p:style>
+          <p:txBody>
+            <a:bodyPr rtlCol="0" anchor="ctr"/>
+            <a:lstStyle/>
+            <a:p>
+              <a:pPr algn="ctr"/>
+              <a:endParaRPr lang="zh-CN" altLang="en-US">
+                <a:solidFill>
+                  <a:schemeClr val="tx1"/>
+                </a:solidFill>
+              </a:endParaRPr>
+            </a:p>
+          </p:txBody>
+        </p:sp>
+        <p:sp>
+          <p:nvSpPr>
+            <p:cNvPr id="22" name="箭头: 环形 21">
+              <a:extLst>
+                <a:ext uri="{FF2B5EF4-FFF2-40B4-BE49-F238E27FC236}">
+                  <a16:creationId xmlns:a16="http://schemas.microsoft.com/office/drawing/2014/main" id="{0D6B1CEB-EEDD-4FD6-AF2B-577BF60032E2}"/>
+                </a:ext>
+              </a:extLst>
+            </p:cNvPr>
+            <p:cNvSpPr/>
+            <p:nvPr/>
+          </p:nvSpPr>
+          <p:spPr>
+            <a:xfrm rot="5080843" flipH="1">
+              <a:off x="3309244" y="1343536"/>
+              <a:ext cx="96173" cy="121621"/>
+            </a:xfrm>
+            <a:prstGeom prst="circularArrow">
+              <a:avLst>
+                <a:gd name="adj1" fmla="val 13736"/>
+                <a:gd name="adj2" fmla="val 962681"/>
+                <a:gd name="adj3" fmla="val 19592621"/>
+                <a:gd name="adj4" fmla="val 12188683"/>
+                <a:gd name="adj5" fmla="val 3669"/>
+              </a:avLst>
+            </a:prstGeom>
+            <a:ln>
+              <a:solidFill>
+                <a:schemeClr val="tx1"/>
+              </a:solidFill>
+            </a:ln>
+          </p:spPr>
+          <p:style>
+            <a:lnRef idx="2">
+              <a:schemeClr val="accent1">
+                <a:shade val="50000"/>
+              </a:schemeClr>
+            </a:lnRef>
+            <a:fillRef idx="1">
+              <a:schemeClr val="accent1"/>
+            </a:fillRef>
+            <a:effectRef idx="0">
+              <a:schemeClr val="accent1"/>
+            </a:effectRef>
+            <a:fontRef idx="minor">
+              <a:schemeClr val="lt1"/>
+            </a:fontRef>
+          </p:style>
+          <p:txBody>
+            <a:bodyPr rtlCol="0" anchor="ctr"/>
+            <a:lstStyle/>
+            <a:p>
+              <a:pPr algn="ctr"/>
+              <a:endParaRPr lang="zh-CN" altLang="en-US">
+                <a:solidFill>
+                  <a:schemeClr val="tx1"/>
+                </a:solidFill>
+              </a:endParaRPr>
+            </a:p>
+          </p:txBody>
+        </p:sp>
+        <p:sp>
+          <p:nvSpPr>
+            <p:cNvPr id="23" name="文本框 22">
+              <a:extLst>
+                <a:ext uri="{FF2B5EF4-FFF2-40B4-BE49-F238E27FC236}">
+                  <a16:creationId xmlns:a16="http://schemas.microsoft.com/office/drawing/2014/main" id="{6E009776-8FB0-4D79-B7C0-11314293220C}"/>
+                </a:ext>
+              </a:extLst>
+            </p:cNvPr>
+            <p:cNvSpPr txBox="1"/>
+            <p:nvPr/>
+          </p:nvSpPr>
+          <p:spPr>
+            <a:xfrm>
+              <a:off x="1852150" y="1097018"/>
+              <a:ext cx="449162" cy="261610"/>
+            </a:xfrm>
+            <a:prstGeom prst="rect">
+              <a:avLst/>
+            </a:prstGeom>
+            <a:noFill/>
+          </p:spPr>
+          <p:txBody>
+            <a:bodyPr wrap="none" rtlCol="0">
+              <a:spAutoFit/>
+            </a:bodyPr>
+            <a:lstStyle/>
+            <a:p>
+              <a:r>
+                <a:rPr lang="en-US" altLang="zh-CN" sz="1100" dirty="0"/>
+                <a:t>Dec.</a:t>
+              </a:r>
+              <a:endParaRPr lang="zh-CN" altLang="en-US" sz="1100" dirty="0"/>
+            </a:p>
+          </p:txBody>
+        </p:sp>
+        <p:sp>
+          <p:nvSpPr>
+            <p:cNvPr id="25" name="文本框 24">
+              <a:extLst>
+                <a:ext uri="{FF2B5EF4-FFF2-40B4-BE49-F238E27FC236}">
+                  <a16:creationId xmlns:a16="http://schemas.microsoft.com/office/drawing/2014/main" id="{C136655D-F133-44DD-A8CA-97122BC77EAA}"/>
+                </a:ext>
+              </a:extLst>
+            </p:cNvPr>
+            <p:cNvSpPr txBox="1"/>
+            <p:nvPr/>
+          </p:nvSpPr>
+          <p:spPr>
+            <a:xfrm>
+              <a:off x="3048591" y="2252333"/>
+              <a:ext cx="417102" cy="261610"/>
+            </a:xfrm>
+            <a:prstGeom prst="rect">
+              <a:avLst/>
+            </a:prstGeom>
+            <a:noFill/>
+          </p:spPr>
+          <p:txBody>
+            <a:bodyPr wrap="none" rtlCol="0">
+              <a:spAutoFit/>
+            </a:bodyPr>
+            <a:lstStyle/>
+            <a:p>
+              <a:r>
+                <a:rPr lang="en-US" altLang="zh-CN" sz="1050" dirty="0"/>
+                <a:t>R.A.</a:t>
+              </a:r>
+              <a:endParaRPr lang="zh-CN" altLang="en-US" sz="1050" dirty="0"/>
+            </a:p>
+          </p:txBody>
+        </p:sp>
+      </p:grpSp>
+      <p:pic>
+        <p:nvPicPr>
+          <p:cNvPr id="27" name="图片 26">
+            <a:extLst>
+              <a:ext uri="{FF2B5EF4-FFF2-40B4-BE49-F238E27FC236}">
+                <a16:creationId xmlns:a16="http://schemas.microsoft.com/office/drawing/2014/main" id="{4B24B3EA-E1A7-4520-A9E0-FD3C02EC90DD}"/>
+              </a:ext>
+            </a:extLst>
+          </p:cNvPr>
+          <p:cNvPicPr>
+            <a:picLocks noChangeAspect="1"/>
+          </p:cNvPicPr>
+          <p:nvPr/>
+        </p:nvPicPr>
+        <p:blipFill>
+          <a:blip r:embed="rId2"/>
+          <a:stretch>
+            <a:fillRect/>
+          </a:stretch>
+        </p:blipFill>
+        <p:spPr>
+          <a:xfrm>
+            <a:off x="8525631" y="1115204"/>
+            <a:ext cx="2972685" cy="3106844"/>
+          </a:xfrm>
+          <a:prstGeom prst="rect">
+            <a:avLst/>
+          </a:prstGeom>
+        </p:spPr>
+      </p:pic>
+      <mc:AlternateContent xmlns:mc="http://schemas.openxmlformats.org/markup-compatibility/2006">
+        <mc:Choice xmlns:a14="http://schemas.microsoft.com/office/drawing/2010/main" Requires="a14">
+          <p:sp>
+            <p:nvSpPr>
+              <p:cNvPr id="28" name="文本框 27">
+                <a:extLst>
+                  <a:ext uri="{FF2B5EF4-FFF2-40B4-BE49-F238E27FC236}">
+                    <a16:creationId xmlns:a16="http://schemas.microsoft.com/office/drawing/2014/main" id="{4E59B298-6DF9-4563-A41F-7C10F3413499}"/>
+                  </a:ext>
+                </a:extLst>
+              </p:cNvPr>
+              <p:cNvSpPr txBox="1"/>
+              <p:nvPr/>
+            </p:nvSpPr>
+            <p:spPr>
+              <a:xfrm>
+                <a:off x="8407638" y="4438650"/>
+                <a:ext cx="2900601" cy="338554"/>
+              </a:xfrm>
+              <a:prstGeom prst="rect">
+                <a:avLst/>
+              </a:prstGeom>
+              <a:noFill/>
+            </p:spPr>
+            <p:txBody>
+              <a:bodyPr wrap="none" rtlCol="0">
+                <a:spAutoFit/>
+              </a:bodyPr>
+              <a:lstStyle/>
+              <a:p>
+                <a14:m>
+                  <m:oMathPara xmlns:m="http://schemas.openxmlformats.org/officeDocument/2006/math">
+                    <m:oMathParaPr>
+                      <m:jc m:val="centerGroup"/>
+                    </m:oMathParaPr>
+                    <m:oMath xmlns:m="http://schemas.openxmlformats.org/officeDocument/2006/math">
+                      <m:sSub>
+                        <m:sSubPr>
+                          <m:ctrlPr>
+                            <a:rPr lang="en-US" altLang="zh-CN" sz="1600" b="0" i="1" smtClean="0">
+                              <a:latin typeface="Cambria Math" panose="02040503050406030204" pitchFamily="18" charset="0"/>
+                            </a:rPr>
+                          </m:ctrlPr>
+                        </m:sSubPr>
+                        <m:e>
+                          <m:r>
+                            <a:rPr lang="en-US" altLang="zh-CN" sz="1600" b="0" i="1" smtClean="0">
+                              <a:latin typeface="Cambria Math" panose="02040503050406030204" pitchFamily="18" charset="0"/>
+                            </a:rPr>
+                            <m:t>𝛼</m:t>
+                          </m:r>
+                        </m:e>
+                        <m:sub>
+                          <m:r>
+                            <a:rPr lang="en-US" altLang="zh-CN" sz="1600" b="0" i="1" smtClean="0">
+                              <a:latin typeface="Cambria Math" panose="02040503050406030204" pitchFamily="18" charset="0"/>
+                            </a:rPr>
+                            <m:t>2</m:t>
+                          </m:r>
+                        </m:sub>
+                      </m:sSub>
+                      <m:r>
+                        <a:rPr lang="en-US" altLang="zh-CN" sz="1600" b="0" i="1" smtClean="0">
+                          <a:latin typeface="Cambria Math" panose="02040503050406030204" pitchFamily="18" charset="0"/>
+                        </a:rPr>
+                        <m:t>−</m:t>
+                      </m:r>
+                      <m:sSub>
+                        <m:sSubPr>
+                          <m:ctrlPr>
+                            <a:rPr lang="en-US" altLang="zh-CN" sz="1600" b="0" i="1" smtClean="0">
+                              <a:latin typeface="Cambria Math" panose="02040503050406030204" pitchFamily="18" charset="0"/>
+                            </a:rPr>
+                          </m:ctrlPr>
+                        </m:sSubPr>
+                        <m:e>
+                          <m:r>
+                            <a:rPr lang="en-US" altLang="zh-CN" sz="1600" b="0" i="1" smtClean="0">
+                              <a:latin typeface="Cambria Math" panose="02040503050406030204" pitchFamily="18" charset="0"/>
+                            </a:rPr>
+                            <m:t>𝛼</m:t>
+                          </m:r>
+                        </m:e>
+                        <m:sub>
+                          <m:r>
+                            <a:rPr lang="en-US" altLang="zh-CN" sz="1600" b="0" i="1" smtClean="0">
+                              <a:latin typeface="Cambria Math" panose="02040503050406030204" pitchFamily="18" charset="0"/>
+                            </a:rPr>
+                            <m:t>1</m:t>
+                          </m:r>
+                        </m:sub>
+                      </m:sSub>
+                      <m:r>
+                        <a:rPr lang="en-US" altLang="zh-CN" sz="1600" b="0" i="1" smtClean="0">
+                          <a:latin typeface="Cambria Math" panose="02040503050406030204" pitchFamily="18" charset="0"/>
+                        </a:rPr>
+                        <m:t>,</m:t>
+                      </m:r>
+                      <m:r>
+                        <a:rPr lang="en-US" altLang="zh-CN" sz="1600" b="0" i="1" smtClean="0">
+                          <a:latin typeface="Cambria Math" panose="02040503050406030204" pitchFamily="18" charset="0"/>
+                        </a:rPr>
+                        <m:t>𝑎𝑡</m:t>
+                      </m:r>
+                      <m:r>
+                        <a:rPr lang="en-US" altLang="zh-CN" sz="1600" b="0" i="1" smtClean="0">
+                          <a:latin typeface="Cambria Math" panose="02040503050406030204" pitchFamily="18" charset="0"/>
+                        </a:rPr>
+                        <m:t> </m:t>
+                      </m:r>
+                      <m:sSub>
+                        <m:sSubPr>
+                          <m:ctrlPr>
+                            <a:rPr lang="en-US" altLang="zh-CN" sz="1600" b="0" i="1" smtClean="0">
+                              <a:latin typeface="Cambria Math" panose="02040503050406030204" pitchFamily="18" charset="0"/>
+                            </a:rPr>
+                          </m:ctrlPr>
+                        </m:sSubPr>
+                        <m:e>
+                          <m:r>
+                            <a:rPr lang="en-US" altLang="zh-CN" sz="1600" b="0" i="1" smtClean="0">
+                              <a:latin typeface="Cambria Math" panose="02040503050406030204" pitchFamily="18" charset="0"/>
+                            </a:rPr>
+                            <m:t>𝛿</m:t>
+                          </m:r>
+                        </m:e>
+                        <m:sub>
+                          <m:r>
+                            <a:rPr lang="en-US" altLang="zh-CN" sz="1600" b="0" i="1" smtClean="0">
+                              <a:latin typeface="Cambria Math" panose="02040503050406030204" pitchFamily="18" charset="0"/>
+                            </a:rPr>
+                            <m:t>1</m:t>
+                          </m:r>
+                        </m:sub>
+                      </m:sSub>
+                      <m:r>
+                        <a:rPr lang="en-US" altLang="zh-CN" sz="1600" b="0" i="1" smtClean="0">
+                          <a:latin typeface="Cambria Math" panose="02040503050406030204" pitchFamily="18" charset="0"/>
+                        </a:rPr>
+                        <m:t>=</m:t>
+                      </m:r>
+                      <m:sSub>
+                        <m:sSubPr>
+                          <m:ctrlPr>
+                            <a:rPr lang="en-US" altLang="zh-CN" sz="1600" b="0" i="1" smtClean="0">
+                              <a:latin typeface="Cambria Math" panose="02040503050406030204" pitchFamily="18" charset="0"/>
+                            </a:rPr>
+                          </m:ctrlPr>
+                        </m:sSubPr>
+                        <m:e>
+                          <m:r>
+                            <a:rPr lang="en-US" altLang="zh-CN" sz="1600" b="0" i="1" smtClean="0">
+                              <a:latin typeface="Cambria Math" panose="02040503050406030204" pitchFamily="18" charset="0"/>
+                            </a:rPr>
+                            <m:t>𝛼</m:t>
+                          </m:r>
+                        </m:e>
+                        <m:sub>
+                          <m:r>
+                            <a:rPr lang="en-US" altLang="zh-CN" sz="1600" b="0" i="1" smtClean="0">
+                              <a:latin typeface="Cambria Math" panose="02040503050406030204" pitchFamily="18" charset="0"/>
+                            </a:rPr>
+                            <m:t>2</m:t>
+                          </m:r>
+                        </m:sub>
+                      </m:sSub>
+                      <m:r>
+                        <a:rPr lang="en-US" altLang="zh-CN" sz="1600" b="0" i="1" smtClean="0">
+                          <a:latin typeface="Cambria Math" panose="02040503050406030204" pitchFamily="18" charset="0"/>
+                        </a:rPr>
+                        <m:t>−</m:t>
+                      </m:r>
+                      <m:sSub>
+                        <m:sSubPr>
+                          <m:ctrlPr>
+                            <a:rPr lang="en-US" altLang="zh-CN" sz="1600" b="0" i="1" smtClean="0">
+                              <a:latin typeface="Cambria Math" panose="02040503050406030204" pitchFamily="18" charset="0"/>
+                            </a:rPr>
+                          </m:ctrlPr>
+                        </m:sSubPr>
+                        <m:e>
+                          <m:r>
+                            <a:rPr lang="en-US" altLang="zh-CN" sz="1600" b="0" i="1" smtClean="0">
+                              <a:latin typeface="Cambria Math" panose="02040503050406030204" pitchFamily="18" charset="0"/>
+                            </a:rPr>
+                            <m:t>𝛼</m:t>
+                          </m:r>
+                        </m:e>
+                        <m:sub>
+                          <m:r>
+                            <a:rPr lang="en-US" altLang="zh-CN" sz="1600" b="0" i="1" smtClean="0">
+                              <a:latin typeface="Cambria Math" panose="02040503050406030204" pitchFamily="18" charset="0"/>
+                            </a:rPr>
+                            <m:t>1</m:t>
+                          </m:r>
+                        </m:sub>
+                      </m:sSub>
+                      <m:r>
+                        <a:rPr lang="en-US" altLang="zh-CN" sz="1600" b="0" i="1" smtClean="0">
+                          <a:latin typeface="Cambria Math" panose="02040503050406030204" pitchFamily="18" charset="0"/>
+                        </a:rPr>
+                        <m:t>, </m:t>
+                      </m:r>
+                      <m:r>
+                        <a:rPr lang="en-US" altLang="zh-CN" sz="1600" b="0" i="1" smtClean="0">
+                          <a:latin typeface="Cambria Math" panose="02040503050406030204" pitchFamily="18" charset="0"/>
+                        </a:rPr>
+                        <m:t>𝑎𝑡</m:t>
+                      </m:r>
+                      <m:r>
+                        <a:rPr lang="en-US" altLang="zh-CN" sz="1600" b="0" i="1" smtClean="0">
+                          <a:latin typeface="Cambria Math" panose="02040503050406030204" pitchFamily="18" charset="0"/>
+                        </a:rPr>
+                        <m:t> </m:t>
+                      </m:r>
+                      <m:sSub>
+                        <m:sSubPr>
+                          <m:ctrlPr>
+                            <a:rPr lang="en-US" altLang="zh-CN" sz="1600" b="0" i="1" smtClean="0">
+                              <a:latin typeface="Cambria Math" panose="02040503050406030204" pitchFamily="18" charset="0"/>
+                            </a:rPr>
+                          </m:ctrlPr>
+                        </m:sSubPr>
+                        <m:e>
+                          <m:r>
+                            <a:rPr lang="en-US" altLang="zh-CN" sz="1600" b="0" i="1" smtClean="0">
+                              <a:latin typeface="Cambria Math" panose="02040503050406030204" pitchFamily="18" charset="0"/>
+                            </a:rPr>
+                            <m:t>𝛿</m:t>
+                          </m:r>
+                        </m:e>
+                        <m:sub>
+                          <m:r>
+                            <a:rPr lang="en-US" altLang="zh-CN" sz="1600" b="0" i="1" smtClean="0">
+                              <a:latin typeface="Cambria Math" panose="02040503050406030204" pitchFamily="18" charset="0"/>
+                            </a:rPr>
+                            <m:t>2</m:t>
+                          </m:r>
+                        </m:sub>
+                      </m:sSub>
+                    </m:oMath>
+                  </m:oMathPara>
+                </a14:m>
+                <a:endParaRPr lang="zh-CN" altLang="en-US" sz="1600" dirty="0"/>
+              </a:p>
+            </p:txBody>
+          </p:sp>
+        </mc:Choice>
+        <mc:Fallback>
+          <p:sp>
+            <p:nvSpPr>
+              <p:cNvPr id="28" name="文本框 27">
+                <a:extLst>
+                  <a:ext uri="{FF2B5EF4-FFF2-40B4-BE49-F238E27FC236}">
+                    <a16:creationId xmlns:a16="http://schemas.microsoft.com/office/drawing/2014/main" id="{4E59B298-6DF9-4563-A41F-7C10F3413499}"/>
+                  </a:ext>
+                </a:extLst>
+              </p:cNvPr>
+              <p:cNvSpPr txBox="1">
+                <a:spLocks noRot="1" noChangeAspect="1" noMove="1" noResize="1" noEditPoints="1" noAdjustHandles="1" noChangeArrowheads="1" noChangeShapeType="1" noTextEdit="1"/>
+              </p:cNvSpPr>
+              <p:nvPr/>
+            </p:nvSpPr>
+            <p:spPr>
+              <a:xfrm>
+                <a:off x="8407638" y="4438650"/>
+                <a:ext cx="2900601" cy="338554"/>
+              </a:xfrm>
+              <a:prstGeom prst="rect">
+                <a:avLst/>
+              </a:prstGeom>
+              <a:blipFill>
+                <a:blip r:embed="rId3"/>
+                <a:stretch>
+                  <a:fillRect/>
+                </a:stretch>
+              </a:blipFill>
+            </p:spPr>
+            <p:txBody>
+              <a:bodyPr/>
+              <a:lstStyle/>
+              <a:p>
+                <a:r>
+                  <a:rPr lang="zh-CN" altLang="en-US">
+                    <a:noFill/>
+                  </a:rPr>
+                  <a:t> </a:t>
+                </a:r>
+              </a:p>
+            </p:txBody>
+          </p:sp>
+        </mc:Fallback>
+      </mc:AlternateContent>
+      <mc:AlternateContent xmlns:mc="http://schemas.openxmlformats.org/markup-compatibility/2006">
+        <mc:Choice xmlns:a14="http://schemas.microsoft.com/office/drawing/2010/main" Requires="a14">
+          <p:sp>
+            <p:nvSpPr>
+              <p:cNvPr id="30" name="文本框 29">
+                <a:extLst>
+                  <a:ext uri="{FF2B5EF4-FFF2-40B4-BE49-F238E27FC236}">
+                    <a16:creationId xmlns:a16="http://schemas.microsoft.com/office/drawing/2014/main" id="{C7247A70-F7F9-4187-A075-A283AB5E2FA4}"/>
+                  </a:ext>
+                </a:extLst>
+              </p:cNvPr>
+              <p:cNvSpPr txBox="1"/>
+              <p:nvPr/>
+            </p:nvSpPr>
+            <p:spPr>
+              <a:xfrm>
+                <a:off x="8743595" y="5173860"/>
+                <a:ext cx="2367443" cy="338554"/>
+              </a:xfrm>
+              <a:prstGeom prst="rect">
+                <a:avLst/>
+              </a:prstGeom>
+              <a:noFill/>
+            </p:spPr>
+            <p:txBody>
+              <a:bodyPr wrap="none" rtlCol="0">
+                <a:spAutoFit/>
+              </a:bodyPr>
+              <a:lstStyle/>
+              <a:p>
+                <a:pPr/>
+                <a14:m>
+                  <m:oMathPara xmlns:m="http://schemas.openxmlformats.org/officeDocument/2006/math">
+                    <m:oMathParaPr>
+                      <m:jc m:val="centerGroup"/>
+                    </m:oMathParaPr>
+                    <m:oMath xmlns:m="http://schemas.openxmlformats.org/officeDocument/2006/math">
+                      <m:r>
+                        <a:rPr lang="en-US" altLang="zh-CN" sz="1600" b="0" i="1" smtClean="0">
+                          <a:latin typeface="Cambria Math" panose="02040503050406030204" pitchFamily="18" charset="0"/>
+                        </a:rPr>
+                        <m:t>𝑑</m:t>
+                      </m:r>
+                      <m:r>
+                        <a:rPr lang="en-US" altLang="zh-CN" sz="1600" b="0" i="1" smtClean="0">
+                          <a:latin typeface="Cambria Math" panose="02040503050406030204" pitchFamily="18" charset="0"/>
+                        </a:rPr>
+                        <m:t>𝛼</m:t>
+                      </m:r>
+                      <m:d>
+                        <m:dPr>
+                          <m:ctrlPr>
+                            <a:rPr lang="en-US" altLang="zh-CN" sz="1600" b="0" i="1" smtClean="0">
+                              <a:latin typeface="Cambria Math" panose="02040503050406030204" pitchFamily="18" charset="0"/>
+                            </a:rPr>
+                          </m:ctrlPr>
+                        </m:dPr>
+                        <m:e>
+                          <m:r>
+                            <a:rPr lang="en-US" altLang="zh-CN" sz="1600" b="0" i="1" smtClean="0">
+                              <a:latin typeface="Cambria Math" panose="02040503050406030204" pitchFamily="18" charset="0"/>
+                            </a:rPr>
+                            <m:t>𝛿</m:t>
+                          </m:r>
+                        </m:e>
+                      </m:d>
+                      <m:r>
+                        <a:rPr lang="en-US" altLang="zh-CN" sz="1600" b="0" i="1" smtClean="0">
+                          <a:latin typeface="Cambria Math" panose="02040503050406030204" pitchFamily="18" charset="0"/>
+                        </a:rPr>
+                        <m:t>=</m:t>
+                      </m:r>
+                      <m:d>
+                        <m:dPr>
+                          <m:ctrlPr>
+                            <a:rPr lang="en-US" altLang="zh-CN" sz="1600" b="0" i="1" smtClean="0">
+                              <a:latin typeface="Cambria Math" panose="02040503050406030204" pitchFamily="18" charset="0"/>
+                            </a:rPr>
+                          </m:ctrlPr>
+                        </m:dPr>
+                        <m:e>
+                          <m:sSub>
+                            <m:sSubPr>
+                              <m:ctrlPr>
+                                <a:rPr lang="en-US" altLang="zh-CN" sz="1600" b="0" i="1" smtClean="0">
+                                  <a:latin typeface="Cambria Math" panose="02040503050406030204" pitchFamily="18" charset="0"/>
+                                </a:rPr>
+                              </m:ctrlPr>
+                            </m:sSubPr>
+                            <m:e>
+                              <m:r>
+                                <a:rPr lang="en-US" altLang="zh-CN" sz="1600" b="0" i="1" smtClean="0">
+                                  <a:latin typeface="Cambria Math" panose="02040503050406030204" pitchFamily="18" charset="0"/>
+                                </a:rPr>
+                                <m:t>𝛼</m:t>
+                              </m:r>
+                            </m:e>
+                            <m:sub>
+                              <m:r>
+                                <a:rPr lang="en-US" altLang="zh-CN" sz="1600" b="0" i="1" smtClean="0">
+                                  <a:latin typeface="Cambria Math" panose="02040503050406030204" pitchFamily="18" charset="0"/>
+                                </a:rPr>
+                                <m:t>2</m:t>
+                              </m:r>
+                            </m:sub>
+                          </m:sSub>
+                          <m:r>
+                            <a:rPr lang="en-US" altLang="zh-CN" sz="1600" b="0" i="1" smtClean="0">
+                              <a:latin typeface="Cambria Math" panose="02040503050406030204" pitchFamily="18" charset="0"/>
+                            </a:rPr>
+                            <m:t>−</m:t>
+                          </m:r>
+                          <m:sSub>
+                            <m:sSubPr>
+                              <m:ctrlPr>
+                                <a:rPr lang="en-US" altLang="zh-CN" sz="1600" b="0" i="1" smtClean="0">
+                                  <a:latin typeface="Cambria Math" panose="02040503050406030204" pitchFamily="18" charset="0"/>
+                                </a:rPr>
+                              </m:ctrlPr>
+                            </m:sSubPr>
+                            <m:e>
+                              <m:r>
+                                <a:rPr lang="en-US" altLang="zh-CN" sz="1600" b="0" i="1" smtClean="0">
+                                  <a:latin typeface="Cambria Math" panose="02040503050406030204" pitchFamily="18" charset="0"/>
+                                </a:rPr>
+                                <m:t>𝛼</m:t>
+                              </m:r>
+                            </m:e>
+                            <m:sub>
+                              <m:r>
+                                <a:rPr lang="en-US" altLang="zh-CN" sz="1600" b="0" i="1" smtClean="0">
+                                  <a:latin typeface="Cambria Math" panose="02040503050406030204" pitchFamily="18" charset="0"/>
+                                </a:rPr>
+                                <m:t>1</m:t>
+                              </m:r>
+                            </m:sub>
+                          </m:sSub>
+                        </m:e>
+                      </m:d>
+                      <m:func>
+                        <m:funcPr>
+                          <m:ctrlPr>
+                            <a:rPr lang="en-US" altLang="zh-CN" sz="1600" b="0" i="1" smtClean="0">
+                              <a:latin typeface="Cambria Math" panose="02040503050406030204" pitchFamily="18" charset="0"/>
+                            </a:rPr>
+                          </m:ctrlPr>
+                        </m:funcPr>
+                        <m:fName>
+                          <m:r>
+                            <m:rPr>
+                              <m:sty m:val="p"/>
+                            </m:rPr>
+                            <a:rPr lang="en-US" altLang="zh-CN" sz="1600" b="0" i="0" smtClean="0">
+                              <a:latin typeface="Cambria Math" panose="02040503050406030204" pitchFamily="18" charset="0"/>
+                            </a:rPr>
+                            <m:t>cos</m:t>
+                          </m:r>
+                        </m:fName>
+                        <m:e>
+                          <m:r>
+                            <a:rPr lang="en-US" altLang="zh-CN" sz="1600" b="0" i="1" smtClean="0">
+                              <a:latin typeface="Cambria Math" panose="02040503050406030204" pitchFamily="18" charset="0"/>
+                            </a:rPr>
+                            <m:t>𝛿</m:t>
+                          </m:r>
+                        </m:e>
+                      </m:func>
+                    </m:oMath>
+                  </m:oMathPara>
+                </a14:m>
+                <a:endParaRPr lang="zh-CN" altLang="en-US" sz="1600" dirty="0"/>
+              </a:p>
+            </p:txBody>
+          </p:sp>
+        </mc:Choice>
+        <mc:Fallback>
+          <p:sp>
+            <p:nvSpPr>
+              <p:cNvPr id="30" name="文本框 29">
+                <a:extLst>
+                  <a:ext uri="{FF2B5EF4-FFF2-40B4-BE49-F238E27FC236}">
+                    <a16:creationId xmlns:a16="http://schemas.microsoft.com/office/drawing/2014/main" id="{C7247A70-F7F9-4187-A075-A283AB5E2FA4}"/>
+                  </a:ext>
+                </a:extLst>
+              </p:cNvPr>
+              <p:cNvSpPr txBox="1">
+                <a:spLocks noRot="1" noChangeAspect="1" noMove="1" noResize="1" noEditPoints="1" noAdjustHandles="1" noChangeArrowheads="1" noChangeShapeType="1" noTextEdit="1"/>
+              </p:cNvSpPr>
+              <p:nvPr/>
+            </p:nvSpPr>
+            <p:spPr>
+              <a:xfrm>
+                <a:off x="8743595" y="5173860"/>
+                <a:ext cx="2367443" cy="338554"/>
+              </a:xfrm>
+              <a:prstGeom prst="rect">
+                <a:avLst/>
+              </a:prstGeom>
+              <a:blipFill>
+                <a:blip r:embed="rId4"/>
+                <a:stretch>
+                  <a:fillRect/>
+                </a:stretch>
+              </a:blipFill>
+            </p:spPr>
+            <p:txBody>
+              <a:bodyPr/>
+              <a:lstStyle/>
+              <a:p>
+                <a:r>
+                  <a:rPr lang="zh-CN" altLang="en-US">
+                    <a:noFill/>
+                  </a:rPr>
+                  <a:t> </a:t>
+                </a:r>
+              </a:p>
+            </p:txBody>
+          </p:sp>
+        </mc:Fallback>
+      </mc:AlternateContent>
+      <p:sp>
+        <p:nvSpPr>
+          <p:cNvPr id="31" name="箭头: 下 30">
+            <a:extLst>
+              <a:ext uri="{FF2B5EF4-FFF2-40B4-BE49-F238E27FC236}">
+                <a16:creationId xmlns:a16="http://schemas.microsoft.com/office/drawing/2014/main" id="{BDEC7934-8691-4DA8-B30D-7C648AB40EFE}"/>
+              </a:ext>
+            </a:extLst>
+          </p:cNvPr>
+          <p:cNvSpPr/>
+          <p:nvPr/>
+        </p:nvSpPr>
+        <p:spPr>
+          <a:xfrm>
+            <a:off x="9788562" y="4808089"/>
+            <a:ext cx="138755" cy="316749"/>
+          </a:xfrm>
+          <a:prstGeom prst="downArrow">
+            <a:avLst/>
+          </a:prstGeom>
+        </p:spPr>
+        <p:style>
+          <a:lnRef idx="2">
+            <a:schemeClr val="accent1">
+              <a:shade val="50000"/>
+            </a:schemeClr>
+          </a:lnRef>
+          <a:fillRef idx="1">
+            <a:schemeClr val="accent1"/>
+          </a:fillRef>
+          <a:effectRef idx="0">
+            <a:schemeClr val="accent1"/>
+          </a:effectRef>
+          <a:fontRef idx="minor">
+            <a:schemeClr val="lt1"/>
+          </a:fontRef>
+        </p:style>
+        <p:txBody>
+          <a:bodyPr rtlCol="0" anchor="ctr"/>
+          <a:lstStyle/>
+          <a:p>
+            <a:pPr algn="ctr"/>
+            <a:endParaRPr lang="zh-CN" altLang="en-US"/>
+          </a:p>
+        </p:txBody>
+      </p:sp>
+      <p:sp>
+        <p:nvSpPr>
+          <p:cNvPr id="32" name="文本框 31">
+            <a:extLst>
+              <a:ext uri="{FF2B5EF4-FFF2-40B4-BE49-F238E27FC236}">
+                <a16:creationId xmlns:a16="http://schemas.microsoft.com/office/drawing/2014/main" id="{0CD746B4-629C-4361-969E-C0A786F5E6F5}"/>
+              </a:ext>
+            </a:extLst>
+          </p:cNvPr>
+          <p:cNvSpPr txBox="1"/>
+          <p:nvPr/>
+        </p:nvSpPr>
+        <p:spPr>
+          <a:xfrm>
+            <a:off x="4735637" y="199317"/>
+            <a:ext cx="2068195" cy="369332"/>
+          </a:xfrm>
+          <a:prstGeom prst="rect">
+            <a:avLst/>
+          </a:prstGeom>
+          <a:noFill/>
+        </p:spPr>
+        <p:txBody>
+          <a:bodyPr wrap="none" rtlCol="0">
+            <a:spAutoFit/>
+          </a:bodyPr>
+          <a:lstStyle/>
+          <a:p>
+            <a:r>
+              <a:rPr lang="en-US" altLang="zh-CN" dirty="0"/>
+              <a:t>Search galaxy pairs</a:t>
+            </a:r>
+            <a:endParaRPr lang="zh-CN" altLang="en-US" dirty="0"/>
+          </a:p>
+        </p:txBody>
+      </p:sp>
+      <p:sp>
+        <p:nvSpPr>
+          <p:cNvPr id="34" name="文本框 33">
+            <a:extLst>
+              <a:ext uri="{FF2B5EF4-FFF2-40B4-BE49-F238E27FC236}">
+                <a16:creationId xmlns:a16="http://schemas.microsoft.com/office/drawing/2014/main" id="{39BFCAC4-D915-4B59-B1C5-B3D43BF2C1D0}"/>
+              </a:ext>
+            </a:extLst>
+          </p:cNvPr>
+          <p:cNvSpPr txBox="1"/>
+          <p:nvPr/>
+        </p:nvSpPr>
+        <p:spPr>
+          <a:xfrm>
+            <a:off x="1526986" y="1387024"/>
+            <a:ext cx="3759362" cy="646331"/>
+          </a:xfrm>
+          <a:prstGeom prst="rect">
+            <a:avLst/>
+          </a:prstGeom>
+          <a:noFill/>
+        </p:spPr>
+        <p:txBody>
+          <a:bodyPr wrap="none" rtlCol="0">
+            <a:spAutoFit/>
+          </a:bodyPr>
+          <a:lstStyle/>
+          <a:p>
+            <a:pPr marL="285750" indent="-285750">
+              <a:buFont typeface="Arial" panose="020B0604020202020204" pitchFamily="34" charset="0"/>
+              <a:buChar char="•"/>
+            </a:pPr>
+            <a:r>
+              <a:rPr lang="en-US" altLang="zh-CN" dirty="0"/>
+              <a:t>Find pairs by two brute for-loops</a:t>
+            </a:r>
+          </a:p>
+          <a:p>
+            <a:pPr lvl="1"/>
+            <a:endParaRPr lang="en-US" altLang="zh-CN" dirty="0"/>
+          </a:p>
+        </p:txBody>
+      </p:sp>
+      <mc:AlternateContent xmlns:mc="http://schemas.openxmlformats.org/markup-compatibility/2006">
+        <mc:Choice xmlns:a14="http://schemas.microsoft.com/office/drawing/2010/main" Requires="a14">
+          <p:sp>
+            <p:nvSpPr>
+              <p:cNvPr id="35" name="文本框 34">
+                <a:extLst>
+                  <a:ext uri="{FF2B5EF4-FFF2-40B4-BE49-F238E27FC236}">
+                    <a16:creationId xmlns:a16="http://schemas.microsoft.com/office/drawing/2014/main" id="{DE87BF7A-EF58-408E-8A10-A99CD34CD7FC}"/>
+                  </a:ext>
+                </a:extLst>
+              </p:cNvPr>
+              <p:cNvSpPr txBox="1"/>
+              <p:nvPr/>
+            </p:nvSpPr>
+            <p:spPr>
+              <a:xfrm>
+                <a:off x="1448530" y="1837629"/>
+                <a:ext cx="1552030" cy="830997"/>
+              </a:xfrm>
+              <a:prstGeom prst="rect">
+                <a:avLst/>
+              </a:prstGeom>
+              <a:noFill/>
+            </p:spPr>
+            <p:txBody>
+              <a:bodyPr wrap="square" lIns="0" tIns="0" rIns="0" bIns="0" rtlCol="0">
+                <a:spAutoFit/>
+              </a:bodyPr>
+              <a:lstStyle/>
+              <a:p>
+                <a:pPr lvl="1"/>
+                <a14:m>
+                  <m:oMathPara xmlns:m="http://schemas.openxmlformats.org/officeDocument/2006/math">
+                    <m:oMathParaPr>
+                      <m:jc m:val="centerGroup"/>
+                    </m:oMathParaPr>
+                    <m:oMath xmlns:m="http://schemas.openxmlformats.org/officeDocument/2006/math">
+                      <m:r>
+                        <m:rPr>
+                          <m:nor/>
+                        </m:rPr>
+                        <a:rPr lang="en-US" altLang="zh-CN" dirty="0"/>
+                        <m:t>For</m:t>
+                      </m:r>
+                      <m:r>
+                        <m:rPr>
+                          <m:nor/>
+                        </m:rPr>
+                        <a:rPr lang="en-US" altLang="zh-CN" dirty="0"/>
+                        <m:t> </m:t>
+                      </m:r>
+                      <m:r>
+                        <m:rPr>
+                          <m:nor/>
+                        </m:rPr>
+                        <a:rPr lang="en-US" altLang="zh-CN" dirty="0"/>
+                        <m:t>i</m:t>
+                      </m:r>
+                      <m:r>
+                        <m:rPr>
+                          <m:nor/>
+                        </m:rPr>
+                        <a:rPr lang="en-US" altLang="zh-CN" dirty="0"/>
+                        <m:t>:</m:t>
+                      </m:r>
+                    </m:oMath>
+                  </m:oMathPara>
+                </a14:m>
+                <a:endParaRPr lang="en-US" altLang="zh-CN" dirty="0"/>
+              </a:p>
+              <a:p>
+                <a:pPr lvl="1"/>
+                <a14:m>
+                  <m:oMathPara xmlns:m="http://schemas.openxmlformats.org/officeDocument/2006/math">
+                    <m:oMathParaPr>
+                      <m:jc m:val="centerGroup"/>
+                    </m:oMathParaPr>
+                    <m:oMath xmlns:m="http://schemas.openxmlformats.org/officeDocument/2006/math">
+                      <m:r>
+                        <m:rPr>
+                          <m:nor/>
+                        </m:rPr>
+                        <a:rPr lang="en-US" altLang="zh-CN" dirty="0"/>
+                        <m:t>    </m:t>
+                      </m:r>
+                      <m:r>
+                        <m:rPr>
+                          <m:nor/>
+                        </m:rPr>
+                        <a:rPr lang="en-US" altLang="zh-CN" dirty="0"/>
+                        <m:t>For</m:t>
+                      </m:r>
+                      <m:r>
+                        <m:rPr>
+                          <m:nor/>
+                        </m:rPr>
+                        <a:rPr lang="en-US" altLang="zh-CN" dirty="0"/>
+                        <m:t> </m:t>
+                      </m:r>
+                      <m:r>
+                        <m:rPr>
+                          <m:nor/>
+                        </m:rPr>
+                        <a:rPr lang="en-US" altLang="zh-CN" dirty="0"/>
+                        <m:t>j</m:t>
+                      </m:r>
+                      <m:r>
+                        <m:rPr>
+                          <m:nor/>
+                        </m:rPr>
+                        <a:rPr lang="en-US" altLang="zh-CN" dirty="0"/>
+                        <m:t>:…</m:t>
+                      </m:r>
+                    </m:oMath>
+                  </m:oMathPara>
+                </a14:m>
+                <a:endParaRPr lang="en-US" altLang="zh-CN" dirty="0"/>
+              </a:p>
+              <a:p>
+                <a:endParaRPr lang="zh-CN" altLang="en-US" dirty="0"/>
+              </a:p>
+            </p:txBody>
+          </p:sp>
+        </mc:Choice>
+        <mc:Fallback>
+          <p:sp>
+            <p:nvSpPr>
+              <p:cNvPr id="35" name="文本框 34">
+                <a:extLst>
+                  <a:ext uri="{FF2B5EF4-FFF2-40B4-BE49-F238E27FC236}">
+                    <a16:creationId xmlns:a16="http://schemas.microsoft.com/office/drawing/2014/main" id="{DE87BF7A-EF58-408E-8A10-A99CD34CD7FC}"/>
+                  </a:ext>
+                </a:extLst>
+              </p:cNvPr>
+              <p:cNvSpPr txBox="1">
+                <a:spLocks noRot="1" noChangeAspect="1" noMove="1" noResize="1" noEditPoints="1" noAdjustHandles="1" noChangeArrowheads="1" noChangeShapeType="1" noTextEdit="1"/>
+              </p:cNvSpPr>
+              <p:nvPr/>
+            </p:nvSpPr>
+            <p:spPr>
+              <a:xfrm>
+                <a:off x="1448530" y="1837629"/>
+                <a:ext cx="1552030" cy="830997"/>
+              </a:xfrm>
+              <a:prstGeom prst="rect">
+                <a:avLst/>
+              </a:prstGeom>
+              <a:blipFill>
+                <a:blip r:embed="rId5"/>
+                <a:stretch>
+                  <a:fillRect/>
+                </a:stretch>
+              </a:blipFill>
+            </p:spPr>
+            <p:txBody>
+              <a:bodyPr/>
+              <a:lstStyle/>
+              <a:p>
+                <a:r>
+                  <a:rPr lang="zh-CN" altLang="en-US">
+                    <a:noFill/>
+                  </a:rPr>
+                  <a:t> </a:t>
+                </a:r>
+              </a:p>
+            </p:txBody>
+          </p:sp>
+        </mc:Fallback>
+      </mc:AlternateContent>
+      <p:sp>
+        <p:nvSpPr>
+          <p:cNvPr id="37" name="文本框 36">
+            <a:extLst>
+              <a:ext uri="{FF2B5EF4-FFF2-40B4-BE49-F238E27FC236}">
+                <a16:creationId xmlns:a16="http://schemas.microsoft.com/office/drawing/2014/main" id="{30D9B855-6774-4F77-A9D3-556B8FA6B9F5}"/>
+              </a:ext>
+            </a:extLst>
+          </p:cNvPr>
+          <p:cNvSpPr txBox="1"/>
+          <p:nvPr/>
+        </p:nvSpPr>
+        <p:spPr>
+          <a:xfrm>
+            <a:off x="1526986" y="2619000"/>
+            <a:ext cx="1943161" cy="369332"/>
+          </a:xfrm>
+          <a:prstGeom prst="rect">
+            <a:avLst/>
+          </a:prstGeom>
+          <a:noFill/>
+        </p:spPr>
+        <p:txBody>
+          <a:bodyPr wrap="none" rtlCol="0">
+            <a:spAutoFit/>
+          </a:bodyPr>
+          <a:lstStyle/>
+          <a:p>
+            <a:pPr marL="285750" indent="-285750">
+              <a:buFont typeface="Arial" panose="020B0604020202020204" pitchFamily="34" charset="0"/>
+              <a:buChar char="•"/>
+            </a:pPr>
+            <a:r>
+              <a:rPr lang="en-US" altLang="zh-CN" dirty="0"/>
+              <a:t>Rotate the pair</a:t>
+            </a:r>
+          </a:p>
+        </p:txBody>
+      </p:sp>
+      <p:sp>
+        <p:nvSpPr>
+          <p:cNvPr id="38" name="文本框 37">
+            <a:extLst>
+              <a:ext uri="{FF2B5EF4-FFF2-40B4-BE49-F238E27FC236}">
+                <a16:creationId xmlns:a16="http://schemas.microsoft.com/office/drawing/2014/main" id="{822FDB84-39CC-4DA9-A269-32F1F1250F64}"/>
+              </a:ext>
+            </a:extLst>
+          </p:cNvPr>
+          <p:cNvSpPr txBox="1"/>
+          <p:nvPr/>
+        </p:nvSpPr>
+        <p:spPr>
+          <a:xfrm>
+            <a:off x="1526986" y="3299893"/>
+            <a:ext cx="2230098" cy="369332"/>
+          </a:xfrm>
+          <a:prstGeom prst="rect">
+            <a:avLst/>
+          </a:prstGeom>
+          <a:noFill/>
+        </p:spPr>
+        <p:txBody>
+          <a:bodyPr wrap="none" rtlCol="0">
+            <a:spAutoFit/>
+          </a:bodyPr>
+          <a:lstStyle/>
+          <a:p>
+            <a:pPr marL="285750" indent="-285750">
+              <a:buFont typeface="Arial" panose="020B0604020202020204" pitchFamily="34" charset="0"/>
+              <a:buChar char="•"/>
+            </a:pPr>
+            <a:r>
+              <a:rPr lang="en-US" altLang="zh-CN" dirty="0"/>
+              <a:t>PDF_SYM process</a:t>
+            </a:r>
+            <a:endParaRPr lang="zh-CN" altLang="en-US" dirty="0"/>
+          </a:p>
+        </p:txBody>
+      </p:sp>
     </p:spTree>
     <p:extLst>
       <p:ext uri="{BB962C8B-B14F-4D97-AF65-F5344CB8AC3E}">
@@ -6751,6 +8994,3596 @@
 </file>
 
 <file path=ppt/slides/slide5.xml><?xml version="1.0" encoding="utf-8"?>
+<p:sld xmlns:a="http://schemas.openxmlformats.org/drawingml/2006/main" xmlns:r="http://schemas.openxmlformats.org/officeDocument/2006/relationships" xmlns:p="http://schemas.openxmlformats.org/presentationml/2006/main">
+  <p:cSld>
+    <p:spTree>
+      <p:nvGrpSpPr>
+        <p:cNvPr id="1" name=""/>
+        <p:cNvGrpSpPr/>
+        <p:nvPr/>
+      </p:nvGrpSpPr>
+      <p:grpSpPr>
+        <a:xfrm>
+          <a:off x="0" y="0"/>
+          <a:ext cx="0" cy="0"/>
+          <a:chOff x="0" y="0"/>
+          <a:chExt cx="0" cy="0"/>
+        </a:xfrm>
+      </p:grpSpPr>
+      <p:sp>
+        <p:nvSpPr>
+          <p:cNvPr id="5" name="文本框 4">
+            <a:extLst>
+              <a:ext uri="{FF2B5EF4-FFF2-40B4-BE49-F238E27FC236}">
+                <a16:creationId xmlns:a16="http://schemas.microsoft.com/office/drawing/2014/main" id="{265FF3D5-FB10-463C-84E0-4D31D5F95FE4}"/>
+              </a:ext>
+            </a:extLst>
+          </p:cNvPr>
+          <p:cNvSpPr txBox="1"/>
+          <p:nvPr/>
+        </p:nvSpPr>
+        <p:spPr>
+          <a:xfrm>
+            <a:off x="4955983" y="187406"/>
+            <a:ext cx="1941557" cy="369332"/>
+          </a:xfrm>
+          <a:prstGeom prst="rect">
+            <a:avLst/>
+          </a:prstGeom>
+          <a:noFill/>
+        </p:spPr>
+        <p:txBody>
+          <a:bodyPr wrap="none" rtlCol="0">
+            <a:spAutoFit/>
+          </a:bodyPr>
+          <a:lstStyle/>
+          <a:p>
+            <a:r>
+              <a:rPr lang="en-US" altLang="zh-CN" dirty="0"/>
+              <a:t>PDF_SYM process</a:t>
+            </a:r>
+            <a:endParaRPr lang="zh-CN" altLang="en-US" dirty="0"/>
+          </a:p>
+        </p:txBody>
+      </p:sp>
+      <mc:AlternateContent xmlns:mc="http://schemas.openxmlformats.org/markup-compatibility/2006">
+        <mc:Choice xmlns:a14="http://schemas.microsoft.com/office/drawing/2010/main" Requires="a14">
+          <p:sp>
+            <p:nvSpPr>
+              <p:cNvPr id="6" name="文本框 5">
+                <a:extLst>
+                  <a:ext uri="{FF2B5EF4-FFF2-40B4-BE49-F238E27FC236}">
+                    <a16:creationId xmlns:a16="http://schemas.microsoft.com/office/drawing/2014/main" id="{2EEE7777-6D2D-4EC6-809C-EAA94D725009}"/>
+                  </a:ext>
+                </a:extLst>
+              </p:cNvPr>
+              <p:cNvSpPr txBox="1"/>
+              <p:nvPr/>
+            </p:nvSpPr>
+            <p:spPr>
+              <a:xfrm>
+                <a:off x="1524000" y="869625"/>
+                <a:ext cx="6820970" cy="646331"/>
+              </a:xfrm>
+              <a:prstGeom prst="rect">
+                <a:avLst/>
+              </a:prstGeom>
+              <a:noFill/>
+            </p:spPr>
+            <p:txBody>
+              <a:bodyPr wrap="none" rtlCol="0">
+                <a:spAutoFit/>
+              </a:bodyPr>
+              <a:lstStyle/>
+              <a:p>
+                <a14:m>
+                  <m:oMath xmlns:m="http://schemas.openxmlformats.org/officeDocument/2006/math">
+                    <m:r>
+                      <a:rPr lang="en-US" altLang="zh-CN" i="1" dirty="0" smtClean="0">
+                        <a:latin typeface="Cambria Math" panose="02040503050406030204" pitchFamily="18" charset="0"/>
+                      </a:rPr>
+                      <m:t>𝑁</m:t>
+                    </m:r>
+                  </m:oMath>
+                </a14:m>
+                <a:r>
+                  <a:rPr lang="en-US" altLang="zh-CN" dirty="0"/>
+                  <a:t> guesses for the correlation values, </a:t>
+                </a:r>
+                <a14:m>
+                  <m:oMath xmlns:m="http://schemas.openxmlformats.org/officeDocument/2006/math">
+                    <m:r>
+                      <a:rPr lang="en-US" altLang="zh-CN" b="0" i="1" smtClean="0">
+                        <a:latin typeface="Cambria Math" panose="02040503050406030204" pitchFamily="18" charset="0"/>
+                      </a:rPr>
+                      <m:t>𝜉</m:t>
+                    </m:r>
+                  </m:oMath>
+                </a14:m>
+                <a:r>
+                  <a:rPr lang="en-US" altLang="zh-CN" dirty="0"/>
+                  <a:t>.</a:t>
+                </a:r>
+              </a:p>
+              <a:p>
+                <a:r>
+                  <a:rPr lang="en-US" altLang="zh-CN" dirty="0"/>
+                  <a:t>For each guess, generate many realization of </a:t>
+                </a:r>
+                <a14:m>
+                  <m:oMath xmlns:m="http://schemas.openxmlformats.org/officeDocument/2006/math">
+                    <m:r>
+                      <a:rPr lang="en-US" altLang="zh-CN" b="0" i="1" smtClean="0">
+                        <a:latin typeface="Cambria Math" panose="02040503050406030204" pitchFamily="18" charset="0"/>
+                      </a:rPr>
+                      <m:t>(</m:t>
+                    </m:r>
+                    <m:r>
+                      <a:rPr lang="en-US" altLang="zh-CN" b="0" i="1" smtClean="0">
+                        <a:latin typeface="Cambria Math" panose="02040503050406030204" pitchFamily="18" charset="0"/>
+                      </a:rPr>
+                      <m:t>𝑔</m:t>
+                    </m:r>
+                    <m:r>
+                      <a:rPr lang="en-US" altLang="zh-CN" b="0" i="1" smtClean="0">
+                        <a:latin typeface="Cambria Math" panose="02040503050406030204" pitchFamily="18" charset="0"/>
+                      </a:rPr>
+                      <m:t>,</m:t>
+                    </m:r>
+                    <m:sSup>
+                      <m:sSupPr>
+                        <m:ctrlPr>
+                          <a:rPr lang="en-US" altLang="zh-CN" b="0" i="1" smtClean="0">
+                            <a:latin typeface="Cambria Math" panose="02040503050406030204" pitchFamily="18" charset="0"/>
+                          </a:rPr>
+                        </m:ctrlPr>
+                      </m:sSupPr>
+                      <m:e>
+                        <m:r>
+                          <a:rPr lang="en-US" altLang="zh-CN" b="0" i="1" smtClean="0">
+                            <a:latin typeface="Cambria Math" panose="02040503050406030204" pitchFamily="18" charset="0"/>
+                          </a:rPr>
+                          <m:t>𝑔</m:t>
+                        </m:r>
+                      </m:e>
+                      <m:sup>
+                        <m:r>
+                          <a:rPr lang="en-US" altLang="zh-CN" b="0" i="1" smtClean="0">
+                            <a:latin typeface="Cambria Math" panose="02040503050406030204" pitchFamily="18" charset="0"/>
+                          </a:rPr>
+                          <m:t>′</m:t>
+                        </m:r>
+                      </m:sup>
+                    </m:sSup>
+                    <m:r>
+                      <a:rPr lang="en-US" altLang="zh-CN" b="0" i="1" smtClean="0">
+                        <a:latin typeface="Cambria Math" panose="02040503050406030204" pitchFamily="18" charset="0"/>
+                      </a:rPr>
+                      <m:t>)</m:t>
+                    </m:r>
+                  </m:oMath>
+                </a14:m>
+                <a:r>
+                  <a:rPr lang="zh-CN" altLang="en-US" dirty="0"/>
+                  <a:t> </a:t>
+                </a:r>
+                <a:r>
+                  <a:rPr lang="en-US" altLang="zh-CN" dirty="0"/>
+                  <a:t>pairs following:</a:t>
+                </a:r>
+                <a:endParaRPr lang="zh-CN" altLang="en-US" dirty="0"/>
+              </a:p>
+            </p:txBody>
+          </p:sp>
+        </mc:Choice>
+        <mc:Fallback>
+          <p:sp>
+            <p:nvSpPr>
+              <p:cNvPr id="6" name="文本框 5">
+                <a:extLst>
+                  <a:ext uri="{FF2B5EF4-FFF2-40B4-BE49-F238E27FC236}">
+                    <a16:creationId xmlns:a16="http://schemas.microsoft.com/office/drawing/2014/main" id="{2EEE7777-6D2D-4EC6-809C-EAA94D725009}"/>
+                  </a:ext>
+                </a:extLst>
+              </p:cNvPr>
+              <p:cNvSpPr txBox="1">
+                <a:spLocks noRot="1" noChangeAspect="1" noMove="1" noResize="1" noEditPoints="1" noAdjustHandles="1" noChangeArrowheads="1" noChangeShapeType="1" noTextEdit="1"/>
+              </p:cNvSpPr>
+              <p:nvPr/>
+            </p:nvSpPr>
+            <p:spPr>
+              <a:xfrm>
+                <a:off x="1524000" y="869625"/>
+                <a:ext cx="6820970" cy="646331"/>
+              </a:xfrm>
+              <a:prstGeom prst="rect">
+                <a:avLst/>
+              </a:prstGeom>
+              <a:blipFill>
+                <a:blip r:embed="rId2"/>
+                <a:stretch>
+                  <a:fillRect l="-715" t="-5660" r="-715" b="-14151"/>
+                </a:stretch>
+              </a:blipFill>
+            </p:spPr>
+            <p:txBody>
+              <a:bodyPr/>
+              <a:lstStyle/>
+              <a:p>
+                <a:r>
+                  <a:rPr lang="zh-CN" altLang="en-US">
+                    <a:noFill/>
+                  </a:rPr>
+                  <a:t> </a:t>
+                </a:r>
+              </a:p>
+            </p:txBody>
+          </p:sp>
+        </mc:Fallback>
+      </mc:AlternateContent>
+      <mc:AlternateContent xmlns:mc="http://schemas.openxmlformats.org/markup-compatibility/2006">
+        <mc:Choice xmlns:a14="http://schemas.microsoft.com/office/drawing/2010/main" Requires="a14">
+          <p:sp>
+            <p:nvSpPr>
+              <p:cNvPr id="7" name="文本框 6">
+                <a:extLst>
+                  <a:ext uri="{FF2B5EF4-FFF2-40B4-BE49-F238E27FC236}">
+                    <a16:creationId xmlns:a16="http://schemas.microsoft.com/office/drawing/2014/main" id="{18E9CF0B-60CD-42A4-A1AB-D54D92F01E30}"/>
+                  </a:ext>
+                </a:extLst>
+              </p:cNvPr>
+              <p:cNvSpPr txBox="1"/>
+              <p:nvPr/>
+            </p:nvSpPr>
+            <p:spPr>
+              <a:xfrm>
+                <a:off x="3479378" y="1644979"/>
+                <a:ext cx="5172506" cy="483466"/>
+              </a:xfrm>
+              <a:prstGeom prst="rect">
+                <a:avLst/>
+              </a:prstGeom>
+              <a:noFill/>
+            </p:spPr>
+            <p:txBody>
+              <a:bodyPr wrap="none" lIns="0" tIns="0" rIns="0" bIns="0" rtlCol="0">
+                <a:spAutoFit/>
+              </a:bodyPr>
+              <a:lstStyle/>
+              <a:p>
+                <a14:m>
+                  <m:oMathPara xmlns:m="http://schemas.openxmlformats.org/officeDocument/2006/math">
+                    <m:oMathParaPr>
+                      <m:jc m:val="centerGroup"/>
+                    </m:oMathParaPr>
+                    <m:oMath xmlns:m="http://schemas.openxmlformats.org/officeDocument/2006/math">
+                      <m:r>
+                        <a:rPr lang="en-US" altLang="zh-CN" sz="1600" b="0" i="1" smtClean="0">
+                          <a:latin typeface="Cambria Math" panose="02040503050406030204" pitchFamily="18" charset="0"/>
+                        </a:rPr>
+                        <m:t>𝑃</m:t>
+                      </m:r>
+                      <m:d>
+                        <m:dPr>
+                          <m:ctrlPr>
+                            <a:rPr lang="en-US" altLang="zh-CN" sz="1600" b="0" i="1" smtClean="0">
+                              <a:latin typeface="Cambria Math" panose="02040503050406030204" pitchFamily="18" charset="0"/>
+                            </a:rPr>
+                          </m:ctrlPr>
+                        </m:dPr>
+                        <m:e>
+                          <m:r>
+                            <a:rPr lang="en-US" altLang="zh-CN" sz="1600" b="0" i="1" smtClean="0">
+                              <a:latin typeface="Cambria Math" panose="02040503050406030204" pitchFamily="18" charset="0"/>
+                            </a:rPr>
+                            <m:t>𝑔</m:t>
+                          </m:r>
+                          <m:r>
+                            <a:rPr lang="en-US" altLang="zh-CN" sz="1600" b="0" i="1" smtClean="0">
+                              <a:latin typeface="Cambria Math" panose="02040503050406030204" pitchFamily="18" charset="0"/>
+                            </a:rPr>
+                            <m:t>,</m:t>
+                          </m:r>
+                          <m:sSup>
+                            <m:sSupPr>
+                              <m:ctrlPr>
+                                <a:rPr lang="en-US" altLang="zh-CN" sz="1600" b="0" i="1" smtClean="0">
+                                  <a:latin typeface="Cambria Math" panose="02040503050406030204" pitchFamily="18" charset="0"/>
+                                </a:rPr>
+                              </m:ctrlPr>
+                            </m:sSupPr>
+                            <m:e>
+                              <m:r>
+                                <a:rPr lang="en-US" altLang="zh-CN" sz="1600" b="0" i="1" smtClean="0">
+                                  <a:latin typeface="Cambria Math" panose="02040503050406030204" pitchFamily="18" charset="0"/>
+                                </a:rPr>
+                                <m:t>𝑔</m:t>
+                              </m:r>
+                            </m:e>
+                            <m:sup>
+                              <m:r>
+                                <a:rPr lang="en-US" altLang="zh-CN" sz="1600" b="0" i="1" smtClean="0">
+                                  <a:latin typeface="Cambria Math" panose="02040503050406030204" pitchFamily="18" charset="0"/>
+                                </a:rPr>
+                                <m:t>′</m:t>
+                              </m:r>
+                            </m:sup>
+                          </m:sSup>
+                        </m:e>
+                      </m:d>
+                      <m:r>
+                        <a:rPr lang="en-US" altLang="zh-CN" sz="1600" b="0" i="1" smtClean="0">
+                          <a:latin typeface="Cambria Math" panose="02040503050406030204" pitchFamily="18" charset="0"/>
+                        </a:rPr>
+                        <m:t>=</m:t>
+                      </m:r>
+                      <m:r>
+                        <a:rPr lang="en-US" altLang="zh-CN" sz="1600" b="0" i="1" smtClean="0">
+                          <a:latin typeface="Cambria Math" panose="02040503050406030204" pitchFamily="18" charset="0"/>
+                        </a:rPr>
+                        <m:t>𝐴</m:t>
+                      </m:r>
+                      <m:func>
+                        <m:funcPr>
+                          <m:ctrlPr>
+                            <a:rPr lang="en-US" altLang="zh-CN" sz="1600" b="0" i="1" smtClean="0">
+                              <a:latin typeface="Cambria Math" panose="02040503050406030204" pitchFamily="18" charset="0"/>
+                            </a:rPr>
+                          </m:ctrlPr>
+                        </m:funcPr>
+                        <m:fName>
+                          <m:r>
+                            <m:rPr>
+                              <m:sty m:val="p"/>
+                            </m:rPr>
+                            <a:rPr lang="en-US" altLang="zh-CN" sz="1600" b="0" i="0" smtClean="0">
+                              <a:latin typeface="Cambria Math" panose="02040503050406030204" pitchFamily="18" charset="0"/>
+                            </a:rPr>
+                            <m:t>exp</m:t>
+                          </m:r>
+                        </m:fName>
+                        <m:e>
+                          <m:d>
+                            <m:dPr>
+                              <m:begChr m:val="["/>
+                              <m:endChr m:val="]"/>
+                              <m:ctrlPr>
+                                <a:rPr lang="en-US" altLang="zh-CN" sz="1600" b="0" i="1" smtClean="0">
+                                  <a:latin typeface="Cambria Math" panose="02040503050406030204" pitchFamily="18" charset="0"/>
+                                </a:rPr>
+                              </m:ctrlPr>
+                            </m:dPr>
+                            <m:e>
+                              <m:r>
+                                <a:rPr lang="en-US" altLang="zh-CN" sz="1600" b="0" i="1" smtClean="0">
+                                  <a:latin typeface="Cambria Math" panose="02040503050406030204" pitchFamily="18" charset="0"/>
+                                </a:rPr>
+                                <m:t>−</m:t>
+                              </m:r>
+                              <m:f>
+                                <m:fPr>
+                                  <m:ctrlPr>
+                                    <a:rPr lang="en-US" altLang="zh-CN" sz="1600" b="0" i="1" smtClean="0">
+                                      <a:latin typeface="Cambria Math" panose="02040503050406030204" pitchFamily="18" charset="0"/>
+                                    </a:rPr>
+                                  </m:ctrlPr>
+                                </m:fPr>
+                                <m:num>
+                                  <m:r>
+                                    <a:rPr lang="en-US" altLang="zh-CN" sz="1600" b="0" i="1" smtClean="0">
+                                      <a:latin typeface="Cambria Math" panose="02040503050406030204" pitchFamily="18" charset="0"/>
+                                    </a:rPr>
+                                    <m:t>1</m:t>
+                                  </m:r>
+                                </m:num>
+                                <m:den>
+                                  <m:r>
+                                    <a:rPr lang="en-US" altLang="zh-CN" sz="1600" b="0" i="1" smtClean="0">
+                                      <a:latin typeface="Cambria Math" panose="02040503050406030204" pitchFamily="18" charset="0"/>
+                                    </a:rPr>
+                                    <m:t>2</m:t>
+                                  </m:r>
+                                </m:den>
+                              </m:f>
+                              <m:sSup>
+                                <m:sSupPr>
+                                  <m:ctrlPr>
+                                    <a:rPr lang="en-US" altLang="zh-CN" sz="1600" i="1">
+                                      <a:latin typeface="Cambria Math" panose="02040503050406030204" pitchFamily="18" charset="0"/>
+                                    </a:rPr>
+                                  </m:ctrlPr>
+                                </m:sSupPr>
+                                <m:e>
+                                  <m:d>
+                                    <m:dPr>
+                                      <m:ctrlPr>
+                                        <a:rPr lang="en-US" altLang="zh-CN" sz="1600" i="1">
+                                          <a:latin typeface="Cambria Math" panose="02040503050406030204" pitchFamily="18" charset="0"/>
+                                        </a:rPr>
+                                      </m:ctrlPr>
+                                    </m:dPr>
+                                    <m:e>
+                                      <m:r>
+                                        <a:rPr lang="en-US" altLang="zh-CN" sz="1600" i="1">
+                                          <a:latin typeface="Cambria Math" panose="02040503050406030204" pitchFamily="18" charset="0"/>
+                                        </a:rPr>
+                                        <m:t>𝑔</m:t>
+                                      </m:r>
+                                      <m:r>
+                                        <a:rPr lang="en-US" altLang="zh-CN" sz="1600" i="1">
+                                          <a:latin typeface="Cambria Math" panose="02040503050406030204" pitchFamily="18" charset="0"/>
+                                        </a:rPr>
+                                        <m:t>,</m:t>
+                                      </m:r>
+                                      <m:sSup>
+                                        <m:sSupPr>
+                                          <m:ctrlPr>
+                                            <a:rPr lang="en-US" altLang="zh-CN" sz="1600" i="1">
+                                              <a:latin typeface="Cambria Math" panose="02040503050406030204" pitchFamily="18" charset="0"/>
+                                            </a:rPr>
+                                          </m:ctrlPr>
+                                        </m:sSupPr>
+                                        <m:e>
+                                          <m:r>
+                                            <a:rPr lang="en-US" altLang="zh-CN" sz="1600" i="1">
+                                              <a:latin typeface="Cambria Math" panose="02040503050406030204" pitchFamily="18" charset="0"/>
+                                            </a:rPr>
+                                            <m:t>𝑔</m:t>
+                                          </m:r>
+                                        </m:e>
+                                        <m:sup>
+                                          <m:r>
+                                            <a:rPr lang="en-US" altLang="zh-CN" sz="1600" i="1">
+                                              <a:latin typeface="Cambria Math" panose="02040503050406030204" pitchFamily="18" charset="0"/>
+                                            </a:rPr>
+                                            <m:t>′</m:t>
+                                          </m:r>
+                                        </m:sup>
+                                      </m:sSup>
+                                    </m:e>
+                                  </m:d>
+                                </m:e>
+                                <m:sup>
+                                  <m:r>
+                                    <a:rPr lang="en-US" altLang="zh-CN" sz="1600" i="1">
+                                      <a:latin typeface="Cambria Math" panose="02040503050406030204" pitchFamily="18" charset="0"/>
+                                    </a:rPr>
+                                    <m:t>𝑇</m:t>
+                                  </m:r>
+                                </m:sup>
+                              </m:sSup>
+                              <m:r>
+                                <a:rPr lang="en-US" altLang="zh-CN" sz="1600" i="1">
+                                  <a:latin typeface="Cambria Math" panose="02040503050406030204" pitchFamily="18" charset="0"/>
+                                </a:rPr>
+                                <m:t>⋅</m:t>
+                              </m:r>
+                              <m:sSup>
+                                <m:sSupPr>
+                                  <m:ctrlPr>
+                                    <a:rPr lang="en-US" altLang="zh-CN" sz="1600" i="1">
+                                      <a:latin typeface="Cambria Math" panose="02040503050406030204" pitchFamily="18" charset="0"/>
+                                    </a:rPr>
+                                  </m:ctrlPr>
+                                </m:sSupPr>
+                                <m:e>
+                                  <m:r>
+                                    <m:rPr>
+                                      <m:sty m:val="p"/>
+                                    </m:rPr>
+                                    <a:rPr lang="en-US" altLang="zh-CN" sz="1600" b="0" i="0" smtClean="0">
+                                      <a:latin typeface="Cambria Math" panose="02040503050406030204" pitchFamily="18" charset="0"/>
+                                    </a:rPr>
+                                    <m:t>Σ</m:t>
+                                  </m:r>
+                                </m:e>
+                                <m:sup>
+                                  <m:r>
+                                    <a:rPr lang="en-US" altLang="zh-CN" sz="1600" i="1">
+                                      <a:latin typeface="Cambria Math" panose="02040503050406030204" pitchFamily="18" charset="0"/>
+                                    </a:rPr>
+                                    <m:t>−1</m:t>
+                                  </m:r>
+                                </m:sup>
+                              </m:sSup>
+                              <m:r>
+                                <a:rPr lang="en-US" altLang="zh-CN" sz="1600" i="1">
+                                  <a:latin typeface="Cambria Math" panose="02040503050406030204" pitchFamily="18" charset="0"/>
+                                </a:rPr>
+                                <m:t>⋅</m:t>
+                              </m:r>
+                              <m:d>
+                                <m:dPr>
+                                  <m:ctrlPr>
+                                    <a:rPr lang="en-US" altLang="zh-CN" sz="1600" i="1">
+                                      <a:latin typeface="Cambria Math" panose="02040503050406030204" pitchFamily="18" charset="0"/>
+                                    </a:rPr>
+                                  </m:ctrlPr>
+                                </m:dPr>
+                                <m:e>
+                                  <m:r>
+                                    <a:rPr lang="en-US" altLang="zh-CN" sz="1600" i="1">
+                                      <a:latin typeface="Cambria Math" panose="02040503050406030204" pitchFamily="18" charset="0"/>
+                                    </a:rPr>
+                                    <m:t>𝑔</m:t>
+                                  </m:r>
+                                  <m:r>
+                                    <a:rPr lang="en-US" altLang="zh-CN" sz="1600" i="1">
+                                      <a:latin typeface="Cambria Math" panose="02040503050406030204" pitchFamily="18" charset="0"/>
+                                    </a:rPr>
+                                    <m:t>,</m:t>
+                                  </m:r>
+                                  <m:sSup>
+                                    <m:sSupPr>
+                                      <m:ctrlPr>
+                                        <a:rPr lang="en-US" altLang="zh-CN" sz="1600" i="1">
+                                          <a:latin typeface="Cambria Math" panose="02040503050406030204" pitchFamily="18" charset="0"/>
+                                        </a:rPr>
+                                      </m:ctrlPr>
+                                    </m:sSupPr>
+                                    <m:e>
+                                      <m:r>
+                                        <a:rPr lang="en-US" altLang="zh-CN" sz="1600" i="1">
+                                          <a:latin typeface="Cambria Math" panose="02040503050406030204" pitchFamily="18" charset="0"/>
+                                        </a:rPr>
+                                        <m:t>𝑔</m:t>
+                                      </m:r>
+                                    </m:e>
+                                    <m:sup>
+                                      <m:r>
+                                        <a:rPr lang="en-US" altLang="zh-CN" sz="1600" i="1">
+                                          <a:latin typeface="Cambria Math" panose="02040503050406030204" pitchFamily="18" charset="0"/>
+                                        </a:rPr>
+                                        <m:t>′</m:t>
+                                      </m:r>
+                                    </m:sup>
+                                  </m:sSup>
+                                </m:e>
+                              </m:d>
+                            </m:e>
+                          </m:d>
+                        </m:e>
+                      </m:func>
+                      <m:r>
+                        <a:rPr lang="en-US" altLang="zh-CN" sz="1600" b="0" i="1" smtClean="0">
+                          <a:latin typeface="Cambria Math" panose="02040503050406030204" pitchFamily="18" charset="0"/>
+                        </a:rPr>
+                        <m:t>,</m:t>
+                      </m:r>
+                      <m:r>
+                        <m:rPr>
+                          <m:sty m:val="p"/>
+                        </m:rPr>
+                        <a:rPr lang="en-US" altLang="zh-CN" sz="1600">
+                          <a:latin typeface="Cambria Math" panose="02040503050406030204" pitchFamily="18" charset="0"/>
+                        </a:rPr>
+                        <m:t>Σ</m:t>
+                      </m:r>
+                      <m:r>
+                        <a:rPr lang="en-US" altLang="zh-CN" sz="1600" i="1">
+                          <a:latin typeface="Cambria Math" panose="02040503050406030204" pitchFamily="18" charset="0"/>
+                        </a:rPr>
+                        <m:t>=</m:t>
+                      </m:r>
+                      <m:d>
+                        <m:dPr>
+                          <m:begChr m:val="["/>
+                          <m:endChr m:val="]"/>
+                          <m:ctrlPr>
+                            <a:rPr lang="en-US" altLang="zh-CN" sz="1600" i="1">
+                              <a:latin typeface="Cambria Math" panose="02040503050406030204" pitchFamily="18" charset="0"/>
+                            </a:rPr>
+                          </m:ctrlPr>
+                        </m:dPr>
+                        <m:e>
+                          <m:m>
+                            <m:mPr>
+                              <m:mcs>
+                                <m:mc>
+                                  <m:mcPr>
+                                    <m:count m:val="2"/>
+                                    <m:mcJc m:val="center"/>
+                                  </m:mcPr>
+                                </m:mc>
+                              </m:mcs>
+                              <m:ctrlPr>
+                                <a:rPr lang="en-US" altLang="zh-CN" sz="1600" i="1">
+                                  <a:latin typeface="Cambria Math" panose="02040503050406030204" pitchFamily="18" charset="0"/>
+                                </a:rPr>
+                              </m:ctrlPr>
+                            </m:mPr>
+                            <m:mr>
+                              <m:e>
+                                <m:r>
+                                  <m:rPr>
+                                    <m:brk m:alnAt="7"/>
+                                  </m:rPr>
+                                  <a:rPr lang="en-US" altLang="zh-CN" sz="1600" i="1">
+                                    <a:latin typeface="Cambria Math" panose="02040503050406030204" pitchFamily="18" charset="0"/>
+                                  </a:rPr>
+                                  <m:t>2</m:t>
+                                </m:r>
+                                <m:r>
+                                  <a:rPr lang="en-US" altLang="zh-CN" sz="1600" i="1">
+                                    <a:latin typeface="Cambria Math" panose="02040503050406030204" pitchFamily="18" charset="0"/>
+                                  </a:rPr>
+                                  <m:t>𝜉</m:t>
+                                </m:r>
+                              </m:e>
+                              <m:e>
+                                <m:r>
+                                  <a:rPr lang="en-US" altLang="zh-CN" sz="1600" i="1">
+                                    <a:latin typeface="Cambria Math" panose="02040503050406030204" pitchFamily="18" charset="0"/>
+                                  </a:rPr>
+                                  <m:t>𝜉</m:t>
+                                </m:r>
+                              </m:e>
+                            </m:mr>
+                            <m:mr>
+                              <m:e>
+                                <m:r>
+                                  <a:rPr lang="en-US" altLang="zh-CN" sz="1600" i="1">
+                                    <a:latin typeface="Cambria Math" panose="02040503050406030204" pitchFamily="18" charset="0"/>
+                                  </a:rPr>
+                                  <m:t>𝜉</m:t>
+                                </m:r>
+                              </m:e>
+                              <m:e>
+                                <m:r>
+                                  <a:rPr lang="en-US" altLang="zh-CN" sz="1600" i="1">
+                                    <a:latin typeface="Cambria Math" panose="02040503050406030204" pitchFamily="18" charset="0"/>
+                                  </a:rPr>
+                                  <m:t>2</m:t>
+                                </m:r>
+                                <m:r>
+                                  <a:rPr lang="en-US" altLang="zh-CN" sz="1600" i="1">
+                                    <a:latin typeface="Cambria Math" panose="02040503050406030204" pitchFamily="18" charset="0"/>
+                                  </a:rPr>
+                                  <m:t>𝜉</m:t>
+                                </m:r>
+                              </m:e>
+                            </m:mr>
+                          </m:m>
+                        </m:e>
+                      </m:d>
+                    </m:oMath>
+                  </m:oMathPara>
+                </a14:m>
+                <a:endParaRPr lang="zh-CN" altLang="en-US" sz="1600" dirty="0"/>
+              </a:p>
+            </p:txBody>
+          </p:sp>
+        </mc:Choice>
+        <mc:Fallback>
+          <p:sp>
+            <p:nvSpPr>
+              <p:cNvPr id="7" name="文本框 6">
+                <a:extLst>
+                  <a:ext uri="{FF2B5EF4-FFF2-40B4-BE49-F238E27FC236}">
+                    <a16:creationId xmlns:a16="http://schemas.microsoft.com/office/drawing/2014/main" id="{18E9CF0B-60CD-42A4-A1AB-D54D92F01E30}"/>
+                  </a:ext>
+                </a:extLst>
+              </p:cNvPr>
+              <p:cNvSpPr txBox="1">
+                <a:spLocks noRot="1" noChangeAspect="1" noMove="1" noResize="1" noEditPoints="1" noAdjustHandles="1" noChangeArrowheads="1" noChangeShapeType="1" noTextEdit="1"/>
+              </p:cNvSpPr>
+              <p:nvPr/>
+            </p:nvSpPr>
+            <p:spPr>
+              <a:xfrm>
+                <a:off x="3479378" y="1644979"/>
+                <a:ext cx="5172506" cy="483466"/>
+              </a:xfrm>
+              <a:prstGeom prst="rect">
+                <a:avLst/>
+              </a:prstGeom>
+              <a:blipFill>
+                <a:blip r:embed="rId3"/>
+                <a:stretch>
+                  <a:fillRect/>
+                </a:stretch>
+              </a:blipFill>
+            </p:spPr>
+            <p:txBody>
+              <a:bodyPr/>
+              <a:lstStyle/>
+              <a:p>
+                <a:r>
+                  <a:rPr lang="zh-CN" altLang="en-US">
+                    <a:noFill/>
+                  </a:rPr>
+                  <a:t> </a:t>
+                </a:r>
+              </a:p>
+            </p:txBody>
+          </p:sp>
+        </mc:Fallback>
+      </mc:AlternateContent>
+      <mc:AlternateContent xmlns:mc="http://schemas.openxmlformats.org/markup-compatibility/2006">
+        <mc:Choice xmlns:a14="http://schemas.microsoft.com/office/drawing/2010/main" Requires="a14">
+          <p:sp>
+            <p:nvSpPr>
+              <p:cNvPr id="8" name="文本框 7">
+                <a:extLst>
+                  <a:ext uri="{FF2B5EF4-FFF2-40B4-BE49-F238E27FC236}">
+                    <a16:creationId xmlns:a16="http://schemas.microsoft.com/office/drawing/2014/main" id="{B80DF326-2699-4B08-A592-141CA404AE2D}"/>
+                  </a:ext>
+                </a:extLst>
+              </p:cNvPr>
+              <p:cNvSpPr txBox="1"/>
+              <p:nvPr/>
+            </p:nvSpPr>
+            <p:spPr>
+              <a:xfrm>
+                <a:off x="1524000" y="2511560"/>
+                <a:ext cx="3828612" cy="369332"/>
+              </a:xfrm>
+              <a:prstGeom prst="rect">
+                <a:avLst/>
+              </a:prstGeom>
+              <a:noFill/>
+            </p:spPr>
+            <p:txBody>
+              <a:bodyPr wrap="none" rtlCol="0">
+                <a:spAutoFit/>
+              </a:bodyPr>
+              <a:lstStyle/>
+              <a:p>
+                <a:r>
+                  <a:rPr lang="en-US" altLang="zh-CN" dirty="0"/>
+                  <a:t>For each galaxy pair at separation </a:t>
+                </a:r>
+                <a14:m>
+                  <m:oMath xmlns:m="http://schemas.openxmlformats.org/officeDocument/2006/math">
+                    <m:r>
+                      <a:rPr lang="en-US" altLang="zh-CN" b="0" i="1" smtClean="0">
+                        <a:latin typeface="Cambria Math" panose="02040503050406030204" pitchFamily="18" charset="0"/>
+                      </a:rPr>
+                      <m:t>𝜃</m:t>
+                    </m:r>
+                  </m:oMath>
+                </a14:m>
+                <a:r>
+                  <a:rPr lang="en-US" altLang="zh-CN" dirty="0"/>
+                  <a:t>, </a:t>
+                </a:r>
+                <a:endParaRPr lang="zh-CN" altLang="en-US" dirty="0"/>
+              </a:p>
+            </p:txBody>
+          </p:sp>
+        </mc:Choice>
+        <mc:Fallback>
+          <p:sp>
+            <p:nvSpPr>
+              <p:cNvPr id="8" name="文本框 7">
+                <a:extLst>
+                  <a:ext uri="{FF2B5EF4-FFF2-40B4-BE49-F238E27FC236}">
+                    <a16:creationId xmlns:a16="http://schemas.microsoft.com/office/drawing/2014/main" id="{B80DF326-2699-4B08-A592-141CA404AE2D}"/>
+                  </a:ext>
+                </a:extLst>
+              </p:cNvPr>
+              <p:cNvSpPr txBox="1">
+                <a:spLocks noRot="1" noChangeAspect="1" noMove="1" noResize="1" noEditPoints="1" noAdjustHandles="1" noChangeArrowheads="1" noChangeShapeType="1" noTextEdit="1"/>
+              </p:cNvSpPr>
+              <p:nvPr/>
+            </p:nvSpPr>
+            <p:spPr>
+              <a:xfrm>
+                <a:off x="1524000" y="2511560"/>
+                <a:ext cx="3828612" cy="369332"/>
+              </a:xfrm>
+              <a:prstGeom prst="rect">
+                <a:avLst/>
+              </a:prstGeom>
+              <a:blipFill>
+                <a:blip r:embed="rId4"/>
+                <a:stretch>
+                  <a:fillRect l="-1274" t="-8197" r="-318" b="-24590"/>
+                </a:stretch>
+              </a:blipFill>
+            </p:spPr>
+            <p:txBody>
+              <a:bodyPr/>
+              <a:lstStyle/>
+              <a:p>
+                <a:r>
+                  <a:rPr lang="zh-CN" altLang="en-US">
+                    <a:noFill/>
+                  </a:rPr>
+                  <a:t> </a:t>
+                </a:r>
+              </a:p>
+            </p:txBody>
+          </p:sp>
+        </mc:Fallback>
+      </mc:AlternateContent>
+      <p:grpSp>
+        <p:nvGrpSpPr>
+          <p:cNvPr id="48" name="组合 47">
+            <a:extLst>
+              <a:ext uri="{FF2B5EF4-FFF2-40B4-BE49-F238E27FC236}">
+                <a16:creationId xmlns:a16="http://schemas.microsoft.com/office/drawing/2014/main" id="{74B01E39-317F-4ABE-BF3C-41FCE4D38746}"/>
+              </a:ext>
+            </a:extLst>
+          </p:cNvPr>
+          <p:cNvGrpSpPr/>
+          <p:nvPr/>
+        </p:nvGrpSpPr>
+        <p:grpSpPr>
+          <a:xfrm>
+            <a:off x="2411445" y="4817234"/>
+            <a:ext cx="1843112" cy="1651274"/>
+            <a:chOff x="1371600" y="3565858"/>
+            <a:chExt cx="2987487" cy="2987342"/>
+          </a:xfrm>
+        </p:grpSpPr>
+        <p:grpSp>
+          <p:nvGrpSpPr>
+            <p:cNvPr id="9" name="组合 8">
+              <a:extLst>
+                <a:ext uri="{FF2B5EF4-FFF2-40B4-BE49-F238E27FC236}">
+                  <a16:creationId xmlns:a16="http://schemas.microsoft.com/office/drawing/2014/main" id="{4476260F-BC4F-424A-935B-D363B427C180}"/>
+                </a:ext>
+              </a:extLst>
+            </p:cNvPr>
+            <p:cNvGrpSpPr/>
+            <p:nvPr/>
+          </p:nvGrpSpPr>
+          <p:grpSpPr>
+            <a:xfrm>
+              <a:off x="1628775" y="3877186"/>
+              <a:ext cx="2144462" cy="1247315"/>
+              <a:chOff x="1686759" y="1185167"/>
+              <a:chExt cx="3931518" cy="1970844"/>
+            </a:xfrm>
+          </p:grpSpPr>
+          <p:sp>
+            <p:nvSpPr>
+              <p:cNvPr id="10" name="矩形 9">
+                <a:extLst>
+                  <a:ext uri="{FF2B5EF4-FFF2-40B4-BE49-F238E27FC236}">
+                    <a16:creationId xmlns:a16="http://schemas.microsoft.com/office/drawing/2014/main" id="{6E8C5DBD-EE21-4B29-BE28-F5FD9DE25565}"/>
+                  </a:ext>
+                </a:extLst>
+              </p:cNvPr>
+              <p:cNvSpPr/>
+              <p:nvPr/>
+            </p:nvSpPr>
+            <p:spPr>
+              <a:xfrm>
+                <a:off x="1686759" y="1185167"/>
+                <a:ext cx="976544" cy="985422"/>
+              </a:xfrm>
+              <a:prstGeom prst="rect">
+                <a:avLst/>
+              </a:prstGeom>
+              <a:noFill/>
+            </p:spPr>
+            <p:style>
+              <a:lnRef idx="2">
+                <a:schemeClr val="accent1">
+                  <a:shade val="50000"/>
+                </a:schemeClr>
+              </a:lnRef>
+              <a:fillRef idx="1">
+                <a:schemeClr val="accent1"/>
+              </a:fillRef>
+              <a:effectRef idx="0">
+                <a:schemeClr val="accent1"/>
+              </a:effectRef>
+              <a:fontRef idx="minor">
+                <a:schemeClr val="lt1"/>
+              </a:fontRef>
+            </p:style>
+            <p:txBody>
+              <a:bodyPr rtlCol="0" anchor="ctr"/>
+              <a:lstStyle/>
+              <a:p>
+                <a:pPr algn="ctr"/>
+                <a:endParaRPr lang="zh-CN" altLang="en-US"/>
+              </a:p>
+            </p:txBody>
+          </p:sp>
+          <p:sp>
+            <p:nvSpPr>
+              <p:cNvPr id="11" name="矩形 10">
+                <a:extLst>
+                  <a:ext uri="{FF2B5EF4-FFF2-40B4-BE49-F238E27FC236}">
+                    <a16:creationId xmlns:a16="http://schemas.microsoft.com/office/drawing/2014/main" id="{B78BBFF0-C31B-49CD-9BAB-C93DDDBD547A}"/>
+                  </a:ext>
+                </a:extLst>
+              </p:cNvPr>
+              <p:cNvSpPr/>
+              <p:nvPr/>
+            </p:nvSpPr>
+            <p:spPr>
+              <a:xfrm>
+                <a:off x="2663303" y="1185167"/>
+                <a:ext cx="976544" cy="985422"/>
+              </a:xfrm>
+              <a:prstGeom prst="rect">
+                <a:avLst/>
+              </a:prstGeom>
+              <a:noFill/>
+            </p:spPr>
+            <p:style>
+              <a:lnRef idx="2">
+                <a:schemeClr val="accent1">
+                  <a:shade val="50000"/>
+                </a:schemeClr>
+              </a:lnRef>
+              <a:fillRef idx="1">
+                <a:schemeClr val="accent1"/>
+              </a:fillRef>
+              <a:effectRef idx="0">
+                <a:schemeClr val="accent1"/>
+              </a:effectRef>
+              <a:fontRef idx="minor">
+                <a:schemeClr val="lt1"/>
+              </a:fontRef>
+            </p:style>
+            <p:txBody>
+              <a:bodyPr rtlCol="0" anchor="ctr"/>
+              <a:lstStyle/>
+              <a:p>
+                <a:pPr algn="ctr"/>
+                <a:endParaRPr lang="zh-CN" altLang="en-US"/>
+              </a:p>
+            </p:txBody>
+          </p:sp>
+          <p:sp>
+            <p:nvSpPr>
+              <p:cNvPr id="12" name="矩形 11">
+                <a:extLst>
+                  <a:ext uri="{FF2B5EF4-FFF2-40B4-BE49-F238E27FC236}">
+                    <a16:creationId xmlns:a16="http://schemas.microsoft.com/office/drawing/2014/main" id="{79710143-FB90-451D-9204-B3D3F44FA2EF}"/>
+                  </a:ext>
+                </a:extLst>
+              </p:cNvPr>
+              <p:cNvSpPr/>
+              <p:nvPr/>
+            </p:nvSpPr>
+            <p:spPr>
+              <a:xfrm>
+                <a:off x="3639847" y="1185167"/>
+                <a:ext cx="976544" cy="985422"/>
+              </a:xfrm>
+              <a:prstGeom prst="rect">
+                <a:avLst/>
+              </a:prstGeom>
+              <a:noFill/>
+            </p:spPr>
+            <p:style>
+              <a:lnRef idx="2">
+                <a:schemeClr val="accent1">
+                  <a:shade val="50000"/>
+                </a:schemeClr>
+              </a:lnRef>
+              <a:fillRef idx="1">
+                <a:schemeClr val="accent1"/>
+              </a:fillRef>
+              <a:effectRef idx="0">
+                <a:schemeClr val="accent1"/>
+              </a:effectRef>
+              <a:fontRef idx="minor">
+                <a:schemeClr val="lt1"/>
+              </a:fontRef>
+            </p:style>
+            <p:txBody>
+              <a:bodyPr rtlCol="0" anchor="ctr"/>
+              <a:lstStyle/>
+              <a:p>
+                <a:pPr algn="ctr"/>
+                <a:endParaRPr lang="zh-CN" altLang="en-US"/>
+              </a:p>
+            </p:txBody>
+          </p:sp>
+          <p:sp>
+            <p:nvSpPr>
+              <p:cNvPr id="13" name="矩形 12">
+                <a:extLst>
+                  <a:ext uri="{FF2B5EF4-FFF2-40B4-BE49-F238E27FC236}">
+                    <a16:creationId xmlns:a16="http://schemas.microsoft.com/office/drawing/2014/main" id="{3BA16B6D-EB9C-4E6D-A310-D4D885DAF474}"/>
+                  </a:ext>
+                </a:extLst>
+              </p:cNvPr>
+              <p:cNvSpPr/>
+              <p:nvPr/>
+            </p:nvSpPr>
+            <p:spPr>
+              <a:xfrm>
+                <a:off x="1686759" y="2170589"/>
+                <a:ext cx="976544" cy="985422"/>
+              </a:xfrm>
+              <a:prstGeom prst="rect">
+                <a:avLst/>
+              </a:prstGeom>
+              <a:noFill/>
+            </p:spPr>
+            <p:style>
+              <a:lnRef idx="2">
+                <a:schemeClr val="accent1">
+                  <a:shade val="50000"/>
+                </a:schemeClr>
+              </a:lnRef>
+              <a:fillRef idx="1">
+                <a:schemeClr val="accent1"/>
+              </a:fillRef>
+              <a:effectRef idx="0">
+                <a:schemeClr val="accent1"/>
+              </a:effectRef>
+              <a:fontRef idx="minor">
+                <a:schemeClr val="lt1"/>
+              </a:fontRef>
+            </p:style>
+            <p:txBody>
+              <a:bodyPr rtlCol="0" anchor="ctr"/>
+              <a:lstStyle/>
+              <a:p>
+                <a:pPr algn="ctr"/>
+                <a:endParaRPr lang="zh-CN" altLang="en-US"/>
+              </a:p>
+            </p:txBody>
+          </p:sp>
+          <p:sp>
+            <p:nvSpPr>
+              <p:cNvPr id="14" name="矩形 13">
+                <a:extLst>
+                  <a:ext uri="{FF2B5EF4-FFF2-40B4-BE49-F238E27FC236}">
+                    <a16:creationId xmlns:a16="http://schemas.microsoft.com/office/drawing/2014/main" id="{C5F60533-867E-4613-9E47-7CE72E171AD2}"/>
+                  </a:ext>
+                </a:extLst>
+              </p:cNvPr>
+              <p:cNvSpPr/>
+              <p:nvPr/>
+            </p:nvSpPr>
+            <p:spPr>
+              <a:xfrm>
+                <a:off x="2663303" y="2170589"/>
+                <a:ext cx="976544" cy="985422"/>
+              </a:xfrm>
+              <a:prstGeom prst="rect">
+                <a:avLst/>
+              </a:prstGeom>
+              <a:noFill/>
+            </p:spPr>
+            <p:style>
+              <a:lnRef idx="2">
+                <a:schemeClr val="accent1">
+                  <a:shade val="50000"/>
+                </a:schemeClr>
+              </a:lnRef>
+              <a:fillRef idx="1">
+                <a:schemeClr val="accent1"/>
+              </a:fillRef>
+              <a:effectRef idx="0">
+                <a:schemeClr val="accent1"/>
+              </a:effectRef>
+              <a:fontRef idx="minor">
+                <a:schemeClr val="lt1"/>
+              </a:fontRef>
+            </p:style>
+            <p:txBody>
+              <a:bodyPr rtlCol="0" anchor="ctr"/>
+              <a:lstStyle/>
+              <a:p>
+                <a:pPr algn="ctr"/>
+                <a:endParaRPr lang="zh-CN" altLang="en-US"/>
+              </a:p>
+            </p:txBody>
+          </p:sp>
+          <p:sp>
+            <p:nvSpPr>
+              <p:cNvPr id="15" name="矩形 14">
+                <a:extLst>
+                  <a:ext uri="{FF2B5EF4-FFF2-40B4-BE49-F238E27FC236}">
+                    <a16:creationId xmlns:a16="http://schemas.microsoft.com/office/drawing/2014/main" id="{E47C0DEC-3592-4FC4-A033-8F4F8210EC0D}"/>
+                  </a:ext>
+                </a:extLst>
+              </p:cNvPr>
+              <p:cNvSpPr/>
+              <p:nvPr/>
+            </p:nvSpPr>
+            <p:spPr>
+              <a:xfrm>
+                <a:off x="3639847" y="2170589"/>
+                <a:ext cx="976544" cy="985422"/>
+              </a:xfrm>
+              <a:prstGeom prst="rect">
+                <a:avLst/>
+              </a:prstGeom>
+              <a:noFill/>
+            </p:spPr>
+            <p:style>
+              <a:lnRef idx="2">
+                <a:schemeClr val="accent1">
+                  <a:shade val="50000"/>
+                </a:schemeClr>
+              </a:lnRef>
+              <a:fillRef idx="1">
+                <a:schemeClr val="accent1"/>
+              </a:fillRef>
+              <a:effectRef idx="0">
+                <a:schemeClr val="accent1"/>
+              </a:effectRef>
+              <a:fontRef idx="minor">
+                <a:schemeClr val="lt1"/>
+              </a:fontRef>
+            </p:style>
+            <p:txBody>
+              <a:bodyPr rtlCol="0" anchor="ctr"/>
+              <a:lstStyle/>
+              <a:p>
+                <a:pPr algn="ctr"/>
+                <a:endParaRPr lang="zh-CN" altLang="en-US"/>
+              </a:p>
+            </p:txBody>
+          </p:sp>
+          <p:sp>
+            <p:nvSpPr>
+              <p:cNvPr id="16" name="矩形 15">
+                <a:extLst>
+                  <a:ext uri="{FF2B5EF4-FFF2-40B4-BE49-F238E27FC236}">
+                    <a16:creationId xmlns:a16="http://schemas.microsoft.com/office/drawing/2014/main" id="{FF5200A3-FB27-4C35-AD3E-837BA0A0AF3D}"/>
+                  </a:ext>
+                </a:extLst>
+              </p:cNvPr>
+              <p:cNvSpPr/>
+              <p:nvPr/>
+            </p:nvSpPr>
+            <p:spPr>
+              <a:xfrm>
+                <a:off x="4616391" y="1185167"/>
+                <a:ext cx="976544" cy="985422"/>
+              </a:xfrm>
+              <a:prstGeom prst="rect">
+                <a:avLst/>
+              </a:prstGeom>
+              <a:noFill/>
+            </p:spPr>
+            <p:style>
+              <a:lnRef idx="2">
+                <a:schemeClr val="accent1">
+                  <a:shade val="50000"/>
+                </a:schemeClr>
+              </a:lnRef>
+              <a:fillRef idx="1">
+                <a:schemeClr val="accent1"/>
+              </a:fillRef>
+              <a:effectRef idx="0">
+                <a:schemeClr val="accent1"/>
+              </a:effectRef>
+              <a:fontRef idx="minor">
+                <a:schemeClr val="lt1"/>
+              </a:fontRef>
+            </p:style>
+            <p:txBody>
+              <a:bodyPr rtlCol="0" anchor="ctr"/>
+              <a:lstStyle/>
+              <a:p>
+                <a:pPr algn="ctr"/>
+                <a:endParaRPr lang="zh-CN" altLang="en-US"/>
+              </a:p>
+            </p:txBody>
+          </p:sp>
+          <p:sp>
+            <p:nvSpPr>
+              <p:cNvPr id="19" name="矩形 18">
+                <a:extLst>
+                  <a:ext uri="{FF2B5EF4-FFF2-40B4-BE49-F238E27FC236}">
+                    <a16:creationId xmlns:a16="http://schemas.microsoft.com/office/drawing/2014/main" id="{3AB4D4E5-64C7-41F8-B853-B58E0550E27F}"/>
+                  </a:ext>
+                </a:extLst>
+              </p:cNvPr>
+              <p:cNvSpPr/>
+              <p:nvPr/>
+            </p:nvSpPr>
+            <p:spPr>
+              <a:xfrm>
+                <a:off x="4641734" y="2170589"/>
+                <a:ext cx="976543" cy="985422"/>
+              </a:xfrm>
+              <a:prstGeom prst="rect">
+                <a:avLst/>
+              </a:prstGeom>
+              <a:noFill/>
+            </p:spPr>
+            <p:style>
+              <a:lnRef idx="2">
+                <a:schemeClr val="accent1">
+                  <a:shade val="50000"/>
+                </a:schemeClr>
+              </a:lnRef>
+              <a:fillRef idx="1">
+                <a:schemeClr val="accent1"/>
+              </a:fillRef>
+              <a:effectRef idx="0">
+                <a:schemeClr val="accent1"/>
+              </a:effectRef>
+              <a:fontRef idx="minor">
+                <a:schemeClr val="lt1"/>
+              </a:fontRef>
+            </p:style>
+            <p:txBody>
+              <a:bodyPr rtlCol="0" anchor="ctr"/>
+              <a:lstStyle/>
+              <a:p>
+                <a:pPr algn="ctr"/>
+                <a:endParaRPr lang="zh-CN" altLang="en-US"/>
+              </a:p>
+            </p:txBody>
+          </p:sp>
+        </p:grpSp>
+        <p:grpSp>
+          <p:nvGrpSpPr>
+            <p:cNvPr id="22" name="组合 21">
+              <a:extLst>
+                <a:ext uri="{FF2B5EF4-FFF2-40B4-BE49-F238E27FC236}">
+                  <a16:creationId xmlns:a16="http://schemas.microsoft.com/office/drawing/2014/main" id="{84A98C5C-5108-4EA6-A4C6-46F0E63720D0}"/>
+                </a:ext>
+              </a:extLst>
+            </p:cNvPr>
+            <p:cNvGrpSpPr/>
+            <p:nvPr/>
+          </p:nvGrpSpPr>
+          <p:grpSpPr>
+            <a:xfrm>
+              <a:off x="1628775" y="5124502"/>
+              <a:ext cx="2144462" cy="1247315"/>
+              <a:chOff x="1686759" y="1185167"/>
+              <a:chExt cx="3931518" cy="1970844"/>
+            </a:xfrm>
+          </p:grpSpPr>
+          <p:sp>
+            <p:nvSpPr>
+              <p:cNvPr id="23" name="矩形 22">
+                <a:extLst>
+                  <a:ext uri="{FF2B5EF4-FFF2-40B4-BE49-F238E27FC236}">
+                    <a16:creationId xmlns:a16="http://schemas.microsoft.com/office/drawing/2014/main" id="{40F4C201-F555-4112-BBB0-A3792293A5F5}"/>
+                  </a:ext>
+                </a:extLst>
+              </p:cNvPr>
+              <p:cNvSpPr/>
+              <p:nvPr/>
+            </p:nvSpPr>
+            <p:spPr>
+              <a:xfrm>
+                <a:off x="1686759" y="1185167"/>
+                <a:ext cx="976544" cy="985422"/>
+              </a:xfrm>
+              <a:prstGeom prst="rect">
+                <a:avLst/>
+              </a:prstGeom>
+              <a:noFill/>
+            </p:spPr>
+            <p:style>
+              <a:lnRef idx="2">
+                <a:schemeClr val="accent1">
+                  <a:shade val="50000"/>
+                </a:schemeClr>
+              </a:lnRef>
+              <a:fillRef idx="1">
+                <a:schemeClr val="accent1"/>
+              </a:fillRef>
+              <a:effectRef idx="0">
+                <a:schemeClr val="accent1"/>
+              </a:effectRef>
+              <a:fontRef idx="minor">
+                <a:schemeClr val="lt1"/>
+              </a:fontRef>
+            </p:style>
+            <p:txBody>
+              <a:bodyPr rtlCol="0" anchor="ctr"/>
+              <a:lstStyle/>
+              <a:p>
+                <a:pPr algn="ctr"/>
+                <a:endParaRPr lang="zh-CN" altLang="en-US"/>
+              </a:p>
+            </p:txBody>
+          </p:sp>
+          <p:sp>
+            <p:nvSpPr>
+              <p:cNvPr id="24" name="矩形 23">
+                <a:extLst>
+                  <a:ext uri="{FF2B5EF4-FFF2-40B4-BE49-F238E27FC236}">
+                    <a16:creationId xmlns:a16="http://schemas.microsoft.com/office/drawing/2014/main" id="{3CB7EE8A-1B1A-41EF-93B3-926E8C4AF9DD}"/>
+                  </a:ext>
+                </a:extLst>
+              </p:cNvPr>
+              <p:cNvSpPr/>
+              <p:nvPr/>
+            </p:nvSpPr>
+            <p:spPr>
+              <a:xfrm>
+                <a:off x="2663303" y="1185167"/>
+                <a:ext cx="976544" cy="985422"/>
+              </a:xfrm>
+              <a:prstGeom prst="rect">
+                <a:avLst/>
+              </a:prstGeom>
+              <a:noFill/>
+            </p:spPr>
+            <p:style>
+              <a:lnRef idx="2">
+                <a:schemeClr val="accent1">
+                  <a:shade val="50000"/>
+                </a:schemeClr>
+              </a:lnRef>
+              <a:fillRef idx="1">
+                <a:schemeClr val="accent1"/>
+              </a:fillRef>
+              <a:effectRef idx="0">
+                <a:schemeClr val="accent1"/>
+              </a:effectRef>
+              <a:fontRef idx="minor">
+                <a:schemeClr val="lt1"/>
+              </a:fontRef>
+            </p:style>
+            <p:txBody>
+              <a:bodyPr rtlCol="0" anchor="ctr"/>
+              <a:lstStyle/>
+              <a:p>
+                <a:pPr algn="ctr"/>
+                <a:endParaRPr lang="zh-CN" altLang="en-US"/>
+              </a:p>
+            </p:txBody>
+          </p:sp>
+          <p:sp>
+            <p:nvSpPr>
+              <p:cNvPr id="25" name="矩形 24">
+                <a:extLst>
+                  <a:ext uri="{FF2B5EF4-FFF2-40B4-BE49-F238E27FC236}">
+                    <a16:creationId xmlns:a16="http://schemas.microsoft.com/office/drawing/2014/main" id="{85094C84-CF8F-4DF3-BDA1-5D562621EAF9}"/>
+                  </a:ext>
+                </a:extLst>
+              </p:cNvPr>
+              <p:cNvSpPr/>
+              <p:nvPr/>
+            </p:nvSpPr>
+            <p:spPr>
+              <a:xfrm>
+                <a:off x="3639847" y="1185167"/>
+                <a:ext cx="976544" cy="985422"/>
+              </a:xfrm>
+              <a:prstGeom prst="rect">
+                <a:avLst/>
+              </a:prstGeom>
+              <a:noFill/>
+            </p:spPr>
+            <p:style>
+              <a:lnRef idx="2">
+                <a:schemeClr val="accent1">
+                  <a:shade val="50000"/>
+                </a:schemeClr>
+              </a:lnRef>
+              <a:fillRef idx="1">
+                <a:schemeClr val="accent1"/>
+              </a:fillRef>
+              <a:effectRef idx="0">
+                <a:schemeClr val="accent1"/>
+              </a:effectRef>
+              <a:fontRef idx="minor">
+                <a:schemeClr val="lt1"/>
+              </a:fontRef>
+            </p:style>
+            <p:txBody>
+              <a:bodyPr rtlCol="0" anchor="ctr"/>
+              <a:lstStyle/>
+              <a:p>
+                <a:pPr algn="ctr"/>
+                <a:endParaRPr lang="zh-CN" altLang="en-US"/>
+              </a:p>
+            </p:txBody>
+          </p:sp>
+          <p:sp>
+            <p:nvSpPr>
+              <p:cNvPr id="26" name="矩形 25">
+                <a:extLst>
+                  <a:ext uri="{FF2B5EF4-FFF2-40B4-BE49-F238E27FC236}">
+                    <a16:creationId xmlns:a16="http://schemas.microsoft.com/office/drawing/2014/main" id="{61B2338E-C3AC-4A01-BB7F-BFBC72D150A4}"/>
+                  </a:ext>
+                </a:extLst>
+              </p:cNvPr>
+              <p:cNvSpPr/>
+              <p:nvPr/>
+            </p:nvSpPr>
+            <p:spPr>
+              <a:xfrm>
+                <a:off x="1686759" y="2170589"/>
+                <a:ext cx="976544" cy="985422"/>
+              </a:xfrm>
+              <a:prstGeom prst="rect">
+                <a:avLst/>
+              </a:prstGeom>
+              <a:noFill/>
+            </p:spPr>
+            <p:style>
+              <a:lnRef idx="2">
+                <a:schemeClr val="accent1">
+                  <a:shade val="50000"/>
+                </a:schemeClr>
+              </a:lnRef>
+              <a:fillRef idx="1">
+                <a:schemeClr val="accent1"/>
+              </a:fillRef>
+              <a:effectRef idx="0">
+                <a:schemeClr val="accent1"/>
+              </a:effectRef>
+              <a:fontRef idx="minor">
+                <a:schemeClr val="lt1"/>
+              </a:fontRef>
+            </p:style>
+            <p:txBody>
+              <a:bodyPr rtlCol="0" anchor="ctr"/>
+              <a:lstStyle/>
+              <a:p>
+                <a:pPr algn="ctr"/>
+                <a:endParaRPr lang="zh-CN" altLang="en-US"/>
+              </a:p>
+            </p:txBody>
+          </p:sp>
+          <p:sp>
+            <p:nvSpPr>
+              <p:cNvPr id="27" name="矩形 26">
+                <a:extLst>
+                  <a:ext uri="{FF2B5EF4-FFF2-40B4-BE49-F238E27FC236}">
+                    <a16:creationId xmlns:a16="http://schemas.microsoft.com/office/drawing/2014/main" id="{F9D0E962-DEFD-4299-81CC-E9A2AEC62327}"/>
+                  </a:ext>
+                </a:extLst>
+              </p:cNvPr>
+              <p:cNvSpPr/>
+              <p:nvPr/>
+            </p:nvSpPr>
+            <p:spPr>
+              <a:xfrm>
+                <a:off x="2663303" y="2170589"/>
+                <a:ext cx="976544" cy="985422"/>
+              </a:xfrm>
+              <a:prstGeom prst="rect">
+                <a:avLst/>
+              </a:prstGeom>
+              <a:noFill/>
+            </p:spPr>
+            <p:style>
+              <a:lnRef idx="2">
+                <a:schemeClr val="accent1">
+                  <a:shade val="50000"/>
+                </a:schemeClr>
+              </a:lnRef>
+              <a:fillRef idx="1">
+                <a:schemeClr val="accent1"/>
+              </a:fillRef>
+              <a:effectRef idx="0">
+                <a:schemeClr val="accent1"/>
+              </a:effectRef>
+              <a:fontRef idx="minor">
+                <a:schemeClr val="lt1"/>
+              </a:fontRef>
+            </p:style>
+            <p:txBody>
+              <a:bodyPr rtlCol="0" anchor="ctr"/>
+              <a:lstStyle/>
+              <a:p>
+                <a:pPr algn="ctr"/>
+                <a:endParaRPr lang="zh-CN" altLang="en-US"/>
+              </a:p>
+            </p:txBody>
+          </p:sp>
+          <p:sp>
+            <p:nvSpPr>
+              <p:cNvPr id="28" name="矩形 27">
+                <a:extLst>
+                  <a:ext uri="{FF2B5EF4-FFF2-40B4-BE49-F238E27FC236}">
+                    <a16:creationId xmlns:a16="http://schemas.microsoft.com/office/drawing/2014/main" id="{81C41668-CC05-49D5-8B13-9A2B85B537ED}"/>
+                  </a:ext>
+                </a:extLst>
+              </p:cNvPr>
+              <p:cNvSpPr/>
+              <p:nvPr/>
+            </p:nvSpPr>
+            <p:spPr>
+              <a:xfrm>
+                <a:off x="3639847" y="2170589"/>
+                <a:ext cx="976544" cy="985422"/>
+              </a:xfrm>
+              <a:prstGeom prst="rect">
+                <a:avLst/>
+              </a:prstGeom>
+              <a:noFill/>
+            </p:spPr>
+            <p:style>
+              <a:lnRef idx="2">
+                <a:schemeClr val="accent1">
+                  <a:shade val="50000"/>
+                </a:schemeClr>
+              </a:lnRef>
+              <a:fillRef idx="1">
+                <a:schemeClr val="accent1"/>
+              </a:fillRef>
+              <a:effectRef idx="0">
+                <a:schemeClr val="accent1"/>
+              </a:effectRef>
+              <a:fontRef idx="minor">
+                <a:schemeClr val="lt1"/>
+              </a:fontRef>
+            </p:style>
+            <p:txBody>
+              <a:bodyPr rtlCol="0" anchor="ctr"/>
+              <a:lstStyle/>
+              <a:p>
+                <a:pPr algn="ctr"/>
+                <a:endParaRPr lang="zh-CN" altLang="en-US"/>
+              </a:p>
+            </p:txBody>
+          </p:sp>
+          <p:sp>
+            <p:nvSpPr>
+              <p:cNvPr id="29" name="矩形 28">
+                <a:extLst>
+                  <a:ext uri="{FF2B5EF4-FFF2-40B4-BE49-F238E27FC236}">
+                    <a16:creationId xmlns:a16="http://schemas.microsoft.com/office/drawing/2014/main" id="{F8C041F3-EA34-4BA9-BEEA-F868620A0404}"/>
+                  </a:ext>
+                </a:extLst>
+              </p:cNvPr>
+              <p:cNvSpPr/>
+              <p:nvPr/>
+            </p:nvSpPr>
+            <p:spPr>
+              <a:xfrm>
+                <a:off x="4616391" y="1185167"/>
+                <a:ext cx="976544" cy="985422"/>
+              </a:xfrm>
+              <a:prstGeom prst="rect">
+                <a:avLst/>
+              </a:prstGeom>
+              <a:noFill/>
+            </p:spPr>
+            <p:style>
+              <a:lnRef idx="2">
+                <a:schemeClr val="accent1">
+                  <a:shade val="50000"/>
+                </a:schemeClr>
+              </a:lnRef>
+              <a:fillRef idx="1">
+                <a:schemeClr val="accent1"/>
+              </a:fillRef>
+              <a:effectRef idx="0">
+                <a:schemeClr val="accent1"/>
+              </a:effectRef>
+              <a:fontRef idx="minor">
+                <a:schemeClr val="lt1"/>
+              </a:fontRef>
+            </p:style>
+            <p:txBody>
+              <a:bodyPr rtlCol="0" anchor="ctr"/>
+              <a:lstStyle/>
+              <a:p>
+                <a:pPr algn="ctr"/>
+                <a:endParaRPr lang="zh-CN" altLang="en-US"/>
+              </a:p>
+            </p:txBody>
+          </p:sp>
+          <p:sp>
+            <p:nvSpPr>
+              <p:cNvPr id="32" name="矩形 31">
+                <a:extLst>
+                  <a:ext uri="{FF2B5EF4-FFF2-40B4-BE49-F238E27FC236}">
+                    <a16:creationId xmlns:a16="http://schemas.microsoft.com/office/drawing/2014/main" id="{8CA172CD-E09B-4221-BA5E-1811ADB9375E}"/>
+                  </a:ext>
+                </a:extLst>
+              </p:cNvPr>
+              <p:cNvSpPr/>
+              <p:nvPr/>
+            </p:nvSpPr>
+            <p:spPr>
+              <a:xfrm>
+                <a:off x="4641734" y="2170589"/>
+                <a:ext cx="976543" cy="985422"/>
+              </a:xfrm>
+              <a:prstGeom prst="rect">
+                <a:avLst/>
+              </a:prstGeom>
+              <a:noFill/>
+            </p:spPr>
+            <p:style>
+              <a:lnRef idx="2">
+                <a:schemeClr val="accent1">
+                  <a:shade val="50000"/>
+                </a:schemeClr>
+              </a:lnRef>
+              <a:fillRef idx="1">
+                <a:schemeClr val="accent1"/>
+              </a:fillRef>
+              <a:effectRef idx="0">
+                <a:schemeClr val="accent1"/>
+              </a:effectRef>
+              <a:fontRef idx="minor">
+                <a:schemeClr val="lt1"/>
+              </a:fontRef>
+            </p:style>
+            <p:txBody>
+              <a:bodyPr rtlCol="0" anchor="ctr"/>
+              <a:lstStyle/>
+              <a:p>
+                <a:pPr algn="ctr"/>
+                <a:endParaRPr lang="zh-CN" altLang="en-US"/>
+              </a:p>
+            </p:txBody>
+          </p:sp>
+        </p:grpSp>
+        <p:cxnSp>
+          <p:nvCxnSpPr>
+            <p:cNvPr id="36" name="直接箭头连接符 35">
+              <a:extLst>
+                <a:ext uri="{FF2B5EF4-FFF2-40B4-BE49-F238E27FC236}">
+                  <a16:creationId xmlns:a16="http://schemas.microsoft.com/office/drawing/2014/main" id="{6DD5C174-9D32-46D3-931E-A5914E758520}"/>
+                </a:ext>
+              </a:extLst>
+            </p:cNvPr>
+            <p:cNvCxnSpPr>
+              <a:cxnSpLocks/>
+            </p:cNvCxnSpPr>
+            <p:nvPr/>
+          </p:nvCxnSpPr>
+          <p:spPr>
+            <a:xfrm>
+              <a:off x="1371600" y="5124502"/>
+              <a:ext cx="2714625" cy="0"/>
+            </a:xfrm>
+            <a:prstGeom prst="straightConnector1">
+              <a:avLst/>
+            </a:prstGeom>
+            <a:ln>
+              <a:tailEnd type="triangle"/>
+            </a:ln>
+          </p:spPr>
+          <p:style>
+            <a:lnRef idx="1">
+              <a:schemeClr val="accent1"/>
+            </a:lnRef>
+            <a:fillRef idx="0">
+              <a:schemeClr val="accent1"/>
+            </a:fillRef>
+            <a:effectRef idx="0">
+              <a:schemeClr val="accent1"/>
+            </a:effectRef>
+            <a:fontRef idx="minor">
+              <a:schemeClr val="tx1"/>
+            </a:fontRef>
+          </p:style>
+        </p:cxnSp>
+        <p:cxnSp>
+          <p:nvCxnSpPr>
+            <p:cNvPr id="41" name="直接箭头连接符 40">
+              <a:extLst>
+                <a:ext uri="{FF2B5EF4-FFF2-40B4-BE49-F238E27FC236}">
+                  <a16:creationId xmlns:a16="http://schemas.microsoft.com/office/drawing/2014/main" id="{6A5ABC93-BE7F-4A6C-9943-A89908F86340}"/>
+                </a:ext>
+              </a:extLst>
+            </p:cNvPr>
+            <p:cNvCxnSpPr>
+              <a:cxnSpLocks/>
+            </p:cNvCxnSpPr>
+            <p:nvPr/>
+          </p:nvCxnSpPr>
+          <p:spPr>
+            <a:xfrm flipV="1">
+              <a:off x="2694095" y="3613666"/>
+              <a:ext cx="0" cy="2939534"/>
+            </a:xfrm>
+            <a:prstGeom prst="straightConnector1">
+              <a:avLst/>
+            </a:prstGeom>
+            <a:ln>
+              <a:tailEnd type="triangle"/>
+            </a:ln>
+          </p:spPr>
+          <p:style>
+            <a:lnRef idx="1">
+              <a:schemeClr val="accent1"/>
+            </a:lnRef>
+            <a:fillRef idx="0">
+              <a:schemeClr val="accent1"/>
+            </a:fillRef>
+            <a:effectRef idx="0">
+              <a:schemeClr val="accent1"/>
+            </a:effectRef>
+            <a:fontRef idx="minor">
+              <a:schemeClr val="tx1"/>
+            </a:fontRef>
+          </p:style>
+        </p:cxnSp>
+        <mc:AlternateContent xmlns:mc="http://schemas.openxmlformats.org/markup-compatibility/2006">
+          <mc:Choice xmlns:a14="http://schemas.microsoft.com/office/drawing/2010/main" Requires="a14">
+            <p:sp>
+              <p:nvSpPr>
+                <p:cNvPr id="45" name="文本框 44">
+                  <a:extLst>
+                    <a:ext uri="{FF2B5EF4-FFF2-40B4-BE49-F238E27FC236}">
+                      <a16:creationId xmlns:a16="http://schemas.microsoft.com/office/drawing/2014/main" id="{BAA97039-843D-4A21-94C5-1A3EFD4DC1A4}"/>
+                    </a:ext>
+                  </a:extLst>
+                </p:cNvPr>
+                <p:cNvSpPr txBox="1"/>
+                <p:nvPr/>
+              </p:nvSpPr>
+              <p:spPr>
+                <a:xfrm>
+                  <a:off x="4020711" y="5159333"/>
+                  <a:ext cx="338376" cy="321762"/>
+                </a:xfrm>
+                <a:prstGeom prst="rect">
+                  <a:avLst/>
+                </a:prstGeom>
+                <a:noFill/>
+              </p:spPr>
+              <p:txBody>
+                <a:bodyPr wrap="none" lIns="0" tIns="0" rIns="0" bIns="0" rtlCol="0">
+                  <a:spAutoFit/>
+                </a:bodyPr>
+                <a:lstStyle/>
+                <a:p>
+                  <a14:m>
+                    <m:oMathPara xmlns:m="http://schemas.openxmlformats.org/officeDocument/2006/math">
+                      <m:oMathParaPr>
+                        <m:jc m:val="centerGroup"/>
+                      </m:oMathParaPr>
+                      <m:oMath xmlns:m="http://schemas.openxmlformats.org/officeDocument/2006/math">
+                        <m:sSub>
+                          <m:sSubPr>
+                            <m:ctrlPr>
+                              <a:rPr lang="en-US" altLang="zh-CN" sz="1400" b="0" i="1" smtClean="0">
+                                <a:latin typeface="Cambria Math" panose="02040503050406030204" pitchFamily="18" charset="0"/>
+                              </a:rPr>
+                            </m:ctrlPr>
+                          </m:sSubPr>
+                          <m:e>
+                            <m:r>
+                              <a:rPr lang="en-US" altLang="zh-CN" sz="1400" b="0" i="1" smtClean="0">
+                                <a:latin typeface="Cambria Math" panose="02040503050406030204" pitchFamily="18" charset="0"/>
+                              </a:rPr>
+                              <m:t>𝐺</m:t>
+                            </m:r>
+                          </m:e>
+                          <m:sub>
+                            <m:r>
+                              <a:rPr lang="en-US" altLang="zh-CN" sz="1400" b="0" i="1" smtClean="0">
+                                <a:latin typeface="Cambria Math" panose="02040503050406030204" pitchFamily="18" charset="0"/>
+                              </a:rPr>
+                              <m:t>1</m:t>
+                            </m:r>
+                          </m:sub>
+                        </m:sSub>
+                      </m:oMath>
+                    </m:oMathPara>
+                  </a14:m>
+                  <a:endParaRPr lang="zh-CN" altLang="en-US" sz="1400" dirty="0"/>
+                </a:p>
+              </p:txBody>
+            </p:sp>
+          </mc:Choice>
+          <mc:Fallback>
+            <p:sp>
+              <p:nvSpPr>
+                <p:cNvPr id="45" name="文本框 44">
+                  <a:extLst>
+                    <a:ext uri="{FF2B5EF4-FFF2-40B4-BE49-F238E27FC236}">
+                      <a16:creationId xmlns:a16="http://schemas.microsoft.com/office/drawing/2014/main" id="{BAA97039-843D-4A21-94C5-1A3EFD4DC1A4}"/>
+                    </a:ext>
+                  </a:extLst>
+                </p:cNvPr>
+                <p:cNvSpPr txBox="1">
+                  <a:spLocks noRot="1" noChangeAspect="1" noMove="1" noResize="1" noEditPoints="1" noAdjustHandles="1" noChangeArrowheads="1" noChangeShapeType="1" noTextEdit="1"/>
+                </p:cNvSpPr>
+                <p:nvPr/>
+              </p:nvSpPr>
+              <p:spPr>
+                <a:xfrm>
+                  <a:off x="4020711" y="5159333"/>
+                  <a:ext cx="338376" cy="321762"/>
+                </a:xfrm>
+                <a:prstGeom prst="rect">
+                  <a:avLst/>
+                </a:prstGeom>
+                <a:blipFill>
+                  <a:blip r:embed="rId5"/>
+                  <a:stretch>
+                    <a:fillRect l="-23529" r="-8824" b="-37931"/>
+                  </a:stretch>
+                </a:blipFill>
+              </p:spPr>
+              <p:txBody>
+                <a:bodyPr/>
+                <a:lstStyle/>
+                <a:p>
+                  <a:r>
+                    <a:rPr lang="zh-CN" altLang="en-US">
+                      <a:noFill/>
+                    </a:rPr>
+                    <a:t> </a:t>
+                  </a:r>
+                </a:p>
+              </p:txBody>
+            </p:sp>
+          </mc:Fallback>
+        </mc:AlternateContent>
+        <mc:AlternateContent xmlns:mc="http://schemas.openxmlformats.org/markup-compatibility/2006">
+          <mc:Choice xmlns:a14="http://schemas.microsoft.com/office/drawing/2010/main" Requires="a14">
+            <p:sp>
+              <p:nvSpPr>
+                <p:cNvPr id="47" name="文本框 46">
+                  <a:extLst>
+                    <a:ext uri="{FF2B5EF4-FFF2-40B4-BE49-F238E27FC236}">
+                      <a16:creationId xmlns:a16="http://schemas.microsoft.com/office/drawing/2014/main" id="{3DBAC441-B518-43FA-B2CD-0F70FF292017}"/>
+                    </a:ext>
+                  </a:extLst>
+                </p:cNvPr>
+                <p:cNvSpPr txBox="1"/>
+                <p:nvPr/>
+              </p:nvSpPr>
+              <p:spPr>
+                <a:xfrm>
+                  <a:off x="2728912" y="3565858"/>
+                  <a:ext cx="338376" cy="321762"/>
+                </a:xfrm>
+                <a:prstGeom prst="rect">
+                  <a:avLst/>
+                </a:prstGeom>
+                <a:noFill/>
+              </p:spPr>
+              <p:txBody>
+                <a:bodyPr wrap="none" lIns="0" tIns="0" rIns="0" bIns="0" rtlCol="0">
+                  <a:spAutoFit/>
+                </a:bodyPr>
+                <a:lstStyle/>
+                <a:p>
+                  <a:pPr/>
+                  <a14:m>
+                    <m:oMathPara xmlns:m="http://schemas.openxmlformats.org/officeDocument/2006/math">
+                      <m:oMathParaPr>
+                        <m:jc m:val="centerGroup"/>
+                      </m:oMathParaPr>
+                      <m:oMath xmlns:m="http://schemas.openxmlformats.org/officeDocument/2006/math">
+                        <m:sSubSup>
+                          <m:sSubSupPr>
+                            <m:ctrlPr>
+                              <a:rPr lang="en-US" altLang="zh-CN" sz="1400" b="0" i="1" smtClean="0">
+                                <a:latin typeface="Cambria Math" panose="02040503050406030204" pitchFamily="18" charset="0"/>
+                              </a:rPr>
+                            </m:ctrlPr>
+                          </m:sSubSupPr>
+                          <m:e>
+                            <m:r>
+                              <a:rPr lang="en-US" altLang="zh-CN" sz="1400" b="0" i="1" smtClean="0">
+                                <a:latin typeface="Cambria Math" panose="02040503050406030204" pitchFamily="18" charset="0"/>
+                              </a:rPr>
+                              <m:t>𝐺</m:t>
+                            </m:r>
+                          </m:e>
+                          <m:sub>
+                            <m:r>
+                              <a:rPr lang="en-US" altLang="zh-CN" sz="1400" b="0" i="1" smtClean="0">
+                                <a:latin typeface="Cambria Math" panose="02040503050406030204" pitchFamily="18" charset="0"/>
+                              </a:rPr>
+                              <m:t>1</m:t>
+                            </m:r>
+                          </m:sub>
+                          <m:sup>
+                            <m:r>
+                              <a:rPr lang="en-US" altLang="zh-CN" sz="1400" b="0" i="1" smtClean="0">
+                                <a:latin typeface="Cambria Math" panose="02040503050406030204" pitchFamily="18" charset="0"/>
+                              </a:rPr>
+                              <m:t>′</m:t>
+                            </m:r>
+                          </m:sup>
+                        </m:sSubSup>
+                      </m:oMath>
+                    </m:oMathPara>
+                  </a14:m>
+                  <a:endParaRPr lang="zh-CN" altLang="en-US" sz="1400" dirty="0"/>
+                </a:p>
+              </p:txBody>
+            </p:sp>
+          </mc:Choice>
+          <mc:Fallback>
+            <p:sp>
+              <p:nvSpPr>
+                <p:cNvPr id="47" name="文本框 46">
+                  <a:extLst>
+                    <a:ext uri="{FF2B5EF4-FFF2-40B4-BE49-F238E27FC236}">
+                      <a16:creationId xmlns:a16="http://schemas.microsoft.com/office/drawing/2014/main" id="{3DBAC441-B518-43FA-B2CD-0F70FF292017}"/>
+                    </a:ext>
+                  </a:extLst>
+                </p:cNvPr>
+                <p:cNvSpPr txBox="1">
+                  <a:spLocks noRot="1" noChangeAspect="1" noMove="1" noResize="1" noEditPoints="1" noAdjustHandles="1" noChangeArrowheads="1" noChangeShapeType="1" noTextEdit="1"/>
+                </p:cNvSpPr>
+                <p:nvPr/>
+              </p:nvSpPr>
+              <p:spPr>
+                <a:xfrm>
+                  <a:off x="2728912" y="3565858"/>
+                  <a:ext cx="338376" cy="321762"/>
+                </a:xfrm>
+                <a:prstGeom prst="rect">
+                  <a:avLst/>
+                </a:prstGeom>
+                <a:blipFill>
+                  <a:blip r:embed="rId6"/>
+                  <a:stretch>
+                    <a:fillRect l="-23529" r="-8824" b="-41379"/>
+                  </a:stretch>
+                </a:blipFill>
+              </p:spPr>
+              <p:txBody>
+                <a:bodyPr/>
+                <a:lstStyle/>
+                <a:p>
+                  <a:r>
+                    <a:rPr lang="zh-CN" altLang="en-US">
+                      <a:noFill/>
+                    </a:rPr>
+                    <a:t> </a:t>
+                  </a:r>
+                </a:p>
+              </p:txBody>
+            </p:sp>
+          </mc:Fallback>
+        </mc:AlternateContent>
+      </p:grpSp>
+      <p:grpSp>
+        <p:nvGrpSpPr>
+          <p:cNvPr id="49" name="组合 48">
+            <a:extLst>
+              <a:ext uri="{FF2B5EF4-FFF2-40B4-BE49-F238E27FC236}">
+                <a16:creationId xmlns:a16="http://schemas.microsoft.com/office/drawing/2014/main" id="{FA5E9428-5AA6-42D9-A9C0-E6FF051A1AAB}"/>
+              </a:ext>
+            </a:extLst>
+          </p:cNvPr>
+          <p:cNvGrpSpPr/>
+          <p:nvPr/>
+        </p:nvGrpSpPr>
+        <p:grpSpPr>
+          <a:xfrm>
+            <a:off x="7446945" y="4817234"/>
+            <a:ext cx="1843112" cy="1651274"/>
+            <a:chOff x="1371600" y="3565858"/>
+            <a:chExt cx="2987487" cy="2987342"/>
+          </a:xfrm>
+        </p:grpSpPr>
+        <p:grpSp>
+          <p:nvGrpSpPr>
+            <p:cNvPr id="50" name="组合 49">
+              <a:extLst>
+                <a:ext uri="{FF2B5EF4-FFF2-40B4-BE49-F238E27FC236}">
+                  <a16:creationId xmlns:a16="http://schemas.microsoft.com/office/drawing/2014/main" id="{452DDF45-EE7A-45BE-879F-018B96D4DD13}"/>
+                </a:ext>
+              </a:extLst>
+            </p:cNvPr>
+            <p:cNvGrpSpPr/>
+            <p:nvPr/>
+          </p:nvGrpSpPr>
+          <p:grpSpPr>
+            <a:xfrm>
+              <a:off x="1628775" y="3877186"/>
+              <a:ext cx="2144462" cy="1247315"/>
+              <a:chOff x="1686759" y="1185167"/>
+              <a:chExt cx="3931518" cy="1970844"/>
+            </a:xfrm>
+          </p:grpSpPr>
+          <p:sp>
+            <p:nvSpPr>
+              <p:cNvPr id="64" name="矩形 63">
+                <a:extLst>
+                  <a:ext uri="{FF2B5EF4-FFF2-40B4-BE49-F238E27FC236}">
+                    <a16:creationId xmlns:a16="http://schemas.microsoft.com/office/drawing/2014/main" id="{3900E177-BE88-4734-B3DA-2A3276BDEB64}"/>
+                  </a:ext>
+                </a:extLst>
+              </p:cNvPr>
+              <p:cNvSpPr/>
+              <p:nvPr/>
+            </p:nvSpPr>
+            <p:spPr>
+              <a:xfrm>
+                <a:off x="1686759" y="1185167"/>
+                <a:ext cx="976544" cy="985422"/>
+              </a:xfrm>
+              <a:prstGeom prst="rect">
+                <a:avLst/>
+              </a:prstGeom>
+              <a:noFill/>
+            </p:spPr>
+            <p:style>
+              <a:lnRef idx="2">
+                <a:schemeClr val="accent1">
+                  <a:shade val="50000"/>
+                </a:schemeClr>
+              </a:lnRef>
+              <a:fillRef idx="1">
+                <a:schemeClr val="accent1"/>
+              </a:fillRef>
+              <a:effectRef idx="0">
+                <a:schemeClr val="accent1"/>
+              </a:effectRef>
+              <a:fontRef idx="minor">
+                <a:schemeClr val="lt1"/>
+              </a:fontRef>
+            </p:style>
+            <p:txBody>
+              <a:bodyPr rtlCol="0" anchor="ctr"/>
+              <a:lstStyle/>
+              <a:p>
+                <a:pPr algn="ctr"/>
+                <a:endParaRPr lang="zh-CN" altLang="en-US"/>
+              </a:p>
+            </p:txBody>
+          </p:sp>
+          <p:sp>
+            <p:nvSpPr>
+              <p:cNvPr id="65" name="矩形 64">
+                <a:extLst>
+                  <a:ext uri="{FF2B5EF4-FFF2-40B4-BE49-F238E27FC236}">
+                    <a16:creationId xmlns:a16="http://schemas.microsoft.com/office/drawing/2014/main" id="{284C3DC2-14E8-42C0-8CB8-18AEEBEA098C}"/>
+                  </a:ext>
+                </a:extLst>
+              </p:cNvPr>
+              <p:cNvSpPr/>
+              <p:nvPr/>
+            </p:nvSpPr>
+            <p:spPr>
+              <a:xfrm>
+                <a:off x="2663303" y="1185167"/>
+                <a:ext cx="976544" cy="985422"/>
+              </a:xfrm>
+              <a:prstGeom prst="rect">
+                <a:avLst/>
+              </a:prstGeom>
+              <a:noFill/>
+            </p:spPr>
+            <p:style>
+              <a:lnRef idx="2">
+                <a:schemeClr val="accent1">
+                  <a:shade val="50000"/>
+                </a:schemeClr>
+              </a:lnRef>
+              <a:fillRef idx="1">
+                <a:schemeClr val="accent1"/>
+              </a:fillRef>
+              <a:effectRef idx="0">
+                <a:schemeClr val="accent1"/>
+              </a:effectRef>
+              <a:fontRef idx="minor">
+                <a:schemeClr val="lt1"/>
+              </a:fontRef>
+            </p:style>
+            <p:txBody>
+              <a:bodyPr rtlCol="0" anchor="ctr"/>
+              <a:lstStyle/>
+              <a:p>
+                <a:pPr algn="ctr"/>
+                <a:endParaRPr lang="zh-CN" altLang="en-US"/>
+              </a:p>
+            </p:txBody>
+          </p:sp>
+          <p:sp>
+            <p:nvSpPr>
+              <p:cNvPr id="66" name="矩形 65">
+                <a:extLst>
+                  <a:ext uri="{FF2B5EF4-FFF2-40B4-BE49-F238E27FC236}">
+                    <a16:creationId xmlns:a16="http://schemas.microsoft.com/office/drawing/2014/main" id="{6282F712-3E2B-4D2A-AFA1-6B6053A48715}"/>
+                  </a:ext>
+                </a:extLst>
+              </p:cNvPr>
+              <p:cNvSpPr/>
+              <p:nvPr/>
+            </p:nvSpPr>
+            <p:spPr>
+              <a:xfrm>
+                <a:off x="3639847" y="1185167"/>
+                <a:ext cx="976544" cy="985422"/>
+              </a:xfrm>
+              <a:prstGeom prst="rect">
+                <a:avLst/>
+              </a:prstGeom>
+              <a:noFill/>
+            </p:spPr>
+            <p:style>
+              <a:lnRef idx="2">
+                <a:schemeClr val="accent1">
+                  <a:shade val="50000"/>
+                </a:schemeClr>
+              </a:lnRef>
+              <a:fillRef idx="1">
+                <a:schemeClr val="accent1"/>
+              </a:fillRef>
+              <a:effectRef idx="0">
+                <a:schemeClr val="accent1"/>
+              </a:effectRef>
+              <a:fontRef idx="minor">
+                <a:schemeClr val="lt1"/>
+              </a:fontRef>
+            </p:style>
+            <p:txBody>
+              <a:bodyPr rtlCol="0" anchor="ctr"/>
+              <a:lstStyle/>
+              <a:p>
+                <a:pPr algn="ctr"/>
+                <a:endParaRPr lang="zh-CN" altLang="en-US"/>
+              </a:p>
+            </p:txBody>
+          </p:sp>
+          <p:sp>
+            <p:nvSpPr>
+              <p:cNvPr id="67" name="矩形 66">
+                <a:extLst>
+                  <a:ext uri="{FF2B5EF4-FFF2-40B4-BE49-F238E27FC236}">
+                    <a16:creationId xmlns:a16="http://schemas.microsoft.com/office/drawing/2014/main" id="{4C80414A-ECD6-45DB-BE71-6715E0CFEC59}"/>
+                  </a:ext>
+                </a:extLst>
+              </p:cNvPr>
+              <p:cNvSpPr/>
+              <p:nvPr/>
+            </p:nvSpPr>
+            <p:spPr>
+              <a:xfrm>
+                <a:off x="1686759" y="2170589"/>
+                <a:ext cx="976544" cy="985422"/>
+              </a:xfrm>
+              <a:prstGeom prst="rect">
+                <a:avLst/>
+              </a:prstGeom>
+              <a:noFill/>
+            </p:spPr>
+            <p:style>
+              <a:lnRef idx="2">
+                <a:schemeClr val="accent1">
+                  <a:shade val="50000"/>
+                </a:schemeClr>
+              </a:lnRef>
+              <a:fillRef idx="1">
+                <a:schemeClr val="accent1"/>
+              </a:fillRef>
+              <a:effectRef idx="0">
+                <a:schemeClr val="accent1"/>
+              </a:effectRef>
+              <a:fontRef idx="minor">
+                <a:schemeClr val="lt1"/>
+              </a:fontRef>
+            </p:style>
+            <p:txBody>
+              <a:bodyPr rtlCol="0" anchor="ctr"/>
+              <a:lstStyle/>
+              <a:p>
+                <a:pPr algn="ctr"/>
+                <a:endParaRPr lang="zh-CN" altLang="en-US"/>
+              </a:p>
+            </p:txBody>
+          </p:sp>
+          <p:sp>
+            <p:nvSpPr>
+              <p:cNvPr id="68" name="矩形 67">
+                <a:extLst>
+                  <a:ext uri="{FF2B5EF4-FFF2-40B4-BE49-F238E27FC236}">
+                    <a16:creationId xmlns:a16="http://schemas.microsoft.com/office/drawing/2014/main" id="{CE9E6BB6-E50D-49B7-B06D-91D545D26A42}"/>
+                  </a:ext>
+                </a:extLst>
+              </p:cNvPr>
+              <p:cNvSpPr/>
+              <p:nvPr/>
+            </p:nvSpPr>
+            <p:spPr>
+              <a:xfrm>
+                <a:off x="2663303" y="2170589"/>
+                <a:ext cx="976544" cy="985422"/>
+              </a:xfrm>
+              <a:prstGeom prst="rect">
+                <a:avLst/>
+              </a:prstGeom>
+              <a:noFill/>
+            </p:spPr>
+            <p:style>
+              <a:lnRef idx="2">
+                <a:schemeClr val="accent1">
+                  <a:shade val="50000"/>
+                </a:schemeClr>
+              </a:lnRef>
+              <a:fillRef idx="1">
+                <a:schemeClr val="accent1"/>
+              </a:fillRef>
+              <a:effectRef idx="0">
+                <a:schemeClr val="accent1"/>
+              </a:effectRef>
+              <a:fontRef idx="minor">
+                <a:schemeClr val="lt1"/>
+              </a:fontRef>
+            </p:style>
+            <p:txBody>
+              <a:bodyPr rtlCol="0" anchor="ctr"/>
+              <a:lstStyle/>
+              <a:p>
+                <a:pPr algn="ctr"/>
+                <a:endParaRPr lang="zh-CN" altLang="en-US"/>
+              </a:p>
+            </p:txBody>
+          </p:sp>
+          <p:sp>
+            <p:nvSpPr>
+              <p:cNvPr id="69" name="矩形 68">
+                <a:extLst>
+                  <a:ext uri="{FF2B5EF4-FFF2-40B4-BE49-F238E27FC236}">
+                    <a16:creationId xmlns:a16="http://schemas.microsoft.com/office/drawing/2014/main" id="{A7AB67BD-214A-46ED-ADCD-A28314A9EDE6}"/>
+                  </a:ext>
+                </a:extLst>
+              </p:cNvPr>
+              <p:cNvSpPr/>
+              <p:nvPr/>
+            </p:nvSpPr>
+            <p:spPr>
+              <a:xfrm>
+                <a:off x="3639847" y="2170589"/>
+                <a:ext cx="976544" cy="985422"/>
+              </a:xfrm>
+              <a:prstGeom prst="rect">
+                <a:avLst/>
+              </a:prstGeom>
+              <a:noFill/>
+            </p:spPr>
+            <p:style>
+              <a:lnRef idx="2">
+                <a:schemeClr val="accent1">
+                  <a:shade val="50000"/>
+                </a:schemeClr>
+              </a:lnRef>
+              <a:fillRef idx="1">
+                <a:schemeClr val="accent1"/>
+              </a:fillRef>
+              <a:effectRef idx="0">
+                <a:schemeClr val="accent1"/>
+              </a:effectRef>
+              <a:fontRef idx="minor">
+                <a:schemeClr val="lt1"/>
+              </a:fontRef>
+            </p:style>
+            <p:txBody>
+              <a:bodyPr rtlCol="0" anchor="ctr"/>
+              <a:lstStyle/>
+              <a:p>
+                <a:pPr algn="ctr"/>
+                <a:endParaRPr lang="zh-CN" altLang="en-US"/>
+              </a:p>
+            </p:txBody>
+          </p:sp>
+          <p:sp>
+            <p:nvSpPr>
+              <p:cNvPr id="70" name="矩形 69">
+                <a:extLst>
+                  <a:ext uri="{FF2B5EF4-FFF2-40B4-BE49-F238E27FC236}">
+                    <a16:creationId xmlns:a16="http://schemas.microsoft.com/office/drawing/2014/main" id="{0B5E5C65-A536-4853-B409-4D4BEB2B310E}"/>
+                  </a:ext>
+                </a:extLst>
+              </p:cNvPr>
+              <p:cNvSpPr/>
+              <p:nvPr/>
+            </p:nvSpPr>
+            <p:spPr>
+              <a:xfrm>
+                <a:off x="4616391" y="1185167"/>
+                <a:ext cx="976544" cy="985422"/>
+              </a:xfrm>
+              <a:prstGeom prst="rect">
+                <a:avLst/>
+              </a:prstGeom>
+              <a:noFill/>
+            </p:spPr>
+            <p:style>
+              <a:lnRef idx="2">
+                <a:schemeClr val="accent1">
+                  <a:shade val="50000"/>
+                </a:schemeClr>
+              </a:lnRef>
+              <a:fillRef idx="1">
+                <a:schemeClr val="accent1"/>
+              </a:fillRef>
+              <a:effectRef idx="0">
+                <a:schemeClr val="accent1"/>
+              </a:effectRef>
+              <a:fontRef idx="minor">
+                <a:schemeClr val="lt1"/>
+              </a:fontRef>
+            </p:style>
+            <p:txBody>
+              <a:bodyPr rtlCol="0" anchor="ctr"/>
+              <a:lstStyle/>
+              <a:p>
+                <a:pPr algn="ctr"/>
+                <a:endParaRPr lang="zh-CN" altLang="en-US"/>
+              </a:p>
+            </p:txBody>
+          </p:sp>
+          <p:sp>
+            <p:nvSpPr>
+              <p:cNvPr id="71" name="矩形 70">
+                <a:extLst>
+                  <a:ext uri="{FF2B5EF4-FFF2-40B4-BE49-F238E27FC236}">
+                    <a16:creationId xmlns:a16="http://schemas.microsoft.com/office/drawing/2014/main" id="{FF423BDF-B707-43F6-BC71-428E83D4872E}"/>
+                  </a:ext>
+                </a:extLst>
+              </p:cNvPr>
+              <p:cNvSpPr/>
+              <p:nvPr/>
+            </p:nvSpPr>
+            <p:spPr>
+              <a:xfrm>
+                <a:off x="4641734" y="2170589"/>
+                <a:ext cx="976543" cy="985422"/>
+              </a:xfrm>
+              <a:prstGeom prst="rect">
+                <a:avLst/>
+              </a:prstGeom>
+              <a:noFill/>
+            </p:spPr>
+            <p:style>
+              <a:lnRef idx="2">
+                <a:schemeClr val="accent1">
+                  <a:shade val="50000"/>
+                </a:schemeClr>
+              </a:lnRef>
+              <a:fillRef idx="1">
+                <a:schemeClr val="accent1"/>
+              </a:fillRef>
+              <a:effectRef idx="0">
+                <a:schemeClr val="accent1"/>
+              </a:effectRef>
+              <a:fontRef idx="minor">
+                <a:schemeClr val="lt1"/>
+              </a:fontRef>
+            </p:style>
+            <p:txBody>
+              <a:bodyPr rtlCol="0" anchor="ctr"/>
+              <a:lstStyle/>
+              <a:p>
+                <a:pPr algn="ctr"/>
+                <a:endParaRPr lang="zh-CN" altLang="en-US"/>
+              </a:p>
+            </p:txBody>
+          </p:sp>
+        </p:grpSp>
+        <p:grpSp>
+          <p:nvGrpSpPr>
+            <p:cNvPr id="51" name="组合 50">
+              <a:extLst>
+                <a:ext uri="{FF2B5EF4-FFF2-40B4-BE49-F238E27FC236}">
+                  <a16:creationId xmlns:a16="http://schemas.microsoft.com/office/drawing/2014/main" id="{B4ED022B-73C4-4973-8028-3D61B81B9FB0}"/>
+                </a:ext>
+              </a:extLst>
+            </p:cNvPr>
+            <p:cNvGrpSpPr/>
+            <p:nvPr/>
+          </p:nvGrpSpPr>
+          <p:grpSpPr>
+            <a:xfrm>
+              <a:off x="1628775" y="5124502"/>
+              <a:ext cx="2144462" cy="1247315"/>
+              <a:chOff x="1686759" y="1185167"/>
+              <a:chExt cx="3931518" cy="1970844"/>
+            </a:xfrm>
+          </p:grpSpPr>
+          <p:sp>
+            <p:nvSpPr>
+              <p:cNvPr id="56" name="矩形 55">
+                <a:extLst>
+                  <a:ext uri="{FF2B5EF4-FFF2-40B4-BE49-F238E27FC236}">
+                    <a16:creationId xmlns:a16="http://schemas.microsoft.com/office/drawing/2014/main" id="{9A243879-BA35-4E0D-BE14-02CC47C41A52}"/>
+                  </a:ext>
+                </a:extLst>
+              </p:cNvPr>
+              <p:cNvSpPr/>
+              <p:nvPr/>
+            </p:nvSpPr>
+            <p:spPr>
+              <a:xfrm>
+                <a:off x="1686759" y="1185167"/>
+                <a:ext cx="976544" cy="985422"/>
+              </a:xfrm>
+              <a:prstGeom prst="rect">
+                <a:avLst/>
+              </a:prstGeom>
+              <a:noFill/>
+            </p:spPr>
+            <p:style>
+              <a:lnRef idx="2">
+                <a:schemeClr val="accent1">
+                  <a:shade val="50000"/>
+                </a:schemeClr>
+              </a:lnRef>
+              <a:fillRef idx="1">
+                <a:schemeClr val="accent1"/>
+              </a:fillRef>
+              <a:effectRef idx="0">
+                <a:schemeClr val="accent1"/>
+              </a:effectRef>
+              <a:fontRef idx="minor">
+                <a:schemeClr val="lt1"/>
+              </a:fontRef>
+            </p:style>
+            <p:txBody>
+              <a:bodyPr rtlCol="0" anchor="ctr"/>
+              <a:lstStyle/>
+              <a:p>
+                <a:pPr algn="ctr"/>
+                <a:endParaRPr lang="zh-CN" altLang="en-US"/>
+              </a:p>
+            </p:txBody>
+          </p:sp>
+          <p:sp>
+            <p:nvSpPr>
+              <p:cNvPr id="57" name="矩形 56">
+                <a:extLst>
+                  <a:ext uri="{FF2B5EF4-FFF2-40B4-BE49-F238E27FC236}">
+                    <a16:creationId xmlns:a16="http://schemas.microsoft.com/office/drawing/2014/main" id="{9A1D6ED1-1276-4392-99C2-8786164FFCDD}"/>
+                  </a:ext>
+                </a:extLst>
+              </p:cNvPr>
+              <p:cNvSpPr/>
+              <p:nvPr/>
+            </p:nvSpPr>
+            <p:spPr>
+              <a:xfrm>
+                <a:off x="2663303" y="1185167"/>
+                <a:ext cx="976544" cy="985422"/>
+              </a:xfrm>
+              <a:prstGeom prst="rect">
+                <a:avLst/>
+              </a:prstGeom>
+              <a:noFill/>
+            </p:spPr>
+            <p:style>
+              <a:lnRef idx="2">
+                <a:schemeClr val="accent1">
+                  <a:shade val="50000"/>
+                </a:schemeClr>
+              </a:lnRef>
+              <a:fillRef idx="1">
+                <a:schemeClr val="accent1"/>
+              </a:fillRef>
+              <a:effectRef idx="0">
+                <a:schemeClr val="accent1"/>
+              </a:effectRef>
+              <a:fontRef idx="minor">
+                <a:schemeClr val="lt1"/>
+              </a:fontRef>
+            </p:style>
+            <p:txBody>
+              <a:bodyPr rtlCol="0" anchor="ctr"/>
+              <a:lstStyle/>
+              <a:p>
+                <a:pPr algn="ctr"/>
+                <a:endParaRPr lang="zh-CN" altLang="en-US"/>
+              </a:p>
+            </p:txBody>
+          </p:sp>
+          <p:sp>
+            <p:nvSpPr>
+              <p:cNvPr id="58" name="矩形 57">
+                <a:extLst>
+                  <a:ext uri="{FF2B5EF4-FFF2-40B4-BE49-F238E27FC236}">
+                    <a16:creationId xmlns:a16="http://schemas.microsoft.com/office/drawing/2014/main" id="{F3BD8EE1-3845-479E-AE89-B85CCC2D45DA}"/>
+                  </a:ext>
+                </a:extLst>
+              </p:cNvPr>
+              <p:cNvSpPr/>
+              <p:nvPr/>
+            </p:nvSpPr>
+            <p:spPr>
+              <a:xfrm>
+                <a:off x="3639847" y="1185167"/>
+                <a:ext cx="976544" cy="985422"/>
+              </a:xfrm>
+              <a:prstGeom prst="rect">
+                <a:avLst/>
+              </a:prstGeom>
+              <a:noFill/>
+            </p:spPr>
+            <p:style>
+              <a:lnRef idx="2">
+                <a:schemeClr val="accent1">
+                  <a:shade val="50000"/>
+                </a:schemeClr>
+              </a:lnRef>
+              <a:fillRef idx="1">
+                <a:schemeClr val="accent1"/>
+              </a:fillRef>
+              <a:effectRef idx="0">
+                <a:schemeClr val="accent1"/>
+              </a:effectRef>
+              <a:fontRef idx="minor">
+                <a:schemeClr val="lt1"/>
+              </a:fontRef>
+            </p:style>
+            <p:txBody>
+              <a:bodyPr rtlCol="0" anchor="ctr"/>
+              <a:lstStyle/>
+              <a:p>
+                <a:pPr algn="ctr"/>
+                <a:endParaRPr lang="zh-CN" altLang="en-US"/>
+              </a:p>
+            </p:txBody>
+          </p:sp>
+          <p:sp>
+            <p:nvSpPr>
+              <p:cNvPr id="59" name="矩形 58">
+                <a:extLst>
+                  <a:ext uri="{FF2B5EF4-FFF2-40B4-BE49-F238E27FC236}">
+                    <a16:creationId xmlns:a16="http://schemas.microsoft.com/office/drawing/2014/main" id="{7FD514B5-59F4-4DB7-9906-2F64F839747E}"/>
+                  </a:ext>
+                </a:extLst>
+              </p:cNvPr>
+              <p:cNvSpPr/>
+              <p:nvPr/>
+            </p:nvSpPr>
+            <p:spPr>
+              <a:xfrm>
+                <a:off x="1686759" y="2170589"/>
+                <a:ext cx="976544" cy="985422"/>
+              </a:xfrm>
+              <a:prstGeom prst="rect">
+                <a:avLst/>
+              </a:prstGeom>
+              <a:noFill/>
+            </p:spPr>
+            <p:style>
+              <a:lnRef idx="2">
+                <a:schemeClr val="accent1">
+                  <a:shade val="50000"/>
+                </a:schemeClr>
+              </a:lnRef>
+              <a:fillRef idx="1">
+                <a:schemeClr val="accent1"/>
+              </a:fillRef>
+              <a:effectRef idx="0">
+                <a:schemeClr val="accent1"/>
+              </a:effectRef>
+              <a:fontRef idx="minor">
+                <a:schemeClr val="lt1"/>
+              </a:fontRef>
+            </p:style>
+            <p:txBody>
+              <a:bodyPr rtlCol="0" anchor="ctr"/>
+              <a:lstStyle/>
+              <a:p>
+                <a:pPr algn="ctr"/>
+                <a:endParaRPr lang="zh-CN" altLang="en-US"/>
+              </a:p>
+            </p:txBody>
+          </p:sp>
+          <p:sp>
+            <p:nvSpPr>
+              <p:cNvPr id="60" name="矩形 59">
+                <a:extLst>
+                  <a:ext uri="{FF2B5EF4-FFF2-40B4-BE49-F238E27FC236}">
+                    <a16:creationId xmlns:a16="http://schemas.microsoft.com/office/drawing/2014/main" id="{F11CC7F6-EF31-482E-B914-E9750F8CE151}"/>
+                  </a:ext>
+                </a:extLst>
+              </p:cNvPr>
+              <p:cNvSpPr/>
+              <p:nvPr/>
+            </p:nvSpPr>
+            <p:spPr>
+              <a:xfrm>
+                <a:off x="2663303" y="2170589"/>
+                <a:ext cx="976544" cy="985422"/>
+              </a:xfrm>
+              <a:prstGeom prst="rect">
+                <a:avLst/>
+              </a:prstGeom>
+              <a:noFill/>
+            </p:spPr>
+            <p:style>
+              <a:lnRef idx="2">
+                <a:schemeClr val="accent1">
+                  <a:shade val="50000"/>
+                </a:schemeClr>
+              </a:lnRef>
+              <a:fillRef idx="1">
+                <a:schemeClr val="accent1"/>
+              </a:fillRef>
+              <a:effectRef idx="0">
+                <a:schemeClr val="accent1"/>
+              </a:effectRef>
+              <a:fontRef idx="minor">
+                <a:schemeClr val="lt1"/>
+              </a:fontRef>
+            </p:style>
+            <p:txBody>
+              <a:bodyPr rtlCol="0" anchor="ctr"/>
+              <a:lstStyle/>
+              <a:p>
+                <a:pPr algn="ctr"/>
+                <a:endParaRPr lang="zh-CN" altLang="en-US"/>
+              </a:p>
+            </p:txBody>
+          </p:sp>
+          <p:sp>
+            <p:nvSpPr>
+              <p:cNvPr id="61" name="矩形 60">
+                <a:extLst>
+                  <a:ext uri="{FF2B5EF4-FFF2-40B4-BE49-F238E27FC236}">
+                    <a16:creationId xmlns:a16="http://schemas.microsoft.com/office/drawing/2014/main" id="{567ABA23-C1DE-4144-99F9-49DE3E45B598}"/>
+                  </a:ext>
+                </a:extLst>
+              </p:cNvPr>
+              <p:cNvSpPr/>
+              <p:nvPr/>
+            </p:nvSpPr>
+            <p:spPr>
+              <a:xfrm>
+                <a:off x="3639847" y="2170589"/>
+                <a:ext cx="976544" cy="985422"/>
+              </a:xfrm>
+              <a:prstGeom prst="rect">
+                <a:avLst/>
+              </a:prstGeom>
+              <a:noFill/>
+            </p:spPr>
+            <p:style>
+              <a:lnRef idx="2">
+                <a:schemeClr val="accent1">
+                  <a:shade val="50000"/>
+                </a:schemeClr>
+              </a:lnRef>
+              <a:fillRef idx="1">
+                <a:schemeClr val="accent1"/>
+              </a:fillRef>
+              <a:effectRef idx="0">
+                <a:schemeClr val="accent1"/>
+              </a:effectRef>
+              <a:fontRef idx="minor">
+                <a:schemeClr val="lt1"/>
+              </a:fontRef>
+            </p:style>
+            <p:txBody>
+              <a:bodyPr rtlCol="0" anchor="ctr"/>
+              <a:lstStyle/>
+              <a:p>
+                <a:pPr algn="ctr"/>
+                <a:endParaRPr lang="zh-CN" altLang="en-US"/>
+              </a:p>
+            </p:txBody>
+          </p:sp>
+          <p:sp>
+            <p:nvSpPr>
+              <p:cNvPr id="62" name="矩形 61">
+                <a:extLst>
+                  <a:ext uri="{FF2B5EF4-FFF2-40B4-BE49-F238E27FC236}">
+                    <a16:creationId xmlns:a16="http://schemas.microsoft.com/office/drawing/2014/main" id="{38C0F1BA-79BA-4B82-95B5-44AF0778A993}"/>
+                  </a:ext>
+                </a:extLst>
+              </p:cNvPr>
+              <p:cNvSpPr/>
+              <p:nvPr/>
+            </p:nvSpPr>
+            <p:spPr>
+              <a:xfrm>
+                <a:off x="4616391" y="1185167"/>
+                <a:ext cx="976544" cy="985422"/>
+              </a:xfrm>
+              <a:prstGeom prst="rect">
+                <a:avLst/>
+              </a:prstGeom>
+              <a:noFill/>
+            </p:spPr>
+            <p:style>
+              <a:lnRef idx="2">
+                <a:schemeClr val="accent1">
+                  <a:shade val="50000"/>
+                </a:schemeClr>
+              </a:lnRef>
+              <a:fillRef idx="1">
+                <a:schemeClr val="accent1"/>
+              </a:fillRef>
+              <a:effectRef idx="0">
+                <a:schemeClr val="accent1"/>
+              </a:effectRef>
+              <a:fontRef idx="minor">
+                <a:schemeClr val="lt1"/>
+              </a:fontRef>
+            </p:style>
+            <p:txBody>
+              <a:bodyPr rtlCol="0" anchor="ctr"/>
+              <a:lstStyle/>
+              <a:p>
+                <a:pPr algn="ctr"/>
+                <a:endParaRPr lang="zh-CN" altLang="en-US"/>
+              </a:p>
+            </p:txBody>
+          </p:sp>
+          <p:sp>
+            <p:nvSpPr>
+              <p:cNvPr id="63" name="矩形 62">
+                <a:extLst>
+                  <a:ext uri="{FF2B5EF4-FFF2-40B4-BE49-F238E27FC236}">
+                    <a16:creationId xmlns:a16="http://schemas.microsoft.com/office/drawing/2014/main" id="{8721092F-9351-4BEB-97A3-AF1CC42A505C}"/>
+                  </a:ext>
+                </a:extLst>
+              </p:cNvPr>
+              <p:cNvSpPr/>
+              <p:nvPr/>
+            </p:nvSpPr>
+            <p:spPr>
+              <a:xfrm>
+                <a:off x="4641734" y="2170589"/>
+                <a:ext cx="976543" cy="985422"/>
+              </a:xfrm>
+              <a:prstGeom prst="rect">
+                <a:avLst/>
+              </a:prstGeom>
+              <a:noFill/>
+            </p:spPr>
+            <p:style>
+              <a:lnRef idx="2">
+                <a:schemeClr val="accent1">
+                  <a:shade val="50000"/>
+                </a:schemeClr>
+              </a:lnRef>
+              <a:fillRef idx="1">
+                <a:schemeClr val="accent1"/>
+              </a:fillRef>
+              <a:effectRef idx="0">
+                <a:schemeClr val="accent1"/>
+              </a:effectRef>
+              <a:fontRef idx="minor">
+                <a:schemeClr val="lt1"/>
+              </a:fontRef>
+            </p:style>
+            <p:txBody>
+              <a:bodyPr rtlCol="0" anchor="ctr"/>
+              <a:lstStyle/>
+              <a:p>
+                <a:pPr algn="ctr"/>
+                <a:endParaRPr lang="zh-CN" altLang="en-US"/>
+              </a:p>
+            </p:txBody>
+          </p:sp>
+        </p:grpSp>
+        <p:cxnSp>
+          <p:nvCxnSpPr>
+            <p:cNvPr id="52" name="直接箭头连接符 51">
+              <a:extLst>
+                <a:ext uri="{FF2B5EF4-FFF2-40B4-BE49-F238E27FC236}">
+                  <a16:creationId xmlns:a16="http://schemas.microsoft.com/office/drawing/2014/main" id="{C2F945A6-B235-4CCF-8208-7F76E234B55A}"/>
+                </a:ext>
+              </a:extLst>
+            </p:cNvPr>
+            <p:cNvCxnSpPr>
+              <a:cxnSpLocks/>
+            </p:cNvCxnSpPr>
+            <p:nvPr/>
+          </p:nvCxnSpPr>
+          <p:spPr>
+            <a:xfrm>
+              <a:off x="1371600" y="5124502"/>
+              <a:ext cx="2714625" cy="0"/>
+            </a:xfrm>
+            <a:prstGeom prst="straightConnector1">
+              <a:avLst/>
+            </a:prstGeom>
+            <a:ln>
+              <a:tailEnd type="triangle"/>
+            </a:ln>
+          </p:spPr>
+          <p:style>
+            <a:lnRef idx="1">
+              <a:schemeClr val="accent1"/>
+            </a:lnRef>
+            <a:fillRef idx="0">
+              <a:schemeClr val="accent1"/>
+            </a:fillRef>
+            <a:effectRef idx="0">
+              <a:schemeClr val="accent1"/>
+            </a:effectRef>
+            <a:fontRef idx="minor">
+              <a:schemeClr val="tx1"/>
+            </a:fontRef>
+          </p:style>
+        </p:cxnSp>
+        <p:cxnSp>
+          <p:nvCxnSpPr>
+            <p:cNvPr id="53" name="直接箭头连接符 52">
+              <a:extLst>
+                <a:ext uri="{FF2B5EF4-FFF2-40B4-BE49-F238E27FC236}">
+                  <a16:creationId xmlns:a16="http://schemas.microsoft.com/office/drawing/2014/main" id="{6D2A4F29-B760-443A-910E-3FC351DC9125}"/>
+                </a:ext>
+              </a:extLst>
+            </p:cNvPr>
+            <p:cNvCxnSpPr>
+              <a:cxnSpLocks/>
+            </p:cNvCxnSpPr>
+            <p:nvPr/>
+          </p:nvCxnSpPr>
+          <p:spPr>
+            <a:xfrm flipV="1">
+              <a:off x="2694095" y="3613666"/>
+              <a:ext cx="0" cy="2939534"/>
+            </a:xfrm>
+            <a:prstGeom prst="straightConnector1">
+              <a:avLst/>
+            </a:prstGeom>
+            <a:ln>
+              <a:tailEnd type="triangle"/>
+            </a:ln>
+          </p:spPr>
+          <p:style>
+            <a:lnRef idx="1">
+              <a:schemeClr val="accent1"/>
+            </a:lnRef>
+            <a:fillRef idx="0">
+              <a:schemeClr val="accent1"/>
+            </a:fillRef>
+            <a:effectRef idx="0">
+              <a:schemeClr val="accent1"/>
+            </a:effectRef>
+            <a:fontRef idx="minor">
+              <a:schemeClr val="tx1"/>
+            </a:fontRef>
+          </p:style>
+        </p:cxnSp>
+        <mc:AlternateContent xmlns:mc="http://schemas.openxmlformats.org/markup-compatibility/2006">
+          <mc:Choice xmlns:a14="http://schemas.microsoft.com/office/drawing/2010/main" Requires="a14">
+            <p:sp>
+              <p:nvSpPr>
+                <p:cNvPr id="54" name="文本框 53">
+                  <a:extLst>
+                    <a:ext uri="{FF2B5EF4-FFF2-40B4-BE49-F238E27FC236}">
+                      <a16:creationId xmlns:a16="http://schemas.microsoft.com/office/drawing/2014/main" id="{E5B52903-4F02-4216-A46F-C10045277948}"/>
+                    </a:ext>
+                  </a:extLst>
+                </p:cNvPr>
+                <p:cNvSpPr txBox="1"/>
+                <p:nvPr/>
+              </p:nvSpPr>
+              <p:spPr>
+                <a:xfrm>
+                  <a:off x="4020711" y="5159333"/>
+                  <a:ext cx="338376" cy="321762"/>
+                </a:xfrm>
+                <a:prstGeom prst="rect">
+                  <a:avLst/>
+                </a:prstGeom>
+                <a:noFill/>
+              </p:spPr>
+              <p:txBody>
+                <a:bodyPr wrap="none" lIns="0" tIns="0" rIns="0" bIns="0" rtlCol="0">
+                  <a:spAutoFit/>
+                </a:bodyPr>
+                <a:lstStyle/>
+                <a:p>
+                  <a14:m>
+                    <m:oMathPara xmlns:m="http://schemas.openxmlformats.org/officeDocument/2006/math">
+                      <m:oMathParaPr>
+                        <m:jc m:val="centerGroup"/>
+                      </m:oMathParaPr>
+                      <m:oMath xmlns:m="http://schemas.openxmlformats.org/officeDocument/2006/math">
+                        <m:sSub>
+                          <m:sSubPr>
+                            <m:ctrlPr>
+                              <a:rPr lang="en-US" altLang="zh-CN" sz="1400" b="0" i="1" smtClean="0">
+                                <a:latin typeface="Cambria Math" panose="02040503050406030204" pitchFamily="18" charset="0"/>
+                              </a:rPr>
+                            </m:ctrlPr>
+                          </m:sSubPr>
+                          <m:e>
+                            <m:r>
+                              <a:rPr lang="en-US" altLang="zh-CN" sz="1400" b="0" i="1" smtClean="0">
+                                <a:latin typeface="Cambria Math" panose="02040503050406030204" pitchFamily="18" charset="0"/>
+                              </a:rPr>
+                              <m:t>𝐺</m:t>
+                            </m:r>
+                          </m:e>
+                          <m:sub>
+                            <m:r>
+                              <a:rPr lang="en-US" altLang="zh-CN" sz="1400" b="0" i="1" smtClean="0">
+                                <a:latin typeface="Cambria Math" panose="02040503050406030204" pitchFamily="18" charset="0"/>
+                              </a:rPr>
+                              <m:t>1</m:t>
+                            </m:r>
+                          </m:sub>
+                        </m:sSub>
+                      </m:oMath>
+                    </m:oMathPara>
+                  </a14:m>
+                  <a:endParaRPr lang="zh-CN" altLang="en-US" sz="1400" dirty="0"/>
+                </a:p>
+              </p:txBody>
+            </p:sp>
+          </mc:Choice>
+          <mc:Fallback>
+            <p:sp>
+              <p:nvSpPr>
+                <p:cNvPr id="54" name="文本框 53">
+                  <a:extLst>
+                    <a:ext uri="{FF2B5EF4-FFF2-40B4-BE49-F238E27FC236}">
+                      <a16:creationId xmlns:a16="http://schemas.microsoft.com/office/drawing/2014/main" id="{E5B52903-4F02-4216-A46F-C10045277948}"/>
+                    </a:ext>
+                  </a:extLst>
+                </p:cNvPr>
+                <p:cNvSpPr txBox="1">
+                  <a:spLocks noRot="1" noChangeAspect="1" noMove="1" noResize="1" noEditPoints="1" noAdjustHandles="1" noChangeArrowheads="1" noChangeShapeType="1" noTextEdit="1"/>
+                </p:cNvSpPr>
+                <p:nvPr/>
+              </p:nvSpPr>
+              <p:spPr>
+                <a:xfrm>
+                  <a:off x="4020711" y="5159333"/>
+                  <a:ext cx="338376" cy="321762"/>
+                </a:xfrm>
+                <a:prstGeom prst="rect">
+                  <a:avLst/>
+                </a:prstGeom>
+                <a:blipFill>
+                  <a:blip r:embed="rId5"/>
+                  <a:stretch>
+                    <a:fillRect l="-23529" r="-8824" b="-37931"/>
+                  </a:stretch>
+                </a:blipFill>
+              </p:spPr>
+              <p:txBody>
+                <a:bodyPr/>
+                <a:lstStyle/>
+                <a:p>
+                  <a:r>
+                    <a:rPr lang="zh-CN" altLang="en-US">
+                      <a:noFill/>
+                    </a:rPr>
+                    <a:t> </a:t>
+                  </a:r>
+                </a:p>
+              </p:txBody>
+            </p:sp>
+          </mc:Fallback>
+        </mc:AlternateContent>
+        <mc:AlternateContent xmlns:mc="http://schemas.openxmlformats.org/markup-compatibility/2006">
+          <mc:Choice xmlns:a14="http://schemas.microsoft.com/office/drawing/2010/main" Requires="a14">
+            <p:sp>
+              <p:nvSpPr>
+                <p:cNvPr id="55" name="文本框 54">
+                  <a:extLst>
+                    <a:ext uri="{FF2B5EF4-FFF2-40B4-BE49-F238E27FC236}">
+                      <a16:creationId xmlns:a16="http://schemas.microsoft.com/office/drawing/2014/main" id="{85506E36-4984-47C3-9798-70CCABF94466}"/>
+                    </a:ext>
+                  </a:extLst>
+                </p:cNvPr>
+                <p:cNvSpPr txBox="1"/>
+                <p:nvPr/>
+              </p:nvSpPr>
+              <p:spPr>
+                <a:xfrm>
+                  <a:off x="2728912" y="3565858"/>
+                  <a:ext cx="338376" cy="321762"/>
+                </a:xfrm>
+                <a:prstGeom prst="rect">
+                  <a:avLst/>
+                </a:prstGeom>
+                <a:noFill/>
+              </p:spPr>
+              <p:txBody>
+                <a:bodyPr wrap="none" lIns="0" tIns="0" rIns="0" bIns="0" rtlCol="0">
+                  <a:spAutoFit/>
+                </a:bodyPr>
+                <a:lstStyle/>
+                <a:p>
+                  <a:pPr/>
+                  <a14:m>
+                    <m:oMathPara xmlns:m="http://schemas.openxmlformats.org/officeDocument/2006/math">
+                      <m:oMathParaPr>
+                        <m:jc m:val="centerGroup"/>
+                      </m:oMathParaPr>
+                      <m:oMath xmlns:m="http://schemas.openxmlformats.org/officeDocument/2006/math">
+                        <m:sSubSup>
+                          <m:sSubSupPr>
+                            <m:ctrlPr>
+                              <a:rPr lang="en-US" altLang="zh-CN" sz="1400" b="0" i="1" smtClean="0">
+                                <a:latin typeface="Cambria Math" panose="02040503050406030204" pitchFamily="18" charset="0"/>
+                              </a:rPr>
+                            </m:ctrlPr>
+                          </m:sSubSupPr>
+                          <m:e>
+                            <m:r>
+                              <a:rPr lang="en-US" altLang="zh-CN" sz="1400" b="0" i="1" smtClean="0">
+                                <a:latin typeface="Cambria Math" panose="02040503050406030204" pitchFamily="18" charset="0"/>
+                              </a:rPr>
+                              <m:t>𝐺</m:t>
+                            </m:r>
+                          </m:e>
+                          <m:sub>
+                            <m:r>
+                              <a:rPr lang="en-US" altLang="zh-CN" sz="1400" b="0" i="1" smtClean="0">
+                                <a:latin typeface="Cambria Math" panose="02040503050406030204" pitchFamily="18" charset="0"/>
+                              </a:rPr>
+                              <m:t>1</m:t>
+                            </m:r>
+                          </m:sub>
+                          <m:sup>
+                            <m:r>
+                              <a:rPr lang="en-US" altLang="zh-CN" sz="1400" b="0" i="1" smtClean="0">
+                                <a:latin typeface="Cambria Math" panose="02040503050406030204" pitchFamily="18" charset="0"/>
+                              </a:rPr>
+                              <m:t>′</m:t>
+                            </m:r>
+                          </m:sup>
+                        </m:sSubSup>
+                      </m:oMath>
+                    </m:oMathPara>
+                  </a14:m>
+                  <a:endParaRPr lang="zh-CN" altLang="en-US" sz="1400" dirty="0"/>
+                </a:p>
+              </p:txBody>
+            </p:sp>
+          </mc:Choice>
+          <mc:Fallback>
+            <p:sp>
+              <p:nvSpPr>
+                <p:cNvPr id="55" name="文本框 54">
+                  <a:extLst>
+                    <a:ext uri="{FF2B5EF4-FFF2-40B4-BE49-F238E27FC236}">
+                      <a16:creationId xmlns:a16="http://schemas.microsoft.com/office/drawing/2014/main" id="{85506E36-4984-47C3-9798-70CCABF94466}"/>
+                    </a:ext>
+                  </a:extLst>
+                </p:cNvPr>
+                <p:cNvSpPr txBox="1">
+                  <a:spLocks noRot="1" noChangeAspect="1" noMove="1" noResize="1" noEditPoints="1" noAdjustHandles="1" noChangeArrowheads="1" noChangeShapeType="1" noTextEdit="1"/>
+                </p:cNvSpPr>
+                <p:nvPr/>
+              </p:nvSpPr>
+              <p:spPr>
+                <a:xfrm>
+                  <a:off x="2728912" y="3565858"/>
+                  <a:ext cx="338376" cy="321762"/>
+                </a:xfrm>
+                <a:prstGeom prst="rect">
+                  <a:avLst/>
+                </a:prstGeom>
+                <a:blipFill>
+                  <a:blip r:embed="rId6"/>
+                  <a:stretch>
+                    <a:fillRect l="-23529" r="-8824" b="-41379"/>
+                  </a:stretch>
+                </a:blipFill>
+              </p:spPr>
+              <p:txBody>
+                <a:bodyPr/>
+                <a:lstStyle/>
+                <a:p>
+                  <a:r>
+                    <a:rPr lang="zh-CN" altLang="en-US">
+                      <a:noFill/>
+                    </a:rPr>
+                    <a:t> </a:t>
+                  </a:r>
+                </a:p>
+              </p:txBody>
+            </p:sp>
+          </mc:Fallback>
+        </mc:AlternateContent>
+      </p:grpSp>
+      <p:sp>
+        <p:nvSpPr>
+          <p:cNvPr id="72" name="左大括号 71">
+            <a:extLst>
+              <a:ext uri="{FF2B5EF4-FFF2-40B4-BE49-F238E27FC236}">
+                <a16:creationId xmlns:a16="http://schemas.microsoft.com/office/drawing/2014/main" id="{D25D8B82-E493-4FCE-BD37-4BE0CE1A576A}"/>
+              </a:ext>
+            </a:extLst>
+          </p:cNvPr>
+          <p:cNvSpPr/>
+          <p:nvPr/>
+        </p:nvSpPr>
+        <p:spPr>
+          <a:xfrm rot="5400000">
+            <a:off x="5624714" y="2035663"/>
+            <a:ext cx="293410" cy="4867299"/>
+          </a:xfrm>
+          <a:prstGeom prst="leftBrace">
+            <a:avLst>
+              <a:gd name="adj1" fmla="val 151171"/>
+              <a:gd name="adj2" fmla="val 51478"/>
+            </a:avLst>
+          </a:prstGeom>
+        </p:spPr>
+        <p:style>
+          <a:lnRef idx="1">
+            <a:schemeClr val="accent1"/>
+          </a:lnRef>
+          <a:fillRef idx="0">
+            <a:schemeClr val="accent1"/>
+          </a:fillRef>
+          <a:effectRef idx="0">
+            <a:schemeClr val="accent1"/>
+          </a:effectRef>
+          <a:fontRef idx="minor">
+            <a:schemeClr val="tx1"/>
+          </a:fontRef>
+        </p:style>
+        <p:txBody>
+          <a:bodyPr rtlCol="0" anchor="ctr"/>
+          <a:lstStyle/>
+          <a:p>
+            <a:pPr algn="ctr"/>
+            <a:endParaRPr lang="zh-CN" altLang="en-US"/>
+          </a:p>
+        </p:txBody>
+      </p:sp>
+      <mc:AlternateContent xmlns:mc="http://schemas.openxmlformats.org/markup-compatibility/2006">
+        <mc:Choice xmlns:a14="http://schemas.microsoft.com/office/drawing/2010/main" Requires="a14">
+          <p:sp>
+            <p:nvSpPr>
+              <p:cNvPr id="74" name="文本框 73">
+                <a:extLst>
+                  <a:ext uri="{FF2B5EF4-FFF2-40B4-BE49-F238E27FC236}">
+                    <a16:creationId xmlns:a16="http://schemas.microsoft.com/office/drawing/2014/main" id="{D45DF859-D843-4A78-BEA5-46AC35FBBFDC}"/>
+                  </a:ext>
+                </a:extLst>
+              </p:cNvPr>
+              <p:cNvSpPr txBox="1"/>
+              <p:nvPr/>
+            </p:nvSpPr>
+            <p:spPr>
+              <a:xfrm>
+                <a:off x="5085620" y="3877677"/>
+                <a:ext cx="1276350" cy="369332"/>
+              </a:xfrm>
+              <a:prstGeom prst="rect">
+                <a:avLst/>
+              </a:prstGeom>
+              <a:noFill/>
+            </p:spPr>
+            <p:txBody>
+              <a:bodyPr wrap="square">
+                <a:spAutoFit/>
+              </a:bodyPr>
+              <a:lstStyle/>
+              <a:p>
+                <a:pPr/>
+                <a14:m>
+                  <m:oMath xmlns:m="http://schemas.openxmlformats.org/officeDocument/2006/math">
+                    <m:r>
+                      <a:rPr lang="en-US" altLang="zh-CN" i="1" dirty="0" smtClean="0">
+                        <a:latin typeface="Cambria Math" panose="02040503050406030204" pitchFamily="18" charset="0"/>
+                      </a:rPr>
+                      <m:t>𝑁</m:t>
+                    </m:r>
+                  </m:oMath>
+                </a14:m>
+                <a:r>
+                  <a:rPr lang="zh-CN" altLang="en-US" dirty="0"/>
+                  <a:t> </a:t>
+                </a:r>
+                <a:r>
+                  <a:rPr lang="en-US" altLang="zh-CN" dirty="0"/>
+                  <a:t>2D bins</a:t>
+                </a:r>
+                <a:endParaRPr lang="zh-CN" altLang="en-US" dirty="0"/>
+              </a:p>
+            </p:txBody>
+          </p:sp>
+        </mc:Choice>
+        <mc:Fallback>
+          <p:sp>
+            <p:nvSpPr>
+              <p:cNvPr id="74" name="文本框 73">
+                <a:extLst>
+                  <a:ext uri="{FF2B5EF4-FFF2-40B4-BE49-F238E27FC236}">
+                    <a16:creationId xmlns:a16="http://schemas.microsoft.com/office/drawing/2014/main" id="{D45DF859-D843-4A78-BEA5-46AC35FBBFDC}"/>
+                  </a:ext>
+                </a:extLst>
+              </p:cNvPr>
+              <p:cNvSpPr txBox="1">
+                <a:spLocks noRot="1" noChangeAspect="1" noMove="1" noResize="1" noEditPoints="1" noAdjustHandles="1" noChangeArrowheads="1" noChangeShapeType="1" noTextEdit="1"/>
+              </p:cNvSpPr>
+              <p:nvPr/>
+            </p:nvSpPr>
+            <p:spPr>
+              <a:xfrm>
+                <a:off x="5085620" y="3877677"/>
+                <a:ext cx="1276350" cy="369332"/>
+              </a:xfrm>
+              <a:prstGeom prst="rect">
+                <a:avLst/>
+              </a:prstGeom>
+              <a:blipFill>
+                <a:blip r:embed="rId7"/>
+                <a:stretch>
+                  <a:fillRect t="-8197" b="-24590"/>
+                </a:stretch>
+              </a:blipFill>
+            </p:spPr>
+            <p:txBody>
+              <a:bodyPr/>
+              <a:lstStyle/>
+              <a:p>
+                <a:r>
+                  <a:rPr lang="zh-CN" altLang="en-US">
+                    <a:noFill/>
+                  </a:rPr>
+                  <a:t> </a:t>
+                </a:r>
+              </a:p>
+            </p:txBody>
+          </p:sp>
+        </mc:Fallback>
+      </mc:AlternateContent>
+      <p:sp>
+        <p:nvSpPr>
+          <p:cNvPr id="76" name="文本框 75">
+            <a:extLst>
+              <a:ext uri="{FF2B5EF4-FFF2-40B4-BE49-F238E27FC236}">
+                <a16:creationId xmlns:a16="http://schemas.microsoft.com/office/drawing/2014/main" id="{E621F896-3EAE-4999-A90D-53B546E93A81}"/>
+              </a:ext>
+            </a:extLst>
+          </p:cNvPr>
+          <p:cNvSpPr txBox="1"/>
+          <p:nvPr/>
+        </p:nvSpPr>
+        <p:spPr>
+          <a:xfrm>
+            <a:off x="5598135" y="5513372"/>
+            <a:ext cx="346570" cy="369332"/>
+          </a:xfrm>
+          <a:prstGeom prst="rect">
+            <a:avLst/>
+          </a:prstGeom>
+          <a:noFill/>
+        </p:spPr>
+        <p:txBody>
+          <a:bodyPr wrap="none" rtlCol="0">
+            <a:spAutoFit/>
+          </a:bodyPr>
+          <a:lstStyle/>
+          <a:p>
+            <a:r>
+              <a:rPr lang="en-US" altLang="zh-CN" dirty="0"/>
+              <a:t>…</a:t>
+            </a:r>
+            <a:endParaRPr lang="zh-CN" altLang="en-US" dirty="0"/>
+          </a:p>
+        </p:txBody>
+      </p:sp>
+      <mc:AlternateContent xmlns:mc="http://schemas.openxmlformats.org/markup-compatibility/2006">
+        <mc:Choice xmlns:a14="http://schemas.microsoft.com/office/drawing/2010/main" Requires="a14">
+          <p:sp>
+            <p:nvSpPr>
+              <p:cNvPr id="77" name="文本框 76">
+                <a:extLst>
+                  <a:ext uri="{FF2B5EF4-FFF2-40B4-BE49-F238E27FC236}">
+                    <a16:creationId xmlns:a16="http://schemas.microsoft.com/office/drawing/2014/main" id="{1EDC595C-143B-49BE-9B61-CA53265B6751}"/>
+                  </a:ext>
+                </a:extLst>
+              </p:cNvPr>
+              <p:cNvSpPr txBox="1"/>
+              <p:nvPr/>
+            </p:nvSpPr>
+            <p:spPr>
+              <a:xfrm>
+                <a:off x="3583993" y="3102871"/>
+                <a:ext cx="4374852" cy="277192"/>
+              </a:xfrm>
+              <a:prstGeom prst="rect">
+                <a:avLst/>
+              </a:prstGeom>
+              <a:noFill/>
+            </p:spPr>
+            <p:txBody>
+              <a:bodyPr wrap="none" lIns="0" tIns="0" rIns="0" bIns="0" rtlCol="0">
+                <a:spAutoFit/>
+              </a:bodyPr>
+              <a:lstStyle/>
+              <a:p>
+                <a14:m>
+                  <m:oMath xmlns:m="http://schemas.openxmlformats.org/officeDocument/2006/math">
+                    <m:sSub>
+                      <m:sSubPr>
+                        <m:ctrlPr>
+                          <a:rPr lang="en-US" altLang="zh-CN" sz="1600" i="1" smtClean="0">
+                            <a:latin typeface="Cambria Math" panose="02040503050406030204" pitchFamily="18" charset="0"/>
+                          </a:rPr>
+                        </m:ctrlPr>
+                      </m:sSubPr>
+                      <m:e>
+                        <m:r>
+                          <a:rPr lang="en-US" altLang="zh-CN" sz="1600" i="1">
+                            <a:latin typeface="Cambria Math" panose="02040503050406030204" pitchFamily="18" charset="0"/>
+                          </a:rPr>
+                          <m:t>𝐺</m:t>
+                        </m:r>
+                      </m:e>
+                      <m:sub>
+                        <m:r>
+                          <a:rPr lang="en-US" altLang="zh-CN" sz="1600" i="1">
+                            <a:latin typeface="Cambria Math" panose="02040503050406030204" pitchFamily="18" charset="0"/>
+                          </a:rPr>
+                          <m:t>1/2</m:t>
+                        </m:r>
+                      </m:sub>
+                    </m:sSub>
+                    <m:r>
+                      <a:rPr lang="en-US" altLang="zh-CN" sz="1600" i="1">
+                        <a:latin typeface="Cambria Math" panose="02040503050406030204" pitchFamily="18" charset="0"/>
+                      </a:rPr>
+                      <m:t>=</m:t>
+                    </m:r>
+                    <m:sSub>
+                      <m:sSubPr>
+                        <m:ctrlPr>
+                          <a:rPr lang="en-US" altLang="zh-CN" sz="1600" i="1">
+                            <a:latin typeface="Cambria Math" panose="02040503050406030204" pitchFamily="18" charset="0"/>
+                          </a:rPr>
+                        </m:ctrlPr>
+                      </m:sSubPr>
+                      <m:e>
+                        <m:r>
+                          <a:rPr lang="en-US" altLang="zh-CN" sz="1600" i="1">
+                            <a:latin typeface="Cambria Math" panose="02040503050406030204" pitchFamily="18" charset="0"/>
+                          </a:rPr>
+                          <m:t>𝐺</m:t>
+                        </m:r>
+                      </m:e>
+                      <m:sub>
+                        <m:r>
+                          <a:rPr lang="en-US" altLang="zh-CN" sz="1600" i="1">
+                            <a:latin typeface="Cambria Math" panose="02040503050406030204" pitchFamily="18" charset="0"/>
+                          </a:rPr>
+                          <m:t>1/2</m:t>
+                        </m:r>
+                      </m:sub>
+                    </m:sSub>
+                    <m:r>
+                      <a:rPr lang="en-US" altLang="zh-CN" sz="1600" i="1">
+                        <a:latin typeface="Cambria Math" panose="02040503050406030204" pitchFamily="18" charset="0"/>
+                      </a:rPr>
+                      <m:t>−</m:t>
+                    </m:r>
+                    <m:r>
+                      <a:rPr lang="en-US" altLang="zh-CN" sz="1600" i="1">
+                        <a:latin typeface="Cambria Math" panose="02040503050406030204" pitchFamily="18" charset="0"/>
+                      </a:rPr>
+                      <m:t>𝑔</m:t>
+                    </m:r>
+                    <m:r>
+                      <a:rPr lang="en-US" altLang="zh-CN" sz="1600" i="1">
+                        <a:latin typeface="Cambria Math" panose="02040503050406030204" pitchFamily="18" charset="0"/>
+                      </a:rPr>
+                      <m:t>(</m:t>
+                    </m:r>
+                    <m:r>
+                      <a:rPr lang="en-US" altLang="zh-CN" sz="1600" i="1">
+                        <a:latin typeface="Cambria Math" panose="02040503050406030204" pitchFamily="18" charset="0"/>
+                      </a:rPr>
+                      <m:t>𝑁</m:t>
+                    </m:r>
+                    <m:r>
+                      <a:rPr lang="en-US" altLang="zh-CN" sz="1600" i="1">
+                        <a:latin typeface="Cambria Math" panose="02040503050406030204" pitchFamily="18" charset="0"/>
+                      </a:rPr>
+                      <m:t>±</m:t>
+                    </m:r>
+                    <m:r>
+                      <a:rPr lang="en-US" altLang="zh-CN" sz="1600" i="1">
+                        <a:latin typeface="Cambria Math" panose="02040503050406030204" pitchFamily="18" charset="0"/>
+                      </a:rPr>
+                      <m:t>𝑈</m:t>
+                    </m:r>
+                    <m:r>
+                      <a:rPr lang="en-US" altLang="zh-CN" sz="1600" i="1">
+                        <a:latin typeface="Cambria Math" panose="02040503050406030204" pitchFamily="18" charset="0"/>
+                      </a:rPr>
+                      <m:t>)</m:t>
+                    </m:r>
+                  </m:oMath>
+                </a14:m>
+                <a:r>
+                  <a:rPr lang="en-US" altLang="zh-CN" sz="1600" dirty="0"/>
+                  <a:t>, </a:t>
+                </a:r>
+                <a14:m>
+                  <m:oMath xmlns:m="http://schemas.openxmlformats.org/officeDocument/2006/math">
+                    <m:sSubSup>
+                      <m:sSubSupPr>
+                        <m:ctrlPr>
+                          <a:rPr lang="en-US" altLang="zh-CN" sz="1600" b="0" i="1" smtClean="0">
+                            <a:latin typeface="Cambria Math" panose="02040503050406030204" pitchFamily="18" charset="0"/>
+                          </a:rPr>
+                        </m:ctrlPr>
+                      </m:sSubSupPr>
+                      <m:e>
+                        <m:r>
+                          <a:rPr lang="en-US" altLang="zh-CN" sz="1600" i="1">
+                            <a:latin typeface="Cambria Math" panose="02040503050406030204" pitchFamily="18" charset="0"/>
+                          </a:rPr>
+                          <m:t>𝐺</m:t>
+                        </m:r>
+                      </m:e>
+                      <m:sub>
+                        <m:r>
+                          <a:rPr lang="en-US" altLang="zh-CN" sz="1600" i="1">
+                            <a:latin typeface="Cambria Math" panose="02040503050406030204" pitchFamily="18" charset="0"/>
+                          </a:rPr>
+                          <m:t>1/2</m:t>
+                        </m:r>
+                      </m:sub>
+                      <m:sup>
+                        <m:r>
+                          <a:rPr lang="en-US" altLang="zh-CN" sz="1600" b="0" i="1" smtClean="0">
+                            <a:latin typeface="Cambria Math" panose="02040503050406030204" pitchFamily="18" charset="0"/>
+                          </a:rPr>
+                          <m:t>′</m:t>
+                        </m:r>
+                      </m:sup>
+                    </m:sSubSup>
+                    <m:r>
+                      <a:rPr lang="en-US" altLang="zh-CN" sz="1600" i="1">
+                        <a:latin typeface="Cambria Math" panose="02040503050406030204" pitchFamily="18" charset="0"/>
+                      </a:rPr>
+                      <m:t>=</m:t>
+                    </m:r>
+                    <m:sSubSup>
+                      <m:sSubSupPr>
+                        <m:ctrlPr>
+                          <a:rPr lang="en-US" altLang="zh-CN" sz="1600" b="0" i="1" smtClean="0">
+                            <a:latin typeface="Cambria Math" panose="02040503050406030204" pitchFamily="18" charset="0"/>
+                          </a:rPr>
+                        </m:ctrlPr>
+                      </m:sSubSupPr>
+                      <m:e>
+                        <m:r>
+                          <a:rPr lang="en-US" altLang="zh-CN" sz="1600" i="1">
+                            <a:latin typeface="Cambria Math" panose="02040503050406030204" pitchFamily="18" charset="0"/>
+                          </a:rPr>
+                          <m:t>𝐺</m:t>
+                        </m:r>
+                      </m:e>
+                      <m:sub>
+                        <m:r>
+                          <a:rPr lang="en-US" altLang="zh-CN" sz="1600" i="1">
+                            <a:latin typeface="Cambria Math" panose="02040503050406030204" pitchFamily="18" charset="0"/>
+                          </a:rPr>
+                          <m:t>1/2</m:t>
+                        </m:r>
+                      </m:sub>
+                      <m:sup>
+                        <m:r>
+                          <a:rPr lang="en-US" altLang="zh-CN" sz="1600" b="0" i="1" smtClean="0">
+                            <a:latin typeface="Cambria Math" panose="02040503050406030204" pitchFamily="18" charset="0"/>
+                          </a:rPr>
+                          <m:t>′</m:t>
+                        </m:r>
+                      </m:sup>
+                    </m:sSubSup>
+                    <m:r>
+                      <a:rPr lang="en-US" altLang="zh-CN" sz="1600" i="1">
+                        <a:latin typeface="Cambria Math" panose="02040503050406030204" pitchFamily="18" charset="0"/>
+                      </a:rPr>
+                      <m:t>−</m:t>
+                    </m:r>
+                    <m:sSup>
+                      <m:sSupPr>
+                        <m:ctrlPr>
+                          <a:rPr lang="en-US" altLang="zh-CN" sz="1600" b="0" i="1" smtClean="0">
+                            <a:latin typeface="Cambria Math" panose="02040503050406030204" pitchFamily="18" charset="0"/>
+                          </a:rPr>
+                        </m:ctrlPr>
+                      </m:sSupPr>
+                      <m:e>
+                        <m:r>
+                          <a:rPr lang="en-US" altLang="zh-CN" sz="1600" i="1">
+                            <a:latin typeface="Cambria Math" panose="02040503050406030204" pitchFamily="18" charset="0"/>
+                          </a:rPr>
+                          <m:t>𝑔</m:t>
+                        </m:r>
+                      </m:e>
+                      <m:sup>
+                        <m:r>
+                          <a:rPr lang="en-US" altLang="zh-CN" sz="1600" b="0" i="1" smtClean="0">
+                            <a:latin typeface="Cambria Math" panose="02040503050406030204" pitchFamily="18" charset="0"/>
+                          </a:rPr>
+                          <m:t>′</m:t>
+                        </m:r>
+                      </m:sup>
+                    </m:sSup>
+                    <m:r>
+                      <a:rPr lang="en-US" altLang="zh-CN" sz="1600" i="1">
+                        <a:latin typeface="Cambria Math" panose="02040503050406030204" pitchFamily="18" charset="0"/>
+                      </a:rPr>
+                      <m:t>(</m:t>
+                    </m:r>
+                    <m:r>
+                      <a:rPr lang="en-US" altLang="zh-CN" sz="1600" i="1">
+                        <a:latin typeface="Cambria Math" panose="02040503050406030204" pitchFamily="18" charset="0"/>
+                      </a:rPr>
+                      <m:t>𝑁</m:t>
+                    </m:r>
+                    <m:r>
+                      <a:rPr lang="en-US" altLang="zh-CN" sz="1600" i="1">
+                        <a:latin typeface="Cambria Math" panose="02040503050406030204" pitchFamily="18" charset="0"/>
+                      </a:rPr>
+                      <m:t>±</m:t>
+                    </m:r>
+                    <m:r>
+                      <a:rPr lang="en-US" altLang="zh-CN" sz="1600" i="1">
+                        <a:latin typeface="Cambria Math" panose="02040503050406030204" pitchFamily="18" charset="0"/>
+                      </a:rPr>
+                      <m:t>𝑈</m:t>
+                    </m:r>
+                    <m:r>
+                      <a:rPr lang="en-US" altLang="zh-CN" sz="1600" i="1">
+                        <a:latin typeface="Cambria Math" panose="02040503050406030204" pitchFamily="18" charset="0"/>
+                      </a:rPr>
+                      <m:t>)</m:t>
+                    </m:r>
+                  </m:oMath>
+                </a14:m>
+                <a:endParaRPr lang="zh-CN" altLang="en-US" sz="1600" dirty="0"/>
+              </a:p>
+            </p:txBody>
+          </p:sp>
+        </mc:Choice>
+        <mc:Fallback>
+          <p:sp>
+            <p:nvSpPr>
+              <p:cNvPr id="77" name="文本框 76">
+                <a:extLst>
+                  <a:ext uri="{FF2B5EF4-FFF2-40B4-BE49-F238E27FC236}">
+                    <a16:creationId xmlns:a16="http://schemas.microsoft.com/office/drawing/2014/main" id="{1EDC595C-143B-49BE-9B61-CA53265B6751}"/>
+                  </a:ext>
+                </a:extLst>
+              </p:cNvPr>
+              <p:cNvSpPr txBox="1">
+                <a:spLocks noRot="1" noChangeAspect="1" noMove="1" noResize="1" noEditPoints="1" noAdjustHandles="1" noChangeArrowheads="1" noChangeShapeType="1" noTextEdit="1"/>
+              </p:cNvSpPr>
+              <p:nvPr/>
+            </p:nvSpPr>
+            <p:spPr>
+              <a:xfrm>
+                <a:off x="3583993" y="3102871"/>
+                <a:ext cx="4374852" cy="277192"/>
+              </a:xfrm>
+              <a:prstGeom prst="rect">
+                <a:avLst/>
+              </a:prstGeom>
+              <a:blipFill>
+                <a:blip r:embed="rId8"/>
+                <a:stretch>
+                  <a:fillRect l="-1671" t="-20000" r="-975" b="-37778"/>
+                </a:stretch>
+              </a:blipFill>
+            </p:spPr>
+            <p:txBody>
+              <a:bodyPr/>
+              <a:lstStyle/>
+              <a:p>
+                <a:r>
+                  <a:rPr lang="zh-CN" altLang="en-US">
+                    <a:noFill/>
+                  </a:rPr>
+                  <a:t> </a:t>
+                </a:r>
+              </a:p>
+            </p:txBody>
+          </p:sp>
+        </mc:Fallback>
+      </mc:AlternateContent>
+    </p:spTree>
+    <p:extLst>
+      <p:ext uri="{BB962C8B-B14F-4D97-AF65-F5344CB8AC3E}">
+        <p14:creationId xmlns:p14="http://schemas.microsoft.com/office/powerpoint/2010/main" val="2275564391"/>
+      </p:ext>
+    </p:extLst>
+  </p:cSld>
+  <p:clrMapOvr>
+    <a:masterClrMapping/>
+  </p:clrMapOvr>
+</p:sld>
+</file>
+
+<file path=ppt/slides/slide6.xml><?xml version="1.0" encoding="utf-8"?>
 <p:sld xmlns:a="http://schemas.openxmlformats.org/drawingml/2006/main" xmlns:r="http://schemas.openxmlformats.org/officeDocument/2006/relationships" xmlns:p="http://schemas.openxmlformats.org/presentationml/2006/main">
   <p:cSld>
     <p:spTree>
@@ -6798,42 +12631,6 @@
             <a:r>
               <a:rPr lang="en-US" altLang="zh-CN" dirty="0"/>
               <a:t>The result file, exposure-wise</a:t>
-            </a:r>
-            <a:endParaRPr lang="zh-CN" altLang="en-US" dirty="0"/>
-          </a:p>
-        </p:txBody>
-      </p:sp>
-      <p:sp>
-        <p:nvSpPr>
-          <p:cNvPr id="5" name="文本框 4">
-            <a:extLst>
-              <a:ext uri="{FF2B5EF4-FFF2-40B4-BE49-F238E27FC236}">
-                <a16:creationId xmlns:a16="http://schemas.microsoft.com/office/drawing/2014/main" id="{15B69B17-57E1-46DD-92CF-B54926C6313A}"/>
-              </a:ext>
-            </a:extLst>
-          </p:cNvPr>
-          <p:cNvSpPr txBox="1"/>
-          <p:nvPr/>
-        </p:nvSpPr>
-        <p:spPr>
-          <a:xfrm>
-            <a:off x="177553" y="435006"/>
-            <a:ext cx="8670963" cy="369332"/>
-          </a:xfrm>
-          <a:prstGeom prst="rect">
-            <a:avLst/>
-          </a:prstGeom>
-          <a:noFill/>
-        </p:spPr>
-        <p:txBody>
-          <a:bodyPr wrap="none" rtlCol="0">
-            <a:spAutoFit/>
-          </a:bodyPr>
-          <a:lstStyle/>
-          <a:p>
-            <a:r>
-              <a:rPr lang="en-US" altLang="zh-CN" dirty="0"/>
-              <a:t>like “w3m2m0-793065p_num_count.hdf5, w3m2m0-793065p_num_count_zstack.hdf5”</a:t>
             </a:r>
             <a:endParaRPr lang="zh-CN" altLang="en-US" dirty="0"/>
           </a:p>
@@ -7732,94 +13529,6 @@
           </mc:Fallback>
         </mc:AlternateContent>
       </p:grpSp>
-      <p:cxnSp>
-        <p:nvCxnSpPr>
-          <p:cNvPr id="23" name="直接箭头连接符 22">
-            <a:extLst>
-              <a:ext uri="{FF2B5EF4-FFF2-40B4-BE49-F238E27FC236}">
-                <a16:creationId xmlns:a16="http://schemas.microsoft.com/office/drawing/2014/main" id="{89F19A1F-5259-47AC-B810-A9594433C07A}"/>
-              </a:ext>
-            </a:extLst>
-          </p:cNvPr>
-          <p:cNvCxnSpPr>
-            <a:cxnSpLocks/>
-          </p:cNvCxnSpPr>
-          <p:nvPr/>
-        </p:nvCxnSpPr>
-        <p:spPr>
-          <a:xfrm flipH="1">
-            <a:off x="2646215" y="809575"/>
-            <a:ext cx="1" cy="430693"/>
-          </a:xfrm>
-          <a:prstGeom prst="straightConnector1">
-            <a:avLst/>
-          </a:prstGeom>
-          <a:ln>
-            <a:tailEnd type="triangle"/>
-          </a:ln>
-        </p:spPr>
-        <p:style>
-          <a:lnRef idx="1">
-            <a:schemeClr val="accent1"/>
-          </a:lnRef>
-          <a:fillRef idx="0">
-            <a:schemeClr val="accent1"/>
-          </a:fillRef>
-          <a:effectRef idx="0">
-            <a:schemeClr val="accent1"/>
-          </a:effectRef>
-          <a:fontRef idx="minor">
-            <a:schemeClr val="tx1"/>
-          </a:fontRef>
-        </p:style>
-      </p:cxnSp>
-      <p:sp>
-        <p:nvSpPr>
-          <p:cNvPr id="25" name="矩形: 圆角 24">
-            <a:extLst>
-              <a:ext uri="{FF2B5EF4-FFF2-40B4-BE49-F238E27FC236}">
-                <a16:creationId xmlns:a16="http://schemas.microsoft.com/office/drawing/2014/main" id="{ADF97B06-0082-4F6D-94F6-39911BB0A933}"/>
-              </a:ext>
-            </a:extLst>
-          </p:cNvPr>
-          <p:cNvSpPr/>
-          <p:nvPr/>
-        </p:nvSpPr>
-        <p:spPr>
-          <a:xfrm>
-            <a:off x="417919" y="1224340"/>
-            <a:ext cx="4696943" cy="5315113"/>
-          </a:xfrm>
-          <a:prstGeom prst="roundRect">
-            <a:avLst/>
-          </a:prstGeom>
-          <a:noFill/>
-        </p:spPr>
-        <p:style>
-          <a:lnRef idx="2">
-            <a:schemeClr val="accent1">
-              <a:shade val="50000"/>
-            </a:schemeClr>
-          </a:lnRef>
-          <a:fillRef idx="1">
-            <a:schemeClr val="accent1"/>
-          </a:fillRef>
-          <a:effectRef idx="0">
-            <a:schemeClr val="accent1"/>
-          </a:effectRef>
-          <a:fontRef idx="minor">
-            <a:schemeClr val="lt1"/>
-          </a:fontRef>
-        </p:style>
-        <p:txBody>
-          <a:bodyPr rtlCol="0" anchor="ctr"/>
-          <a:lstStyle/>
-          <a:p>
-            <a:pPr algn="ctr"/>
-            <a:endParaRPr lang="zh-CN" altLang="en-US"/>
-          </a:p>
-        </p:txBody>
-      </p:sp>
       <p:grpSp>
         <p:nvGrpSpPr>
           <p:cNvPr id="26" name="组合 25">
@@ -8740,96 +14449,8 @@
           </mc:Fallback>
         </mc:AlternateContent>
       </p:grpSp>
-      <p:cxnSp>
-        <p:nvCxnSpPr>
-          <p:cNvPr id="37" name="直接箭头连接符 36">
-            <a:extLst>
-              <a:ext uri="{FF2B5EF4-FFF2-40B4-BE49-F238E27FC236}">
-                <a16:creationId xmlns:a16="http://schemas.microsoft.com/office/drawing/2014/main" id="{8302E2BB-B1CA-4D57-82A8-70B91EEA94D7}"/>
-              </a:ext>
-            </a:extLst>
-          </p:cNvPr>
-          <p:cNvCxnSpPr>
-            <a:cxnSpLocks/>
-          </p:cNvCxnSpPr>
-          <p:nvPr/>
-        </p:nvCxnSpPr>
-        <p:spPr>
-          <a:xfrm>
-            <a:off x="7199790" y="804338"/>
-            <a:ext cx="2064664" cy="496367"/>
-          </a:xfrm>
-          <a:prstGeom prst="straightConnector1">
-            <a:avLst/>
-          </a:prstGeom>
-          <a:ln>
-            <a:tailEnd type="triangle"/>
-          </a:ln>
-        </p:spPr>
-        <p:style>
-          <a:lnRef idx="1">
-            <a:schemeClr val="accent1"/>
-          </a:lnRef>
-          <a:fillRef idx="0">
-            <a:schemeClr val="accent1"/>
-          </a:fillRef>
-          <a:effectRef idx="0">
-            <a:schemeClr val="accent1"/>
-          </a:effectRef>
-          <a:fontRef idx="minor">
-            <a:schemeClr val="tx1"/>
-          </a:fontRef>
-        </p:style>
-      </p:cxnSp>
-      <p:sp>
-        <p:nvSpPr>
-          <p:cNvPr id="38" name="矩形: 圆角 37">
-            <a:extLst>
-              <a:ext uri="{FF2B5EF4-FFF2-40B4-BE49-F238E27FC236}">
-                <a16:creationId xmlns:a16="http://schemas.microsoft.com/office/drawing/2014/main" id="{5AC8EFBA-0DC1-424E-99B3-C7F0F47CB976}"/>
-              </a:ext>
-            </a:extLst>
-          </p:cNvPr>
-          <p:cNvSpPr/>
-          <p:nvPr/>
-        </p:nvSpPr>
-        <p:spPr>
-          <a:xfrm>
-            <a:off x="7036157" y="1284777"/>
-            <a:ext cx="4737905" cy="5315113"/>
-          </a:xfrm>
-          <a:prstGeom prst="roundRect">
-            <a:avLst/>
-          </a:prstGeom>
-          <a:noFill/>
-        </p:spPr>
-        <p:style>
-          <a:lnRef idx="2">
-            <a:schemeClr val="accent1">
-              <a:shade val="50000"/>
-            </a:schemeClr>
-          </a:lnRef>
-          <a:fillRef idx="1">
-            <a:schemeClr val="accent1"/>
-          </a:fillRef>
-          <a:effectRef idx="0">
-            <a:schemeClr val="accent1"/>
-          </a:effectRef>
-          <a:fontRef idx="minor">
-            <a:schemeClr val="lt1"/>
-          </a:fontRef>
-        </p:style>
-        <p:txBody>
-          <a:bodyPr rtlCol="0" anchor="ctr"/>
-          <a:lstStyle/>
-          <a:p>
-            <a:pPr algn="ctr"/>
-            <a:endParaRPr lang="zh-CN" altLang="en-US"/>
-          </a:p>
-        </p:txBody>
-      </p:sp>
-      <mc:AlternateContent xmlns:mc="http://schemas.openxmlformats.org/markup-compatibility/2006" xmlns:a14="http://schemas.microsoft.com/office/drawing/2010/main">
-        <mc:Choice Requires="a14">
+      <mc:AlternateContent xmlns:mc="http://schemas.openxmlformats.org/markup-compatibility/2006">
+        <mc:Choice xmlns:a14="http://schemas.microsoft.com/office/drawing/2010/main" Requires="a14">
           <p:sp>
             <p:nvSpPr>
               <p:cNvPr id="40" name="文本框 39">
@@ -8844,7 +14465,7 @@
             </p:nvSpPr>
             <p:spPr>
               <a:xfrm>
-                <a:off x="5179898" y="3754474"/>
+                <a:off x="4860747" y="3820352"/>
                 <a:ext cx="2331664" cy="391646"/>
               </a:xfrm>
               <a:prstGeom prst="rect">
@@ -8990,7 +14611,7 @@
             </p:txBody>
           </p:sp>
         </mc:Choice>
-        <mc:Fallback xmlns="">
+        <mc:Fallback>
           <p:sp>
             <p:nvSpPr>
               <p:cNvPr id="40" name="文本框 39">
@@ -9007,7 +14628,7 @@
             </p:nvSpPr>
             <p:spPr>
               <a:xfrm>
-                <a:off x="5179898" y="3754474"/>
+                <a:off x="4860747" y="3820352"/>
                 <a:ext cx="2331664" cy="391646"/>
               </a:xfrm>
               <a:prstGeom prst="rect">
@@ -9134,8 +14755,8 @@
           </a:p>
         </p:txBody>
       </p:sp>
-      <mc:AlternateContent xmlns:mc="http://schemas.openxmlformats.org/markup-compatibility/2006" xmlns:a14="http://schemas.microsoft.com/office/drawing/2010/main">
-        <mc:Choice Requires="a14">
+      <mc:AlternateContent xmlns:mc="http://schemas.openxmlformats.org/markup-compatibility/2006">
+        <mc:Choice xmlns:a14="http://schemas.microsoft.com/office/drawing/2010/main" Requires="a14">
           <p:sp>
             <p:nvSpPr>
               <p:cNvPr id="44" name="文本框 43">
@@ -9150,7 +14771,7 @@
             </p:nvSpPr>
             <p:spPr>
               <a:xfrm>
-                <a:off x="1511809" y="4531684"/>
+                <a:off x="1540138" y="4407517"/>
                 <a:ext cx="1254581" cy="391646"/>
               </a:xfrm>
               <a:prstGeom prst="rect">
@@ -9213,7 +14834,7 @@
             </p:txBody>
           </p:sp>
         </mc:Choice>
-        <mc:Fallback xmlns="">
+        <mc:Fallback>
           <p:sp>
             <p:nvSpPr>
               <p:cNvPr id="44" name="文本框 43">
@@ -9230,7 +14851,7 @@
             </p:nvSpPr>
             <p:spPr>
               <a:xfrm>
-                <a:off x="1511809" y="4531684"/>
+                <a:off x="1540138" y="4407517"/>
                 <a:ext cx="1254581" cy="391646"/>
               </a:xfrm>
               <a:prstGeom prst="rect">
@@ -9239,7 +14860,7 @@
               <a:blipFill>
                 <a:blip r:embed="rId13"/>
                 <a:stretch>
-                  <a:fillRect b="-7692"/>
+                  <a:fillRect b="-9375"/>
                 </a:stretch>
               </a:blipFill>
             </p:spPr>
@@ -9311,8 +14932,8 @@
           </a:p>
         </p:txBody>
       </p:sp>
-      <mc:AlternateContent xmlns:mc="http://schemas.openxmlformats.org/markup-compatibility/2006" xmlns:a14="http://schemas.microsoft.com/office/drawing/2010/main">
-        <mc:Choice Requires="a14">
+      <mc:AlternateContent xmlns:mc="http://schemas.openxmlformats.org/markup-compatibility/2006">
+        <mc:Choice xmlns:a14="http://schemas.microsoft.com/office/drawing/2010/main" Requires="a14">
           <p:sp>
             <p:nvSpPr>
               <p:cNvPr id="48" name="文本框 47">
@@ -9327,7 +14948,7 @@
             </p:nvSpPr>
             <p:spPr>
               <a:xfrm>
-                <a:off x="8175829" y="4581294"/>
+                <a:off x="8174517" y="4448740"/>
                 <a:ext cx="1254581" cy="391646"/>
               </a:xfrm>
               <a:prstGeom prst="rect">
@@ -9390,7 +15011,7 @@
             </p:txBody>
           </p:sp>
         </mc:Choice>
-        <mc:Fallback xmlns="">
+        <mc:Fallback>
           <p:sp>
             <p:nvSpPr>
               <p:cNvPr id="48" name="文本框 47">
@@ -9407,7 +15028,7 @@
             </p:nvSpPr>
             <p:spPr>
               <a:xfrm>
-                <a:off x="8175829" y="4581294"/>
+                <a:off x="8174517" y="4448740"/>
                 <a:ext cx="1254581" cy="391646"/>
               </a:xfrm>
               <a:prstGeom prst="rect">
@@ -9448,7 +15069,7 @@
 </p:sld>
 </file>
 
-<file path=ppt/slides/slide6.xml><?xml version="1.0" encoding="utf-8"?>
+<file path=ppt/slides/slide7.xml><?xml version="1.0" encoding="utf-8"?>
 <p:sld xmlns:a="http://schemas.openxmlformats.org/drawingml/2006/main" xmlns:r="http://schemas.openxmlformats.org/officeDocument/2006/relationships" xmlns:p="http://schemas.openxmlformats.org/presentationml/2006/main">
   <p:cSld>
     <p:spTree>
@@ -17257,78 +22878,6 @@
           </a:p>
         </p:txBody>
       </p:sp>
-      <p:sp>
-        <p:nvSpPr>
-          <p:cNvPr id="169" name="文本框 168">
-            <a:extLst>
-              <a:ext uri="{FF2B5EF4-FFF2-40B4-BE49-F238E27FC236}">
-                <a16:creationId xmlns:a16="http://schemas.microsoft.com/office/drawing/2014/main" id="{6E9FC274-D80B-4889-A61E-345657976E99}"/>
-              </a:ext>
-            </a:extLst>
-          </p:cNvPr>
-          <p:cNvSpPr txBox="1"/>
-          <p:nvPr/>
-        </p:nvSpPr>
-        <p:spPr>
-          <a:xfrm>
-            <a:off x="282975" y="4089874"/>
-            <a:ext cx="3855127" cy="369332"/>
-          </a:xfrm>
-          <a:prstGeom prst="rect">
-            <a:avLst/>
-          </a:prstGeom>
-          <a:noFill/>
-        </p:spPr>
-        <p:txBody>
-          <a:bodyPr wrap="square">
-            <a:spAutoFit/>
-          </a:bodyPr>
-          <a:lstStyle/>
-          <a:p>
-            <a:r>
-              <a:rPr lang="en-US" altLang="zh-CN" dirty="0"/>
-              <a:t>w3m2m0-793065p_num_count.hdf5</a:t>
-            </a:r>
-            <a:endParaRPr lang="zh-CN" altLang="en-US" dirty="0"/>
-          </a:p>
-        </p:txBody>
-      </p:sp>
-      <p:sp>
-        <p:nvSpPr>
-          <p:cNvPr id="171" name="文本框 170">
-            <a:extLst>
-              <a:ext uri="{FF2B5EF4-FFF2-40B4-BE49-F238E27FC236}">
-                <a16:creationId xmlns:a16="http://schemas.microsoft.com/office/drawing/2014/main" id="{4683E1FD-9C92-4969-AE1A-FF5B51BB75F3}"/>
-              </a:ext>
-            </a:extLst>
-          </p:cNvPr>
-          <p:cNvSpPr txBox="1"/>
-          <p:nvPr/>
-        </p:nvSpPr>
-        <p:spPr>
-          <a:xfrm>
-            <a:off x="4480262" y="4089874"/>
-            <a:ext cx="4778406" cy="369332"/>
-          </a:xfrm>
-          <a:prstGeom prst="rect">
-            <a:avLst/>
-          </a:prstGeom>
-          <a:noFill/>
-        </p:spPr>
-        <p:txBody>
-          <a:bodyPr wrap="square">
-            <a:spAutoFit/>
-          </a:bodyPr>
-          <a:lstStyle/>
-          <a:p>
-            <a:r>
-              <a:rPr lang="en-US" altLang="zh-CN" dirty="0"/>
-              <a:t>w3m2m0-793065p_num_count_zstack.hdf5</a:t>
-            </a:r>
-            <a:endParaRPr lang="zh-CN" altLang="en-US" dirty="0"/>
-          </a:p>
-        </p:txBody>
-      </p:sp>
     </p:spTree>
     <p:extLst>
       <p:ext uri="{BB962C8B-B14F-4D97-AF65-F5344CB8AC3E}">
@@ -17342,7 +22891,7 @@
 </p:sld>
 </file>
 
-<file path=ppt/slides/slide7.xml><?xml version="1.0" encoding="utf-8"?>
+<file path=ppt/slides/slide8.xml><?xml version="1.0" encoding="utf-8"?>
 <p:sld xmlns:a="http://schemas.openxmlformats.org/drawingml/2006/main" xmlns:r="http://schemas.openxmlformats.org/officeDocument/2006/relationships" xmlns:p="http://schemas.openxmlformats.org/presentationml/2006/main">
   <p:cSld>
     <p:spTree>

--- a/correlation/Fourier_Quad/data_structure.pptx
+++ b/correlation/Fourier_Quad/data_structure.pptx
@@ -8094,8 +8094,8 @@
           </a:prstGeom>
         </p:spPr>
       </p:pic>
-      <mc:AlternateContent xmlns:mc="http://schemas.openxmlformats.org/markup-compatibility/2006">
-        <mc:Choice xmlns:a14="http://schemas.microsoft.com/office/drawing/2010/main" Requires="a14">
+      <mc:AlternateContent xmlns:mc="http://schemas.openxmlformats.org/markup-compatibility/2006" xmlns:a14="http://schemas.microsoft.com/office/drawing/2010/main">
+        <mc:Choice Requires="a14">
           <p:sp>
             <p:nvSpPr>
               <p:cNvPr id="28" name="文本框 27">
@@ -8124,6 +8124,7 @@
               </a:bodyPr>
               <a:lstStyle/>
               <a:p>
+                <a:pPr/>
                 <a14:m>
                   <m:oMathPara xmlns:m="http://schemas.openxmlformats.org/officeDocument/2006/math">
                     <m:oMathParaPr>
@@ -8342,7 +8343,7 @@
             </p:txBody>
           </p:sp>
         </mc:Choice>
-        <mc:Fallback>
+        <mc:Fallback xmlns="">
           <p:sp>
             <p:nvSpPr>
               <p:cNvPr id="28" name="文本框 27">
@@ -8387,8 +8388,8 @@
           </p:sp>
         </mc:Fallback>
       </mc:AlternateContent>
-      <mc:AlternateContent xmlns:mc="http://schemas.openxmlformats.org/markup-compatibility/2006">
-        <mc:Choice xmlns:a14="http://schemas.microsoft.com/office/drawing/2010/main" Requires="a14">
+      <mc:AlternateContent xmlns:mc="http://schemas.openxmlformats.org/markup-compatibility/2006" xmlns:a14="http://schemas.microsoft.com/office/drawing/2010/main">
+        <mc:Choice Requires="a14">
           <p:sp>
             <p:nvSpPr>
               <p:cNvPr id="30" name="文本框 29">
@@ -8562,7 +8563,7 @@
             </p:txBody>
           </p:sp>
         </mc:Choice>
-        <mc:Fallback>
+        <mc:Fallback xmlns="">
           <p:sp>
             <p:nvSpPr>
               <p:cNvPr id="30" name="文本框 29">
@@ -8732,8 +8733,8 @@
           </a:p>
         </p:txBody>
       </p:sp>
-      <mc:AlternateContent xmlns:mc="http://schemas.openxmlformats.org/markup-compatibility/2006">
-        <mc:Choice xmlns:a14="http://schemas.microsoft.com/office/drawing/2010/main" Requires="a14">
+      <mc:AlternateContent xmlns:mc="http://schemas.openxmlformats.org/markup-compatibility/2006" xmlns:a14="http://schemas.microsoft.com/office/drawing/2010/main">
+        <mc:Choice Requires="a14">
           <p:sp>
             <p:nvSpPr>
               <p:cNvPr id="35" name="文本框 34">
@@ -8856,7 +8857,7 @@
             </p:txBody>
           </p:sp>
         </mc:Choice>
-        <mc:Fallback>
+        <mc:Fallback xmlns="">
           <p:sp>
             <p:nvSpPr>
               <p:cNvPr id="35" name="文本框 34">
@@ -9046,8 +9047,8 @@
           </a:p>
         </p:txBody>
       </p:sp>
-      <mc:AlternateContent xmlns:mc="http://schemas.openxmlformats.org/markup-compatibility/2006">
-        <mc:Choice xmlns:a14="http://schemas.microsoft.com/office/drawing/2010/main" Requires="a14">
+      <mc:AlternateContent xmlns:mc="http://schemas.openxmlformats.org/markup-compatibility/2006" xmlns:a14="http://schemas.microsoft.com/office/drawing/2010/main">
+        <mc:Choice Requires="a14">
           <p:sp>
             <p:nvSpPr>
               <p:cNvPr id="6" name="文本框 5">
@@ -9176,7 +9177,7 @@
             </p:txBody>
           </p:sp>
         </mc:Choice>
-        <mc:Fallback>
+        <mc:Fallback xmlns="">
           <p:sp>
             <p:nvSpPr>
               <p:cNvPr id="6" name="文本框 5">
@@ -9221,8 +9222,8 @@
           </p:sp>
         </mc:Fallback>
       </mc:AlternateContent>
-      <mc:AlternateContent xmlns:mc="http://schemas.openxmlformats.org/markup-compatibility/2006">
-        <mc:Choice xmlns:a14="http://schemas.microsoft.com/office/drawing/2010/main" Requires="a14">
+      <mc:AlternateContent xmlns:mc="http://schemas.openxmlformats.org/markup-compatibility/2006" xmlns:a14="http://schemas.microsoft.com/office/drawing/2010/main">
+        <mc:Choice Requires="a14">
           <p:sp>
             <p:nvSpPr>
               <p:cNvPr id="7" name="文本框 6">
@@ -9251,6 +9252,7 @@
               </a:bodyPr>
               <a:lstStyle/>
               <a:p>
+                <a:pPr/>
                 <a14:m>
                   <m:oMathPara xmlns:m="http://schemas.openxmlformats.org/officeDocument/2006/math">
                     <m:oMathParaPr>
@@ -9654,7 +9656,7 @@
             </p:txBody>
           </p:sp>
         </mc:Choice>
-        <mc:Fallback>
+        <mc:Fallback xmlns="">
           <p:sp>
             <p:nvSpPr>
               <p:cNvPr id="7" name="文本框 6">
@@ -10606,7 +10608,7 @@
               <a:lstStyle/>
               <a:p>
                 <a:pPr algn="ctr"/>
-                <a:endParaRPr lang="zh-CN" altLang="en-US"/>
+                <a:endParaRPr lang="zh-CN" altLang="en-US" dirty="0"/>
               </a:p>
             </p:txBody>
           </p:sp>
@@ -10693,8 +10695,8 @@
             </a:fontRef>
           </p:style>
         </p:cxnSp>
-        <mc:AlternateContent xmlns:mc="http://schemas.openxmlformats.org/markup-compatibility/2006">
-          <mc:Choice xmlns:a14="http://schemas.microsoft.com/office/drawing/2010/main" Requires="a14">
+        <mc:AlternateContent xmlns:mc="http://schemas.openxmlformats.org/markup-compatibility/2006" xmlns:a14="http://schemas.microsoft.com/office/drawing/2010/main">
+          <mc:Choice Requires="a14">
             <p:sp>
               <p:nvSpPr>
                 <p:cNvPr id="45" name="文本框 44">
@@ -10723,6 +10725,7 @@
                 </a:bodyPr>
                 <a:lstStyle/>
                 <a:p>
+                  <a:pPr/>
                   <a14:m>
                     <m:oMathPara xmlns:m="http://schemas.openxmlformats.org/officeDocument/2006/math">
                       <m:oMathParaPr>
@@ -10762,7 +10765,7 @@
               </p:txBody>
             </p:sp>
           </mc:Choice>
-          <mc:Fallback>
+          <mc:Fallback xmlns="">
             <p:sp>
               <p:nvSpPr>
                 <p:cNvPr id="45" name="文本框 44">
@@ -10807,8 +10810,8 @@
             </p:sp>
           </mc:Fallback>
         </mc:AlternateContent>
-        <mc:AlternateContent xmlns:mc="http://schemas.openxmlformats.org/markup-compatibility/2006">
-          <mc:Choice xmlns:a14="http://schemas.microsoft.com/office/drawing/2010/main" Requires="a14">
+        <mc:AlternateContent xmlns:mc="http://schemas.openxmlformats.org/markup-compatibility/2006" xmlns:a14="http://schemas.microsoft.com/office/drawing/2010/main">
+          <mc:Choice Requires="a14">
             <p:sp>
               <p:nvSpPr>
                 <p:cNvPr id="47" name="文本框 46">
@@ -10885,7 +10888,7 @@
               </p:txBody>
             </p:sp>
           </mc:Choice>
-          <mc:Fallback>
+          <mc:Fallback xmlns="">
             <p:sp>
               <p:nvSpPr>
                 <p:cNvPr id="47" name="文本框 46">
@@ -10966,9 +10969,9 @@
           <p:grpSpPr>
             <a:xfrm>
               <a:off x="1628775" y="3877186"/>
-              <a:ext cx="2144462" cy="1247315"/>
+              <a:ext cx="2134260" cy="1247315"/>
               <a:chOff x="1686759" y="1185167"/>
-              <a:chExt cx="3931518" cy="1970844"/>
+              <a:chExt cx="3912815" cy="1970844"/>
             </a:xfrm>
           </p:grpSpPr>
           <p:sp>
@@ -11220,8 +11223,8 @@
             </p:nvSpPr>
             <p:spPr>
               <a:xfrm>
-                <a:off x="3639847" y="2170589"/>
-                <a:ext cx="976544" cy="985422"/>
+                <a:off x="3667292" y="2170589"/>
+                <a:ext cx="976543" cy="985422"/>
               </a:xfrm>
               <a:prstGeom prst="rect">
                 <a:avLst/>
@@ -11314,8 +11317,8 @@
             </p:nvSpPr>
             <p:spPr>
               <a:xfrm>
-                <a:off x="4641734" y="2170589"/>
-                <a:ext cx="976543" cy="985422"/>
+                <a:off x="4669180" y="2170589"/>
+                <a:ext cx="930394" cy="985422"/>
               </a:xfrm>
               <a:prstGeom prst="rect">
                 <a:avLst/>
@@ -11343,7 +11346,7 @@
               <a:lstStyle/>
               <a:p>
                 <a:pPr algn="ctr"/>
-                <a:endParaRPr lang="zh-CN" altLang="en-US"/>
+                <a:endParaRPr lang="zh-CN" altLang="en-US" dirty="0"/>
               </a:p>
             </p:txBody>
           </p:sp>
@@ -11664,7 +11667,7 @@
             </p:nvSpPr>
             <p:spPr>
               <a:xfrm>
-                <a:off x="4616391" y="1185167"/>
+                <a:off x="4616393" y="1185167"/>
                 <a:ext cx="976544" cy="985422"/>
               </a:xfrm>
               <a:prstGeom prst="rect">
@@ -11693,7 +11696,7 @@
               <a:lstStyle/>
               <a:p>
                 <a:pPr algn="ctr"/>
-                <a:endParaRPr lang="zh-CN" altLang="en-US"/>
+                <a:endParaRPr lang="zh-CN" altLang="en-US" dirty="0"/>
               </a:p>
             </p:txBody>
           </p:sp>
@@ -11740,7 +11743,7 @@
               <a:lstStyle/>
               <a:p>
                 <a:pPr algn="ctr"/>
-                <a:endParaRPr lang="zh-CN" altLang="en-US"/>
+                <a:endParaRPr lang="zh-CN" altLang="en-US" dirty="0"/>
               </a:p>
             </p:txBody>
           </p:sp>
@@ -11827,8 +11830,8 @@
             </a:fontRef>
           </p:style>
         </p:cxnSp>
-        <mc:AlternateContent xmlns:mc="http://schemas.openxmlformats.org/markup-compatibility/2006">
-          <mc:Choice xmlns:a14="http://schemas.microsoft.com/office/drawing/2010/main" Requires="a14">
+        <mc:AlternateContent xmlns:mc="http://schemas.openxmlformats.org/markup-compatibility/2006" xmlns:a14="http://schemas.microsoft.com/office/drawing/2010/main">
+          <mc:Choice Requires="a14">
             <p:sp>
               <p:nvSpPr>
                 <p:cNvPr id="54" name="文本框 53">
@@ -11857,6 +11860,7 @@
                 </a:bodyPr>
                 <a:lstStyle/>
                 <a:p>
+                  <a:pPr/>
                   <a14:m>
                     <m:oMathPara xmlns:m="http://schemas.openxmlformats.org/officeDocument/2006/math">
                       <m:oMathParaPr>
@@ -11896,7 +11900,7 @@
               </p:txBody>
             </p:sp>
           </mc:Choice>
-          <mc:Fallback>
+          <mc:Fallback xmlns="">
             <p:sp>
               <p:nvSpPr>
                 <p:cNvPr id="54" name="文本框 53">
@@ -11941,8 +11945,8 @@
             </p:sp>
           </mc:Fallback>
         </mc:AlternateContent>
-        <mc:AlternateContent xmlns:mc="http://schemas.openxmlformats.org/markup-compatibility/2006">
-          <mc:Choice xmlns:a14="http://schemas.microsoft.com/office/drawing/2010/main" Requires="a14">
+        <mc:AlternateContent xmlns:mc="http://schemas.openxmlformats.org/markup-compatibility/2006" xmlns:a14="http://schemas.microsoft.com/office/drawing/2010/main">
+          <mc:Choice Requires="a14">
             <p:sp>
               <p:nvSpPr>
                 <p:cNvPr id="55" name="文本框 54">
@@ -12019,7 +12023,7 @@
               </p:txBody>
             </p:sp>
           </mc:Choice>
-          <mc:Fallback>
+          <mc:Fallback xmlns="">
             <p:sp>
               <p:nvSpPr>
                 <p:cNvPr id="55" name="文本框 54">
@@ -12112,8 +12116,8 @@
           </a:p>
         </p:txBody>
       </p:sp>
-      <mc:AlternateContent xmlns:mc="http://schemas.openxmlformats.org/markup-compatibility/2006">
-        <mc:Choice xmlns:a14="http://schemas.microsoft.com/office/drawing/2010/main" Requires="a14">
+      <mc:AlternateContent xmlns:mc="http://schemas.openxmlformats.org/markup-compatibility/2006" xmlns:a14="http://schemas.microsoft.com/office/drawing/2010/main">
+        <mc:Choice Requires="a14">
           <p:sp>
             <p:nvSpPr>
               <p:cNvPr id="74" name="文本框 73">
@@ -12142,7 +12146,6 @@
               </a:bodyPr>
               <a:lstStyle/>
               <a:p>
-                <a:pPr/>
                 <a14:m>
                   <m:oMath xmlns:m="http://schemas.openxmlformats.org/officeDocument/2006/math">
                     <m:r>
@@ -12166,7 +12169,7 @@
             </p:txBody>
           </p:sp>
         </mc:Choice>
-        <mc:Fallback>
+        <mc:Fallback xmlns="">
           <p:sp>
             <p:nvSpPr>
               <p:cNvPr id="74" name="文本框 73">
@@ -12247,8 +12250,8 @@
           </a:p>
         </p:txBody>
       </p:sp>
-      <mc:AlternateContent xmlns:mc="http://schemas.openxmlformats.org/markup-compatibility/2006">
-        <mc:Choice xmlns:a14="http://schemas.microsoft.com/office/drawing/2010/main" Requires="a14">
+      <mc:AlternateContent xmlns:mc="http://schemas.openxmlformats.org/markup-compatibility/2006" xmlns:a14="http://schemas.microsoft.com/office/drawing/2010/main">
+        <mc:Choice Requires="a14">
           <p:sp>
             <p:nvSpPr>
               <p:cNvPr id="77" name="文本框 76">
@@ -12525,7 +12528,7 @@
             </p:txBody>
           </p:sp>
         </mc:Choice>
-        <mc:Fallback>
+        <mc:Fallback xmlns="">
           <p:sp>
             <p:nvSpPr>
               <p:cNvPr id="77" name="文本框 76">
@@ -14449,8 +14452,8 @@
           </mc:Fallback>
         </mc:AlternateContent>
       </p:grpSp>
-      <mc:AlternateContent xmlns:mc="http://schemas.openxmlformats.org/markup-compatibility/2006">
-        <mc:Choice xmlns:a14="http://schemas.microsoft.com/office/drawing/2010/main" Requires="a14">
+      <mc:AlternateContent xmlns:mc="http://schemas.openxmlformats.org/markup-compatibility/2006" xmlns:a14="http://schemas.microsoft.com/office/drawing/2010/main">
+        <mc:Choice Requires="a14">
           <p:sp>
             <p:nvSpPr>
               <p:cNvPr id="40" name="文本框 39">
@@ -14611,7 +14614,7 @@
             </p:txBody>
           </p:sp>
         </mc:Choice>
-        <mc:Fallback>
+        <mc:Fallback xmlns="">
           <p:sp>
             <p:nvSpPr>
               <p:cNvPr id="40" name="文本框 39">
@@ -14755,8 +14758,8 @@
           </a:p>
         </p:txBody>
       </p:sp>
-      <mc:AlternateContent xmlns:mc="http://schemas.openxmlformats.org/markup-compatibility/2006">
-        <mc:Choice xmlns:a14="http://schemas.microsoft.com/office/drawing/2010/main" Requires="a14">
+      <mc:AlternateContent xmlns:mc="http://schemas.openxmlformats.org/markup-compatibility/2006" xmlns:a14="http://schemas.microsoft.com/office/drawing/2010/main">
+        <mc:Choice Requires="a14">
           <p:sp>
             <p:nvSpPr>
               <p:cNvPr id="44" name="文本框 43">
@@ -14834,7 +14837,7 @@
             </p:txBody>
           </p:sp>
         </mc:Choice>
-        <mc:Fallback>
+        <mc:Fallback xmlns="">
           <p:sp>
             <p:nvSpPr>
               <p:cNvPr id="44" name="文本框 43">
@@ -14932,8 +14935,8 @@
           </a:p>
         </p:txBody>
       </p:sp>
-      <mc:AlternateContent xmlns:mc="http://schemas.openxmlformats.org/markup-compatibility/2006">
-        <mc:Choice xmlns:a14="http://schemas.microsoft.com/office/drawing/2010/main" Requires="a14">
+      <mc:AlternateContent xmlns:mc="http://schemas.openxmlformats.org/markup-compatibility/2006" xmlns:a14="http://schemas.microsoft.com/office/drawing/2010/main">
+        <mc:Choice Requires="a14">
           <p:sp>
             <p:nvSpPr>
               <p:cNvPr id="48" name="文本框 47">
@@ -15011,7 +15014,7 @@
             </p:txBody>
           </p:sp>
         </mc:Choice>
-        <mc:Fallback>
+        <mc:Fallback xmlns="">
           <p:sp>
             <p:nvSpPr>
               <p:cNvPr id="48" name="文本框 47">
